--- a/Modelling Tutorial.pptx
+++ b/Modelling Tutorial.pptx
@@ -5,7 +5,7 @@
     <p:sldMasterId id="2147483648" r:id="rId1"/>
   </p:sldMasterIdLst>
   <p:notesMasterIdLst>
-    <p:notesMasterId r:id="rId31"/>
+    <p:notesMasterId r:id="rId36"/>
   </p:notesMasterIdLst>
   <p:sldIdLst>
     <p:sldId id="257" r:id="rId2"/>
@@ -28,15 +28,20 @@
     <p:sldId id="281" r:id="rId19"/>
     <p:sldId id="274" r:id="rId20"/>
     <p:sldId id="275" r:id="rId21"/>
-    <p:sldId id="276" r:id="rId22"/>
-    <p:sldId id="277" r:id="rId23"/>
-    <p:sldId id="278" r:id="rId24"/>
-    <p:sldId id="279" r:id="rId25"/>
-    <p:sldId id="280" r:id="rId26"/>
-    <p:sldId id="284" r:id="rId27"/>
-    <p:sldId id="282" r:id="rId28"/>
-    <p:sldId id="283" r:id="rId29"/>
-    <p:sldId id="285" r:id="rId30"/>
+    <p:sldId id="277" r:id="rId22"/>
+    <p:sldId id="278" r:id="rId23"/>
+    <p:sldId id="279" r:id="rId24"/>
+    <p:sldId id="280" r:id="rId25"/>
+    <p:sldId id="284" r:id="rId26"/>
+    <p:sldId id="282" r:id="rId27"/>
+    <p:sldId id="283" r:id="rId28"/>
+    <p:sldId id="285" r:id="rId29"/>
+    <p:sldId id="289" r:id="rId30"/>
+    <p:sldId id="292" r:id="rId31"/>
+    <p:sldId id="291" r:id="rId32"/>
+    <p:sldId id="290" r:id="rId33"/>
+    <p:sldId id="288" r:id="rId34"/>
+    <p:sldId id="276" r:id="rId35"/>
   </p:sldIdLst>
   <p:sldSz cx="12192000" cy="6858000"/>
   <p:notesSz cx="6858000" cy="9144000"/>
@@ -926,7 +931,7 @@
           <a:p>
             <a:fld id="{F8EA8144-C080-BF49-9019-09EE0F8D39E5}" type="slidenum">
               <a:rPr lang="en-US" smtClean="0"/>
-              <a:t>23</a:t>
+              <a:t>22</a:t>
             </a:fld>
             <a:endParaRPr lang="en-US"/>
           </a:p>
@@ -1018,7 +1023,7 @@
           <a:p>
             <a:fld id="{2E2AB347-178C-B344-9E21-30F93614D6F0}" type="slidenum">
               <a:rPr lang="en-US" smtClean="0"/>
-              <a:t>24</a:t>
+              <a:t>23</a:t>
             </a:fld>
             <a:endParaRPr lang="en-US"/>
           </a:p>
@@ -13956,406 +13961,6 @@
           <a:p>
             <a:r>
               <a:rPr lang="en-US" dirty="0"/>
-              <a:t>Fourfold Pattern of Risk Preferences</a:t>
-            </a:r>
-          </a:p>
-        </p:txBody>
-      </p:sp>
-      <p:graphicFrame>
-        <p:nvGraphicFramePr>
-          <p:cNvPr id="4" name="Content Placeholder 4"/>
-          <p:cNvGraphicFramePr>
-            <a:graphicFrameLocks/>
-          </p:cNvGraphicFramePr>
-          <p:nvPr>
-            <p:extLst/>
-          </p:nvPr>
-        </p:nvGraphicFramePr>
-        <p:xfrm>
-          <a:off x="1213338" y="1846262"/>
-          <a:ext cx="10037253" cy="4026999"/>
-        </p:xfrm>
-        <a:graphic>
-          <a:graphicData uri="http://schemas.openxmlformats.org/drawingml/2006/table">
-            <a:tbl>
-              <a:tblPr firstRow="1" firstCol="1" bandRow="1">
-                <a:tableStyleId>{5C22544A-7EE6-4342-B048-85BDC9FD1C3A}</a:tableStyleId>
-              </a:tblPr>
-              <a:tblGrid>
-                <a:gridCol w="3345751">
-                  <a:extLst>
-                    <a:ext uri="{9D8B030D-6E8A-4147-A177-3AD203B41FA5}">
-                      <a16:colId xmlns:a16="http://schemas.microsoft.com/office/drawing/2014/main" val="20000"/>
-                    </a:ext>
-                  </a:extLst>
-                </a:gridCol>
-                <a:gridCol w="3345751">
-                  <a:extLst>
-                    <a:ext uri="{9D8B030D-6E8A-4147-A177-3AD203B41FA5}">
-                      <a16:colId xmlns:a16="http://schemas.microsoft.com/office/drawing/2014/main" val="20001"/>
-                    </a:ext>
-                  </a:extLst>
-                </a:gridCol>
-                <a:gridCol w="3345751">
-                  <a:extLst>
-                    <a:ext uri="{9D8B030D-6E8A-4147-A177-3AD203B41FA5}">
-                      <a16:colId xmlns:a16="http://schemas.microsoft.com/office/drawing/2014/main" val="20002"/>
-                    </a:ext>
-                  </a:extLst>
-                </a:gridCol>
-              </a:tblGrid>
-              <a:tr h="1342333">
-                <a:tc>
-                  <a:txBody>
-                    <a:bodyPr/>
-                    <a:lstStyle/>
-                    <a:p>
-                      <a:pPr algn="l"/>
-                      <a:endParaRPr lang="en-US" sz="2800" dirty="0"/>
-                    </a:p>
-                  </a:txBody>
-                  <a:tcPr anchor="ctr">
-                    <a:solidFill>
-                      <a:srgbClr val="FFB7D1"/>
-                    </a:solidFill>
-                  </a:tcPr>
-                </a:tc>
-                <a:tc>
-                  <a:txBody>
-                    <a:bodyPr/>
-                    <a:lstStyle/>
-                    <a:p>
-                      <a:pPr algn="ctr"/>
-                      <a:r>
-                        <a:rPr lang="en-US" sz="2800" dirty="0"/>
-                        <a:t>Losses</a:t>
-                      </a:r>
-                    </a:p>
-                  </a:txBody>
-                  <a:tcPr anchor="ctr">
-                    <a:lnB w="38100" cmpd="sng">
-                      <a:noFill/>
-                    </a:lnB>
-                    <a:solidFill>
-                      <a:srgbClr val="FFB7D1"/>
-                    </a:solidFill>
-                  </a:tcPr>
-                </a:tc>
-                <a:tc>
-                  <a:txBody>
-                    <a:bodyPr/>
-                    <a:lstStyle/>
-                    <a:p>
-                      <a:pPr algn="ctr"/>
-                      <a:r>
-                        <a:rPr lang="en-US" sz="2800" dirty="0"/>
-                        <a:t>Gains</a:t>
-                      </a:r>
-                    </a:p>
-                  </a:txBody>
-                  <a:tcPr anchor="ctr">
-                    <a:solidFill>
-                      <a:srgbClr val="FFB7D1"/>
-                    </a:solidFill>
-                  </a:tcPr>
-                </a:tc>
-                <a:extLst>
-                  <a:ext uri="{0D108BD9-81ED-4DB2-BD59-A6C34878D82A}">
-                    <a16:rowId xmlns:a16="http://schemas.microsoft.com/office/drawing/2014/main" val="10000"/>
-                  </a:ext>
-                </a:extLst>
-              </a:tr>
-              <a:tr h="1342333">
-                <a:tc>
-                  <a:txBody>
-                    <a:bodyPr/>
-                    <a:lstStyle/>
-                    <a:p>
-                      <a:pPr algn="l"/>
-                      <a:r>
-                        <a:rPr lang="en-US" sz="2800" dirty="0"/>
-                        <a:t>High Probability</a:t>
-                      </a:r>
-                    </a:p>
-                  </a:txBody>
-                  <a:tcPr anchor="ctr">
-                    <a:lnR w="12700" cmpd="sng">
-                      <a:noFill/>
-                    </a:lnR>
-                    <a:solidFill>
-                      <a:srgbClr val="FFB7D1"/>
-                    </a:solidFill>
-                  </a:tcPr>
-                </a:tc>
-                <a:tc>
-                  <a:txBody>
-                    <a:bodyPr/>
-                    <a:lstStyle/>
-                    <a:p>
-                      <a:pPr algn="ctr"/>
-                      <a:r>
-                        <a:rPr lang="en-US" sz="2800" dirty="0">
-                          <a:solidFill>
-                            <a:schemeClr val="tx1"/>
-                          </a:solidFill>
-                        </a:rPr>
-                        <a:t>Horror Movie Logic</a:t>
-                      </a:r>
-                    </a:p>
-                  </a:txBody>
-                  <a:tcPr anchor="ctr">
-                    <a:lnL w="12700" cmpd="sng">
-                      <a:noFill/>
-                    </a:lnL>
-                    <a:lnR w="12700" cmpd="sng">
-                      <a:noFill/>
-                    </a:lnR>
-                    <a:lnT w="38100" cmpd="sng">
-                      <a:noFill/>
-                    </a:lnT>
-                    <a:lnB w="12700" cmpd="sng">
-                      <a:noFill/>
-                    </a:lnB>
-                    <a:lnTlToBr w="12700" cmpd="sng">
-                      <a:noFill/>
-                      <a:prstDash val="solid"/>
-                    </a:lnTlToBr>
-                    <a:lnBlToTr w="12700" cmpd="sng">
-                      <a:noFill/>
-                      <a:prstDash val="solid"/>
-                    </a:lnBlToTr>
-                    <a:solidFill>
-                      <a:srgbClr val="FFE5EF"/>
-                    </a:solidFill>
-                  </a:tcPr>
-                </a:tc>
-                <a:tc>
-                  <a:txBody>
-                    <a:bodyPr/>
-                    <a:lstStyle/>
-                    <a:p>
-                      <a:pPr algn="ctr"/>
-                      <a:r>
-                        <a:rPr lang="en-US" sz="2800" dirty="0"/>
-                        <a:t>Salary/Jobs</a:t>
-                      </a:r>
-                      <a:endParaRPr lang="en-US" sz="2800" dirty="0">
-                        <a:solidFill>
-                          <a:schemeClr val="bg1"/>
-                        </a:solidFill>
-                      </a:endParaRPr>
-                    </a:p>
-                  </a:txBody>
-                  <a:tcPr anchor="ctr">
-                    <a:lnL w="12700" cmpd="sng">
-                      <a:noFill/>
-                    </a:lnL>
-                    <a:solidFill>
-                      <a:srgbClr val="FFD4E0"/>
-                    </a:solidFill>
-                  </a:tcPr>
-                </a:tc>
-                <a:extLst>
-                  <a:ext uri="{0D108BD9-81ED-4DB2-BD59-A6C34878D82A}">
-                    <a16:rowId xmlns:a16="http://schemas.microsoft.com/office/drawing/2014/main" val="10001"/>
-                  </a:ext>
-                </a:extLst>
-              </a:tr>
-              <a:tr h="1342333">
-                <a:tc>
-                  <a:txBody>
-                    <a:bodyPr/>
-                    <a:lstStyle/>
-                    <a:p>
-                      <a:pPr algn="l"/>
-                      <a:r>
-                        <a:rPr lang="en-US" sz="2800" dirty="0"/>
-                        <a:t>Low Probability</a:t>
-                      </a:r>
-                    </a:p>
-                  </a:txBody>
-                  <a:tcPr anchor="ctr">
-                    <a:solidFill>
-                      <a:srgbClr val="FFB7D1"/>
-                    </a:solidFill>
-                  </a:tcPr>
-                </a:tc>
-                <a:tc>
-                  <a:txBody>
-                    <a:bodyPr/>
-                    <a:lstStyle/>
-                    <a:p>
-                      <a:pPr algn="ctr"/>
-                      <a:r>
-                        <a:rPr lang="en-US" sz="2800" dirty="0"/>
-                        <a:t>Insurance</a:t>
-                      </a:r>
-                    </a:p>
-                  </a:txBody>
-                  <a:tcPr anchor="ctr">
-                    <a:lnT w="12700" cmpd="sng">
-                      <a:noFill/>
-                    </a:lnT>
-                    <a:solidFill>
-                      <a:srgbClr val="FFD4E0"/>
-                    </a:solidFill>
-                  </a:tcPr>
-                </a:tc>
-                <a:tc>
-                  <a:txBody>
-                    <a:bodyPr/>
-                    <a:lstStyle/>
-                    <a:p>
-                      <a:pPr algn="ctr"/>
-                      <a:r>
-                        <a:rPr lang="en-US" sz="2800" dirty="0"/>
-                        <a:t>Lottery Tickets</a:t>
-                      </a:r>
-                      <a:endParaRPr lang="en-US" sz="2800" dirty="0">
-                        <a:solidFill>
-                          <a:schemeClr val="bg1"/>
-                        </a:solidFill>
-                      </a:endParaRPr>
-                    </a:p>
-                  </a:txBody>
-                  <a:tcPr anchor="ctr">
-                    <a:solidFill>
-                      <a:srgbClr val="FFE5EF"/>
-                    </a:solidFill>
-                  </a:tcPr>
-                </a:tc>
-                <a:extLst>
-                  <a:ext uri="{0D108BD9-81ED-4DB2-BD59-A6C34878D82A}">
-                    <a16:rowId xmlns:a16="http://schemas.microsoft.com/office/drawing/2014/main" val="10002"/>
-                  </a:ext>
-                </a:extLst>
-              </a:tr>
-            </a:tbl>
-          </a:graphicData>
-        </a:graphic>
-      </p:graphicFrame>
-    </p:spTree>
-    <p:extLst>
-      <p:ext uri="{BB962C8B-B14F-4D97-AF65-F5344CB8AC3E}">
-        <p14:creationId xmlns:p14="http://schemas.microsoft.com/office/powerpoint/2010/main" val="1434763892"/>
-      </p:ext>
-    </p:extLst>
-  </p:cSld>
-  <p:clrMapOvr>
-    <a:masterClrMapping/>
-  </p:clrMapOvr>
-  <p:timing>
-    <p:tnLst>
-      <p:par>
-        <p:cTn id="1" dur="indefinite" restart="never" nodeType="tmRoot">
-          <p:childTnLst>
-            <p:seq concurrent="1" nextAc="seek">
-              <p:cTn id="2" dur="indefinite" nodeType="mainSeq">
-                <p:childTnLst>
-                  <p:par>
-                    <p:cTn id="3" fill="hold">
-                      <p:stCondLst>
-                        <p:cond delay="indefinite"/>
-                      </p:stCondLst>
-                      <p:childTnLst>
-                        <p:par>
-                          <p:cTn id="4" fill="hold">
-                            <p:stCondLst>
-                              <p:cond delay="0"/>
-                            </p:stCondLst>
-                            <p:childTnLst>
-                              <p:par>
-                                <p:cTn id="5" presetID="1" presetClass="entr" presetSubtype="0" fill="hold" nodeType="clickEffect">
-                                  <p:stCondLst>
-                                    <p:cond delay="0"/>
-                                  </p:stCondLst>
-                                  <p:childTnLst>
-                                    <p:set>
-                                      <p:cBhvr>
-                                        <p:cTn id="6" dur="1" fill="hold">
-                                          <p:stCondLst>
-                                            <p:cond delay="0"/>
-                                          </p:stCondLst>
-                                        </p:cTn>
-                                        <p:tgtEl>
-                                          <p:spTgt spid="4"/>
-                                        </p:tgtEl>
-                                        <p:attrNameLst>
-                                          <p:attrName>style.visibility</p:attrName>
-                                        </p:attrNameLst>
-                                      </p:cBhvr>
-                                      <p:to>
-                                        <p:strVal val="visible"/>
-                                      </p:to>
-                                    </p:set>
-                                  </p:childTnLst>
-                                </p:cTn>
-                              </p:par>
-                            </p:childTnLst>
-                          </p:cTn>
-                        </p:par>
-                      </p:childTnLst>
-                    </p:cTn>
-                  </p:par>
-                </p:childTnLst>
-              </p:cTn>
-              <p:prevCondLst>
-                <p:cond evt="onPrev" delay="0">
-                  <p:tgtEl>
-                    <p:sldTgt/>
-                  </p:tgtEl>
-                </p:cond>
-              </p:prevCondLst>
-              <p:nextCondLst>
-                <p:cond evt="onNext" delay="0">
-                  <p:tgtEl>
-                    <p:sldTgt/>
-                  </p:tgtEl>
-                </p:cond>
-              </p:nextCondLst>
-            </p:seq>
-          </p:childTnLst>
-        </p:cTn>
-      </p:par>
-    </p:tnLst>
-  </p:timing>
-</p:sld>
-</file>
-
-<file path=ppt/slides/slide22.xml><?xml version="1.0" encoding="utf-8"?>
-<p:sld xmlns:a="http://schemas.openxmlformats.org/drawingml/2006/main" xmlns:r="http://schemas.openxmlformats.org/officeDocument/2006/relationships" xmlns:p="http://schemas.openxmlformats.org/presentationml/2006/main">
-  <p:cSld>
-    <p:spTree>
-      <p:nvGrpSpPr>
-        <p:cNvPr id="1" name=""/>
-        <p:cNvGrpSpPr/>
-        <p:nvPr/>
-      </p:nvGrpSpPr>
-      <p:grpSpPr>
-        <a:xfrm>
-          <a:off x="0" y="0"/>
-          <a:ext cx="0" cy="0"/>
-          <a:chOff x="0" y="0"/>
-          <a:chExt cx="0" cy="0"/>
-        </a:xfrm>
-      </p:grpSpPr>
-      <p:sp>
-        <p:nvSpPr>
-          <p:cNvPr id="2" name="Title 1"/>
-          <p:cNvSpPr>
-            <a:spLocks noGrp="1"/>
-          </p:cNvSpPr>
-          <p:nvPr>
-            <p:ph type="title"/>
-          </p:nvPr>
-        </p:nvSpPr>
-        <p:spPr/>
-        <p:txBody>
-          <a:bodyPr/>
-          <a:lstStyle/>
-          <a:p>
-            <a:r>
-              <a:rPr lang="en-US" dirty="0"/>
               <a:t>Prospect theory</a:t>
             </a:r>
           </a:p>
@@ -14884,7 +14489,7 @@
 </p:sld>
 </file>
 
-<file path=ppt/slides/slide23.xml><?xml version="1.0" encoding="utf-8"?>
+<file path=ppt/slides/slide22.xml><?xml version="1.0" encoding="utf-8"?>
 <p:sld xmlns:a="http://schemas.openxmlformats.org/drawingml/2006/main" xmlns:r="http://schemas.openxmlformats.org/officeDocument/2006/relationships" xmlns:p="http://schemas.openxmlformats.org/presentationml/2006/main">
   <p:cSld>
     <p:spTree>
@@ -16642,7 +16247,7 @@
 </p:sld>
 </file>
 
-<file path=ppt/slides/slide24.xml><?xml version="1.0" encoding="utf-8"?>
+<file path=ppt/slides/slide23.xml><?xml version="1.0" encoding="utf-8"?>
 <p:sld xmlns:a="http://schemas.openxmlformats.org/drawingml/2006/main" xmlns:r="http://schemas.openxmlformats.org/officeDocument/2006/relationships" xmlns:p="http://schemas.openxmlformats.org/presentationml/2006/main">
   <p:cSld>
     <p:spTree>
@@ -17308,7 +16913,7 @@
 </p:sld>
 </file>
 
-<file path=ppt/slides/slide25.xml><?xml version="1.0" encoding="utf-8"?>
+<file path=ppt/slides/slide24.xml><?xml version="1.0" encoding="utf-8"?>
 <p:sld xmlns:a="http://schemas.openxmlformats.org/drawingml/2006/main" xmlns:r="http://schemas.openxmlformats.org/officeDocument/2006/relationships" xmlns:p="http://schemas.openxmlformats.org/presentationml/2006/main">
   <p:cSld>
     <p:spTree>
@@ -18676,7 +18281,7 @@
 </p:sld>
 </file>
 
-<file path=ppt/slides/slide26.xml><?xml version="1.0" encoding="utf-8"?>
+<file path=ppt/slides/slide25.xml><?xml version="1.0" encoding="utf-8"?>
 <p:sld xmlns:a="http://schemas.openxmlformats.org/drawingml/2006/main" xmlns:r="http://schemas.openxmlformats.org/officeDocument/2006/relationships" xmlns:p="http://schemas.openxmlformats.org/presentationml/2006/main">
   <p:cSld>
     <p:spTree>
@@ -18924,7 +18529,7 @@
 </p:sld>
 </file>
 
-<file path=ppt/slides/slide27.xml><?xml version="1.0" encoding="utf-8"?>
+<file path=ppt/slides/slide26.xml><?xml version="1.0" encoding="utf-8"?>
 <p:sld xmlns:a="http://schemas.openxmlformats.org/drawingml/2006/main" xmlns:r="http://schemas.openxmlformats.org/officeDocument/2006/relationships" xmlns:p="http://schemas.openxmlformats.org/presentationml/2006/main">
   <p:cSld>
     <p:spTree>
@@ -18995,7 +18600,7 @@
 </p:sld>
 </file>
 
-<file path=ppt/slides/slide28.xml><?xml version="1.0" encoding="utf-8"?>
+<file path=ppt/slides/slide27.xml><?xml version="1.0" encoding="utf-8"?>
 <p:sld xmlns:a="http://schemas.openxmlformats.org/drawingml/2006/main" xmlns:r="http://schemas.openxmlformats.org/officeDocument/2006/relationships" xmlns:p="http://schemas.openxmlformats.org/presentationml/2006/main">
   <p:cSld>
     <p:spTree>
@@ -19087,7 +18692,7 @@
 </p:sld>
 </file>
 
-<file path=ppt/slides/slide29.xml><?xml version="1.0" encoding="utf-8"?>
+<file path=ppt/slides/slide28.xml><?xml version="1.0" encoding="utf-8"?>
 <p:sld xmlns:a="http://schemas.openxmlformats.org/drawingml/2006/main" xmlns:r="http://schemas.openxmlformats.org/officeDocument/2006/relationships" xmlns:p="http://schemas.openxmlformats.org/presentationml/2006/main">
   <p:cSld>
     <p:spTree>
@@ -19470,6 +19075,89 @@
     <p:extLst>
       <p:ext uri="{BB962C8B-B14F-4D97-AF65-F5344CB8AC3E}">
         <p14:creationId xmlns:p14="http://schemas.microsoft.com/office/powerpoint/2010/main" val="304340655"/>
+      </p:ext>
+    </p:extLst>
+  </p:cSld>
+  <p:clrMapOvr>
+    <a:masterClrMapping/>
+  </p:clrMapOvr>
+</p:sld>
+</file>
+
+<file path=ppt/slides/slide29.xml><?xml version="1.0" encoding="utf-8"?>
+<p:sld xmlns:a="http://schemas.openxmlformats.org/drawingml/2006/main" xmlns:r="http://schemas.openxmlformats.org/officeDocument/2006/relationships" xmlns:p="http://schemas.openxmlformats.org/presentationml/2006/main">
+  <p:cSld>
+    <p:spTree>
+      <p:nvGrpSpPr>
+        <p:cNvPr id="1" name=""/>
+        <p:cNvGrpSpPr/>
+        <p:nvPr/>
+      </p:nvGrpSpPr>
+      <p:grpSpPr>
+        <a:xfrm>
+          <a:off x="0" y="0"/>
+          <a:ext cx="0" cy="0"/>
+          <a:chOff x="0" y="0"/>
+          <a:chExt cx="0" cy="0"/>
+        </a:xfrm>
+      </p:grpSpPr>
+      <p:sp>
+        <p:nvSpPr>
+          <p:cNvPr id="2" name="Title 1">
+            <a:extLst>
+              <a:ext uri="{FF2B5EF4-FFF2-40B4-BE49-F238E27FC236}">
+                <a16:creationId xmlns:a16="http://schemas.microsoft.com/office/drawing/2014/main" id="{FEF62AE3-D5C6-3F49-9C33-C0D63D5AF303}"/>
+              </a:ext>
+            </a:extLst>
+          </p:cNvPr>
+          <p:cNvSpPr>
+            <a:spLocks noGrp="1"/>
+          </p:cNvSpPr>
+          <p:nvPr>
+            <p:ph type="title"/>
+          </p:nvPr>
+        </p:nvSpPr>
+        <p:spPr/>
+        <p:txBody>
+          <a:bodyPr/>
+          <a:lstStyle/>
+          <a:p>
+            <a:r>
+              <a:rPr lang="en-US" dirty="0"/>
+              <a:t>Data Analysis</a:t>
+            </a:r>
+          </a:p>
+        </p:txBody>
+      </p:sp>
+      <p:sp>
+        <p:nvSpPr>
+          <p:cNvPr id="3" name="Text Placeholder 2">
+            <a:extLst>
+              <a:ext uri="{FF2B5EF4-FFF2-40B4-BE49-F238E27FC236}">
+                <a16:creationId xmlns:a16="http://schemas.microsoft.com/office/drawing/2014/main" id="{C100A0F6-D115-EA44-9F39-762B1506D7AB}"/>
+              </a:ext>
+            </a:extLst>
+          </p:cNvPr>
+          <p:cNvSpPr>
+            <a:spLocks noGrp="1"/>
+          </p:cNvSpPr>
+          <p:nvPr>
+            <p:ph type="body" idx="1"/>
+          </p:nvPr>
+        </p:nvSpPr>
+        <p:spPr/>
+        <p:txBody>
+          <a:bodyPr/>
+          <a:lstStyle/>
+          <a:p>
+            <a:endParaRPr lang="en-US" dirty="0"/>
+          </a:p>
+        </p:txBody>
+      </p:sp>
+    </p:spTree>
+    <p:extLst>
+      <p:ext uri="{BB962C8B-B14F-4D97-AF65-F5344CB8AC3E}">
+        <p14:creationId xmlns:p14="http://schemas.microsoft.com/office/powerpoint/2010/main" val="2071689826"/>
       </p:ext>
     </p:extLst>
   </p:cSld>
@@ -20107,6 +19795,976 @@
                                       </p:to>
                                     </p:animClr>
                                   </p:subTnLst>
+                                </p:cTn>
+                              </p:par>
+                            </p:childTnLst>
+                          </p:cTn>
+                        </p:par>
+                      </p:childTnLst>
+                    </p:cTn>
+                  </p:par>
+                </p:childTnLst>
+              </p:cTn>
+              <p:prevCondLst>
+                <p:cond evt="onPrev" delay="0">
+                  <p:tgtEl>
+                    <p:sldTgt/>
+                  </p:tgtEl>
+                </p:cond>
+              </p:prevCondLst>
+              <p:nextCondLst>
+                <p:cond evt="onNext" delay="0">
+                  <p:tgtEl>
+                    <p:sldTgt/>
+                  </p:tgtEl>
+                </p:cond>
+              </p:nextCondLst>
+            </p:seq>
+          </p:childTnLst>
+        </p:cTn>
+      </p:par>
+    </p:tnLst>
+  </p:timing>
+</p:sld>
+</file>
+
+<file path=ppt/slides/slide30.xml><?xml version="1.0" encoding="utf-8"?>
+<p:sld xmlns:a="http://schemas.openxmlformats.org/drawingml/2006/main" xmlns:r="http://schemas.openxmlformats.org/officeDocument/2006/relationships" xmlns:p="http://schemas.openxmlformats.org/presentationml/2006/main">
+  <p:cSld>
+    <p:spTree>
+      <p:nvGrpSpPr>
+        <p:cNvPr id="1" name=""/>
+        <p:cNvGrpSpPr/>
+        <p:nvPr/>
+      </p:nvGrpSpPr>
+      <p:grpSpPr>
+        <a:xfrm>
+          <a:off x="0" y="0"/>
+          <a:ext cx="0" cy="0"/>
+          <a:chOff x="0" y="0"/>
+          <a:chExt cx="0" cy="0"/>
+        </a:xfrm>
+      </p:grpSpPr>
+      <p:sp>
+        <p:nvSpPr>
+          <p:cNvPr id="4" name="Title 3">
+            <a:extLst>
+              <a:ext uri="{FF2B5EF4-FFF2-40B4-BE49-F238E27FC236}">
+                <a16:creationId xmlns:a16="http://schemas.microsoft.com/office/drawing/2014/main" id="{712D5AA8-932F-B143-AAC9-660061FA55A1}"/>
+              </a:ext>
+            </a:extLst>
+          </p:cNvPr>
+          <p:cNvSpPr>
+            <a:spLocks noGrp="1"/>
+          </p:cNvSpPr>
+          <p:nvPr>
+            <p:ph type="title"/>
+          </p:nvPr>
+        </p:nvSpPr>
+        <p:spPr/>
+        <p:txBody>
+          <a:bodyPr/>
+          <a:lstStyle/>
+          <a:p>
+            <a:r>
+              <a:rPr lang="en-US" dirty="0"/>
+              <a:t>Hypothesis</a:t>
+            </a:r>
+          </a:p>
+        </p:txBody>
+      </p:sp>
+      <p:sp>
+        <p:nvSpPr>
+          <p:cNvPr id="5" name="Content Placeholder 4">
+            <a:extLst>
+              <a:ext uri="{FF2B5EF4-FFF2-40B4-BE49-F238E27FC236}">
+                <a16:creationId xmlns:a16="http://schemas.microsoft.com/office/drawing/2014/main" id="{1ADE9924-0497-BE4F-9614-91DC461B29E6}"/>
+              </a:ext>
+            </a:extLst>
+          </p:cNvPr>
+          <p:cNvSpPr>
+            <a:spLocks noGrp="1"/>
+          </p:cNvSpPr>
+          <p:nvPr>
+            <p:ph sz="half" idx="1"/>
+          </p:nvPr>
+        </p:nvSpPr>
+        <p:spPr/>
+        <p:txBody>
+          <a:bodyPr/>
+          <a:lstStyle/>
+          <a:p>
+            <a:r>
+              <a:rPr lang="en-US" dirty="0"/>
+              <a:t>Does wearing Designer shirts makes you place more utility on larger sums of money?</a:t>
+            </a:r>
+          </a:p>
+          <a:p>
+            <a:r>
+              <a:rPr lang="en-US" dirty="0"/>
+              <a:t>Condition 1: Designer Shirt</a:t>
+            </a:r>
+          </a:p>
+          <a:p>
+            <a:r>
+              <a:rPr lang="en-US" dirty="0"/>
+              <a:t>Condition 2: Cheap Shirt</a:t>
+            </a:r>
+          </a:p>
+        </p:txBody>
+      </p:sp>
+      <p:pic>
+        <p:nvPicPr>
+          <p:cNvPr id="10" name="Picture 9">
+            <a:extLst>
+              <a:ext uri="{FF2B5EF4-FFF2-40B4-BE49-F238E27FC236}">
+                <a16:creationId xmlns:a16="http://schemas.microsoft.com/office/drawing/2014/main" id="{425799A7-F6C1-CF43-A4ED-179AF6CDBF67}"/>
+              </a:ext>
+            </a:extLst>
+          </p:cNvPr>
+          <p:cNvPicPr>
+            <a:picLocks noChangeAspect="1"/>
+          </p:cNvPicPr>
+          <p:nvPr/>
+        </p:nvPicPr>
+        <p:blipFill rotWithShape="1">
+          <a:blip r:embed="rId2">
+            <a:clrChange>
+              <a:clrFrom>
+                <a:srgbClr val="FFFFFF"/>
+              </a:clrFrom>
+              <a:clrTo>
+                <a:srgbClr val="FFFFFF">
+                  <a:alpha val="0"/>
+                </a:srgbClr>
+              </a:clrTo>
+            </a:clrChange>
+          </a:blip>
+          <a:srcRect l="13438" t="12472" r="13708" b="17078"/>
+          <a:stretch/>
+        </p:blipFill>
+        <p:spPr>
+          <a:xfrm>
+            <a:off x="9050694" y="1272748"/>
+            <a:ext cx="2875454" cy="2780522"/>
+          </a:xfrm>
+          <a:prstGeom prst="rect">
+            <a:avLst/>
+          </a:prstGeom>
+        </p:spPr>
+      </p:pic>
+      <p:pic>
+        <p:nvPicPr>
+          <p:cNvPr id="8" name="Picture 7">
+            <a:extLst>
+              <a:ext uri="{FF2B5EF4-FFF2-40B4-BE49-F238E27FC236}">
+                <a16:creationId xmlns:a16="http://schemas.microsoft.com/office/drawing/2014/main" id="{C15814F6-69F1-834A-8CA0-FE6BFBE842F7}"/>
+              </a:ext>
+            </a:extLst>
+          </p:cNvPr>
+          <p:cNvPicPr>
+            <a:picLocks noChangeAspect="1"/>
+          </p:cNvPicPr>
+          <p:nvPr/>
+        </p:nvPicPr>
+        <p:blipFill>
+          <a:blip r:embed="rId3">
+            <a:clrChange>
+              <a:clrFrom>
+                <a:srgbClr val="FFFFFF"/>
+              </a:clrFrom>
+              <a:clrTo>
+                <a:srgbClr val="FFFFFF">
+                  <a:alpha val="0"/>
+                </a:srgbClr>
+              </a:clrTo>
+            </a:clrChange>
+          </a:blip>
+          <a:stretch>
+            <a:fillRect/>
+          </a:stretch>
+        </p:blipFill>
+        <p:spPr>
+          <a:xfrm>
+            <a:off x="7564535" y="3884177"/>
+            <a:ext cx="2929215" cy="2659224"/>
+          </a:xfrm>
+          <a:prstGeom prst="rect">
+            <a:avLst/>
+          </a:prstGeom>
+        </p:spPr>
+      </p:pic>
+      <p:pic>
+        <p:nvPicPr>
+          <p:cNvPr id="12" name="Picture 11">
+            <a:extLst>
+              <a:ext uri="{FF2B5EF4-FFF2-40B4-BE49-F238E27FC236}">
+                <a16:creationId xmlns:a16="http://schemas.microsoft.com/office/drawing/2014/main" id="{D9064407-59B3-D445-8E5F-055D4F744453}"/>
+              </a:ext>
+            </a:extLst>
+          </p:cNvPr>
+          <p:cNvPicPr>
+            <a:picLocks noChangeAspect="1"/>
+          </p:cNvPicPr>
+          <p:nvPr/>
+        </p:nvPicPr>
+        <p:blipFill>
+          <a:blip r:embed="rId4">
+            <a:clrChange>
+              <a:clrFrom>
+                <a:srgbClr val="FFFFFF"/>
+              </a:clrFrom>
+              <a:clrTo>
+                <a:srgbClr val="FFFFFF">
+                  <a:alpha val="0"/>
+                </a:srgbClr>
+              </a:clrTo>
+            </a:clrChange>
+          </a:blip>
+          <a:stretch>
+            <a:fillRect/>
+          </a:stretch>
+        </p:blipFill>
+        <p:spPr>
+          <a:xfrm>
+            <a:off x="6744548" y="1441842"/>
+            <a:ext cx="2442335" cy="2442335"/>
+          </a:xfrm>
+          <a:prstGeom prst="rect">
+            <a:avLst/>
+          </a:prstGeom>
+        </p:spPr>
+      </p:pic>
+    </p:spTree>
+    <p:extLst>
+      <p:ext uri="{BB962C8B-B14F-4D97-AF65-F5344CB8AC3E}">
+        <p14:creationId xmlns:p14="http://schemas.microsoft.com/office/powerpoint/2010/main" val="598082717"/>
+      </p:ext>
+    </p:extLst>
+  </p:cSld>
+  <p:clrMapOvr>
+    <a:masterClrMapping/>
+  </p:clrMapOvr>
+</p:sld>
+</file>
+
+<file path=ppt/slides/slide31.xml><?xml version="1.0" encoding="utf-8"?>
+<p:sld xmlns:a="http://schemas.openxmlformats.org/drawingml/2006/main" xmlns:r="http://schemas.openxmlformats.org/officeDocument/2006/relationships" xmlns:p="http://schemas.openxmlformats.org/presentationml/2006/main">
+  <p:cSld>
+    <p:spTree>
+      <p:nvGrpSpPr>
+        <p:cNvPr id="1" name=""/>
+        <p:cNvGrpSpPr/>
+        <p:nvPr/>
+      </p:nvGrpSpPr>
+      <p:grpSpPr>
+        <a:xfrm>
+          <a:off x="0" y="0"/>
+          <a:ext cx="0" cy="0"/>
+          <a:chOff x="0" y="0"/>
+          <a:chExt cx="0" cy="0"/>
+        </a:xfrm>
+      </p:grpSpPr>
+      <p:sp>
+        <p:nvSpPr>
+          <p:cNvPr id="4" name="Title 3">
+            <a:extLst>
+              <a:ext uri="{FF2B5EF4-FFF2-40B4-BE49-F238E27FC236}">
+                <a16:creationId xmlns:a16="http://schemas.microsoft.com/office/drawing/2014/main" id="{714C402D-C875-314E-985D-4D3740CA6E7B}"/>
+              </a:ext>
+            </a:extLst>
+          </p:cNvPr>
+          <p:cNvSpPr>
+            <a:spLocks noGrp="1"/>
+          </p:cNvSpPr>
+          <p:nvPr>
+            <p:ph type="title"/>
+          </p:nvPr>
+        </p:nvSpPr>
+        <p:spPr/>
+        <p:txBody>
+          <a:bodyPr/>
+          <a:lstStyle/>
+          <a:p>
+            <a:r>
+              <a:rPr lang="en-US" dirty="0"/>
+              <a:t>Task</a:t>
+            </a:r>
+          </a:p>
+        </p:txBody>
+      </p:sp>
+      <p:pic>
+        <p:nvPicPr>
+          <p:cNvPr id="6" name="Content Placeholder 3">
+            <a:extLst>
+              <a:ext uri="{FF2B5EF4-FFF2-40B4-BE49-F238E27FC236}">
+                <a16:creationId xmlns:a16="http://schemas.microsoft.com/office/drawing/2014/main" id="{4A673692-4F04-AA43-BFA9-0984169BE224}"/>
+              </a:ext>
+            </a:extLst>
+          </p:cNvPr>
+          <p:cNvPicPr>
+            <a:picLocks noGrp="1" noChangeAspect="1"/>
+          </p:cNvPicPr>
+          <p:nvPr>
+            <p:ph idx="1"/>
+          </p:nvPr>
+        </p:nvPicPr>
+        <p:blipFill rotWithShape="1">
+          <a:blip r:embed="rId2">
+            <a:extLst>
+              <a:ext uri="{28A0092B-C50C-407E-A947-70E740481C1C}">
+                <a14:useLocalDpi xmlns:a14="http://schemas.microsoft.com/office/drawing/2010/main" val="0"/>
+              </a:ext>
+            </a:extLst>
+          </a:blip>
+          <a:srcRect t="25411"/>
+          <a:stretch/>
+        </p:blipFill>
+        <p:spPr>
+          <a:xfrm>
+            <a:off x="1047750" y="2306509"/>
+            <a:ext cx="10096500" cy="2235584"/>
+          </a:xfrm>
+        </p:spPr>
+      </p:pic>
+    </p:spTree>
+    <p:extLst>
+      <p:ext uri="{BB962C8B-B14F-4D97-AF65-F5344CB8AC3E}">
+        <p14:creationId xmlns:p14="http://schemas.microsoft.com/office/powerpoint/2010/main" val="526791080"/>
+      </p:ext>
+    </p:extLst>
+  </p:cSld>
+  <p:clrMapOvr>
+    <a:masterClrMapping/>
+  </p:clrMapOvr>
+</p:sld>
+</file>
+
+<file path=ppt/slides/slide32.xml><?xml version="1.0" encoding="utf-8"?>
+<p:sld xmlns:a="http://schemas.openxmlformats.org/drawingml/2006/main" xmlns:r="http://schemas.openxmlformats.org/officeDocument/2006/relationships" xmlns:p="http://schemas.openxmlformats.org/presentationml/2006/main">
+  <p:cSld>
+    <p:spTree>
+      <p:nvGrpSpPr>
+        <p:cNvPr id="1" name=""/>
+        <p:cNvGrpSpPr/>
+        <p:nvPr/>
+      </p:nvGrpSpPr>
+      <p:grpSpPr>
+        <a:xfrm>
+          <a:off x="0" y="0"/>
+          <a:ext cx="0" cy="0"/>
+          <a:chOff x="0" y="0"/>
+          <a:chExt cx="0" cy="0"/>
+        </a:xfrm>
+      </p:grpSpPr>
+      <p:sp>
+        <p:nvSpPr>
+          <p:cNvPr id="10" name="Title 9">
+            <a:extLst>
+              <a:ext uri="{FF2B5EF4-FFF2-40B4-BE49-F238E27FC236}">
+                <a16:creationId xmlns:a16="http://schemas.microsoft.com/office/drawing/2014/main" id="{FE453712-55BF-C94A-AAC4-7AA10EAF4FC6}"/>
+              </a:ext>
+            </a:extLst>
+          </p:cNvPr>
+          <p:cNvSpPr>
+            <a:spLocks noGrp="1"/>
+          </p:cNvSpPr>
+          <p:nvPr>
+            <p:ph type="title"/>
+          </p:nvPr>
+        </p:nvSpPr>
+        <p:spPr/>
+        <p:txBody>
+          <a:bodyPr/>
+          <a:lstStyle/>
+          <a:p>
+            <a:r>
+              <a:rPr lang="en-US" dirty="0"/>
+              <a:t>Data</a:t>
+            </a:r>
+          </a:p>
+        </p:txBody>
+      </p:sp>
+      <p:sp>
+        <p:nvSpPr>
+          <p:cNvPr id="11" name="Content Placeholder 10">
+            <a:extLst>
+              <a:ext uri="{FF2B5EF4-FFF2-40B4-BE49-F238E27FC236}">
+                <a16:creationId xmlns:a16="http://schemas.microsoft.com/office/drawing/2014/main" id="{B048F577-A006-694C-A0EF-57C73B002CEF}"/>
+              </a:ext>
+            </a:extLst>
+          </p:cNvPr>
+          <p:cNvSpPr>
+            <a:spLocks noGrp="1"/>
+          </p:cNvSpPr>
+          <p:nvPr>
+            <p:ph sz="half" idx="1"/>
+          </p:nvPr>
+        </p:nvSpPr>
+        <p:spPr/>
+        <p:txBody>
+          <a:bodyPr/>
+          <a:lstStyle/>
+          <a:p>
+            <a:r>
+              <a:rPr lang="en-US" dirty="0" err="1"/>
+              <a:t>P_Gamble</a:t>
+            </a:r>
+            <a:r>
+              <a:rPr lang="en-US" dirty="0"/>
+              <a:t>: probability of the gamble</a:t>
+            </a:r>
+          </a:p>
+          <a:p>
+            <a:r>
+              <a:rPr lang="en-US" dirty="0" err="1"/>
+              <a:t>A_Gamble</a:t>
+            </a:r>
+            <a:r>
+              <a:rPr lang="en-US" dirty="0"/>
+              <a:t>: Amount of $ for the Gamble</a:t>
+            </a:r>
+          </a:p>
+          <a:p>
+            <a:r>
+              <a:rPr lang="en-US" dirty="0" err="1"/>
+              <a:t>A_Certain</a:t>
+            </a:r>
+            <a:r>
+              <a:rPr lang="en-US" dirty="0"/>
+              <a:t>: Amount of $ for the certain option</a:t>
+            </a:r>
+          </a:p>
+          <a:p>
+            <a:r>
+              <a:rPr lang="en-US" dirty="0"/>
+              <a:t>PID: Participant ID</a:t>
+            </a:r>
+          </a:p>
+          <a:p>
+            <a:r>
+              <a:rPr lang="en-US" dirty="0"/>
+              <a:t>Condition: Experimental condition</a:t>
+            </a:r>
+          </a:p>
+        </p:txBody>
+      </p:sp>
+      <p:pic>
+        <p:nvPicPr>
+          <p:cNvPr id="14" name="Content Placeholder 13">
+            <a:extLst>
+              <a:ext uri="{FF2B5EF4-FFF2-40B4-BE49-F238E27FC236}">
+                <a16:creationId xmlns:a16="http://schemas.microsoft.com/office/drawing/2014/main" id="{70BA5C12-A172-094F-852C-5D31CD72DAEA}"/>
+              </a:ext>
+            </a:extLst>
+          </p:cNvPr>
+          <p:cNvPicPr>
+            <a:picLocks noGrp="1" noChangeAspect="1"/>
+          </p:cNvPicPr>
+          <p:nvPr>
+            <p:ph sz="half" idx="2"/>
+          </p:nvPr>
+        </p:nvPicPr>
+        <p:blipFill>
+          <a:blip r:embed="rId2"/>
+          <a:stretch>
+            <a:fillRect/>
+          </a:stretch>
+        </p:blipFill>
+        <p:spPr>
+          <a:xfrm>
+            <a:off x="6172200" y="2272204"/>
+            <a:ext cx="5181600" cy="3458179"/>
+          </a:xfrm>
+        </p:spPr>
+      </p:pic>
+    </p:spTree>
+    <p:extLst>
+      <p:ext uri="{BB962C8B-B14F-4D97-AF65-F5344CB8AC3E}">
+        <p14:creationId xmlns:p14="http://schemas.microsoft.com/office/powerpoint/2010/main" val="3671328742"/>
+      </p:ext>
+    </p:extLst>
+  </p:cSld>
+  <p:clrMapOvr>
+    <a:masterClrMapping/>
+  </p:clrMapOvr>
+</p:sld>
+</file>
+
+<file path=ppt/slides/slide33.xml><?xml version="1.0" encoding="utf-8"?>
+<p:sld xmlns:a="http://schemas.openxmlformats.org/drawingml/2006/main" xmlns:r="http://schemas.openxmlformats.org/officeDocument/2006/relationships" xmlns:p="http://schemas.openxmlformats.org/presentationml/2006/main">
+  <p:cSld>
+    <p:spTree>
+      <p:nvGrpSpPr>
+        <p:cNvPr id="1" name=""/>
+        <p:cNvGrpSpPr/>
+        <p:nvPr/>
+      </p:nvGrpSpPr>
+      <p:grpSpPr>
+        <a:xfrm>
+          <a:off x="0" y="0"/>
+          <a:ext cx="0" cy="0"/>
+          <a:chOff x="0" y="0"/>
+          <a:chExt cx="0" cy="0"/>
+        </a:xfrm>
+      </p:grpSpPr>
+      <p:sp>
+        <p:nvSpPr>
+          <p:cNvPr id="4" name="Title 3">
+            <a:extLst>
+              <a:ext uri="{FF2B5EF4-FFF2-40B4-BE49-F238E27FC236}">
+                <a16:creationId xmlns:a16="http://schemas.microsoft.com/office/drawing/2014/main" id="{A5788A9D-0F8E-444F-AB43-AFE81869DDCD}"/>
+              </a:ext>
+            </a:extLst>
+          </p:cNvPr>
+          <p:cNvSpPr>
+            <a:spLocks noGrp="1"/>
+          </p:cNvSpPr>
+          <p:nvPr>
+            <p:ph type="title"/>
+          </p:nvPr>
+        </p:nvSpPr>
+        <p:spPr/>
+        <p:txBody>
+          <a:bodyPr/>
+          <a:lstStyle/>
+          <a:p>
+            <a:r>
+              <a:rPr lang="en-US" dirty="0"/>
+              <a:t>GitHub: </a:t>
+            </a:r>
+          </a:p>
+        </p:txBody>
+      </p:sp>
+      <p:sp>
+        <p:nvSpPr>
+          <p:cNvPr id="5" name="Text Placeholder 4">
+            <a:extLst>
+              <a:ext uri="{FF2B5EF4-FFF2-40B4-BE49-F238E27FC236}">
+                <a16:creationId xmlns:a16="http://schemas.microsoft.com/office/drawing/2014/main" id="{C63EBD03-1A15-5A49-893A-088E1770360A}"/>
+              </a:ext>
+            </a:extLst>
+          </p:cNvPr>
+          <p:cNvSpPr>
+            <a:spLocks noGrp="1"/>
+          </p:cNvSpPr>
+          <p:nvPr>
+            <p:ph type="body" idx="1"/>
+          </p:nvPr>
+        </p:nvSpPr>
+        <p:spPr/>
+        <p:txBody>
+          <a:bodyPr/>
+          <a:lstStyle/>
+          <a:p>
+            <a:r>
+              <a:rPr lang="en-US" dirty="0"/>
+              <a:t>https://</a:t>
+            </a:r>
+            <a:r>
+              <a:rPr lang="en-US" dirty="0" err="1"/>
+              <a:t>github.com</a:t>
+            </a:r>
+            <a:r>
+              <a:rPr lang="en-US" dirty="0"/>
+              <a:t>/</a:t>
+            </a:r>
+            <a:r>
+              <a:rPr lang="en-US" dirty="0" err="1"/>
+              <a:t>kcastanheira</a:t>
+            </a:r>
+            <a:r>
+              <a:rPr lang="en-US" dirty="0"/>
+              <a:t>/</a:t>
+            </a:r>
+            <a:r>
+              <a:rPr lang="en-US" dirty="0" err="1"/>
+              <a:t>Cog_modelling_tutorial</a:t>
+            </a:r>
+            <a:endParaRPr lang="en-US" dirty="0"/>
+          </a:p>
+        </p:txBody>
+      </p:sp>
+    </p:spTree>
+    <p:extLst>
+      <p:ext uri="{BB962C8B-B14F-4D97-AF65-F5344CB8AC3E}">
+        <p14:creationId xmlns:p14="http://schemas.microsoft.com/office/powerpoint/2010/main" val="3130473098"/>
+      </p:ext>
+    </p:extLst>
+  </p:cSld>
+  <p:clrMapOvr>
+    <a:masterClrMapping/>
+  </p:clrMapOvr>
+</p:sld>
+</file>
+
+<file path=ppt/slides/slide34.xml><?xml version="1.0" encoding="utf-8"?>
+<p:sld xmlns:a="http://schemas.openxmlformats.org/drawingml/2006/main" xmlns:r="http://schemas.openxmlformats.org/officeDocument/2006/relationships" xmlns:p="http://schemas.openxmlformats.org/presentationml/2006/main">
+  <p:cSld>
+    <p:spTree>
+      <p:nvGrpSpPr>
+        <p:cNvPr id="1" name=""/>
+        <p:cNvGrpSpPr/>
+        <p:nvPr/>
+      </p:nvGrpSpPr>
+      <p:grpSpPr>
+        <a:xfrm>
+          <a:off x="0" y="0"/>
+          <a:ext cx="0" cy="0"/>
+          <a:chOff x="0" y="0"/>
+          <a:chExt cx="0" cy="0"/>
+        </a:xfrm>
+      </p:grpSpPr>
+      <p:sp>
+        <p:nvSpPr>
+          <p:cNvPr id="2" name="Title 1"/>
+          <p:cNvSpPr>
+            <a:spLocks noGrp="1"/>
+          </p:cNvSpPr>
+          <p:nvPr>
+            <p:ph type="title"/>
+          </p:nvPr>
+        </p:nvSpPr>
+        <p:spPr/>
+        <p:txBody>
+          <a:bodyPr/>
+          <a:lstStyle/>
+          <a:p>
+            <a:r>
+              <a:rPr lang="en-US" dirty="0"/>
+              <a:t>Fourfold Pattern of Risk Preferences</a:t>
+            </a:r>
+          </a:p>
+        </p:txBody>
+      </p:sp>
+      <p:graphicFrame>
+        <p:nvGraphicFramePr>
+          <p:cNvPr id="4" name="Content Placeholder 4"/>
+          <p:cNvGraphicFramePr>
+            <a:graphicFrameLocks/>
+          </p:cNvGraphicFramePr>
+          <p:nvPr>
+            <p:extLst/>
+          </p:nvPr>
+        </p:nvGraphicFramePr>
+        <p:xfrm>
+          <a:off x="1213338" y="1846262"/>
+          <a:ext cx="10037253" cy="4026999"/>
+        </p:xfrm>
+        <a:graphic>
+          <a:graphicData uri="http://schemas.openxmlformats.org/drawingml/2006/table">
+            <a:tbl>
+              <a:tblPr firstRow="1" firstCol="1" bandRow="1">
+                <a:tableStyleId>{5C22544A-7EE6-4342-B048-85BDC9FD1C3A}</a:tableStyleId>
+              </a:tblPr>
+              <a:tblGrid>
+                <a:gridCol w="3345751">
+                  <a:extLst>
+                    <a:ext uri="{9D8B030D-6E8A-4147-A177-3AD203B41FA5}">
+                      <a16:colId xmlns:a16="http://schemas.microsoft.com/office/drawing/2014/main" val="20000"/>
+                    </a:ext>
+                  </a:extLst>
+                </a:gridCol>
+                <a:gridCol w="3345751">
+                  <a:extLst>
+                    <a:ext uri="{9D8B030D-6E8A-4147-A177-3AD203B41FA5}">
+                      <a16:colId xmlns:a16="http://schemas.microsoft.com/office/drawing/2014/main" val="20001"/>
+                    </a:ext>
+                  </a:extLst>
+                </a:gridCol>
+                <a:gridCol w="3345751">
+                  <a:extLst>
+                    <a:ext uri="{9D8B030D-6E8A-4147-A177-3AD203B41FA5}">
+                      <a16:colId xmlns:a16="http://schemas.microsoft.com/office/drawing/2014/main" val="20002"/>
+                    </a:ext>
+                  </a:extLst>
+                </a:gridCol>
+              </a:tblGrid>
+              <a:tr h="1342333">
+                <a:tc>
+                  <a:txBody>
+                    <a:bodyPr/>
+                    <a:lstStyle/>
+                    <a:p>
+                      <a:pPr algn="l"/>
+                      <a:endParaRPr lang="en-US" sz="2800" dirty="0"/>
+                    </a:p>
+                  </a:txBody>
+                  <a:tcPr anchor="ctr">
+                    <a:solidFill>
+                      <a:srgbClr val="FFB7D1"/>
+                    </a:solidFill>
+                  </a:tcPr>
+                </a:tc>
+                <a:tc>
+                  <a:txBody>
+                    <a:bodyPr/>
+                    <a:lstStyle/>
+                    <a:p>
+                      <a:pPr algn="ctr"/>
+                      <a:r>
+                        <a:rPr lang="en-US" sz="2800" dirty="0"/>
+                        <a:t>Losses</a:t>
+                      </a:r>
+                    </a:p>
+                  </a:txBody>
+                  <a:tcPr anchor="ctr">
+                    <a:lnB w="38100" cmpd="sng">
+                      <a:noFill/>
+                    </a:lnB>
+                    <a:solidFill>
+                      <a:srgbClr val="FFB7D1"/>
+                    </a:solidFill>
+                  </a:tcPr>
+                </a:tc>
+                <a:tc>
+                  <a:txBody>
+                    <a:bodyPr/>
+                    <a:lstStyle/>
+                    <a:p>
+                      <a:pPr algn="ctr"/>
+                      <a:r>
+                        <a:rPr lang="en-US" sz="2800" dirty="0"/>
+                        <a:t>Gains</a:t>
+                      </a:r>
+                    </a:p>
+                  </a:txBody>
+                  <a:tcPr anchor="ctr">
+                    <a:solidFill>
+                      <a:srgbClr val="FFB7D1"/>
+                    </a:solidFill>
+                  </a:tcPr>
+                </a:tc>
+                <a:extLst>
+                  <a:ext uri="{0D108BD9-81ED-4DB2-BD59-A6C34878D82A}">
+                    <a16:rowId xmlns:a16="http://schemas.microsoft.com/office/drawing/2014/main" val="10000"/>
+                  </a:ext>
+                </a:extLst>
+              </a:tr>
+              <a:tr h="1342333">
+                <a:tc>
+                  <a:txBody>
+                    <a:bodyPr/>
+                    <a:lstStyle/>
+                    <a:p>
+                      <a:pPr algn="l"/>
+                      <a:r>
+                        <a:rPr lang="en-US" sz="2800" dirty="0"/>
+                        <a:t>High Probability</a:t>
+                      </a:r>
+                    </a:p>
+                  </a:txBody>
+                  <a:tcPr anchor="ctr">
+                    <a:lnR w="12700" cmpd="sng">
+                      <a:noFill/>
+                    </a:lnR>
+                    <a:solidFill>
+                      <a:srgbClr val="FFB7D1"/>
+                    </a:solidFill>
+                  </a:tcPr>
+                </a:tc>
+                <a:tc>
+                  <a:txBody>
+                    <a:bodyPr/>
+                    <a:lstStyle/>
+                    <a:p>
+                      <a:pPr algn="ctr"/>
+                      <a:r>
+                        <a:rPr lang="en-US" sz="2800" dirty="0">
+                          <a:solidFill>
+                            <a:schemeClr val="tx1"/>
+                          </a:solidFill>
+                        </a:rPr>
+                        <a:t>Horror Movie Logic</a:t>
+                      </a:r>
+                    </a:p>
+                  </a:txBody>
+                  <a:tcPr anchor="ctr">
+                    <a:lnL w="12700" cmpd="sng">
+                      <a:noFill/>
+                    </a:lnL>
+                    <a:lnR w="12700" cmpd="sng">
+                      <a:noFill/>
+                    </a:lnR>
+                    <a:lnT w="38100" cmpd="sng">
+                      <a:noFill/>
+                    </a:lnT>
+                    <a:lnB w="12700" cmpd="sng">
+                      <a:noFill/>
+                    </a:lnB>
+                    <a:lnTlToBr w="12700" cmpd="sng">
+                      <a:noFill/>
+                      <a:prstDash val="solid"/>
+                    </a:lnTlToBr>
+                    <a:lnBlToTr w="12700" cmpd="sng">
+                      <a:noFill/>
+                      <a:prstDash val="solid"/>
+                    </a:lnBlToTr>
+                    <a:solidFill>
+                      <a:srgbClr val="FFE5EF"/>
+                    </a:solidFill>
+                  </a:tcPr>
+                </a:tc>
+                <a:tc>
+                  <a:txBody>
+                    <a:bodyPr/>
+                    <a:lstStyle/>
+                    <a:p>
+                      <a:pPr algn="ctr"/>
+                      <a:r>
+                        <a:rPr lang="en-US" sz="2800" dirty="0"/>
+                        <a:t>Salary/Jobs</a:t>
+                      </a:r>
+                      <a:endParaRPr lang="en-US" sz="2800" dirty="0">
+                        <a:solidFill>
+                          <a:schemeClr val="bg1"/>
+                        </a:solidFill>
+                      </a:endParaRPr>
+                    </a:p>
+                  </a:txBody>
+                  <a:tcPr anchor="ctr">
+                    <a:lnL w="12700" cmpd="sng">
+                      <a:noFill/>
+                    </a:lnL>
+                    <a:solidFill>
+                      <a:srgbClr val="FFD4E0"/>
+                    </a:solidFill>
+                  </a:tcPr>
+                </a:tc>
+                <a:extLst>
+                  <a:ext uri="{0D108BD9-81ED-4DB2-BD59-A6C34878D82A}">
+                    <a16:rowId xmlns:a16="http://schemas.microsoft.com/office/drawing/2014/main" val="10001"/>
+                  </a:ext>
+                </a:extLst>
+              </a:tr>
+              <a:tr h="1342333">
+                <a:tc>
+                  <a:txBody>
+                    <a:bodyPr/>
+                    <a:lstStyle/>
+                    <a:p>
+                      <a:pPr algn="l"/>
+                      <a:r>
+                        <a:rPr lang="en-US" sz="2800" dirty="0"/>
+                        <a:t>Low Probability</a:t>
+                      </a:r>
+                    </a:p>
+                  </a:txBody>
+                  <a:tcPr anchor="ctr">
+                    <a:solidFill>
+                      <a:srgbClr val="FFB7D1"/>
+                    </a:solidFill>
+                  </a:tcPr>
+                </a:tc>
+                <a:tc>
+                  <a:txBody>
+                    <a:bodyPr/>
+                    <a:lstStyle/>
+                    <a:p>
+                      <a:pPr algn="ctr"/>
+                      <a:r>
+                        <a:rPr lang="en-US" sz="2800" dirty="0"/>
+                        <a:t>Insurance</a:t>
+                      </a:r>
+                    </a:p>
+                  </a:txBody>
+                  <a:tcPr anchor="ctr">
+                    <a:lnT w="12700" cmpd="sng">
+                      <a:noFill/>
+                    </a:lnT>
+                    <a:solidFill>
+                      <a:srgbClr val="FFD4E0"/>
+                    </a:solidFill>
+                  </a:tcPr>
+                </a:tc>
+                <a:tc>
+                  <a:txBody>
+                    <a:bodyPr/>
+                    <a:lstStyle/>
+                    <a:p>
+                      <a:pPr algn="ctr"/>
+                      <a:r>
+                        <a:rPr lang="en-US" sz="2800" dirty="0"/>
+                        <a:t>Lottery Tickets</a:t>
+                      </a:r>
+                      <a:endParaRPr lang="en-US" sz="2800" dirty="0">
+                        <a:solidFill>
+                          <a:schemeClr val="bg1"/>
+                        </a:solidFill>
+                      </a:endParaRPr>
+                    </a:p>
+                  </a:txBody>
+                  <a:tcPr anchor="ctr">
+                    <a:solidFill>
+                      <a:srgbClr val="FFE5EF"/>
+                    </a:solidFill>
+                  </a:tcPr>
+                </a:tc>
+                <a:extLst>
+                  <a:ext uri="{0D108BD9-81ED-4DB2-BD59-A6C34878D82A}">
+                    <a16:rowId xmlns:a16="http://schemas.microsoft.com/office/drawing/2014/main" val="10002"/>
+                  </a:ext>
+                </a:extLst>
+              </a:tr>
+            </a:tbl>
+          </a:graphicData>
+        </a:graphic>
+      </p:graphicFrame>
+    </p:spTree>
+    <p:extLst>
+      <p:ext uri="{BB962C8B-B14F-4D97-AF65-F5344CB8AC3E}">
+        <p14:creationId xmlns:p14="http://schemas.microsoft.com/office/powerpoint/2010/main" val="1679007708"/>
+      </p:ext>
+    </p:extLst>
+  </p:cSld>
+  <p:clrMapOvr>
+    <a:masterClrMapping/>
+  </p:clrMapOvr>
+  <p:timing>
+    <p:tnLst>
+      <p:par>
+        <p:cTn id="1" dur="indefinite" restart="never" nodeType="tmRoot">
+          <p:childTnLst>
+            <p:seq concurrent="1" nextAc="seek">
+              <p:cTn id="2" dur="indefinite" nodeType="mainSeq">
+                <p:childTnLst>
+                  <p:par>
+                    <p:cTn id="3" fill="hold">
+                      <p:stCondLst>
+                        <p:cond delay="indefinite"/>
+                      </p:stCondLst>
+                      <p:childTnLst>
+                        <p:par>
+                          <p:cTn id="4" fill="hold">
+                            <p:stCondLst>
+                              <p:cond delay="0"/>
+                            </p:stCondLst>
+                            <p:childTnLst>
+                              <p:par>
+                                <p:cTn id="5" presetID="1" presetClass="entr" presetSubtype="0" fill="hold" nodeType="clickEffect">
+                                  <p:stCondLst>
+                                    <p:cond delay="0"/>
+                                  </p:stCondLst>
+                                  <p:childTnLst>
+                                    <p:set>
+                                      <p:cBhvr>
+                                        <p:cTn id="6" dur="1" fill="hold">
+                                          <p:stCondLst>
+                                            <p:cond delay="0"/>
+                                          </p:stCondLst>
+                                        </p:cTn>
+                                        <p:tgtEl>
+                                          <p:spTgt spid="4"/>
+                                        </p:tgtEl>
+                                        <p:attrNameLst>
+                                          <p:attrName>style.visibility</p:attrName>
+                                        </p:attrNameLst>
+                                      </p:cBhvr>
+                                      <p:to>
+                                        <p:strVal val="visible"/>
+                                      </p:to>
+                                    </p:set>
+                                  </p:childTnLst>
                                 </p:cTn>
                               </p:par>
                             </p:childTnLst>

--- a/Modelling Tutorial.pptx
+++ b/Modelling Tutorial.pptx
@@ -742,6 +742,19 @@
           <a:bodyPr/>
           <a:lstStyle/>
           <a:p>
+            <a:r>
+              <a:rPr lang="en-CA" sz="1200" b="0" i="0" kern="1200" dirty="0">
+                <a:solidFill>
+                  <a:schemeClr val="tx1"/>
+                </a:solidFill>
+                <a:effectLst/>
+                <a:latin typeface="+mn-lt"/>
+                <a:ea typeface="+mn-ea"/>
+                <a:cs typeface="+mn-cs"/>
+                <a:hlinkClick r:id="rId3"/>
+              </a:rPr>
+              <a:t>http://facweb.cti.depaul.edu/mobasher/classes/HON207/Readings/cognitive-modeling.pdf</a:t>
+            </a:r>
             <a:endParaRPr lang="en-US" dirty="0"/>
           </a:p>
         </p:txBody>
@@ -761,9 +774,9 @@
           <a:bodyPr/>
           <a:lstStyle/>
           <a:p>
-            <a:fld id="{AF1BA4AD-6F81-DB4D-86BA-1612B32506C1}" type="slidenum">
+            <a:fld id="{2E2AB347-178C-B344-9E21-30F93614D6F0}" type="slidenum">
               <a:rPr lang="en-US" smtClean="0"/>
-              <a:t>9</a:t>
+              <a:t>6</a:t>
             </a:fld>
             <a:endParaRPr lang="en-US"/>
           </a:p>
@@ -772,7 +785,7 @@
     </p:spTree>
     <p:extLst>
       <p:ext uri="{BB962C8B-B14F-4D97-AF65-F5344CB8AC3E}">
-        <p14:creationId xmlns:p14="http://schemas.microsoft.com/office/powerpoint/2010/main" val="527386225"/>
+        <p14:creationId xmlns:p14="http://schemas.microsoft.com/office/powerpoint/2010/main" val="547896090"/>
       </p:ext>
     </p:extLst>
   </p:cSld>
@@ -847,7 +860,7 @@
           <a:p>
             <a:fld id="{AF1BA4AD-6F81-DB4D-86BA-1612B32506C1}" type="slidenum">
               <a:rPr lang="en-US" smtClean="0"/>
-              <a:t>10</a:t>
+              <a:t>9</a:t>
             </a:fld>
             <a:endParaRPr lang="en-US"/>
           </a:p>
@@ -856,7 +869,7 @@
     </p:spTree>
     <p:extLst>
       <p:ext uri="{BB962C8B-B14F-4D97-AF65-F5344CB8AC3E}">
-        <p14:creationId xmlns:p14="http://schemas.microsoft.com/office/powerpoint/2010/main" val="1146056626"/>
+        <p14:creationId xmlns:p14="http://schemas.microsoft.com/office/powerpoint/2010/main" val="527386225"/>
       </p:ext>
     </p:extLst>
   </p:cSld>
@@ -929,6 +942,90 @@
           <a:bodyPr/>
           <a:lstStyle/>
           <a:p>
+            <a:fld id="{AF1BA4AD-6F81-DB4D-86BA-1612B32506C1}" type="slidenum">
+              <a:rPr lang="en-US" smtClean="0"/>
+              <a:t>10</a:t>
+            </a:fld>
+            <a:endParaRPr lang="en-US"/>
+          </a:p>
+        </p:txBody>
+      </p:sp>
+    </p:spTree>
+    <p:extLst>
+      <p:ext uri="{BB962C8B-B14F-4D97-AF65-F5344CB8AC3E}">
+        <p14:creationId xmlns:p14="http://schemas.microsoft.com/office/powerpoint/2010/main" val="1146056626"/>
+      </p:ext>
+    </p:extLst>
+  </p:cSld>
+  <p:clrMapOvr>
+    <a:masterClrMapping/>
+  </p:clrMapOvr>
+</p:notes>
+</file>
+
+<file path=ppt/notesSlides/notesSlide6.xml><?xml version="1.0" encoding="utf-8"?>
+<p:notes xmlns:a="http://schemas.openxmlformats.org/drawingml/2006/main" xmlns:r="http://schemas.openxmlformats.org/officeDocument/2006/relationships" xmlns:p="http://schemas.openxmlformats.org/presentationml/2006/main">
+  <p:cSld>
+    <p:spTree>
+      <p:nvGrpSpPr>
+        <p:cNvPr id="1" name=""/>
+        <p:cNvGrpSpPr/>
+        <p:nvPr/>
+      </p:nvGrpSpPr>
+      <p:grpSpPr>
+        <a:xfrm>
+          <a:off x="0" y="0"/>
+          <a:ext cx="0" cy="0"/>
+          <a:chOff x="0" y="0"/>
+          <a:chExt cx="0" cy="0"/>
+        </a:xfrm>
+      </p:grpSpPr>
+      <p:sp>
+        <p:nvSpPr>
+          <p:cNvPr id="2" name="Slide Image Placeholder 1"/>
+          <p:cNvSpPr>
+            <a:spLocks noGrp="1" noRot="1" noChangeAspect="1"/>
+          </p:cNvSpPr>
+          <p:nvPr>
+            <p:ph type="sldImg"/>
+          </p:nvPr>
+        </p:nvSpPr>
+        <p:spPr/>
+      </p:sp>
+      <p:sp>
+        <p:nvSpPr>
+          <p:cNvPr id="3" name="Notes Placeholder 2"/>
+          <p:cNvSpPr>
+            <a:spLocks noGrp="1"/>
+          </p:cNvSpPr>
+          <p:nvPr>
+            <p:ph type="body" idx="1"/>
+          </p:nvPr>
+        </p:nvSpPr>
+        <p:spPr/>
+        <p:txBody>
+          <a:bodyPr/>
+          <a:lstStyle/>
+          <a:p>
+            <a:endParaRPr lang="en-US" dirty="0"/>
+          </a:p>
+        </p:txBody>
+      </p:sp>
+      <p:sp>
+        <p:nvSpPr>
+          <p:cNvPr id="4" name="Slide Number Placeholder 3"/>
+          <p:cNvSpPr>
+            <a:spLocks noGrp="1"/>
+          </p:cNvSpPr>
+          <p:nvPr>
+            <p:ph type="sldNum" sz="quarter" idx="10"/>
+          </p:nvPr>
+        </p:nvSpPr>
+        <p:spPr/>
+        <p:txBody>
+          <a:bodyPr/>
+          <a:lstStyle/>
+          <a:p>
             <a:fld id="{F8EA8144-C080-BF49-9019-09EE0F8D39E5}" type="slidenum">
               <a:rPr lang="en-US" smtClean="0"/>
               <a:t>22</a:t>
@@ -950,7 +1047,7 @@
 </p:notes>
 </file>
 
-<file path=ppt/notesSlides/notesSlide6.xml><?xml version="1.0" encoding="utf-8"?>
+<file path=ppt/notesSlides/notesSlide7.xml><?xml version="1.0" encoding="utf-8"?>
 <p:notes xmlns:a="http://schemas.openxmlformats.org/drawingml/2006/main" xmlns:r="http://schemas.openxmlformats.org/officeDocument/2006/relationships" xmlns:p="http://schemas.openxmlformats.org/presentationml/2006/main">
   <p:cSld>
     <p:spTree>
@@ -12899,7 +12996,9 @@
           </a:xfrm>
         </p:spPr>
         <p:txBody>
-          <a:bodyPr/>
+          <a:bodyPr>
+            <a:normAutofit lnSpcReduction="10000"/>
+          </a:bodyPr>
           <a:lstStyle/>
           <a:p>
             <a:r>
@@ -12919,6 +13018,13 @@
             <a:r>
               <a:rPr lang="en-US" dirty="0"/>
               <a:t>Help us understand reality</a:t>
+            </a:r>
+          </a:p>
+          <a:p>
+            <a:pPr lvl="1"/>
+            <a:r>
+              <a:rPr lang="en-US" dirty="0"/>
+              <a:t>Inherently wrong</a:t>
             </a:r>
           </a:p>
           <a:p>
@@ -13518,6 +13624,75 @@
                                           <p:spTgt spid="3">
                                             <p:txEl>
                                               <p:pRg st="7" end="7"/>
+                                            </p:txEl>
+                                          </p:spTgt>
+                                        </p:tgtEl>
+                                        <p:attrNameLst>
+                                          <p:attrName>ppt_c</p:attrName>
+                                        </p:attrNameLst>
+                                      </p:cBhvr>
+                                      <p:to>
+                                        <a:schemeClr val="tx2"/>
+                                      </p:to>
+                                    </p:animClr>
+                                  </p:subTnLst>
+                                </p:cTn>
+                              </p:par>
+                            </p:childTnLst>
+                          </p:cTn>
+                        </p:par>
+                      </p:childTnLst>
+                    </p:cTn>
+                  </p:par>
+                  <p:par>
+                    <p:cTn id="35" fill="hold">
+                      <p:stCondLst>
+                        <p:cond delay="indefinite"/>
+                      </p:stCondLst>
+                      <p:childTnLst>
+                        <p:par>
+                          <p:cTn id="36" fill="hold">
+                            <p:stCondLst>
+                              <p:cond delay="0"/>
+                            </p:stCondLst>
+                            <p:childTnLst>
+                              <p:par>
+                                <p:cTn id="37" presetID="1" presetClass="entr" presetSubtype="0" fill="hold" nodeType="clickEffect">
+                                  <p:stCondLst>
+                                    <p:cond delay="0"/>
+                                  </p:stCondLst>
+                                  <p:childTnLst>
+                                    <p:set>
+                                      <p:cBhvr>
+                                        <p:cTn id="38" dur="1" fill="hold">
+                                          <p:stCondLst>
+                                            <p:cond delay="0"/>
+                                          </p:stCondLst>
+                                        </p:cTn>
+                                        <p:tgtEl>
+                                          <p:spTgt spid="3">
+                                            <p:txEl>
+                                              <p:pRg st="8" end="8"/>
+                                            </p:txEl>
+                                          </p:spTgt>
+                                        </p:tgtEl>
+                                        <p:attrNameLst>
+                                          <p:attrName>style.visibility</p:attrName>
+                                        </p:attrNameLst>
+                                      </p:cBhvr>
+                                      <p:to>
+                                        <p:strVal val="visible"/>
+                                      </p:to>
+                                    </p:set>
+                                  </p:childTnLst>
+                                  <p:subTnLst>
+                                    <p:animClr clrSpc="rgb" dir="cw">
+                                      <p:cBhvr override="childStyle">
+                                        <p:cTn dur="1" fill="hold" display="0" masterRel="nextClick" afterEffect="1"/>
+                                        <p:tgtEl>
+                                          <p:spTgt spid="3">
+                                            <p:txEl>
+                                              <p:pRg st="8" end="8"/>
                                             </p:txEl>
                                           </p:spTgt>
                                         </p:tgtEl>
@@ -18731,8 +18906,8 @@
           </a:p>
         </p:txBody>
       </p:sp>
-      <mc:AlternateContent xmlns:mc="http://schemas.openxmlformats.org/markup-compatibility/2006">
-        <mc:Choice xmlns:a14="http://schemas.microsoft.com/office/drawing/2010/main" Requires="a14">
+      <mc:AlternateContent xmlns:mc="http://schemas.openxmlformats.org/markup-compatibility/2006" xmlns:a14="http://schemas.microsoft.com/office/drawing/2010/main">
+        <mc:Choice Requires="a14">
           <p:sp>
             <p:nvSpPr>
               <p:cNvPr id="3" name="Content Placeholder 2"/>
@@ -19037,7 +19212,7 @@
             </p:txBody>
           </p:sp>
         </mc:Choice>
-        <mc:Fallback>
+        <mc:Fallback xmlns="">
           <p:sp>
             <p:nvSpPr>
               <p:cNvPr id="3" name="Content Placeholder 2"/>
@@ -21925,6 +22100,42 @@
           </a:p>
           <a:p>
             <a:endParaRPr lang="en-US" b="1" dirty="0"/>
+          </a:p>
+        </p:txBody>
+      </p:sp>
+      <p:sp>
+        <p:nvSpPr>
+          <p:cNvPr id="4" name="TextBox 3">
+            <a:extLst>
+              <a:ext uri="{FF2B5EF4-FFF2-40B4-BE49-F238E27FC236}">
+                <a16:creationId xmlns:a16="http://schemas.microsoft.com/office/drawing/2014/main" id="{FC214149-3E52-8B4F-933F-DCC38D2390F7}"/>
+              </a:ext>
+            </a:extLst>
+          </p:cNvPr>
+          <p:cNvSpPr txBox="1"/>
+          <p:nvPr/>
+        </p:nvSpPr>
+        <p:spPr>
+          <a:xfrm>
+            <a:off x="11587397" y="1825625"/>
+            <a:ext cx="1663907" cy="369332"/>
+          </a:xfrm>
+          <a:prstGeom prst="rect">
+            <a:avLst/>
+          </a:prstGeom>
+          <a:noFill/>
+        </p:spPr>
+        <p:txBody>
+          <a:bodyPr wrap="square" rtlCol="0">
+            <a:spAutoFit/>
+          </a:bodyPr>
+          <a:lstStyle/>
+          <a:p>
+            <a:r>
+              <a:rPr lang="en-US" dirty="0" err="1"/>
+              <a:t>Busemeyer</a:t>
+            </a:r>
+            <a:endParaRPr lang="en-US" dirty="0"/>
           </a:p>
         </p:txBody>
       </p:sp>

--- a/Modelling Tutorial.pptx
+++ b/Modelling Tutorial.pptx
@@ -5,7 +5,7 @@
     <p:sldMasterId id="2147483648" r:id="rId1"/>
   </p:sldMasterIdLst>
   <p:notesMasterIdLst>
-    <p:notesMasterId r:id="rId36"/>
+    <p:notesMasterId r:id="rId34"/>
   </p:notesMasterIdLst>
   <p:sldIdLst>
     <p:sldId id="257" r:id="rId2"/>
@@ -26,22 +26,20 @@
     <p:sldId id="272" r:id="rId17"/>
     <p:sldId id="273" r:id="rId18"/>
     <p:sldId id="281" r:id="rId19"/>
-    <p:sldId id="274" r:id="rId20"/>
-    <p:sldId id="275" r:id="rId21"/>
-    <p:sldId id="277" r:id="rId22"/>
-    <p:sldId id="278" r:id="rId23"/>
-    <p:sldId id="279" r:id="rId24"/>
-    <p:sldId id="280" r:id="rId25"/>
-    <p:sldId id="284" r:id="rId26"/>
-    <p:sldId id="282" r:id="rId27"/>
-    <p:sldId id="283" r:id="rId28"/>
-    <p:sldId id="285" r:id="rId29"/>
-    <p:sldId id="289" r:id="rId30"/>
-    <p:sldId id="292" r:id="rId31"/>
-    <p:sldId id="291" r:id="rId32"/>
-    <p:sldId id="290" r:id="rId33"/>
-    <p:sldId id="288" r:id="rId34"/>
-    <p:sldId id="276" r:id="rId35"/>
+    <p:sldId id="275" r:id="rId20"/>
+    <p:sldId id="277" r:id="rId21"/>
+    <p:sldId id="278" r:id="rId22"/>
+    <p:sldId id="279" r:id="rId23"/>
+    <p:sldId id="280" r:id="rId24"/>
+    <p:sldId id="284" r:id="rId25"/>
+    <p:sldId id="282" r:id="rId26"/>
+    <p:sldId id="283" r:id="rId27"/>
+    <p:sldId id="285" r:id="rId28"/>
+    <p:sldId id="289" r:id="rId29"/>
+    <p:sldId id="292" r:id="rId30"/>
+    <p:sldId id="291" r:id="rId31"/>
+    <p:sldId id="290" r:id="rId32"/>
+    <p:sldId id="288" r:id="rId33"/>
   </p:sldIdLst>
   <p:sldSz cx="12192000" cy="6858000"/>
   <p:notesSz cx="6858000" cy="9144000"/>
@@ -230,7 +228,7 @@
           <a:p>
             <a:fld id="{9C3F801E-0FDB-414A-BC65-AF24B6303C3B}" type="datetimeFigureOut">
               <a:rPr lang="en-US" smtClean="0"/>
-              <a:t>5/28/18</a:t>
+              <a:t>5/29/18</a:t>
             </a:fld>
             <a:endParaRPr lang="en-US"/>
           </a:p>
@@ -1028,7 +1026,7 @@
           <a:p>
             <a:fld id="{F8EA8144-C080-BF49-9019-09EE0F8D39E5}" type="slidenum">
               <a:rPr lang="en-US" smtClean="0"/>
-              <a:t>22</a:t>
+              <a:t>21</a:t>
             </a:fld>
             <a:endParaRPr lang="en-US"/>
           </a:p>
@@ -1120,7 +1118,7 @@
           <a:p>
             <a:fld id="{2E2AB347-178C-B344-9E21-30F93614D6F0}" type="slidenum">
               <a:rPr lang="en-US" smtClean="0"/>
-              <a:t>23</a:t>
+              <a:t>22</a:t>
             </a:fld>
             <a:endParaRPr lang="en-US"/>
           </a:p>
@@ -1268,7 +1266,7 @@
           <a:p>
             <a:fld id="{12FA36D5-AD61-8F46-BA4F-560EE1657858}" type="datetimeFigureOut">
               <a:rPr lang="en-US" smtClean="0"/>
-              <a:t>5/28/18</a:t>
+              <a:t>5/29/18</a:t>
             </a:fld>
             <a:endParaRPr lang="en-US"/>
           </a:p>
@@ -1436,7 +1434,7 @@
           <a:p>
             <a:fld id="{12FA36D5-AD61-8F46-BA4F-560EE1657858}" type="datetimeFigureOut">
               <a:rPr lang="en-US" smtClean="0"/>
-              <a:t>5/28/18</a:t>
+              <a:t>5/29/18</a:t>
             </a:fld>
             <a:endParaRPr lang="en-US"/>
           </a:p>
@@ -1614,7 +1612,7 @@
           <a:p>
             <a:fld id="{12FA36D5-AD61-8F46-BA4F-560EE1657858}" type="datetimeFigureOut">
               <a:rPr lang="en-US" smtClean="0"/>
-              <a:t>5/28/18</a:t>
+              <a:t>5/29/18</a:t>
             </a:fld>
             <a:endParaRPr lang="en-US"/>
           </a:p>
@@ -1782,7 +1780,7 @@
           <a:p>
             <a:fld id="{12FA36D5-AD61-8F46-BA4F-560EE1657858}" type="datetimeFigureOut">
               <a:rPr lang="en-US" smtClean="0"/>
-              <a:t>5/28/18</a:t>
+              <a:t>5/29/18</a:t>
             </a:fld>
             <a:endParaRPr lang="en-US"/>
           </a:p>
@@ -2027,7 +2025,7 @@
           <a:p>
             <a:fld id="{12FA36D5-AD61-8F46-BA4F-560EE1657858}" type="datetimeFigureOut">
               <a:rPr lang="en-US" smtClean="0"/>
-              <a:t>5/28/18</a:t>
+              <a:t>5/29/18</a:t>
             </a:fld>
             <a:endParaRPr lang="en-US"/>
           </a:p>
@@ -2256,7 +2254,7 @@
           <a:p>
             <a:fld id="{12FA36D5-AD61-8F46-BA4F-560EE1657858}" type="datetimeFigureOut">
               <a:rPr lang="en-US" smtClean="0"/>
-              <a:t>5/28/18</a:t>
+              <a:t>5/29/18</a:t>
             </a:fld>
             <a:endParaRPr lang="en-US"/>
           </a:p>
@@ -2620,7 +2618,7 @@
           <a:p>
             <a:fld id="{12FA36D5-AD61-8F46-BA4F-560EE1657858}" type="datetimeFigureOut">
               <a:rPr lang="en-US" smtClean="0"/>
-              <a:t>5/28/18</a:t>
+              <a:t>5/29/18</a:t>
             </a:fld>
             <a:endParaRPr lang="en-US"/>
           </a:p>
@@ -2737,7 +2735,7 @@
           <a:p>
             <a:fld id="{12FA36D5-AD61-8F46-BA4F-560EE1657858}" type="datetimeFigureOut">
               <a:rPr lang="en-US" smtClean="0"/>
-              <a:t>5/28/18</a:t>
+              <a:t>5/29/18</a:t>
             </a:fld>
             <a:endParaRPr lang="en-US"/>
           </a:p>
@@ -2832,7 +2830,7 @@
           <a:p>
             <a:fld id="{12FA36D5-AD61-8F46-BA4F-560EE1657858}" type="datetimeFigureOut">
               <a:rPr lang="en-US" smtClean="0"/>
-              <a:t>5/28/18</a:t>
+              <a:t>5/29/18</a:t>
             </a:fld>
             <a:endParaRPr lang="en-US"/>
           </a:p>
@@ -3107,7 +3105,7 @@
           <a:p>
             <a:fld id="{12FA36D5-AD61-8F46-BA4F-560EE1657858}" type="datetimeFigureOut">
               <a:rPr lang="en-US" smtClean="0"/>
-              <a:t>5/28/18</a:t>
+              <a:t>5/29/18</a:t>
             </a:fld>
             <a:endParaRPr lang="en-US"/>
           </a:p>
@@ -3359,7 +3357,7 @@
           <a:p>
             <a:fld id="{12FA36D5-AD61-8F46-BA4F-560EE1657858}" type="datetimeFigureOut">
               <a:rPr lang="en-US" smtClean="0"/>
-              <a:t>5/28/18</a:t>
+              <a:t>5/29/18</a:t>
             </a:fld>
             <a:endParaRPr lang="en-US"/>
           </a:p>
@@ -3570,7 +3568,7 @@
           <a:p>
             <a:fld id="{12FA36D5-AD61-8F46-BA4F-560EE1657858}" type="datetimeFigureOut">
               <a:rPr lang="en-US" smtClean="0"/>
-              <a:t>5/28/18</a:t>
+              <a:t>5/29/18</a:t>
             </a:fld>
             <a:endParaRPr lang="en-US"/>
           </a:p>
@@ -11863,969 +11861,247 @@
           </a:p>
         </p:txBody>
       </p:sp>
-      <mc:AlternateContent xmlns:mc="http://schemas.openxmlformats.org/markup-compatibility/2006" xmlns:a14="http://schemas.microsoft.com/office/drawing/2010/main">
-        <mc:Choice Requires="a14">
-          <p:graphicFrame>
-            <p:nvGraphicFramePr>
-              <p:cNvPr id="4" name="Content Placeholder 4"/>
-              <p:cNvGraphicFramePr>
-                <a:graphicFrameLocks/>
-              </p:cNvGraphicFramePr>
-              <p:nvPr>
-                <p:extLst/>
-              </p:nvPr>
-            </p:nvGraphicFramePr>
-            <p:xfrm>
-              <a:off x="1213338" y="1846262"/>
-              <a:ext cx="10037253" cy="4026999"/>
-            </p:xfrm>
-            <a:graphic>
-              <a:graphicData uri="http://schemas.openxmlformats.org/drawingml/2006/table">
-                <a:tbl>
-                  <a:tblPr firstRow="1" firstCol="1" bandRow="1">
-                    <a:tableStyleId>{5C22544A-7EE6-4342-B048-85BDC9FD1C3A}</a:tableStyleId>
-                  </a:tblPr>
-                  <a:tblGrid>
-                    <a:gridCol w="3345751">
-                      <a:extLst>
-                        <a:ext uri="{9D8B030D-6E8A-4147-A177-3AD203B41FA5}">
-                          <a16:colId xmlns:a16="http://schemas.microsoft.com/office/drawing/2014/main" val="20000"/>
-                        </a:ext>
-                      </a:extLst>
-                    </a:gridCol>
-                    <a:gridCol w="3345751">
-                      <a:extLst>
-                        <a:ext uri="{9D8B030D-6E8A-4147-A177-3AD203B41FA5}">
-                          <a16:colId xmlns:a16="http://schemas.microsoft.com/office/drawing/2014/main" val="20001"/>
-                        </a:ext>
-                      </a:extLst>
-                    </a:gridCol>
-                    <a:gridCol w="3345751">
-                      <a:extLst>
-                        <a:ext uri="{9D8B030D-6E8A-4147-A177-3AD203B41FA5}">
-                          <a16:colId xmlns:a16="http://schemas.microsoft.com/office/drawing/2014/main" val="20002"/>
-                        </a:ext>
-                      </a:extLst>
-                    </a:gridCol>
-                  </a:tblGrid>
-                  <a:tr h="1342333">
-                    <a:tc>
-                      <a:txBody>
-                        <a:bodyPr/>
-                        <a:lstStyle/>
-                        <a:p>
-                          <a:pPr algn="l"/>
-                          <a:endParaRPr lang="en-US" sz="2800" dirty="0"/>
-                        </a:p>
-                      </a:txBody>
-                      <a:tcPr anchor="ctr">
+      <p:graphicFrame>
+        <p:nvGraphicFramePr>
+          <p:cNvPr id="4" name="Content Placeholder 4"/>
+          <p:cNvGraphicFramePr>
+            <a:graphicFrameLocks/>
+          </p:cNvGraphicFramePr>
+          <p:nvPr>
+            <p:extLst/>
+          </p:nvPr>
+        </p:nvGraphicFramePr>
+        <p:xfrm>
+          <a:off x="1213338" y="1846262"/>
+          <a:ext cx="10037253" cy="4026999"/>
+        </p:xfrm>
+        <a:graphic>
+          <a:graphicData uri="http://schemas.openxmlformats.org/drawingml/2006/table">
+            <a:tbl>
+              <a:tblPr firstRow="1" firstCol="1" bandRow="1">
+                <a:tableStyleId>{5C22544A-7EE6-4342-B048-85BDC9FD1C3A}</a:tableStyleId>
+              </a:tblPr>
+              <a:tblGrid>
+                <a:gridCol w="3345751">
+                  <a:extLst>
+                    <a:ext uri="{9D8B030D-6E8A-4147-A177-3AD203B41FA5}">
+                      <a16:colId xmlns:a16="http://schemas.microsoft.com/office/drawing/2014/main" val="20000"/>
+                    </a:ext>
+                  </a:extLst>
+                </a:gridCol>
+                <a:gridCol w="3345751">
+                  <a:extLst>
+                    <a:ext uri="{9D8B030D-6E8A-4147-A177-3AD203B41FA5}">
+                      <a16:colId xmlns:a16="http://schemas.microsoft.com/office/drawing/2014/main" val="20001"/>
+                    </a:ext>
+                  </a:extLst>
+                </a:gridCol>
+                <a:gridCol w="3345751">
+                  <a:extLst>
+                    <a:ext uri="{9D8B030D-6E8A-4147-A177-3AD203B41FA5}">
+                      <a16:colId xmlns:a16="http://schemas.microsoft.com/office/drawing/2014/main" val="20002"/>
+                    </a:ext>
+                  </a:extLst>
+                </a:gridCol>
+              </a:tblGrid>
+              <a:tr h="1342333">
+                <a:tc>
+                  <a:txBody>
+                    <a:bodyPr/>
+                    <a:lstStyle/>
+                    <a:p>
+                      <a:pPr algn="l"/>
+                      <a:endParaRPr lang="en-US" sz="2800" dirty="0"/>
+                    </a:p>
+                  </a:txBody>
+                  <a:tcPr anchor="ctr">
+                    <a:solidFill>
+                      <a:srgbClr val="FFB7D1"/>
+                    </a:solidFill>
+                  </a:tcPr>
+                </a:tc>
+                <a:tc>
+                  <a:txBody>
+                    <a:bodyPr/>
+                    <a:lstStyle/>
+                    <a:p>
+                      <a:pPr algn="ctr"/>
+                      <a:r>
+                        <a:rPr lang="en-US" sz="2800" dirty="0"/>
+                        <a:t>Losses</a:t>
+                      </a:r>
+                    </a:p>
+                  </a:txBody>
+                  <a:tcPr anchor="ctr">
+                    <a:solidFill>
+                      <a:srgbClr val="FFB7D1"/>
+                    </a:solidFill>
+                  </a:tcPr>
+                </a:tc>
+                <a:tc>
+                  <a:txBody>
+                    <a:bodyPr/>
+                    <a:lstStyle/>
+                    <a:p>
+                      <a:pPr algn="ctr"/>
+                      <a:r>
+                        <a:rPr lang="en-US" sz="2800" dirty="0"/>
+                        <a:t>Gains</a:t>
+                      </a:r>
+                    </a:p>
+                  </a:txBody>
+                  <a:tcPr anchor="ctr">
+                    <a:solidFill>
+                      <a:srgbClr val="FFB7D1"/>
+                    </a:solidFill>
+                  </a:tcPr>
+                </a:tc>
+                <a:extLst>
+                  <a:ext uri="{0D108BD9-81ED-4DB2-BD59-A6C34878D82A}">
+                    <a16:rowId xmlns:a16="http://schemas.microsoft.com/office/drawing/2014/main" val="10000"/>
+                  </a:ext>
+                </a:extLst>
+              </a:tr>
+              <a:tr h="1342333">
+                <a:tc>
+                  <a:txBody>
+                    <a:bodyPr/>
+                    <a:lstStyle/>
+                    <a:p>
+                      <a:pPr algn="l"/>
+                      <a:r>
+                        <a:rPr lang="en-US" sz="2800" dirty="0"/>
+                        <a:t>High Probability</a:t>
+                      </a:r>
+                    </a:p>
+                  </a:txBody>
+                  <a:tcPr anchor="ctr">
+                    <a:solidFill>
+                      <a:srgbClr val="FFB7D1"/>
+                    </a:solidFill>
+                  </a:tcPr>
+                </a:tc>
+                <a:tc>
+                  <a:txBody>
+                    <a:bodyPr/>
+                    <a:lstStyle/>
+                    <a:p>
+                      <a:pPr algn="ctr"/>
+                      <a:r>
+                        <a:rPr lang="en-US" sz="2800" dirty="0"/>
+                        <a:t>Risk Seeking</a:t>
+                      </a:r>
+                      <a:endParaRPr lang="en-US" sz="2800" dirty="0">
                         <a:solidFill>
-                          <a:srgbClr val="FFB7D1"/>
+                          <a:schemeClr val="bg1"/>
                         </a:solidFill>
-                      </a:tcPr>
-                    </a:tc>
-                    <a:tc>
-                      <a:txBody>
-                        <a:bodyPr/>
-                        <a:lstStyle/>
-                        <a:p>
-                          <a:pPr algn="ctr"/>
-                          <a:r>
-                            <a:rPr lang="en-US" sz="2800" dirty="0"/>
-                            <a:t>Losses</a:t>
-                          </a:r>
-                        </a:p>
-                      </a:txBody>
-                      <a:tcPr anchor="ctr">
+                      </a:endParaRPr>
+                    </a:p>
+                  </a:txBody>
+                  <a:tcPr anchor="ctr">
+                    <a:solidFill>
+                      <a:srgbClr val="FFE5EF"/>
+                    </a:solidFill>
+                  </a:tcPr>
+                </a:tc>
+                <a:tc>
+                  <a:txBody>
+                    <a:bodyPr/>
+                    <a:lstStyle/>
+                    <a:p>
+                      <a:pPr algn="ctr"/>
+                      <a:r>
+                        <a:rPr lang="en-US" sz="2800" dirty="0"/>
+                        <a:t>Risk Averse</a:t>
+                      </a:r>
+                    </a:p>
+                  </a:txBody>
+                  <a:tcPr anchor="ctr">
+                    <a:solidFill>
+                      <a:srgbClr val="FFD4E0"/>
+                    </a:solidFill>
+                  </a:tcPr>
+                </a:tc>
+                <a:extLst>
+                  <a:ext uri="{0D108BD9-81ED-4DB2-BD59-A6C34878D82A}">
+                    <a16:rowId xmlns:a16="http://schemas.microsoft.com/office/drawing/2014/main" val="10001"/>
+                  </a:ext>
+                </a:extLst>
+              </a:tr>
+              <a:tr h="1342333">
+                <a:tc>
+                  <a:txBody>
+                    <a:bodyPr/>
+                    <a:lstStyle/>
+                    <a:p>
+                      <a:pPr algn="l"/>
+                      <a:r>
+                        <a:rPr lang="en-US" sz="2800" dirty="0"/>
+                        <a:t>Low Probability</a:t>
+                      </a:r>
+                    </a:p>
+                  </a:txBody>
+                  <a:tcPr anchor="ctr">
+                    <a:solidFill>
+                      <a:srgbClr val="FFB7D1"/>
+                    </a:solidFill>
+                  </a:tcPr>
+                </a:tc>
+                <a:tc>
+                  <a:txBody>
+                    <a:bodyPr/>
+                    <a:lstStyle/>
+                    <a:p>
+                      <a:pPr algn="ctr"/>
+                      <a:r>
+                        <a:rPr lang="en-US" sz="2800" dirty="0"/>
+                        <a:t>Risk Averse</a:t>
+                      </a:r>
+                    </a:p>
+                  </a:txBody>
+                  <a:tcPr anchor="ctr">
+                    <a:solidFill>
+                      <a:srgbClr val="FFD4E0"/>
+                    </a:solidFill>
+                  </a:tcPr>
+                </a:tc>
+                <a:tc>
+                  <a:txBody>
+                    <a:bodyPr/>
+                    <a:lstStyle/>
+                    <a:p>
+                      <a:pPr algn="ctr"/>
+                      <a:r>
+                        <a:rPr lang="en-US" sz="2800" dirty="0"/>
+                        <a:t>Risk Seeking</a:t>
+                      </a:r>
+                      <a:endParaRPr lang="en-US" sz="2800" dirty="0">
                         <a:solidFill>
-                          <a:srgbClr val="FFB7D1"/>
+                          <a:schemeClr val="bg1"/>
                         </a:solidFill>
-                      </a:tcPr>
-                    </a:tc>
-                    <a:tc>
-                      <a:txBody>
-                        <a:bodyPr/>
-                        <a:lstStyle/>
-                        <a:p>
-                          <a:pPr algn="ctr"/>
-                          <a:r>
-                            <a:rPr lang="en-US" sz="2800" dirty="0"/>
-                            <a:t>Gains</a:t>
-                          </a:r>
-                        </a:p>
-                      </a:txBody>
-                      <a:tcPr anchor="ctr">
-                        <a:solidFill>
-                          <a:srgbClr val="FFB7D1"/>
-                        </a:solidFill>
-                      </a:tcPr>
-                    </a:tc>
-                    <a:extLst>
-                      <a:ext uri="{0D108BD9-81ED-4DB2-BD59-A6C34878D82A}">
-                        <a16:rowId xmlns:a16="http://schemas.microsoft.com/office/drawing/2014/main" val="10000"/>
-                      </a:ext>
-                    </a:extLst>
-                  </a:tr>
-                  <a:tr h="1342333">
-                    <a:tc>
-                      <a:txBody>
-                        <a:bodyPr/>
-                        <a:lstStyle/>
-                        <a:p>
-                          <a:pPr algn="l"/>
-                          <a:r>
-                            <a:rPr lang="en-US" sz="2800" dirty="0"/>
-                            <a:t>High Probability</a:t>
-                          </a:r>
-                        </a:p>
-                      </a:txBody>
-                      <a:tcPr anchor="ctr">
-                        <a:solidFill>
-                          <a:srgbClr val="FFB7D1"/>
-                        </a:solidFill>
-                      </a:tcPr>
-                    </a:tc>
-                    <a:tc>
-                      <a:txBody>
-                        <a:bodyPr/>
-                        <a:lstStyle/>
-                        <a:p>
-                          <a:pPr algn="ctr"/>
-                          <a14:m>
-                            <m:oMathPara xmlns:m="http://schemas.openxmlformats.org/officeDocument/2006/math">
-                              <m:oMathParaPr>
-                                <m:jc m:val="centerGroup"/>
-                              </m:oMathParaPr>
-                              <m:oMath xmlns:m="http://schemas.openxmlformats.org/officeDocument/2006/math">
-                                <m:d>
-                                  <m:dPr>
-                                    <m:begChr m:val="{"/>
-                                    <m:endChr m:val=""/>
-                                    <m:ctrlPr>
-                                      <a:rPr lang="cs-CZ" sz="2800" i="1" smtClean="0">
-                                        <a:solidFill>
-                                          <a:schemeClr val="tx1"/>
-                                        </a:solidFill>
-                                        <a:latin typeface="Cambria Math" panose="02040503050406030204" pitchFamily="18" charset="0"/>
-                                      </a:rPr>
-                                    </m:ctrlPr>
-                                  </m:dPr>
-                                  <m:e>
-                                    <m:eqArr>
-                                      <m:eqArrPr>
-                                        <m:ctrlPr>
-                                          <a:rPr lang="cs-CZ" sz="2800" i="1" smtClean="0">
-                                            <a:solidFill>
-                                              <a:schemeClr val="tx1"/>
-                                            </a:solidFill>
-                                            <a:latin typeface="Cambria Math" panose="02040503050406030204" pitchFamily="18" charset="0"/>
-                                          </a:rPr>
-                                        </m:ctrlPr>
-                                      </m:eqArrPr>
-                                      <m:e>
-                                        <m:r>
-                                          <a:rPr lang="en-US" sz="2800" b="0" i="1" smtClean="0">
-                                            <a:solidFill>
-                                              <a:schemeClr val="tx1"/>
-                                            </a:solidFill>
-                                            <a:latin typeface="Cambria Math" charset="0"/>
-                                          </a:rPr>
-                                          <m:t>− $100 </m:t>
-                                        </m:r>
-                                        <m:r>
-                                          <a:rPr lang="en-US" sz="2800" b="0" i="1" smtClean="0">
-                                            <a:solidFill>
-                                              <a:schemeClr val="tx1"/>
-                                            </a:solidFill>
-                                            <a:latin typeface="Cambria Math" charset="0"/>
-                                          </a:rPr>
-                                          <m:t>𝑤𝑖𝑡h</m:t>
-                                        </m:r>
-                                        <m:r>
-                                          <a:rPr lang="en-US" sz="2800" b="0" i="1" smtClean="0">
-                                            <a:solidFill>
-                                              <a:schemeClr val="tx1"/>
-                                            </a:solidFill>
-                                            <a:latin typeface="Cambria Math" charset="0"/>
-                                          </a:rPr>
-                                          <m:t> </m:t>
-                                        </m:r>
-                                        <m:r>
-                                          <a:rPr lang="en-US" sz="2800" b="0" i="1" smtClean="0">
-                                            <a:solidFill>
-                                              <a:schemeClr val="tx1"/>
-                                            </a:solidFill>
-                                            <a:latin typeface="Cambria Math" charset="0"/>
-                                          </a:rPr>
-                                          <m:t>𝑝</m:t>
-                                        </m:r>
-                                        <m:r>
-                                          <a:rPr lang="en-US" sz="2800" b="0" i="1" smtClean="0">
-                                            <a:solidFill>
-                                              <a:schemeClr val="tx1"/>
-                                            </a:solidFill>
-                                            <a:latin typeface="Cambria Math" charset="0"/>
-                                          </a:rPr>
-                                          <m:t>(70)</m:t>
-                                        </m:r>
-                                      </m:e>
-                                      <m:e>
-                                        <m:r>
-                                          <a:rPr lang="en-US" sz="2800" b="0" i="1" smtClean="0">
-                                            <a:solidFill>
-                                              <a:schemeClr val="tx1"/>
-                                            </a:solidFill>
-                                            <a:latin typeface="Cambria Math" charset="0"/>
-                                          </a:rPr>
-                                          <m:t>− $70 </m:t>
-                                        </m:r>
-                                        <m:r>
-                                          <a:rPr lang="en-US" sz="2800" b="0" i="1" smtClean="0">
-                                            <a:solidFill>
-                                              <a:schemeClr val="tx1"/>
-                                            </a:solidFill>
-                                            <a:latin typeface="Cambria Math" charset="0"/>
-                                          </a:rPr>
-                                          <m:t>𝑤𝑖𝑡h</m:t>
-                                        </m:r>
-                                        <m:r>
-                                          <a:rPr lang="en-US" sz="2800" b="0" i="1" smtClean="0">
-                                            <a:solidFill>
-                                              <a:schemeClr val="tx1"/>
-                                            </a:solidFill>
-                                            <a:latin typeface="Cambria Math" charset="0"/>
-                                          </a:rPr>
-                                          <m:t> </m:t>
-                                        </m:r>
-                                        <m:r>
-                                          <a:rPr lang="en-US" sz="2800" b="0" i="1" smtClean="0">
-                                            <a:solidFill>
-                                              <a:schemeClr val="tx1"/>
-                                            </a:solidFill>
-                                            <a:latin typeface="Cambria Math" charset="0"/>
-                                          </a:rPr>
-                                          <m:t>𝑝</m:t>
-                                        </m:r>
-                                        <m:r>
-                                          <a:rPr lang="en-US" sz="2800" b="0" i="1" smtClean="0">
-                                            <a:solidFill>
-                                              <a:schemeClr val="tx1"/>
-                                            </a:solidFill>
-                                            <a:latin typeface="Cambria Math" charset="0"/>
-                                          </a:rPr>
-                                          <m:t>(100)</m:t>
-                                        </m:r>
-                                      </m:e>
-                                    </m:eqArr>
-                                  </m:e>
-                                </m:d>
-                              </m:oMath>
-                            </m:oMathPara>
-                          </a14:m>
-                          <a:endParaRPr lang="en-US" sz="2800" dirty="0">
-                            <a:solidFill>
-                              <a:schemeClr val="tx1"/>
-                            </a:solidFill>
-                          </a:endParaRPr>
-                        </a:p>
-                      </a:txBody>
-                      <a:tcPr anchor="ctr">
-                        <a:solidFill>
-                          <a:srgbClr val="FFD4E0"/>
-                        </a:solidFill>
-                      </a:tcPr>
-                    </a:tc>
-                    <a:tc>
-                      <a:txBody>
-                        <a:bodyPr/>
-                        <a:lstStyle/>
-                        <a:p>
-                          <a:pPr algn="ctr"/>
-                          <a14:m>
-                            <m:oMathPara xmlns:m="http://schemas.openxmlformats.org/officeDocument/2006/math">
-                              <m:oMathParaPr>
-                                <m:jc m:val="centerGroup"/>
-                              </m:oMathParaPr>
-                              <m:oMath xmlns:m="http://schemas.openxmlformats.org/officeDocument/2006/math">
-                                <m:d>
-                                  <m:dPr>
-                                    <m:begChr m:val="{"/>
-                                    <m:endChr m:val=""/>
-                                    <m:ctrlPr>
-                                      <a:rPr lang="cs-CZ" sz="2800" i="1" smtClean="0">
-                                        <a:solidFill>
-                                          <a:schemeClr val="tx1"/>
-                                        </a:solidFill>
-                                        <a:latin typeface="Cambria Math" panose="02040503050406030204" pitchFamily="18" charset="0"/>
-                                      </a:rPr>
-                                    </m:ctrlPr>
-                                  </m:dPr>
-                                  <m:e>
-                                    <m:eqArr>
-                                      <m:eqArrPr>
-                                        <m:ctrlPr>
-                                          <a:rPr lang="cs-CZ" sz="2800" i="1" smtClean="0">
-                                            <a:solidFill>
-                                              <a:schemeClr val="tx1"/>
-                                            </a:solidFill>
-                                            <a:latin typeface="Cambria Math" panose="02040503050406030204" pitchFamily="18" charset="0"/>
-                                          </a:rPr>
-                                        </m:ctrlPr>
-                                      </m:eqArrPr>
-                                      <m:e>
-                                        <m:r>
-                                          <a:rPr lang="en-US" sz="2800" b="0" i="1" smtClean="0">
-                                            <a:solidFill>
-                                              <a:schemeClr val="tx1"/>
-                                            </a:solidFill>
-                                            <a:latin typeface="Cambria Math" charset="0"/>
-                                          </a:rPr>
-                                          <m:t>$100 </m:t>
-                                        </m:r>
-                                        <m:r>
-                                          <a:rPr lang="en-US" sz="2800" b="0" i="1" smtClean="0">
-                                            <a:solidFill>
-                                              <a:schemeClr val="tx1"/>
-                                            </a:solidFill>
-                                            <a:latin typeface="Cambria Math" charset="0"/>
-                                          </a:rPr>
-                                          <m:t>𝑤𝑖𝑡h</m:t>
-                                        </m:r>
-                                        <m:r>
-                                          <a:rPr lang="en-US" sz="2800" b="0" i="1" smtClean="0">
-                                            <a:solidFill>
-                                              <a:schemeClr val="tx1"/>
-                                            </a:solidFill>
-                                            <a:latin typeface="Cambria Math" charset="0"/>
-                                          </a:rPr>
-                                          <m:t> </m:t>
-                                        </m:r>
-                                        <m:r>
-                                          <a:rPr lang="en-US" sz="2800" b="0" i="1" smtClean="0">
-                                            <a:solidFill>
-                                              <a:schemeClr val="tx1"/>
-                                            </a:solidFill>
-                                            <a:latin typeface="Cambria Math" charset="0"/>
-                                          </a:rPr>
-                                          <m:t>𝑝</m:t>
-                                        </m:r>
-                                        <m:r>
-                                          <a:rPr lang="en-US" sz="2800" b="0" i="1" smtClean="0">
-                                            <a:solidFill>
-                                              <a:schemeClr val="tx1"/>
-                                            </a:solidFill>
-                                            <a:latin typeface="Cambria Math" charset="0"/>
-                                          </a:rPr>
-                                          <m:t>(70)</m:t>
-                                        </m:r>
-                                      </m:e>
-                                      <m:e>
-                                        <m:r>
-                                          <a:rPr lang="en-US" sz="2800" b="0" i="1" smtClean="0">
-                                            <a:solidFill>
-                                              <a:schemeClr val="tx1"/>
-                                            </a:solidFill>
-                                            <a:latin typeface="Cambria Math" charset="0"/>
-                                          </a:rPr>
-                                          <m:t> $70 </m:t>
-                                        </m:r>
-                                        <m:r>
-                                          <a:rPr lang="en-US" sz="2800" b="0" i="1" smtClean="0">
-                                            <a:solidFill>
-                                              <a:schemeClr val="tx1"/>
-                                            </a:solidFill>
-                                            <a:latin typeface="Cambria Math" charset="0"/>
-                                          </a:rPr>
-                                          <m:t>𝑤𝑖𝑡h</m:t>
-                                        </m:r>
-                                        <m:r>
-                                          <a:rPr lang="en-US" sz="2800" b="0" i="1" smtClean="0">
-                                            <a:solidFill>
-                                              <a:schemeClr val="tx1"/>
-                                            </a:solidFill>
-                                            <a:latin typeface="Cambria Math" charset="0"/>
-                                          </a:rPr>
-                                          <m:t> </m:t>
-                                        </m:r>
-                                        <m:r>
-                                          <a:rPr lang="en-US" sz="2800" b="0" i="1" smtClean="0">
-                                            <a:solidFill>
-                                              <a:schemeClr val="tx1"/>
-                                            </a:solidFill>
-                                            <a:latin typeface="Cambria Math" charset="0"/>
-                                          </a:rPr>
-                                          <m:t>𝑝</m:t>
-                                        </m:r>
-                                        <m:r>
-                                          <a:rPr lang="en-US" sz="2800" b="0" i="1" smtClean="0">
-                                            <a:solidFill>
-                                              <a:schemeClr val="tx1"/>
-                                            </a:solidFill>
-                                            <a:latin typeface="Cambria Math" charset="0"/>
-                                          </a:rPr>
-                                          <m:t>(100)</m:t>
-                                        </m:r>
-                                      </m:e>
-                                    </m:eqArr>
-                                  </m:e>
-                                </m:d>
-                              </m:oMath>
-                            </m:oMathPara>
-                          </a14:m>
-                          <a:endParaRPr lang="en-US" sz="2800" dirty="0">
-                            <a:solidFill>
-                              <a:schemeClr val="tx1"/>
-                            </a:solidFill>
-                          </a:endParaRPr>
-                        </a:p>
-                      </a:txBody>
-                      <a:tcPr anchor="ctr">
-                        <a:solidFill>
-                          <a:srgbClr val="FFE5EF"/>
-                        </a:solidFill>
-                      </a:tcPr>
-                    </a:tc>
-                    <a:extLst>
-                      <a:ext uri="{0D108BD9-81ED-4DB2-BD59-A6C34878D82A}">
-                        <a16:rowId xmlns:a16="http://schemas.microsoft.com/office/drawing/2014/main" val="10001"/>
-                      </a:ext>
-                    </a:extLst>
-                  </a:tr>
-                  <a:tr h="1342333">
-                    <a:tc>
-                      <a:txBody>
-                        <a:bodyPr/>
-                        <a:lstStyle/>
-                        <a:p>
-                          <a:pPr algn="l"/>
-                          <a:r>
-                            <a:rPr lang="en-US" sz="2800" dirty="0"/>
-                            <a:t>Low Probability</a:t>
-                          </a:r>
-                        </a:p>
-                      </a:txBody>
-                      <a:tcPr anchor="ctr">
-                        <a:solidFill>
-                          <a:srgbClr val="FFB7D1"/>
-                        </a:solidFill>
-                      </a:tcPr>
-                    </a:tc>
-                    <a:tc>
-                      <a:txBody>
-                        <a:bodyPr/>
-                        <a:lstStyle/>
-                        <a:p>
-                          <a:pPr algn="ctr"/>
-                          <a14:m>
-                            <m:oMathPara xmlns:m="http://schemas.openxmlformats.org/officeDocument/2006/math">
-                              <m:oMathParaPr>
-                                <m:jc m:val="centerGroup"/>
-                              </m:oMathParaPr>
-                              <m:oMath xmlns:m="http://schemas.openxmlformats.org/officeDocument/2006/math">
-                                <m:d>
-                                  <m:dPr>
-                                    <m:begChr m:val="{"/>
-                                    <m:endChr m:val=""/>
-                                    <m:ctrlPr>
-                                      <a:rPr lang="cs-CZ" sz="2800" i="1" smtClean="0">
-                                        <a:solidFill>
-                                          <a:schemeClr val="tx1"/>
-                                        </a:solidFill>
-                                        <a:latin typeface="Cambria Math" panose="02040503050406030204" pitchFamily="18" charset="0"/>
-                                      </a:rPr>
-                                    </m:ctrlPr>
-                                  </m:dPr>
-                                  <m:e>
-                                    <m:eqArr>
-                                      <m:eqArrPr>
-                                        <m:ctrlPr>
-                                          <a:rPr lang="cs-CZ" sz="2800" i="1" smtClean="0">
-                                            <a:solidFill>
-                                              <a:schemeClr val="tx1"/>
-                                            </a:solidFill>
-                                            <a:latin typeface="Cambria Math" panose="02040503050406030204" pitchFamily="18" charset="0"/>
-                                          </a:rPr>
-                                        </m:ctrlPr>
-                                      </m:eqArrPr>
-                                      <m:e>
-                                        <m:r>
-                                          <a:rPr lang="en-US" sz="2800" b="0" i="1" smtClean="0">
-                                            <a:solidFill>
-                                              <a:schemeClr val="tx1"/>
-                                            </a:solidFill>
-                                            <a:latin typeface="Cambria Math" charset="0"/>
-                                          </a:rPr>
-                                          <m:t>− $100 </m:t>
-                                        </m:r>
-                                        <m:r>
-                                          <a:rPr lang="en-US" sz="2800" b="0" i="1" smtClean="0">
-                                            <a:solidFill>
-                                              <a:schemeClr val="tx1"/>
-                                            </a:solidFill>
-                                            <a:latin typeface="Cambria Math" charset="0"/>
-                                          </a:rPr>
-                                          <m:t>𝑤𝑖𝑡h</m:t>
-                                        </m:r>
-                                        <m:r>
-                                          <a:rPr lang="en-US" sz="2800" b="0" i="1" smtClean="0">
-                                            <a:solidFill>
-                                              <a:schemeClr val="tx1"/>
-                                            </a:solidFill>
-                                            <a:latin typeface="Cambria Math" charset="0"/>
-                                          </a:rPr>
-                                          <m:t> </m:t>
-                                        </m:r>
-                                        <m:r>
-                                          <a:rPr lang="en-US" sz="2800" b="0" i="1" smtClean="0">
-                                            <a:solidFill>
-                                              <a:schemeClr val="tx1"/>
-                                            </a:solidFill>
-                                            <a:latin typeface="Cambria Math" charset="0"/>
-                                          </a:rPr>
-                                          <m:t>𝑝</m:t>
-                                        </m:r>
-                                        <m:r>
-                                          <a:rPr lang="en-US" sz="2800" b="0" i="1" smtClean="0">
-                                            <a:solidFill>
-                                              <a:schemeClr val="tx1"/>
-                                            </a:solidFill>
-                                            <a:latin typeface="Cambria Math" charset="0"/>
-                                          </a:rPr>
-                                          <m:t>(20)</m:t>
-                                        </m:r>
-                                      </m:e>
-                                      <m:e>
-                                        <m:r>
-                                          <a:rPr lang="en-US" sz="2800" b="0" i="1" smtClean="0">
-                                            <a:solidFill>
-                                              <a:schemeClr val="tx1"/>
-                                            </a:solidFill>
-                                            <a:latin typeface="Cambria Math" charset="0"/>
-                                          </a:rPr>
-                                          <m:t>− $20 </m:t>
-                                        </m:r>
-                                        <m:r>
-                                          <a:rPr lang="en-US" sz="2800" b="0" i="1" smtClean="0">
-                                            <a:solidFill>
-                                              <a:schemeClr val="tx1"/>
-                                            </a:solidFill>
-                                            <a:latin typeface="Cambria Math" charset="0"/>
-                                          </a:rPr>
-                                          <m:t>𝑤𝑖𝑡h</m:t>
-                                        </m:r>
-                                        <m:r>
-                                          <a:rPr lang="en-US" sz="2800" b="0" i="1" smtClean="0">
-                                            <a:solidFill>
-                                              <a:schemeClr val="tx1"/>
-                                            </a:solidFill>
-                                            <a:latin typeface="Cambria Math" charset="0"/>
-                                          </a:rPr>
-                                          <m:t> </m:t>
-                                        </m:r>
-                                        <m:r>
-                                          <a:rPr lang="en-US" sz="2800" b="0" i="1" smtClean="0">
-                                            <a:solidFill>
-                                              <a:schemeClr val="tx1"/>
-                                            </a:solidFill>
-                                            <a:latin typeface="Cambria Math" charset="0"/>
-                                          </a:rPr>
-                                          <m:t>𝑝</m:t>
-                                        </m:r>
-                                        <m:r>
-                                          <a:rPr lang="en-US" sz="2800" b="0" i="1" smtClean="0">
-                                            <a:solidFill>
-                                              <a:schemeClr val="tx1"/>
-                                            </a:solidFill>
-                                            <a:latin typeface="Cambria Math" charset="0"/>
-                                          </a:rPr>
-                                          <m:t>(100)</m:t>
-                                        </m:r>
-                                      </m:e>
-                                    </m:eqArr>
-                                  </m:e>
-                                </m:d>
-                              </m:oMath>
-                            </m:oMathPara>
-                          </a14:m>
-                          <a:endParaRPr lang="en-US" sz="2800" dirty="0">
-                            <a:solidFill>
-                              <a:schemeClr val="tx1"/>
-                            </a:solidFill>
-                          </a:endParaRPr>
-                        </a:p>
-                      </a:txBody>
-                      <a:tcPr anchor="ctr">
-                        <a:solidFill>
-                          <a:srgbClr val="FFE5EF"/>
-                        </a:solidFill>
-                      </a:tcPr>
-                    </a:tc>
-                    <a:tc>
-                      <a:txBody>
-                        <a:bodyPr/>
-                        <a:lstStyle/>
-                        <a:p>
-                          <a:pPr algn="ctr"/>
-                          <a14:m>
-                            <m:oMathPara xmlns:m="http://schemas.openxmlformats.org/officeDocument/2006/math">
-                              <m:oMathParaPr>
-                                <m:jc m:val="centerGroup"/>
-                              </m:oMathParaPr>
-                              <m:oMath xmlns:m="http://schemas.openxmlformats.org/officeDocument/2006/math">
-                                <m:d>
-                                  <m:dPr>
-                                    <m:begChr m:val="{"/>
-                                    <m:endChr m:val=""/>
-                                    <m:ctrlPr>
-                                      <a:rPr lang="cs-CZ" sz="2800" i="1" smtClean="0">
-                                        <a:solidFill>
-                                          <a:schemeClr val="tx1"/>
-                                        </a:solidFill>
-                                        <a:latin typeface="Cambria Math" panose="02040503050406030204" pitchFamily="18" charset="0"/>
-                                      </a:rPr>
-                                    </m:ctrlPr>
-                                  </m:dPr>
-                                  <m:e>
-                                    <m:eqArr>
-                                      <m:eqArrPr>
-                                        <m:ctrlPr>
-                                          <a:rPr lang="cs-CZ" sz="2800" i="1" smtClean="0">
-                                            <a:solidFill>
-                                              <a:schemeClr val="tx1"/>
-                                            </a:solidFill>
-                                            <a:latin typeface="Cambria Math" panose="02040503050406030204" pitchFamily="18" charset="0"/>
-                                          </a:rPr>
-                                        </m:ctrlPr>
-                                      </m:eqArrPr>
-                                      <m:e>
-                                        <m:r>
-                                          <a:rPr lang="en-US" sz="2800" b="0" i="1" smtClean="0">
-                                            <a:solidFill>
-                                              <a:schemeClr val="tx1"/>
-                                            </a:solidFill>
-                                            <a:latin typeface="Cambria Math" charset="0"/>
-                                          </a:rPr>
-                                          <m:t> $100 </m:t>
-                                        </m:r>
-                                        <m:r>
-                                          <a:rPr lang="en-US" sz="2800" b="0" i="1" smtClean="0">
-                                            <a:solidFill>
-                                              <a:schemeClr val="tx1"/>
-                                            </a:solidFill>
-                                            <a:latin typeface="Cambria Math" charset="0"/>
-                                          </a:rPr>
-                                          <m:t>𝑤𝑖𝑡h</m:t>
-                                        </m:r>
-                                        <m:r>
-                                          <a:rPr lang="en-US" sz="2800" b="0" i="1" smtClean="0">
-                                            <a:solidFill>
-                                              <a:schemeClr val="tx1"/>
-                                            </a:solidFill>
-                                            <a:latin typeface="Cambria Math" charset="0"/>
-                                          </a:rPr>
-                                          <m:t> </m:t>
-                                        </m:r>
-                                        <m:r>
-                                          <a:rPr lang="en-US" sz="2800" b="0" i="1" smtClean="0">
-                                            <a:solidFill>
-                                              <a:schemeClr val="tx1"/>
-                                            </a:solidFill>
-                                            <a:latin typeface="Cambria Math" charset="0"/>
-                                          </a:rPr>
-                                          <m:t>𝑝</m:t>
-                                        </m:r>
-                                        <m:r>
-                                          <a:rPr lang="en-US" sz="2800" b="0" i="1" smtClean="0">
-                                            <a:solidFill>
-                                              <a:schemeClr val="tx1"/>
-                                            </a:solidFill>
-                                            <a:latin typeface="Cambria Math" charset="0"/>
-                                          </a:rPr>
-                                          <m:t>(20)</m:t>
-                                        </m:r>
-                                      </m:e>
-                                      <m:e>
-                                        <m:r>
-                                          <a:rPr lang="en-US" sz="2800" b="0" i="1" smtClean="0">
-                                            <a:solidFill>
-                                              <a:schemeClr val="tx1"/>
-                                            </a:solidFill>
-                                            <a:latin typeface="Cambria Math" charset="0"/>
-                                          </a:rPr>
-                                          <m:t> $20 </m:t>
-                                        </m:r>
-                                        <m:r>
-                                          <a:rPr lang="en-US" sz="2800" b="0" i="1" smtClean="0">
-                                            <a:solidFill>
-                                              <a:schemeClr val="tx1"/>
-                                            </a:solidFill>
-                                            <a:latin typeface="Cambria Math" charset="0"/>
-                                          </a:rPr>
-                                          <m:t>𝑤𝑖𝑡h</m:t>
-                                        </m:r>
-                                        <m:r>
-                                          <a:rPr lang="en-US" sz="2800" b="0" i="1" smtClean="0">
-                                            <a:solidFill>
-                                              <a:schemeClr val="tx1"/>
-                                            </a:solidFill>
-                                            <a:latin typeface="Cambria Math" charset="0"/>
-                                          </a:rPr>
-                                          <m:t> </m:t>
-                                        </m:r>
-                                        <m:r>
-                                          <a:rPr lang="en-US" sz="2800" b="0" i="1" smtClean="0">
-                                            <a:solidFill>
-                                              <a:schemeClr val="tx1"/>
-                                            </a:solidFill>
-                                            <a:latin typeface="Cambria Math" charset="0"/>
-                                          </a:rPr>
-                                          <m:t>𝑝</m:t>
-                                        </m:r>
-                                        <m:r>
-                                          <a:rPr lang="en-US" sz="2800" b="0" i="1" smtClean="0">
-                                            <a:solidFill>
-                                              <a:schemeClr val="tx1"/>
-                                            </a:solidFill>
-                                            <a:latin typeface="Cambria Math" charset="0"/>
-                                          </a:rPr>
-                                          <m:t>(100)</m:t>
-                                        </m:r>
-                                      </m:e>
-                                    </m:eqArr>
-                                  </m:e>
-                                </m:d>
-                              </m:oMath>
-                            </m:oMathPara>
-                          </a14:m>
-                          <a:endParaRPr lang="en-US" sz="2800" dirty="0">
-                            <a:solidFill>
-                              <a:schemeClr val="tx1"/>
-                            </a:solidFill>
-                          </a:endParaRPr>
-                        </a:p>
-                      </a:txBody>
-                      <a:tcPr anchor="ctr">
-                        <a:solidFill>
-                          <a:srgbClr val="FFD4E0"/>
-                        </a:solidFill>
-                      </a:tcPr>
-                    </a:tc>
-                    <a:extLst>
-                      <a:ext uri="{0D108BD9-81ED-4DB2-BD59-A6C34878D82A}">
-                        <a16:rowId xmlns:a16="http://schemas.microsoft.com/office/drawing/2014/main" val="10002"/>
-                      </a:ext>
-                    </a:extLst>
-                  </a:tr>
-                </a:tbl>
-              </a:graphicData>
-            </a:graphic>
-          </p:graphicFrame>
-        </mc:Choice>
-        <mc:Fallback xmlns="">
-          <p:graphicFrame>
-            <p:nvGraphicFramePr>
-              <p:cNvPr id="4" name="Content Placeholder 4"/>
-              <p:cNvGraphicFramePr>
-                <a:graphicFrameLocks/>
-              </p:cNvGraphicFramePr>
-              <p:nvPr>
-                <p:extLst>
-                  <p:ext uri="{D42A27DB-BD31-4B8C-83A1-F6EECF244321}">
-                    <p14:modId xmlns:p14="http://schemas.microsoft.com/office/powerpoint/2010/main" val="1252129968"/>
-                  </p:ext>
-                </p:extLst>
-              </p:nvPr>
-            </p:nvGraphicFramePr>
-            <p:xfrm>
-              <a:off x="1213338" y="1846262"/>
-              <a:ext cx="10037253" cy="4026999"/>
-            </p:xfrm>
-            <a:graphic>
-              <a:graphicData uri="http://schemas.openxmlformats.org/drawingml/2006/table">
-                <a:tbl>
-                  <a:tblPr firstRow="1" firstCol="1" bandRow="1">
-                    <a:tableStyleId>{5C22544A-7EE6-4342-B048-85BDC9FD1C3A}</a:tableStyleId>
-                  </a:tblPr>
-                  <a:tblGrid>
-                    <a:gridCol w="3345751"/>
-                    <a:gridCol w="3345751"/>
-                    <a:gridCol w="3345751"/>
-                  </a:tblGrid>
-                  <a:tr h="1342333">
-                    <a:tc>
-                      <a:txBody>
-                        <a:bodyPr/>
-                        <a:lstStyle/>
-                        <a:p>
-                          <a:pPr algn="l"/>
-                          <a:endParaRPr lang="en-US" sz="2800" dirty="0"/>
-                        </a:p>
-                      </a:txBody>
-                      <a:tcPr anchor="ctr">
-                        <a:solidFill>
-                          <a:srgbClr val="FFB7D1"/>
-                        </a:solidFill>
-                      </a:tcPr>
-                    </a:tc>
-                    <a:tc>
-                      <a:txBody>
-                        <a:bodyPr/>
-                        <a:lstStyle/>
-                        <a:p>
-                          <a:pPr algn="ctr"/>
-                          <a:r>
-                            <a:rPr lang="en-US" sz="2800" dirty="0" smtClean="0"/>
-                            <a:t>Losses</a:t>
-                          </a:r>
-                          <a:endParaRPr lang="en-US" sz="2800" dirty="0"/>
-                        </a:p>
-                      </a:txBody>
-                      <a:tcPr anchor="ctr">
-                        <a:solidFill>
-                          <a:srgbClr val="FFB7D1"/>
-                        </a:solidFill>
-                      </a:tcPr>
-                    </a:tc>
-                    <a:tc>
-                      <a:txBody>
-                        <a:bodyPr/>
-                        <a:lstStyle/>
-                        <a:p>
-                          <a:pPr algn="ctr"/>
-                          <a:r>
-                            <a:rPr lang="en-US" sz="2800" dirty="0" smtClean="0"/>
-                            <a:t>Gains</a:t>
-                          </a:r>
-                          <a:endParaRPr lang="en-US" sz="2800" dirty="0"/>
-                        </a:p>
-                      </a:txBody>
-                      <a:tcPr anchor="ctr">
-                        <a:solidFill>
-                          <a:srgbClr val="FFB7D1"/>
-                        </a:solidFill>
-                      </a:tcPr>
-                    </a:tc>
-                  </a:tr>
-                  <a:tr h="1342333">
-                    <a:tc>
-                      <a:txBody>
-                        <a:bodyPr/>
-                        <a:lstStyle/>
-                        <a:p>
-                          <a:pPr algn="l"/>
-                          <a:r>
-                            <a:rPr lang="en-US" sz="2800" dirty="0" smtClean="0"/>
-                            <a:t>High Probability</a:t>
-                          </a:r>
-                          <a:endParaRPr lang="en-US" sz="2800" dirty="0"/>
-                        </a:p>
-                      </a:txBody>
-                      <a:tcPr anchor="ctr">
-                        <a:solidFill>
-                          <a:srgbClr val="FFB7D1"/>
-                        </a:solidFill>
-                      </a:tcPr>
-                    </a:tc>
-                    <a:tc>
-                      <a:txBody>
-                        <a:bodyPr/>
-                        <a:lstStyle/>
-                        <a:p>
-                          <a:endParaRPr lang="en-US"/>
-                        </a:p>
-                      </a:txBody>
-                      <a:tcPr anchor="ctr">
-                        <a:blipFill rotWithShape="0">
-                          <a:blip r:embed="rId2"/>
-                          <a:stretch>
-                            <a:fillRect l="-100364" t="-100909" r="-100729" b="-101364"/>
-                          </a:stretch>
-                        </a:blipFill>
-                      </a:tcPr>
-                    </a:tc>
-                    <a:tc>
-                      <a:txBody>
-                        <a:bodyPr/>
-                        <a:lstStyle/>
-                        <a:p>
-                          <a:endParaRPr lang="en-US"/>
-                        </a:p>
-                      </a:txBody>
-                      <a:tcPr anchor="ctr">
-                        <a:blipFill rotWithShape="0">
-                          <a:blip r:embed="rId2"/>
-                          <a:stretch>
-                            <a:fillRect l="-200364" t="-100909" r="-729" b="-101364"/>
-                          </a:stretch>
-                        </a:blipFill>
-                      </a:tcPr>
-                    </a:tc>
-                  </a:tr>
-                  <a:tr h="1342333">
-                    <a:tc>
-                      <a:txBody>
-                        <a:bodyPr/>
-                        <a:lstStyle/>
-                        <a:p>
-                          <a:pPr algn="l"/>
-                          <a:r>
-                            <a:rPr lang="en-US" sz="2800" dirty="0" smtClean="0"/>
-                            <a:t>Low Probability</a:t>
-                          </a:r>
-                          <a:endParaRPr lang="en-US" sz="2800" dirty="0"/>
-                        </a:p>
-                      </a:txBody>
-                      <a:tcPr anchor="ctr">
-                        <a:solidFill>
-                          <a:srgbClr val="FFB7D1"/>
-                        </a:solidFill>
-                      </a:tcPr>
-                    </a:tc>
-                    <a:tc>
-                      <a:txBody>
-                        <a:bodyPr/>
-                        <a:lstStyle/>
-                        <a:p>
-                          <a:endParaRPr lang="en-US"/>
-                        </a:p>
-                      </a:txBody>
-                      <a:tcPr anchor="ctr">
-                        <a:blipFill rotWithShape="0">
-                          <a:blip r:embed="rId2"/>
-                          <a:stretch>
-                            <a:fillRect l="-100364" t="-200000" r="-100729" b="-905"/>
-                          </a:stretch>
-                        </a:blipFill>
-                      </a:tcPr>
-                    </a:tc>
-                    <a:tc>
-                      <a:txBody>
-                        <a:bodyPr/>
-                        <a:lstStyle/>
-                        <a:p>
-                          <a:endParaRPr lang="en-US"/>
-                        </a:p>
-                      </a:txBody>
-                      <a:tcPr anchor="ctr">
-                        <a:blipFill rotWithShape="0">
-                          <a:blip r:embed="rId2"/>
-                          <a:stretch>
-                            <a:fillRect l="-200364" t="-200000" r="-729" b="-905"/>
-                          </a:stretch>
-                        </a:blipFill>
-                      </a:tcPr>
-                    </a:tc>
-                  </a:tr>
-                </a:tbl>
-              </a:graphicData>
-            </a:graphic>
-          </p:graphicFrame>
-        </mc:Fallback>
-      </mc:AlternateContent>
+                      </a:endParaRPr>
+                    </a:p>
+                  </a:txBody>
+                  <a:tcPr anchor="ctr">
+                    <a:solidFill>
+                      <a:srgbClr val="FFE5EF"/>
+                    </a:solidFill>
+                  </a:tcPr>
+                </a:tc>
+                <a:extLst>
+                  <a:ext uri="{0D108BD9-81ED-4DB2-BD59-A6C34878D82A}">
+                    <a16:rowId xmlns:a16="http://schemas.microsoft.com/office/drawing/2014/main" val="10002"/>
+                  </a:ext>
+                </a:extLst>
+              </a:tr>
+            </a:tbl>
+          </a:graphicData>
+        </a:graphic>
+      </p:graphicFrame>
     </p:spTree>
     <p:extLst>
       <p:ext uri="{BB962C8B-B14F-4D97-AF65-F5344CB8AC3E}">
-        <p14:creationId xmlns:p14="http://schemas.microsoft.com/office/powerpoint/2010/main" val="1985457946"/>
+        <p14:creationId xmlns:p14="http://schemas.microsoft.com/office/powerpoint/2010/main" val="1990791336"/>
       </p:ext>
     </p:extLst>
   </p:cSld>
@@ -12997,7 +12273,7 @@
         </p:spPr>
         <p:txBody>
           <a:bodyPr>
-            <a:normAutofit lnSpcReduction="10000"/>
+            <a:normAutofit/>
           </a:bodyPr>
           <a:lstStyle/>
           <a:p>
@@ -13018,13 +12294,6 @@
             <a:r>
               <a:rPr lang="en-US" dirty="0"/>
               <a:t>Help us understand reality</a:t>
-            </a:r>
-          </a:p>
-          <a:p>
-            <a:pPr lvl="1"/>
-            <a:r>
-              <a:rPr lang="en-US" dirty="0"/>
-              <a:t>Inherently wrong</a:t>
             </a:r>
           </a:p>
           <a:p>
@@ -13644,75 +12913,6 @@
                       </p:childTnLst>
                     </p:cTn>
                   </p:par>
-                  <p:par>
-                    <p:cTn id="35" fill="hold">
-                      <p:stCondLst>
-                        <p:cond delay="indefinite"/>
-                      </p:stCondLst>
-                      <p:childTnLst>
-                        <p:par>
-                          <p:cTn id="36" fill="hold">
-                            <p:stCondLst>
-                              <p:cond delay="0"/>
-                            </p:stCondLst>
-                            <p:childTnLst>
-                              <p:par>
-                                <p:cTn id="37" presetID="1" presetClass="entr" presetSubtype="0" fill="hold" nodeType="clickEffect">
-                                  <p:stCondLst>
-                                    <p:cond delay="0"/>
-                                  </p:stCondLst>
-                                  <p:childTnLst>
-                                    <p:set>
-                                      <p:cBhvr>
-                                        <p:cTn id="38" dur="1" fill="hold">
-                                          <p:stCondLst>
-                                            <p:cond delay="0"/>
-                                          </p:stCondLst>
-                                        </p:cTn>
-                                        <p:tgtEl>
-                                          <p:spTgt spid="3">
-                                            <p:txEl>
-                                              <p:pRg st="8" end="8"/>
-                                            </p:txEl>
-                                          </p:spTgt>
-                                        </p:tgtEl>
-                                        <p:attrNameLst>
-                                          <p:attrName>style.visibility</p:attrName>
-                                        </p:attrNameLst>
-                                      </p:cBhvr>
-                                      <p:to>
-                                        <p:strVal val="visible"/>
-                                      </p:to>
-                                    </p:set>
-                                  </p:childTnLst>
-                                  <p:subTnLst>
-                                    <p:animClr clrSpc="rgb" dir="cw">
-                                      <p:cBhvr override="childStyle">
-                                        <p:cTn dur="1" fill="hold" display="0" masterRel="nextClick" afterEffect="1"/>
-                                        <p:tgtEl>
-                                          <p:spTgt spid="3">
-                                            <p:txEl>
-                                              <p:pRg st="8" end="8"/>
-                                            </p:txEl>
-                                          </p:spTgt>
-                                        </p:tgtEl>
-                                        <p:attrNameLst>
-                                          <p:attrName>ppt_c</p:attrName>
-                                        </p:attrNameLst>
-                                      </p:cBhvr>
-                                      <p:to>
-                                        <a:schemeClr val="tx2"/>
-                                      </p:to>
-                                    </p:animClr>
-                                  </p:subTnLst>
-                                </p:cTn>
-                              </p:par>
-                            </p:childTnLst>
-                          </p:cTn>
-                        </p:par>
-                      </p:childTnLst>
-                    </p:cTn>
-                  </p:par>
                 </p:childTnLst>
               </p:cTn>
               <p:prevCondLst>
@@ -13739,370 +12939,6 @@
 </file>
 
 <file path=ppt/slides/slide20.xml><?xml version="1.0" encoding="utf-8"?>
-<p:sld xmlns:a="http://schemas.openxmlformats.org/drawingml/2006/main" xmlns:r="http://schemas.openxmlformats.org/officeDocument/2006/relationships" xmlns:p="http://schemas.openxmlformats.org/presentationml/2006/main">
-  <p:cSld>
-    <p:spTree>
-      <p:nvGrpSpPr>
-        <p:cNvPr id="1" name=""/>
-        <p:cNvGrpSpPr/>
-        <p:nvPr/>
-      </p:nvGrpSpPr>
-      <p:grpSpPr>
-        <a:xfrm>
-          <a:off x="0" y="0"/>
-          <a:ext cx="0" cy="0"/>
-          <a:chOff x="0" y="0"/>
-          <a:chExt cx="0" cy="0"/>
-        </a:xfrm>
-      </p:grpSpPr>
-      <p:sp>
-        <p:nvSpPr>
-          <p:cNvPr id="2" name="Title 1"/>
-          <p:cNvSpPr>
-            <a:spLocks noGrp="1"/>
-          </p:cNvSpPr>
-          <p:nvPr>
-            <p:ph type="title"/>
-          </p:nvPr>
-        </p:nvSpPr>
-        <p:spPr/>
-        <p:txBody>
-          <a:bodyPr/>
-          <a:lstStyle/>
-          <a:p>
-            <a:r>
-              <a:rPr lang="en-US" dirty="0"/>
-              <a:t>Fourfold Pattern of Risk Preferences</a:t>
-            </a:r>
-          </a:p>
-        </p:txBody>
-      </p:sp>
-      <p:graphicFrame>
-        <p:nvGraphicFramePr>
-          <p:cNvPr id="4" name="Content Placeholder 4"/>
-          <p:cNvGraphicFramePr>
-            <a:graphicFrameLocks/>
-          </p:cNvGraphicFramePr>
-          <p:nvPr>
-            <p:extLst/>
-          </p:nvPr>
-        </p:nvGraphicFramePr>
-        <p:xfrm>
-          <a:off x="1213338" y="1846262"/>
-          <a:ext cx="10037253" cy="4026999"/>
-        </p:xfrm>
-        <a:graphic>
-          <a:graphicData uri="http://schemas.openxmlformats.org/drawingml/2006/table">
-            <a:tbl>
-              <a:tblPr firstRow="1" firstCol="1" bandRow="1">
-                <a:tableStyleId>{5C22544A-7EE6-4342-B048-85BDC9FD1C3A}</a:tableStyleId>
-              </a:tblPr>
-              <a:tblGrid>
-                <a:gridCol w="3345751">
-                  <a:extLst>
-                    <a:ext uri="{9D8B030D-6E8A-4147-A177-3AD203B41FA5}">
-                      <a16:colId xmlns:a16="http://schemas.microsoft.com/office/drawing/2014/main" val="20000"/>
-                    </a:ext>
-                  </a:extLst>
-                </a:gridCol>
-                <a:gridCol w="3345751">
-                  <a:extLst>
-                    <a:ext uri="{9D8B030D-6E8A-4147-A177-3AD203B41FA5}">
-                      <a16:colId xmlns:a16="http://schemas.microsoft.com/office/drawing/2014/main" val="20001"/>
-                    </a:ext>
-                  </a:extLst>
-                </a:gridCol>
-                <a:gridCol w="3345751">
-                  <a:extLst>
-                    <a:ext uri="{9D8B030D-6E8A-4147-A177-3AD203B41FA5}">
-                      <a16:colId xmlns:a16="http://schemas.microsoft.com/office/drawing/2014/main" val="20002"/>
-                    </a:ext>
-                  </a:extLst>
-                </a:gridCol>
-              </a:tblGrid>
-              <a:tr h="1342333">
-                <a:tc>
-                  <a:txBody>
-                    <a:bodyPr/>
-                    <a:lstStyle/>
-                    <a:p>
-                      <a:pPr algn="l"/>
-                      <a:endParaRPr lang="en-US" sz="2800" dirty="0"/>
-                    </a:p>
-                  </a:txBody>
-                  <a:tcPr anchor="ctr">
-                    <a:solidFill>
-                      <a:srgbClr val="FFB7D1"/>
-                    </a:solidFill>
-                  </a:tcPr>
-                </a:tc>
-                <a:tc>
-                  <a:txBody>
-                    <a:bodyPr/>
-                    <a:lstStyle/>
-                    <a:p>
-                      <a:pPr algn="ctr"/>
-                      <a:r>
-                        <a:rPr lang="en-US" sz="2800" dirty="0"/>
-                        <a:t>Losses</a:t>
-                      </a:r>
-                    </a:p>
-                  </a:txBody>
-                  <a:tcPr anchor="ctr">
-                    <a:solidFill>
-                      <a:srgbClr val="FFB7D1"/>
-                    </a:solidFill>
-                  </a:tcPr>
-                </a:tc>
-                <a:tc>
-                  <a:txBody>
-                    <a:bodyPr/>
-                    <a:lstStyle/>
-                    <a:p>
-                      <a:pPr algn="ctr"/>
-                      <a:r>
-                        <a:rPr lang="en-US" sz="2800" dirty="0"/>
-                        <a:t>Gains</a:t>
-                      </a:r>
-                    </a:p>
-                  </a:txBody>
-                  <a:tcPr anchor="ctr">
-                    <a:solidFill>
-                      <a:srgbClr val="FFB7D1"/>
-                    </a:solidFill>
-                  </a:tcPr>
-                </a:tc>
-                <a:extLst>
-                  <a:ext uri="{0D108BD9-81ED-4DB2-BD59-A6C34878D82A}">
-                    <a16:rowId xmlns:a16="http://schemas.microsoft.com/office/drawing/2014/main" val="10000"/>
-                  </a:ext>
-                </a:extLst>
-              </a:tr>
-              <a:tr h="1342333">
-                <a:tc>
-                  <a:txBody>
-                    <a:bodyPr/>
-                    <a:lstStyle/>
-                    <a:p>
-                      <a:pPr algn="l"/>
-                      <a:r>
-                        <a:rPr lang="en-US" sz="2800" dirty="0"/>
-                        <a:t>High Probability</a:t>
-                      </a:r>
-                    </a:p>
-                  </a:txBody>
-                  <a:tcPr anchor="ctr">
-                    <a:solidFill>
-                      <a:srgbClr val="FFB7D1"/>
-                    </a:solidFill>
-                  </a:tcPr>
-                </a:tc>
-                <a:tc>
-                  <a:txBody>
-                    <a:bodyPr/>
-                    <a:lstStyle/>
-                    <a:p>
-                      <a:pPr algn="ctr"/>
-                      <a:r>
-                        <a:rPr lang="en-US" sz="2800" dirty="0"/>
-                        <a:t>Risk Seeking</a:t>
-                      </a:r>
-                      <a:endParaRPr lang="en-US" sz="2800" dirty="0">
-                        <a:solidFill>
-                          <a:schemeClr val="bg1"/>
-                        </a:solidFill>
-                      </a:endParaRPr>
-                    </a:p>
-                  </a:txBody>
-                  <a:tcPr anchor="ctr">
-                    <a:solidFill>
-                      <a:srgbClr val="FFE5EF"/>
-                    </a:solidFill>
-                  </a:tcPr>
-                </a:tc>
-                <a:tc>
-                  <a:txBody>
-                    <a:bodyPr/>
-                    <a:lstStyle/>
-                    <a:p>
-                      <a:pPr algn="ctr"/>
-                      <a:r>
-                        <a:rPr lang="en-US" sz="2800" dirty="0"/>
-                        <a:t>Risk Averse</a:t>
-                      </a:r>
-                    </a:p>
-                  </a:txBody>
-                  <a:tcPr anchor="ctr">
-                    <a:solidFill>
-                      <a:srgbClr val="FFD4E0"/>
-                    </a:solidFill>
-                  </a:tcPr>
-                </a:tc>
-                <a:extLst>
-                  <a:ext uri="{0D108BD9-81ED-4DB2-BD59-A6C34878D82A}">
-                    <a16:rowId xmlns:a16="http://schemas.microsoft.com/office/drawing/2014/main" val="10001"/>
-                  </a:ext>
-                </a:extLst>
-              </a:tr>
-              <a:tr h="1342333">
-                <a:tc>
-                  <a:txBody>
-                    <a:bodyPr/>
-                    <a:lstStyle/>
-                    <a:p>
-                      <a:pPr algn="l"/>
-                      <a:r>
-                        <a:rPr lang="en-US" sz="2800" dirty="0"/>
-                        <a:t>Low Probability</a:t>
-                      </a:r>
-                    </a:p>
-                  </a:txBody>
-                  <a:tcPr anchor="ctr">
-                    <a:solidFill>
-                      <a:srgbClr val="FFB7D1"/>
-                    </a:solidFill>
-                  </a:tcPr>
-                </a:tc>
-                <a:tc>
-                  <a:txBody>
-                    <a:bodyPr/>
-                    <a:lstStyle/>
-                    <a:p>
-                      <a:pPr algn="ctr"/>
-                      <a:r>
-                        <a:rPr lang="en-US" sz="2800" dirty="0"/>
-                        <a:t>Risk Averse</a:t>
-                      </a:r>
-                    </a:p>
-                  </a:txBody>
-                  <a:tcPr anchor="ctr">
-                    <a:solidFill>
-                      <a:srgbClr val="FFD4E0"/>
-                    </a:solidFill>
-                  </a:tcPr>
-                </a:tc>
-                <a:tc>
-                  <a:txBody>
-                    <a:bodyPr/>
-                    <a:lstStyle/>
-                    <a:p>
-                      <a:pPr algn="ctr"/>
-                      <a:r>
-                        <a:rPr lang="en-US" sz="2800" dirty="0"/>
-                        <a:t>Risk Seeking</a:t>
-                      </a:r>
-                      <a:endParaRPr lang="en-US" sz="2800" dirty="0">
-                        <a:solidFill>
-                          <a:schemeClr val="bg1"/>
-                        </a:solidFill>
-                      </a:endParaRPr>
-                    </a:p>
-                  </a:txBody>
-                  <a:tcPr anchor="ctr">
-                    <a:solidFill>
-                      <a:srgbClr val="FFE5EF"/>
-                    </a:solidFill>
-                  </a:tcPr>
-                </a:tc>
-                <a:extLst>
-                  <a:ext uri="{0D108BD9-81ED-4DB2-BD59-A6C34878D82A}">
-                    <a16:rowId xmlns:a16="http://schemas.microsoft.com/office/drawing/2014/main" val="10002"/>
-                  </a:ext>
-                </a:extLst>
-              </a:tr>
-            </a:tbl>
-          </a:graphicData>
-        </a:graphic>
-      </p:graphicFrame>
-    </p:spTree>
-    <p:extLst>
-      <p:ext uri="{BB962C8B-B14F-4D97-AF65-F5344CB8AC3E}">
-        <p14:creationId xmlns:p14="http://schemas.microsoft.com/office/powerpoint/2010/main" val="1990791336"/>
-      </p:ext>
-    </p:extLst>
-  </p:cSld>
-  <p:clrMapOvr>
-    <a:masterClrMapping/>
-  </p:clrMapOvr>
-  <p:timing>
-    <p:tnLst>
-      <p:par>
-        <p:cTn id="1" dur="indefinite" restart="never" nodeType="tmRoot">
-          <p:childTnLst>
-            <p:seq concurrent="1" nextAc="seek">
-              <p:cTn id="2" dur="indefinite" nodeType="mainSeq">
-                <p:childTnLst>
-                  <p:par>
-                    <p:cTn id="3" fill="hold">
-                      <p:stCondLst>
-                        <p:cond delay="indefinite"/>
-                      </p:stCondLst>
-                      <p:childTnLst>
-                        <p:par>
-                          <p:cTn id="4" fill="hold">
-                            <p:stCondLst>
-                              <p:cond delay="0"/>
-                            </p:stCondLst>
-                            <p:childTnLst>
-                              <p:par>
-                                <p:cTn id="5" presetID="1" presetClass="entr" presetSubtype="0" fill="hold" nodeType="clickEffect">
-                                  <p:stCondLst>
-                                    <p:cond delay="0"/>
-                                  </p:stCondLst>
-                                  <p:childTnLst>
-                                    <p:set>
-                                      <p:cBhvr>
-                                        <p:cTn id="6" dur="1" fill="hold">
-                                          <p:stCondLst>
-                                            <p:cond delay="0"/>
-                                          </p:stCondLst>
-                                        </p:cTn>
-                                        <p:tgtEl>
-                                          <p:spTgt spid="4"/>
-                                        </p:tgtEl>
-                                        <p:attrNameLst>
-                                          <p:attrName>style.visibility</p:attrName>
-                                        </p:attrNameLst>
-                                      </p:cBhvr>
-                                      <p:to>
-                                        <p:strVal val="visible"/>
-                                      </p:to>
-                                    </p:set>
-                                  </p:childTnLst>
-                                </p:cTn>
-                              </p:par>
-                            </p:childTnLst>
-                          </p:cTn>
-                        </p:par>
-                      </p:childTnLst>
-                    </p:cTn>
-                  </p:par>
-                </p:childTnLst>
-              </p:cTn>
-              <p:prevCondLst>
-                <p:cond evt="onPrev" delay="0">
-                  <p:tgtEl>
-                    <p:sldTgt/>
-                  </p:tgtEl>
-                </p:cond>
-              </p:prevCondLst>
-              <p:nextCondLst>
-                <p:cond evt="onNext" delay="0">
-                  <p:tgtEl>
-                    <p:sldTgt/>
-                  </p:tgtEl>
-                </p:cond>
-              </p:nextCondLst>
-            </p:seq>
-          </p:childTnLst>
-        </p:cTn>
-      </p:par>
-    </p:tnLst>
-  </p:timing>
-</p:sld>
-</file>
-
-<file path=ppt/slides/slide21.xml><?xml version="1.0" encoding="utf-8"?>
 <p:sld xmlns:a="http://schemas.openxmlformats.org/drawingml/2006/main" xmlns:r="http://schemas.openxmlformats.org/officeDocument/2006/relationships" xmlns:p="http://schemas.openxmlformats.org/presentationml/2006/main">
   <p:cSld>
     <p:spTree>
@@ -14664,7 +13500,7 @@
 </p:sld>
 </file>
 
-<file path=ppt/slides/slide22.xml><?xml version="1.0" encoding="utf-8"?>
+<file path=ppt/slides/slide21.xml><?xml version="1.0" encoding="utf-8"?>
 <p:sld xmlns:a="http://schemas.openxmlformats.org/drawingml/2006/main" xmlns:r="http://schemas.openxmlformats.org/officeDocument/2006/relationships" xmlns:p="http://schemas.openxmlformats.org/presentationml/2006/main">
   <p:cSld>
     <p:spTree>
@@ -16422,7 +15258,7 @@
 </p:sld>
 </file>
 
-<file path=ppt/slides/slide23.xml><?xml version="1.0" encoding="utf-8"?>
+<file path=ppt/slides/slide22.xml><?xml version="1.0" encoding="utf-8"?>
 <p:sld xmlns:a="http://schemas.openxmlformats.org/drawingml/2006/main" xmlns:r="http://schemas.openxmlformats.org/officeDocument/2006/relationships" xmlns:p="http://schemas.openxmlformats.org/presentationml/2006/main">
   <p:cSld>
     <p:spTree>
@@ -17088,7 +15924,7 @@
 </p:sld>
 </file>
 
-<file path=ppt/slides/slide24.xml><?xml version="1.0" encoding="utf-8"?>
+<file path=ppt/slides/slide23.xml><?xml version="1.0" encoding="utf-8"?>
 <p:sld xmlns:a="http://schemas.openxmlformats.org/drawingml/2006/main" xmlns:r="http://schemas.openxmlformats.org/officeDocument/2006/relationships" xmlns:p="http://schemas.openxmlformats.org/presentationml/2006/main">
   <p:cSld>
     <p:spTree>
@@ -18456,7 +17292,7 @@
 </p:sld>
 </file>
 
-<file path=ppt/slides/slide25.xml><?xml version="1.0" encoding="utf-8"?>
+<file path=ppt/slides/slide24.xml><?xml version="1.0" encoding="utf-8"?>
 <p:sld xmlns:a="http://schemas.openxmlformats.org/drawingml/2006/main" xmlns:r="http://schemas.openxmlformats.org/officeDocument/2006/relationships" xmlns:p="http://schemas.openxmlformats.org/presentationml/2006/main">
   <p:cSld>
     <p:spTree>
@@ -18704,7 +17540,7 @@
 </p:sld>
 </file>
 
-<file path=ppt/slides/slide26.xml><?xml version="1.0" encoding="utf-8"?>
+<file path=ppt/slides/slide25.xml><?xml version="1.0" encoding="utf-8"?>
 <p:sld xmlns:a="http://schemas.openxmlformats.org/drawingml/2006/main" xmlns:r="http://schemas.openxmlformats.org/officeDocument/2006/relationships" xmlns:p="http://schemas.openxmlformats.org/presentationml/2006/main">
   <p:cSld>
     <p:spTree>
@@ -18775,7 +17611,7 @@
 </p:sld>
 </file>
 
-<file path=ppt/slides/slide27.xml><?xml version="1.0" encoding="utf-8"?>
+<file path=ppt/slides/slide26.xml><?xml version="1.0" encoding="utf-8"?>
 <p:sld xmlns:a="http://schemas.openxmlformats.org/drawingml/2006/main" xmlns:r="http://schemas.openxmlformats.org/officeDocument/2006/relationships" xmlns:p="http://schemas.openxmlformats.org/presentationml/2006/main">
   <p:cSld>
     <p:spTree>
@@ -18867,7 +17703,7 @@
 </p:sld>
 </file>
 
-<file path=ppt/slides/slide28.xml><?xml version="1.0" encoding="utf-8"?>
+<file path=ppt/slides/slide27.xml><?xml version="1.0" encoding="utf-8"?>
 <p:sld xmlns:a="http://schemas.openxmlformats.org/drawingml/2006/main" xmlns:r="http://schemas.openxmlformats.org/officeDocument/2006/relationships" xmlns:p="http://schemas.openxmlformats.org/presentationml/2006/main">
   <p:cSld>
     <p:spTree>
@@ -19259,7 +18095,7 @@
 </p:sld>
 </file>
 
-<file path=ppt/slides/slide29.xml><?xml version="1.0" encoding="utf-8"?>
+<file path=ppt/slides/slide28.xml><?xml version="1.0" encoding="utf-8"?>
 <p:sld xmlns:a="http://schemas.openxmlformats.org/drawingml/2006/main" xmlns:r="http://schemas.openxmlformats.org/officeDocument/2006/relationships" xmlns:p="http://schemas.openxmlformats.org/presentationml/2006/main">
   <p:cSld>
     <p:spTree>
@@ -19333,6 +18169,226 @@
     <p:extLst>
       <p:ext uri="{BB962C8B-B14F-4D97-AF65-F5344CB8AC3E}">
         <p14:creationId xmlns:p14="http://schemas.microsoft.com/office/powerpoint/2010/main" val="2071689826"/>
+      </p:ext>
+    </p:extLst>
+  </p:cSld>
+  <p:clrMapOvr>
+    <a:masterClrMapping/>
+  </p:clrMapOvr>
+</p:sld>
+</file>
+
+<file path=ppt/slides/slide29.xml><?xml version="1.0" encoding="utf-8"?>
+<p:sld xmlns:a="http://schemas.openxmlformats.org/drawingml/2006/main" xmlns:r="http://schemas.openxmlformats.org/officeDocument/2006/relationships" xmlns:p="http://schemas.openxmlformats.org/presentationml/2006/main">
+  <p:cSld>
+    <p:spTree>
+      <p:nvGrpSpPr>
+        <p:cNvPr id="1" name=""/>
+        <p:cNvGrpSpPr/>
+        <p:nvPr/>
+      </p:nvGrpSpPr>
+      <p:grpSpPr>
+        <a:xfrm>
+          <a:off x="0" y="0"/>
+          <a:ext cx="0" cy="0"/>
+          <a:chOff x="0" y="0"/>
+          <a:chExt cx="0" cy="0"/>
+        </a:xfrm>
+      </p:grpSpPr>
+      <p:sp>
+        <p:nvSpPr>
+          <p:cNvPr id="4" name="Title 3">
+            <a:extLst>
+              <a:ext uri="{FF2B5EF4-FFF2-40B4-BE49-F238E27FC236}">
+                <a16:creationId xmlns:a16="http://schemas.microsoft.com/office/drawing/2014/main" id="{712D5AA8-932F-B143-AAC9-660061FA55A1}"/>
+              </a:ext>
+            </a:extLst>
+          </p:cNvPr>
+          <p:cNvSpPr>
+            <a:spLocks noGrp="1"/>
+          </p:cNvSpPr>
+          <p:nvPr>
+            <p:ph type="title"/>
+          </p:nvPr>
+        </p:nvSpPr>
+        <p:spPr/>
+        <p:txBody>
+          <a:bodyPr/>
+          <a:lstStyle/>
+          <a:p>
+            <a:r>
+              <a:rPr lang="en-US" dirty="0"/>
+              <a:t>Hypothesis</a:t>
+            </a:r>
+          </a:p>
+        </p:txBody>
+      </p:sp>
+      <p:sp>
+        <p:nvSpPr>
+          <p:cNvPr id="5" name="Content Placeholder 4">
+            <a:extLst>
+              <a:ext uri="{FF2B5EF4-FFF2-40B4-BE49-F238E27FC236}">
+                <a16:creationId xmlns:a16="http://schemas.microsoft.com/office/drawing/2014/main" id="{1ADE9924-0497-BE4F-9614-91DC461B29E6}"/>
+              </a:ext>
+            </a:extLst>
+          </p:cNvPr>
+          <p:cNvSpPr>
+            <a:spLocks noGrp="1"/>
+          </p:cNvSpPr>
+          <p:nvPr>
+            <p:ph sz="half" idx="1"/>
+          </p:nvPr>
+        </p:nvSpPr>
+        <p:spPr/>
+        <p:txBody>
+          <a:bodyPr/>
+          <a:lstStyle/>
+          <a:p>
+            <a:r>
+              <a:rPr lang="en-US" dirty="0"/>
+              <a:t>Does wearing Designer shirts makes you place more utility on larger sums of money?</a:t>
+            </a:r>
+          </a:p>
+          <a:p>
+            <a:r>
+              <a:rPr lang="en-US" dirty="0"/>
+              <a:t>Condition 1: Designer Shirt</a:t>
+            </a:r>
+          </a:p>
+          <a:p>
+            <a:r>
+              <a:rPr lang="en-US" dirty="0"/>
+              <a:t>Condition 2: Cheap Shirt</a:t>
+            </a:r>
+          </a:p>
+        </p:txBody>
+      </p:sp>
+      <p:pic>
+        <p:nvPicPr>
+          <p:cNvPr id="10" name="Picture 9">
+            <a:extLst>
+              <a:ext uri="{FF2B5EF4-FFF2-40B4-BE49-F238E27FC236}">
+                <a16:creationId xmlns:a16="http://schemas.microsoft.com/office/drawing/2014/main" id="{425799A7-F6C1-CF43-A4ED-179AF6CDBF67}"/>
+              </a:ext>
+            </a:extLst>
+          </p:cNvPr>
+          <p:cNvPicPr>
+            <a:picLocks noChangeAspect="1"/>
+          </p:cNvPicPr>
+          <p:nvPr/>
+        </p:nvPicPr>
+        <p:blipFill rotWithShape="1">
+          <a:blip r:embed="rId2">
+            <a:clrChange>
+              <a:clrFrom>
+                <a:srgbClr val="FFFFFF"/>
+              </a:clrFrom>
+              <a:clrTo>
+                <a:srgbClr val="FFFFFF">
+                  <a:alpha val="0"/>
+                </a:srgbClr>
+              </a:clrTo>
+            </a:clrChange>
+          </a:blip>
+          <a:srcRect l="13438" t="12472" r="13708" b="17078"/>
+          <a:stretch/>
+        </p:blipFill>
+        <p:spPr>
+          <a:xfrm>
+            <a:off x="9050694" y="1272748"/>
+            <a:ext cx="2875454" cy="2780522"/>
+          </a:xfrm>
+          <a:prstGeom prst="rect">
+            <a:avLst/>
+          </a:prstGeom>
+        </p:spPr>
+      </p:pic>
+      <p:pic>
+        <p:nvPicPr>
+          <p:cNvPr id="8" name="Picture 7">
+            <a:extLst>
+              <a:ext uri="{FF2B5EF4-FFF2-40B4-BE49-F238E27FC236}">
+                <a16:creationId xmlns:a16="http://schemas.microsoft.com/office/drawing/2014/main" id="{C15814F6-69F1-834A-8CA0-FE6BFBE842F7}"/>
+              </a:ext>
+            </a:extLst>
+          </p:cNvPr>
+          <p:cNvPicPr>
+            <a:picLocks noChangeAspect="1"/>
+          </p:cNvPicPr>
+          <p:nvPr/>
+        </p:nvPicPr>
+        <p:blipFill>
+          <a:blip r:embed="rId3">
+            <a:clrChange>
+              <a:clrFrom>
+                <a:srgbClr val="FFFFFF"/>
+              </a:clrFrom>
+              <a:clrTo>
+                <a:srgbClr val="FFFFFF">
+                  <a:alpha val="0"/>
+                </a:srgbClr>
+              </a:clrTo>
+            </a:clrChange>
+          </a:blip>
+          <a:stretch>
+            <a:fillRect/>
+          </a:stretch>
+        </p:blipFill>
+        <p:spPr>
+          <a:xfrm>
+            <a:off x="7564535" y="3884177"/>
+            <a:ext cx="2929215" cy="2659224"/>
+          </a:xfrm>
+          <a:prstGeom prst="rect">
+            <a:avLst/>
+          </a:prstGeom>
+        </p:spPr>
+      </p:pic>
+      <p:pic>
+        <p:nvPicPr>
+          <p:cNvPr id="12" name="Picture 11">
+            <a:extLst>
+              <a:ext uri="{FF2B5EF4-FFF2-40B4-BE49-F238E27FC236}">
+                <a16:creationId xmlns:a16="http://schemas.microsoft.com/office/drawing/2014/main" id="{D9064407-59B3-D445-8E5F-055D4F744453}"/>
+              </a:ext>
+            </a:extLst>
+          </p:cNvPr>
+          <p:cNvPicPr>
+            <a:picLocks noChangeAspect="1"/>
+          </p:cNvPicPr>
+          <p:nvPr/>
+        </p:nvPicPr>
+        <p:blipFill>
+          <a:blip r:embed="rId4">
+            <a:clrChange>
+              <a:clrFrom>
+                <a:srgbClr val="FFFFFF"/>
+              </a:clrFrom>
+              <a:clrTo>
+                <a:srgbClr val="FFFFFF">
+                  <a:alpha val="0"/>
+                </a:srgbClr>
+              </a:clrTo>
+            </a:clrChange>
+          </a:blip>
+          <a:stretch>
+            <a:fillRect/>
+          </a:stretch>
+        </p:blipFill>
+        <p:spPr>
+          <a:xfrm>
+            <a:off x="6744548" y="1441842"/>
+            <a:ext cx="2442335" cy="2442335"/>
+          </a:xfrm>
+          <a:prstGeom prst="rect">
+            <a:avLst/>
+          </a:prstGeom>
+        </p:spPr>
+      </p:pic>
+    </p:spTree>
+    <p:extLst>
+      <p:ext uri="{BB962C8B-B14F-4D97-AF65-F5344CB8AC3E}">
+        <p14:creationId xmlns:p14="http://schemas.microsoft.com/office/powerpoint/2010/main" val="598082717"/>
       </p:ext>
     </p:extLst>
   </p:cSld>
@@ -20025,226 +19081,6 @@
           <p:cNvPr id="4" name="Title 3">
             <a:extLst>
               <a:ext uri="{FF2B5EF4-FFF2-40B4-BE49-F238E27FC236}">
-                <a16:creationId xmlns:a16="http://schemas.microsoft.com/office/drawing/2014/main" id="{712D5AA8-932F-B143-AAC9-660061FA55A1}"/>
-              </a:ext>
-            </a:extLst>
-          </p:cNvPr>
-          <p:cNvSpPr>
-            <a:spLocks noGrp="1"/>
-          </p:cNvSpPr>
-          <p:nvPr>
-            <p:ph type="title"/>
-          </p:nvPr>
-        </p:nvSpPr>
-        <p:spPr/>
-        <p:txBody>
-          <a:bodyPr/>
-          <a:lstStyle/>
-          <a:p>
-            <a:r>
-              <a:rPr lang="en-US" dirty="0"/>
-              <a:t>Hypothesis</a:t>
-            </a:r>
-          </a:p>
-        </p:txBody>
-      </p:sp>
-      <p:sp>
-        <p:nvSpPr>
-          <p:cNvPr id="5" name="Content Placeholder 4">
-            <a:extLst>
-              <a:ext uri="{FF2B5EF4-FFF2-40B4-BE49-F238E27FC236}">
-                <a16:creationId xmlns:a16="http://schemas.microsoft.com/office/drawing/2014/main" id="{1ADE9924-0497-BE4F-9614-91DC461B29E6}"/>
-              </a:ext>
-            </a:extLst>
-          </p:cNvPr>
-          <p:cNvSpPr>
-            <a:spLocks noGrp="1"/>
-          </p:cNvSpPr>
-          <p:nvPr>
-            <p:ph sz="half" idx="1"/>
-          </p:nvPr>
-        </p:nvSpPr>
-        <p:spPr/>
-        <p:txBody>
-          <a:bodyPr/>
-          <a:lstStyle/>
-          <a:p>
-            <a:r>
-              <a:rPr lang="en-US" dirty="0"/>
-              <a:t>Does wearing Designer shirts makes you place more utility on larger sums of money?</a:t>
-            </a:r>
-          </a:p>
-          <a:p>
-            <a:r>
-              <a:rPr lang="en-US" dirty="0"/>
-              <a:t>Condition 1: Designer Shirt</a:t>
-            </a:r>
-          </a:p>
-          <a:p>
-            <a:r>
-              <a:rPr lang="en-US" dirty="0"/>
-              <a:t>Condition 2: Cheap Shirt</a:t>
-            </a:r>
-          </a:p>
-        </p:txBody>
-      </p:sp>
-      <p:pic>
-        <p:nvPicPr>
-          <p:cNvPr id="10" name="Picture 9">
-            <a:extLst>
-              <a:ext uri="{FF2B5EF4-FFF2-40B4-BE49-F238E27FC236}">
-                <a16:creationId xmlns:a16="http://schemas.microsoft.com/office/drawing/2014/main" id="{425799A7-F6C1-CF43-A4ED-179AF6CDBF67}"/>
-              </a:ext>
-            </a:extLst>
-          </p:cNvPr>
-          <p:cNvPicPr>
-            <a:picLocks noChangeAspect="1"/>
-          </p:cNvPicPr>
-          <p:nvPr/>
-        </p:nvPicPr>
-        <p:blipFill rotWithShape="1">
-          <a:blip r:embed="rId2">
-            <a:clrChange>
-              <a:clrFrom>
-                <a:srgbClr val="FFFFFF"/>
-              </a:clrFrom>
-              <a:clrTo>
-                <a:srgbClr val="FFFFFF">
-                  <a:alpha val="0"/>
-                </a:srgbClr>
-              </a:clrTo>
-            </a:clrChange>
-          </a:blip>
-          <a:srcRect l="13438" t="12472" r="13708" b="17078"/>
-          <a:stretch/>
-        </p:blipFill>
-        <p:spPr>
-          <a:xfrm>
-            <a:off x="9050694" y="1272748"/>
-            <a:ext cx="2875454" cy="2780522"/>
-          </a:xfrm>
-          <a:prstGeom prst="rect">
-            <a:avLst/>
-          </a:prstGeom>
-        </p:spPr>
-      </p:pic>
-      <p:pic>
-        <p:nvPicPr>
-          <p:cNvPr id="8" name="Picture 7">
-            <a:extLst>
-              <a:ext uri="{FF2B5EF4-FFF2-40B4-BE49-F238E27FC236}">
-                <a16:creationId xmlns:a16="http://schemas.microsoft.com/office/drawing/2014/main" id="{C15814F6-69F1-834A-8CA0-FE6BFBE842F7}"/>
-              </a:ext>
-            </a:extLst>
-          </p:cNvPr>
-          <p:cNvPicPr>
-            <a:picLocks noChangeAspect="1"/>
-          </p:cNvPicPr>
-          <p:nvPr/>
-        </p:nvPicPr>
-        <p:blipFill>
-          <a:blip r:embed="rId3">
-            <a:clrChange>
-              <a:clrFrom>
-                <a:srgbClr val="FFFFFF"/>
-              </a:clrFrom>
-              <a:clrTo>
-                <a:srgbClr val="FFFFFF">
-                  <a:alpha val="0"/>
-                </a:srgbClr>
-              </a:clrTo>
-            </a:clrChange>
-          </a:blip>
-          <a:stretch>
-            <a:fillRect/>
-          </a:stretch>
-        </p:blipFill>
-        <p:spPr>
-          <a:xfrm>
-            <a:off x="7564535" y="3884177"/>
-            <a:ext cx="2929215" cy="2659224"/>
-          </a:xfrm>
-          <a:prstGeom prst="rect">
-            <a:avLst/>
-          </a:prstGeom>
-        </p:spPr>
-      </p:pic>
-      <p:pic>
-        <p:nvPicPr>
-          <p:cNvPr id="12" name="Picture 11">
-            <a:extLst>
-              <a:ext uri="{FF2B5EF4-FFF2-40B4-BE49-F238E27FC236}">
-                <a16:creationId xmlns:a16="http://schemas.microsoft.com/office/drawing/2014/main" id="{D9064407-59B3-D445-8E5F-055D4F744453}"/>
-              </a:ext>
-            </a:extLst>
-          </p:cNvPr>
-          <p:cNvPicPr>
-            <a:picLocks noChangeAspect="1"/>
-          </p:cNvPicPr>
-          <p:nvPr/>
-        </p:nvPicPr>
-        <p:blipFill>
-          <a:blip r:embed="rId4">
-            <a:clrChange>
-              <a:clrFrom>
-                <a:srgbClr val="FFFFFF"/>
-              </a:clrFrom>
-              <a:clrTo>
-                <a:srgbClr val="FFFFFF">
-                  <a:alpha val="0"/>
-                </a:srgbClr>
-              </a:clrTo>
-            </a:clrChange>
-          </a:blip>
-          <a:stretch>
-            <a:fillRect/>
-          </a:stretch>
-        </p:blipFill>
-        <p:spPr>
-          <a:xfrm>
-            <a:off x="6744548" y="1441842"/>
-            <a:ext cx="2442335" cy="2442335"/>
-          </a:xfrm>
-          <a:prstGeom prst="rect">
-            <a:avLst/>
-          </a:prstGeom>
-        </p:spPr>
-      </p:pic>
-    </p:spTree>
-    <p:extLst>
-      <p:ext uri="{BB962C8B-B14F-4D97-AF65-F5344CB8AC3E}">
-        <p14:creationId xmlns:p14="http://schemas.microsoft.com/office/powerpoint/2010/main" val="598082717"/>
-      </p:ext>
-    </p:extLst>
-  </p:cSld>
-  <p:clrMapOvr>
-    <a:masterClrMapping/>
-  </p:clrMapOvr>
-</p:sld>
-</file>
-
-<file path=ppt/slides/slide31.xml><?xml version="1.0" encoding="utf-8"?>
-<p:sld xmlns:a="http://schemas.openxmlformats.org/drawingml/2006/main" xmlns:r="http://schemas.openxmlformats.org/officeDocument/2006/relationships" xmlns:p="http://schemas.openxmlformats.org/presentationml/2006/main">
-  <p:cSld>
-    <p:spTree>
-      <p:nvGrpSpPr>
-        <p:cNvPr id="1" name=""/>
-        <p:cNvGrpSpPr/>
-        <p:nvPr/>
-      </p:nvGrpSpPr>
-      <p:grpSpPr>
-        <a:xfrm>
-          <a:off x="0" y="0"/>
-          <a:ext cx="0" cy="0"/>
-          <a:chOff x="0" y="0"/>
-          <a:chExt cx="0" cy="0"/>
-        </a:xfrm>
-      </p:grpSpPr>
-      <p:sp>
-        <p:nvSpPr>
-          <p:cNvPr id="4" name="Title 3">
-            <a:extLst>
-              <a:ext uri="{FF2B5EF4-FFF2-40B4-BE49-F238E27FC236}">
                 <a16:creationId xmlns:a16="http://schemas.microsoft.com/office/drawing/2014/main" id="{714C402D-C875-314E-985D-4D3740CA6E7B}"/>
               </a:ext>
             </a:extLst>
@@ -20315,7 +19151,7 @@
 </p:sld>
 </file>
 
-<file path=ppt/slides/slide32.xml><?xml version="1.0" encoding="utf-8"?>
+<file path=ppt/slides/slide31.xml><?xml version="1.0" encoding="utf-8"?>
 <p:sld xmlns:a="http://schemas.openxmlformats.org/drawingml/2006/main" xmlns:r="http://schemas.openxmlformats.org/officeDocument/2006/relationships" xmlns:p="http://schemas.openxmlformats.org/presentationml/2006/main">
   <p:cSld>
     <p:spTree>
@@ -20466,7 +19302,7 @@
 </p:sld>
 </file>
 
-<file path=ppt/slides/slide33.xml><?xml version="1.0" encoding="utf-8"?>
+<file path=ppt/slides/slide32.xml><?xml version="1.0" encoding="utf-8"?>
 <p:sld xmlns:a="http://schemas.openxmlformats.org/drawingml/2006/main" xmlns:r="http://schemas.openxmlformats.org/officeDocument/2006/relationships" xmlns:p="http://schemas.openxmlformats.org/presentationml/2006/main">
   <p:cSld>
     <p:spTree>
@@ -20570,406 +19406,6 @@
   <p:clrMapOvr>
     <a:masterClrMapping/>
   </p:clrMapOvr>
-</p:sld>
-</file>
-
-<file path=ppt/slides/slide34.xml><?xml version="1.0" encoding="utf-8"?>
-<p:sld xmlns:a="http://schemas.openxmlformats.org/drawingml/2006/main" xmlns:r="http://schemas.openxmlformats.org/officeDocument/2006/relationships" xmlns:p="http://schemas.openxmlformats.org/presentationml/2006/main">
-  <p:cSld>
-    <p:spTree>
-      <p:nvGrpSpPr>
-        <p:cNvPr id="1" name=""/>
-        <p:cNvGrpSpPr/>
-        <p:nvPr/>
-      </p:nvGrpSpPr>
-      <p:grpSpPr>
-        <a:xfrm>
-          <a:off x="0" y="0"/>
-          <a:ext cx="0" cy="0"/>
-          <a:chOff x="0" y="0"/>
-          <a:chExt cx="0" cy="0"/>
-        </a:xfrm>
-      </p:grpSpPr>
-      <p:sp>
-        <p:nvSpPr>
-          <p:cNvPr id="2" name="Title 1"/>
-          <p:cNvSpPr>
-            <a:spLocks noGrp="1"/>
-          </p:cNvSpPr>
-          <p:nvPr>
-            <p:ph type="title"/>
-          </p:nvPr>
-        </p:nvSpPr>
-        <p:spPr/>
-        <p:txBody>
-          <a:bodyPr/>
-          <a:lstStyle/>
-          <a:p>
-            <a:r>
-              <a:rPr lang="en-US" dirty="0"/>
-              <a:t>Fourfold Pattern of Risk Preferences</a:t>
-            </a:r>
-          </a:p>
-        </p:txBody>
-      </p:sp>
-      <p:graphicFrame>
-        <p:nvGraphicFramePr>
-          <p:cNvPr id="4" name="Content Placeholder 4"/>
-          <p:cNvGraphicFramePr>
-            <a:graphicFrameLocks/>
-          </p:cNvGraphicFramePr>
-          <p:nvPr>
-            <p:extLst/>
-          </p:nvPr>
-        </p:nvGraphicFramePr>
-        <p:xfrm>
-          <a:off x="1213338" y="1846262"/>
-          <a:ext cx="10037253" cy="4026999"/>
-        </p:xfrm>
-        <a:graphic>
-          <a:graphicData uri="http://schemas.openxmlformats.org/drawingml/2006/table">
-            <a:tbl>
-              <a:tblPr firstRow="1" firstCol="1" bandRow="1">
-                <a:tableStyleId>{5C22544A-7EE6-4342-B048-85BDC9FD1C3A}</a:tableStyleId>
-              </a:tblPr>
-              <a:tblGrid>
-                <a:gridCol w="3345751">
-                  <a:extLst>
-                    <a:ext uri="{9D8B030D-6E8A-4147-A177-3AD203B41FA5}">
-                      <a16:colId xmlns:a16="http://schemas.microsoft.com/office/drawing/2014/main" val="20000"/>
-                    </a:ext>
-                  </a:extLst>
-                </a:gridCol>
-                <a:gridCol w="3345751">
-                  <a:extLst>
-                    <a:ext uri="{9D8B030D-6E8A-4147-A177-3AD203B41FA5}">
-                      <a16:colId xmlns:a16="http://schemas.microsoft.com/office/drawing/2014/main" val="20001"/>
-                    </a:ext>
-                  </a:extLst>
-                </a:gridCol>
-                <a:gridCol w="3345751">
-                  <a:extLst>
-                    <a:ext uri="{9D8B030D-6E8A-4147-A177-3AD203B41FA5}">
-                      <a16:colId xmlns:a16="http://schemas.microsoft.com/office/drawing/2014/main" val="20002"/>
-                    </a:ext>
-                  </a:extLst>
-                </a:gridCol>
-              </a:tblGrid>
-              <a:tr h="1342333">
-                <a:tc>
-                  <a:txBody>
-                    <a:bodyPr/>
-                    <a:lstStyle/>
-                    <a:p>
-                      <a:pPr algn="l"/>
-                      <a:endParaRPr lang="en-US" sz="2800" dirty="0"/>
-                    </a:p>
-                  </a:txBody>
-                  <a:tcPr anchor="ctr">
-                    <a:solidFill>
-                      <a:srgbClr val="FFB7D1"/>
-                    </a:solidFill>
-                  </a:tcPr>
-                </a:tc>
-                <a:tc>
-                  <a:txBody>
-                    <a:bodyPr/>
-                    <a:lstStyle/>
-                    <a:p>
-                      <a:pPr algn="ctr"/>
-                      <a:r>
-                        <a:rPr lang="en-US" sz="2800" dirty="0"/>
-                        <a:t>Losses</a:t>
-                      </a:r>
-                    </a:p>
-                  </a:txBody>
-                  <a:tcPr anchor="ctr">
-                    <a:lnB w="38100" cmpd="sng">
-                      <a:noFill/>
-                    </a:lnB>
-                    <a:solidFill>
-                      <a:srgbClr val="FFB7D1"/>
-                    </a:solidFill>
-                  </a:tcPr>
-                </a:tc>
-                <a:tc>
-                  <a:txBody>
-                    <a:bodyPr/>
-                    <a:lstStyle/>
-                    <a:p>
-                      <a:pPr algn="ctr"/>
-                      <a:r>
-                        <a:rPr lang="en-US" sz="2800" dirty="0"/>
-                        <a:t>Gains</a:t>
-                      </a:r>
-                    </a:p>
-                  </a:txBody>
-                  <a:tcPr anchor="ctr">
-                    <a:solidFill>
-                      <a:srgbClr val="FFB7D1"/>
-                    </a:solidFill>
-                  </a:tcPr>
-                </a:tc>
-                <a:extLst>
-                  <a:ext uri="{0D108BD9-81ED-4DB2-BD59-A6C34878D82A}">
-                    <a16:rowId xmlns:a16="http://schemas.microsoft.com/office/drawing/2014/main" val="10000"/>
-                  </a:ext>
-                </a:extLst>
-              </a:tr>
-              <a:tr h="1342333">
-                <a:tc>
-                  <a:txBody>
-                    <a:bodyPr/>
-                    <a:lstStyle/>
-                    <a:p>
-                      <a:pPr algn="l"/>
-                      <a:r>
-                        <a:rPr lang="en-US" sz="2800" dirty="0"/>
-                        <a:t>High Probability</a:t>
-                      </a:r>
-                    </a:p>
-                  </a:txBody>
-                  <a:tcPr anchor="ctr">
-                    <a:lnR w="12700" cmpd="sng">
-                      <a:noFill/>
-                    </a:lnR>
-                    <a:solidFill>
-                      <a:srgbClr val="FFB7D1"/>
-                    </a:solidFill>
-                  </a:tcPr>
-                </a:tc>
-                <a:tc>
-                  <a:txBody>
-                    <a:bodyPr/>
-                    <a:lstStyle/>
-                    <a:p>
-                      <a:pPr algn="ctr"/>
-                      <a:r>
-                        <a:rPr lang="en-US" sz="2800" dirty="0">
-                          <a:solidFill>
-                            <a:schemeClr val="tx1"/>
-                          </a:solidFill>
-                        </a:rPr>
-                        <a:t>Horror Movie Logic</a:t>
-                      </a:r>
-                    </a:p>
-                  </a:txBody>
-                  <a:tcPr anchor="ctr">
-                    <a:lnL w="12700" cmpd="sng">
-                      <a:noFill/>
-                    </a:lnL>
-                    <a:lnR w="12700" cmpd="sng">
-                      <a:noFill/>
-                    </a:lnR>
-                    <a:lnT w="38100" cmpd="sng">
-                      <a:noFill/>
-                    </a:lnT>
-                    <a:lnB w="12700" cmpd="sng">
-                      <a:noFill/>
-                    </a:lnB>
-                    <a:lnTlToBr w="12700" cmpd="sng">
-                      <a:noFill/>
-                      <a:prstDash val="solid"/>
-                    </a:lnTlToBr>
-                    <a:lnBlToTr w="12700" cmpd="sng">
-                      <a:noFill/>
-                      <a:prstDash val="solid"/>
-                    </a:lnBlToTr>
-                    <a:solidFill>
-                      <a:srgbClr val="FFE5EF"/>
-                    </a:solidFill>
-                  </a:tcPr>
-                </a:tc>
-                <a:tc>
-                  <a:txBody>
-                    <a:bodyPr/>
-                    <a:lstStyle/>
-                    <a:p>
-                      <a:pPr algn="ctr"/>
-                      <a:r>
-                        <a:rPr lang="en-US" sz="2800" dirty="0"/>
-                        <a:t>Salary/Jobs</a:t>
-                      </a:r>
-                      <a:endParaRPr lang="en-US" sz="2800" dirty="0">
-                        <a:solidFill>
-                          <a:schemeClr val="bg1"/>
-                        </a:solidFill>
-                      </a:endParaRPr>
-                    </a:p>
-                  </a:txBody>
-                  <a:tcPr anchor="ctr">
-                    <a:lnL w="12700" cmpd="sng">
-                      <a:noFill/>
-                    </a:lnL>
-                    <a:solidFill>
-                      <a:srgbClr val="FFD4E0"/>
-                    </a:solidFill>
-                  </a:tcPr>
-                </a:tc>
-                <a:extLst>
-                  <a:ext uri="{0D108BD9-81ED-4DB2-BD59-A6C34878D82A}">
-                    <a16:rowId xmlns:a16="http://schemas.microsoft.com/office/drawing/2014/main" val="10001"/>
-                  </a:ext>
-                </a:extLst>
-              </a:tr>
-              <a:tr h="1342333">
-                <a:tc>
-                  <a:txBody>
-                    <a:bodyPr/>
-                    <a:lstStyle/>
-                    <a:p>
-                      <a:pPr algn="l"/>
-                      <a:r>
-                        <a:rPr lang="en-US" sz="2800" dirty="0"/>
-                        <a:t>Low Probability</a:t>
-                      </a:r>
-                    </a:p>
-                  </a:txBody>
-                  <a:tcPr anchor="ctr">
-                    <a:solidFill>
-                      <a:srgbClr val="FFB7D1"/>
-                    </a:solidFill>
-                  </a:tcPr>
-                </a:tc>
-                <a:tc>
-                  <a:txBody>
-                    <a:bodyPr/>
-                    <a:lstStyle/>
-                    <a:p>
-                      <a:pPr algn="ctr"/>
-                      <a:r>
-                        <a:rPr lang="en-US" sz="2800" dirty="0"/>
-                        <a:t>Insurance</a:t>
-                      </a:r>
-                    </a:p>
-                  </a:txBody>
-                  <a:tcPr anchor="ctr">
-                    <a:lnT w="12700" cmpd="sng">
-                      <a:noFill/>
-                    </a:lnT>
-                    <a:solidFill>
-                      <a:srgbClr val="FFD4E0"/>
-                    </a:solidFill>
-                  </a:tcPr>
-                </a:tc>
-                <a:tc>
-                  <a:txBody>
-                    <a:bodyPr/>
-                    <a:lstStyle/>
-                    <a:p>
-                      <a:pPr algn="ctr"/>
-                      <a:r>
-                        <a:rPr lang="en-US" sz="2800" dirty="0"/>
-                        <a:t>Lottery Tickets</a:t>
-                      </a:r>
-                      <a:endParaRPr lang="en-US" sz="2800" dirty="0">
-                        <a:solidFill>
-                          <a:schemeClr val="bg1"/>
-                        </a:solidFill>
-                      </a:endParaRPr>
-                    </a:p>
-                  </a:txBody>
-                  <a:tcPr anchor="ctr">
-                    <a:solidFill>
-                      <a:srgbClr val="FFE5EF"/>
-                    </a:solidFill>
-                  </a:tcPr>
-                </a:tc>
-                <a:extLst>
-                  <a:ext uri="{0D108BD9-81ED-4DB2-BD59-A6C34878D82A}">
-                    <a16:rowId xmlns:a16="http://schemas.microsoft.com/office/drawing/2014/main" val="10002"/>
-                  </a:ext>
-                </a:extLst>
-              </a:tr>
-            </a:tbl>
-          </a:graphicData>
-        </a:graphic>
-      </p:graphicFrame>
-    </p:spTree>
-    <p:extLst>
-      <p:ext uri="{BB962C8B-B14F-4D97-AF65-F5344CB8AC3E}">
-        <p14:creationId xmlns:p14="http://schemas.microsoft.com/office/powerpoint/2010/main" val="1679007708"/>
-      </p:ext>
-    </p:extLst>
-  </p:cSld>
-  <p:clrMapOvr>
-    <a:masterClrMapping/>
-  </p:clrMapOvr>
-  <p:timing>
-    <p:tnLst>
-      <p:par>
-        <p:cTn id="1" dur="indefinite" restart="never" nodeType="tmRoot">
-          <p:childTnLst>
-            <p:seq concurrent="1" nextAc="seek">
-              <p:cTn id="2" dur="indefinite" nodeType="mainSeq">
-                <p:childTnLst>
-                  <p:par>
-                    <p:cTn id="3" fill="hold">
-                      <p:stCondLst>
-                        <p:cond delay="indefinite"/>
-                      </p:stCondLst>
-                      <p:childTnLst>
-                        <p:par>
-                          <p:cTn id="4" fill="hold">
-                            <p:stCondLst>
-                              <p:cond delay="0"/>
-                            </p:stCondLst>
-                            <p:childTnLst>
-                              <p:par>
-                                <p:cTn id="5" presetID="1" presetClass="entr" presetSubtype="0" fill="hold" nodeType="clickEffect">
-                                  <p:stCondLst>
-                                    <p:cond delay="0"/>
-                                  </p:stCondLst>
-                                  <p:childTnLst>
-                                    <p:set>
-                                      <p:cBhvr>
-                                        <p:cTn id="6" dur="1" fill="hold">
-                                          <p:stCondLst>
-                                            <p:cond delay="0"/>
-                                          </p:stCondLst>
-                                        </p:cTn>
-                                        <p:tgtEl>
-                                          <p:spTgt spid="4"/>
-                                        </p:tgtEl>
-                                        <p:attrNameLst>
-                                          <p:attrName>style.visibility</p:attrName>
-                                        </p:attrNameLst>
-                                      </p:cBhvr>
-                                      <p:to>
-                                        <p:strVal val="visible"/>
-                                      </p:to>
-                                    </p:set>
-                                  </p:childTnLst>
-                                </p:cTn>
-                              </p:par>
-                            </p:childTnLst>
-                          </p:cTn>
-                        </p:par>
-                      </p:childTnLst>
-                    </p:cTn>
-                  </p:par>
-                </p:childTnLst>
-              </p:cTn>
-              <p:prevCondLst>
-                <p:cond evt="onPrev" delay="0">
-                  <p:tgtEl>
-                    <p:sldTgt/>
-                  </p:tgtEl>
-                </p:cond>
-              </p:prevCondLst>
-              <p:nextCondLst>
-                <p:cond evt="onNext" delay="0">
-                  <p:tgtEl>
-                    <p:sldTgt/>
-                  </p:tgtEl>
-                </p:cond>
-              </p:nextCondLst>
-            </p:seq>
-          </p:childTnLst>
-        </p:cTn>
-      </p:par>
-    </p:tnLst>
-  </p:timing>
 </p:sld>
 </file>
 

--- a/Modelling Tutorial.pptx
+++ b/Modelling Tutorial.pptx
@@ -26,8 +26,8 @@
     <p:sldId id="272" r:id="rId17"/>
     <p:sldId id="273" r:id="rId18"/>
     <p:sldId id="281" r:id="rId19"/>
-    <p:sldId id="275" r:id="rId20"/>
-    <p:sldId id="277" r:id="rId21"/>
+    <p:sldId id="277" r:id="rId20"/>
+    <p:sldId id="275" r:id="rId21"/>
     <p:sldId id="278" r:id="rId22"/>
     <p:sldId id="279" r:id="rId23"/>
     <p:sldId id="280" r:id="rId24"/>
@@ -228,7 +228,7 @@
           <a:p>
             <a:fld id="{9C3F801E-0FDB-414A-BC65-AF24B6303C3B}" type="datetimeFigureOut">
               <a:rPr lang="en-US" smtClean="0"/>
-              <a:t>5/29/18</a:t>
+              <a:t>5/30/18</a:t>
             </a:fld>
             <a:endParaRPr lang="en-US"/>
           </a:p>
@@ -1091,13 +1091,8 @@
           <a:p>
             <a:r>
               <a:rPr lang="en-US" dirty="0"/>
-              <a:t>1 in 7 people die from cancer but 1 in 88 people die in motor vehicle </a:t>
+              <a:t>1 in 7 people die from cancer but 1 in 88 people die in motor vehicle accidents</a:t>
             </a:r>
-            <a:r>
-              <a:rPr lang="en-US" dirty="0" err="1"/>
-              <a:t>accients</a:t>
-            </a:r>
-            <a:endParaRPr lang="en-US" dirty="0"/>
           </a:p>
         </p:txBody>
       </p:sp>
@@ -1266,7 +1261,7 @@
           <a:p>
             <a:fld id="{12FA36D5-AD61-8F46-BA4F-560EE1657858}" type="datetimeFigureOut">
               <a:rPr lang="en-US" smtClean="0"/>
-              <a:t>5/29/18</a:t>
+              <a:t>5/30/18</a:t>
             </a:fld>
             <a:endParaRPr lang="en-US"/>
           </a:p>
@@ -1434,7 +1429,7 @@
           <a:p>
             <a:fld id="{12FA36D5-AD61-8F46-BA4F-560EE1657858}" type="datetimeFigureOut">
               <a:rPr lang="en-US" smtClean="0"/>
-              <a:t>5/29/18</a:t>
+              <a:t>5/30/18</a:t>
             </a:fld>
             <a:endParaRPr lang="en-US"/>
           </a:p>
@@ -1612,7 +1607,7 @@
           <a:p>
             <a:fld id="{12FA36D5-AD61-8F46-BA4F-560EE1657858}" type="datetimeFigureOut">
               <a:rPr lang="en-US" smtClean="0"/>
-              <a:t>5/29/18</a:t>
+              <a:t>5/30/18</a:t>
             </a:fld>
             <a:endParaRPr lang="en-US"/>
           </a:p>
@@ -1780,7 +1775,7 @@
           <a:p>
             <a:fld id="{12FA36D5-AD61-8F46-BA4F-560EE1657858}" type="datetimeFigureOut">
               <a:rPr lang="en-US" smtClean="0"/>
-              <a:t>5/29/18</a:t>
+              <a:t>5/30/18</a:t>
             </a:fld>
             <a:endParaRPr lang="en-US"/>
           </a:p>
@@ -2025,7 +2020,7 @@
           <a:p>
             <a:fld id="{12FA36D5-AD61-8F46-BA4F-560EE1657858}" type="datetimeFigureOut">
               <a:rPr lang="en-US" smtClean="0"/>
-              <a:t>5/29/18</a:t>
+              <a:t>5/30/18</a:t>
             </a:fld>
             <a:endParaRPr lang="en-US"/>
           </a:p>
@@ -2254,7 +2249,7 @@
           <a:p>
             <a:fld id="{12FA36D5-AD61-8F46-BA4F-560EE1657858}" type="datetimeFigureOut">
               <a:rPr lang="en-US" smtClean="0"/>
-              <a:t>5/29/18</a:t>
+              <a:t>5/30/18</a:t>
             </a:fld>
             <a:endParaRPr lang="en-US"/>
           </a:p>
@@ -2618,7 +2613,7 @@
           <a:p>
             <a:fld id="{12FA36D5-AD61-8F46-BA4F-560EE1657858}" type="datetimeFigureOut">
               <a:rPr lang="en-US" smtClean="0"/>
-              <a:t>5/29/18</a:t>
+              <a:t>5/30/18</a:t>
             </a:fld>
             <a:endParaRPr lang="en-US"/>
           </a:p>
@@ -2735,7 +2730,7 @@
           <a:p>
             <a:fld id="{12FA36D5-AD61-8F46-BA4F-560EE1657858}" type="datetimeFigureOut">
               <a:rPr lang="en-US" smtClean="0"/>
-              <a:t>5/29/18</a:t>
+              <a:t>5/30/18</a:t>
             </a:fld>
             <a:endParaRPr lang="en-US"/>
           </a:p>
@@ -2830,7 +2825,7 @@
           <a:p>
             <a:fld id="{12FA36D5-AD61-8F46-BA4F-560EE1657858}" type="datetimeFigureOut">
               <a:rPr lang="en-US" smtClean="0"/>
-              <a:t>5/29/18</a:t>
+              <a:t>5/30/18</a:t>
             </a:fld>
             <a:endParaRPr lang="en-US"/>
           </a:p>
@@ -3105,7 +3100,7 @@
           <a:p>
             <a:fld id="{12FA36D5-AD61-8F46-BA4F-560EE1657858}" type="datetimeFigureOut">
               <a:rPr lang="en-US" smtClean="0"/>
-              <a:t>5/29/18</a:t>
+              <a:t>5/30/18</a:t>
             </a:fld>
             <a:endParaRPr lang="en-US"/>
           </a:p>
@@ -3357,7 +3352,7 @@
           <a:p>
             <a:fld id="{12FA36D5-AD61-8F46-BA4F-560EE1657858}" type="datetimeFigureOut">
               <a:rPr lang="en-US" smtClean="0"/>
-              <a:t>5/29/18</a:t>
+              <a:t>5/30/18</a:t>
             </a:fld>
             <a:endParaRPr lang="en-US"/>
           </a:p>
@@ -3568,7 +3563,7 @@
           <a:p>
             <a:fld id="{12FA36D5-AD61-8F46-BA4F-560EE1657858}" type="datetimeFigureOut">
               <a:rPr lang="en-US" smtClean="0"/>
-              <a:t>5/29/18</a:t>
+              <a:t>5/30/18</a:t>
             </a:fld>
             <a:endParaRPr lang="en-US"/>
           </a:p>
@@ -11856,252 +11851,81 @@
           <a:p>
             <a:r>
               <a:rPr lang="en-US" dirty="0"/>
-              <a:t>Fourfold Pattern of Risk Preferences</a:t>
+              <a:t>Prospect theory</a:t>
             </a:r>
           </a:p>
         </p:txBody>
       </p:sp>
-      <p:graphicFrame>
-        <p:nvGraphicFramePr>
-          <p:cNvPr id="4" name="Content Placeholder 4"/>
-          <p:cNvGraphicFramePr>
-            <a:graphicFrameLocks/>
-          </p:cNvGraphicFramePr>
+      <p:sp>
+        <p:nvSpPr>
+          <p:cNvPr id="3" name="Content Placeholder 2"/>
+          <p:cNvSpPr>
+            <a:spLocks noGrp="1"/>
+          </p:cNvSpPr>
           <p:nvPr>
-            <p:extLst/>
+            <p:ph idx="1"/>
           </p:nvPr>
-        </p:nvGraphicFramePr>
-        <p:xfrm>
-          <a:off x="1213338" y="1846262"/>
-          <a:ext cx="10037253" cy="4026999"/>
-        </p:xfrm>
-        <a:graphic>
-          <a:graphicData uri="http://schemas.openxmlformats.org/drawingml/2006/table">
-            <a:tbl>
-              <a:tblPr firstRow="1" firstCol="1" bandRow="1">
-                <a:tableStyleId>{5C22544A-7EE6-4342-B048-85BDC9FD1C3A}</a:tableStyleId>
-              </a:tblPr>
-              <a:tblGrid>
-                <a:gridCol w="3345751">
-                  <a:extLst>
-                    <a:ext uri="{9D8B030D-6E8A-4147-A177-3AD203B41FA5}">
-                      <a16:colId xmlns:a16="http://schemas.microsoft.com/office/drawing/2014/main" val="20000"/>
-                    </a:ext>
-                  </a:extLst>
-                </a:gridCol>
-                <a:gridCol w="3345751">
-                  <a:extLst>
-                    <a:ext uri="{9D8B030D-6E8A-4147-A177-3AD203B41FA5}">
-                      <a16:colId xmlns:a16="http://schemas.microsoft.com/office/drawing/2014/main" val="20001"/>
-                    </a:ext>
-                  </a:extLst>
-                </a:gridCol>
-                <a:gridCol w="3345751">
-                  <a:extLst>
-                    <a:ext uri="{9D8B030D-6E8A-4147-A177-3AD203B41FA5}">
-                      <a16:colId xmlns:a16="http://schemas.microsoft.com/office/drawing/2014/main" val="20002"/>
-                    </a:ext>
-                  </a:extLst>
-                </a:gridCol>
-              </a:tblGrid>
-              <a:tr h="1342333">
-                <a:tc>
-                  <a:txBody>
-                    <a:bodyPr/>
-                    <a:lstStyle/>
-                    <a:p>
-                      <a:pPr algn="l"/>
-                      <a:endParaRPr lang="en-US" sz="2800" dirty="0"/>
-                    </a:p>
-                  </a:txBody>
-                  <a:tcPr anchor="ctr">
-                    <a:solidFill>
-                      <a:srgbClr val="FFB7D1"/>
-                    </a:solidFill>
-                  </a:tcPr>
-                </a:tc>
-                <a:tc>
-                  <a:txBody>
-                    <a:bodyPr/>
-                    <a:lstStyle/>
-                    <a:p>
-                      <a:pPr algn="ctr"/>
-                      <a:r>
-                        <a:rPr lang="en-US" sz="2800" dirty="0"/>
-                        <a:t>Losses</a:t>
-                      </a:r>
-                    </a:p>
-                  </a:txBody>
-                  <a:tcPr anchor="ctr">
-                    <a:solidFill>
-                      <a:srgbClr val="FFB7D1"/>
-                    </a:solidFill>
-                  </a:tcPr>
-                </a:tc>
-                <a:tc>
-                  <a:txBody>
-                    <a:bodyPr/>
-                    <a:lstStyle/>
-                    <a:p>
-                      <a:pPr algn="ctr"/>
-                      <a:r>
-                        <a:rPr lang="en-US" sz="2800" dirty="0"/>
-                        <a:t>Gains</a:t>
-                      </a:r>
-                    </a:p>
-                  </a:txBody>
-                  <a:tcPr anchor="ctr">
-                    <a:solidFill>
-                      <a:srgbClr val="FFB7D1"/>
-                    </a:solidFill>
-                  </a:tcPr>
-                </a:tc>
-                <a:extLst>
-                  <a:ext uri="{0D108BD9-81ED-4DB2-BD59-A6C34878D82A}">
-                    <a16:rowId xmlns:a16="http://schemas.microsoft.com/office/drawing/2014/main" val="10000"/>
-                  </a:ext>
-                </a:extLst>
-              </a:tr>
-              <a:tr h="1342333">
-                <a:tc>
-                  <a:txBody>
-                    <a:bodyPr/>
-                    <a:lstStyle/>
-                    <a:p>
-                      <a:pPr algn="l"/>
-                      <a:r>
-                        <a:rPr lang="en-US" sz="2800" dirty="0"/>
-                        <a:t>High Probability</a:t>
-                      </a:r>
-                    </a:p>
-                  </a:txBody>
-                  <a:tcPr anchor="ctr">
-                    <a:solidFill>
-                      <a:srgbClr val="FFB7D1"/>
-                    </a:solidFill>
-                  </a:tcPr>
-                </a:tc>
-                <a:tc>
-                  <a:txBody>
-                    <a:bodyPr/>
-                    <a:lstStyle/>
-                    <a:p>
-                      <a:pPr algn="ctr"/>
-                      <a:r>
-                        <a:rPr lang="en-US" sz="2800" dirty="0"/>
-                        <a:t>Risk Seeking</a:t>
-                      </a:r>
-                      <a:endParaRPr lang="en-US" sz="2800" dirty="0">
-                        <a:solidFill>
-                          <a:schemeClr val="bg1"/>
-                        </a:solidFill>
-                      </a:endParaRPr>
-                    </a:p>
-                  </a:txBody>
-                  <a:tcPr anchor="ctr">
-                    <a:solidFill>
-                      <a:srgbClr val="FFE5EF"/>
-                    </a:solidFill>
-                  </a:tcPr>
-                </a:tc>
-                <a:tc>
-                  <a:txBody>
-                    <a:bodyPr/>
-                    <a:lstStyle/>
-                    <a:p>
-                      <a:pPr algn="ctr"/>
-                      <a:r>
-                        <a:rPr lang="en-US" sz="2800" dirty="0"/>
-                        <a:t>Risk Averse</a:t>
-                      </a:r>
-                    </a:p>
-                  </a:txBody>
-                  <a:tcPr anchor="ctr">
-                    <a:solidFill>
-                      <a:srgbClr val="FFD4E0"/>
-                    </a:solidFill>
-                  </a:tcPr>
-                </a:tc>
-                <a:extLst>
-                  <a:ext uri="{0D108BD9-81ED-4DB2-BD59-A6C34878D82A}">
-                    <a16:rowId xmlns:a16="http://schemas.microsoft.com/office/drawing/2014/main" val="10001"/>
-                  </a:ext>
-                </a:extLst>
-              </a:tr>
-              <a:tr h="1342333">
-                <a:tc>
-                  <a:txBody>
-                    <a:bodyPr/>
-                    <a:lstStyle/>
-                    <a:p>
-                      <a:pPr algn="l"/>
-                      <a:r>
-                        <a:rPr lang="en-US" sz="2800" dirty="0"/>
-                        <a:t>Low Probability</a:t>
-                      </a:r>
-                    </a:p>
-                  </a:txBody>
-                  <a:tcPr anchor="ctr">
-                    <a:solidFill>
-                      <a:srgbClr val="FFB7D1"/>
-                    </a:solidFill>
-                  </a:tcPr>
-                </a:tc>
-                <a:tc>
-                  <a:txBody>
-                    <a:bodyPr/>
-                    <a:lstStyle/>
-                    <a:p>
-                      <a:pPr algn="ctr"/>
-                      <a:r>
-                        <a:rPr lang="en-US" sz="2800" dirty="0"/>
-                        <a:t>Risk Averse</a:t>
-                      </a:r>
-                    </a:p>
-                  </a:txBody>
-                  <a:tcPr anchor="ctr">
-                    <a:solidFill>
-                      <a:srgbClr val="FFD4E0"/>
-                    </a:solidFill>
-                  </a:tcPr>
-                </a:tc>
-                <a:tc>
-                  <a:txBody>
-                    <a:bodyPr/>
-                    <a:lstStyle/>
-                    <a:p>
-                      <a:pPr algn="ctr"/>
-                      <a:r>
-                        <a:rPr lang="en-US" sz="2800" dirty="0"/>
-                        <a:t>Risk Seeking</a:t>
-                      </a:r>
-                      <a:endParaRPr lang="en-US" sz="2800" dirty="0">
-                        <a:solidFill>
-                          <a:schemeClr val="bg1"/>
-                        </a:solidFill>
-                      </a:endParaRPr>
-                    </a:p>
-                  </a:txBody>
-                  <a:tcPr anchor="ctr">
-                    <a:solidFill>
-                      <a:srgbClr val="FFE5EF"/>
-                    </a:solidFill>
-                  </a:tcPr>
-                </a:tc>
-                <a:extLst>
-                  <a:ext uri="{0D108BD9-81ED-4DB2-BD59-A6C34878D82A}">
-                    <a16:rowId xmlns:a16="http://schemas.microsoft.com/office/drawing/2014/main" val="10002"/>
-                  </a:ext>
-                </a:extLst>
-              </a:tr>
-            </a:tbl>
-          </a:graphicData>
-        </a:graphic>
-      </p:graphicFrame>
+        </p:nvSpPr>
+        <p:spPr/>
+        <p:txBody>
+          <a:bodyPr/>
+          <a:lstStyle/>
+          <a:p>
+            <a:r>
+              <a:rPr lang="en-US" dirty="0" err="1"/>
+              <a:t>Kahneman</a:t>
+            </a:r>
+            <a:r>
+              <a:rPr lang="en-US" dirty="0"/>
+              <a:t> &amp; </a:t>
+            </a:r>
+            <a:r>
+              <a:rPr lang="en-US" dirty="0" err="1"/>
+              <a:t>Tversky</a:t>
+            </a:r>
+            <a:r>
+              <a:rPr lang="en-US" dirty="0"/>
+              <a:t> 1979; 1992</a:t>
+            </a:r>
+          </a:p>
+          <a:p>
+            <a:r>
+              <a:rPr lang="en-US" dirty="0"/>
+              <a:t>Won the Nobel prize in Economics (2002)</a:t>
+            </a:r>
+          </a:p>
+          <a:p>
+            <a:r>
+              <a:rPr lang="en-US" dirty="0"/>
+              <a:t>Mathematical Descriptive Model of Human Choice</a:t>
+            </a:r>
+          </a:p>
+          <a:p>
+            <a:r>
+              <a:rPr lang="en-US" dirty="0"/>
+              <a:t>Contributions:</a:t>
+            </a:r>
+          </a:p>
+          <a:p>
+            <a:pPr lvl="1"/>
+            <a:r>
+              <a:rPr lang="en-US" dirty="0"/>
+              <a:t>Shape of Utility Function (Framing)</a:t>
+            </a:r>
+          </a:p>
+          <a:p>
+            <a:pPr lvl="1"/>
+            <a:r>
+              <a:rPr lang="en-US" dirty="0"/>
+              <a:t>Probability weighting</a:t>
+            </a:r>
+          </a:p>
+        </p:txBody>
+      </p:sp>
     </p:spTree>
     <p:extLst>
       <p:ext uri="{BB962C8B-B14F-4D97-AF65-F5344CB8AC3E}">
-        <p14:creationId xmlns:p14="http://schemas.microsoft.com/office/powerpoint/2010/main" val="1990791336"/>
+        <p14:creationId xmlns:p14="http://schemas.microsoft.com/office/powerpoint/2010/main" val="2130344328"/>
       </p:ext>
     </p:extLst>
   </p:cSld>
@@ -12142,7 +11966,11 @@
                                           </p:stCondLst>
                                         </p:cTn>
                                         <p:tgtEl>
-                                          <p:spTgt spid="4"/>
+                                          <p:spTgt spid="3">
+                                            <p:txEl>
+                                              <p:pRg st="0" end="0"/>
+                                            </p:txEl>
+                                          </p:spTgt>
                                         </p:tgtEl>
                                         <p:attrNameLst>
                                           <p:attrName>style.visibility</p:attrName>
@@ -12153,6 +11981,371 @@
                                       </p:to>
                                     </p:set>
                                   </p:childTnLst>
+                                  <p:subTnLst>
+                                    <p:animClr clrSpc="rgb" dir="cw">
+                                      <p:cBhvr override="childStyle">
+                                        <p:cTn dur="1" fill="hold" display="0" masterRel="nextClick" afterEffect="1"/>
+                                        <p:tgtEl>
+                                          <p:spTgt spid="3">
+                                            <p:txEl>
+                                              <p:pRg st="0" end="0"/>
+                                            </p:txEl>
+                                          </p:spTgt>
+                                        </p:tgtEl>
+                                        <p:attrNameLst>
+                                          <p:attrName>ppt_c</p:attrName>
+                                        </p:attrNameLst>
+                                      </p:cBhvr>
+                                      <p:to>
+                                        <a:schemeClr val="tx2"/>
+                                      </p:to>
+                                    </p:animClr>
+                                  </p:subTnLst>
+                                </p:cTn>
+                              </p:par>
+                            </p:childTnLst>
+                          </p:cTn>
+                        </p:par>
+                      </p:childTnLst>
+                    </p:cTn>
+                  </p:par>
+                  <p:par>
+                    <p:cTn id="7" fill="hold">
+                      <p:stCondLst>
+                        <p:cond delay="indefinite"/>
+                      </p:stCondLst>
+                      <p:childTnLst>
+                        <p:par>
+                          <p:cTn id="8" fill="hold">
+                            <p:stCondLst>
+                              <p:cond delay="0"/>
+                            </p:stCondLst>
+                            <p:childTnLst>
+                              <p:par>
+                                <p:cTn id="9" presetID="1" presetClass="entr" presetSubtype="0" fill="hold" nodeType="clickEffect">
+                                  <p:stCondLst>
+                                    <p:cond delay="0"/>
+                                  </p:stCondLst>
+                                  <p:childTnLst>
+                                    <p:set>
+                                      <p:cBhvr>
+                                        <p:cTn id="10" dur="1" fill="hold">
+                                          <p:stCondLst>
+                                            <p:cond delay="0"/>
+                                          </p:stCondLst>
+                                        </p:cTn>
+                                        <p:tgtEl>
+                                          <p:spTgt spid="3">
+                                            <p:txEl>
+                                              <p:pRg st="1" end="1"/>
+                                            </p:txEl>
+                                          </p:spTgt>
+                                        </p:tgtEl>
+                                        <p:attrNameLst>
+                                          <p:attrName>style.visibility</p:attrName>
+                                        </p:attrNameLst>
+                                      </p:cBhvr>
+                                      <p:to>
+                                        <p:strVal val="visible"/>
+                                      </p:to>
+                                    </p:set>
+                                  </p:childTnLst>
+                                  <p:subTnLst>
+                                    <p:animClr clrSpc="rgb" dir="cw">
+                                      <p:cBhvr override="childStyle">
+                                        <p:cTn dur="1" fill="hold" display="0" masterRel="nextClick" afterEffect="1"/>
+                                        <p:tgtEl>
+                                          <p:spTgt spid="3">
+                                            <p:txEl>
+                                              <p:pRg st="1" end="1"/>
+                                            </p:txEl>
+                                          </p:spTgt>
+                                        </p:tgtEl>
+                                        <p:attrNameLst>
+                                          <p:attrName>ppt_c</p:attrName>
+                                        </p:attrNameLst>
+                                      </p:cBhvr>
+                                      <p:to>
+                                        <a:schemeClr val="tx2"/>
+                                      </p:to>
+                                    </p:animClr>
+                                  </p:subTnLst>
+                                </p:cTn>
+                              </p:par>
+                            </p:childTnLst>
+                          </p:cTn>
+                        </p:par>
+                      </p:childTnLst>
+                    </p:cTn>
+                  </p:par>
+                  <p:par>
+                    <p:cTn id="11" fill="hold">
+                      <p:stCondLst>
+                        <p:cond delay="indefinite"/>
+                      </p:stCondLst>
+                      <p:childTnLst>
+                        <p:par>
+                          <p:cTn id="12" fill="hold">
+                            <p:stCondLst>
+                              <p:cond delay="0"/>
+                            </p:stCondLst>
+                            <p:childTnLst>
+                              <p:par>
+                                <p:cTn id="13" presetID="1" presetClass="entr" presetSubtype="0" fill="hold" nodeType="clickEffect">
+                                  <p:stCondLst>
+                                    <p:cond delay="0"/>
+                                  </p:stCondLst>
+                                  <p:childTnLst>
+                                    <p:set>
+                                      <p:cBhvr>
+                                        <p:cTn id="14" dur="1" fill="hold">
+                                          <p:stCondLst>
+                                            <p:cond delay="0"/>
+                                          </p:stCondLst>
+                                        </p:cTn>
+                                        <p:tgtEl>
+                                          <p:spTgt spid="3">
+                                            <p:txEl>
+                                              <p:pRg st="2" end="2"/>
+                                            </p:txEl>
+                                          </p:spTgt>
+                                        </p:tgtEl>
+                                        <p:attrNameLst>
+                                          <p:attrName>style.visibility</p:attrName>
+                                        </p:attrNameLst>
+                                      </p:cBhvr>
+                                      <p:to>
+                                        <p:strVal val="visible"/>
+                                      </p:to>
+                                    </p:set>
+                                  </p:childTnLst>
+                                  <p:subTnLst>
+                                    <p:animClr clrSpc="rgb" dir="cw">
+                                      <p:cBhvr override="childStyle">
+                                        <p:cTn dur="1" fill="hold" display="0" masterRel="nextClick" afterEffect="1"/>
+                                        <p:tgtEl>
+                                          <p:spTgt spid="3">
+                                            <p:txEl>
+                                              <p:pRg st="2" end="2"/>
+                                            </p:txEl>
+                                          </p:spTgt>
+                                        </p:tgtEl>
+                                        <p:attrNameLst>
+                                          <p:attrName>ppt_c</p:attrName>
+                                        </p:attrNameLst>
+                                      </p:cBhvr>
+                                      <p:to>
+                                        <a:schemeClr val="tx2"/>
+                                      </p:to>
+                                    </p:animClr>
+                                  </p:subTnLst>
+                                </p:cTn>
+                              </p:par>
+                            </p:childTnLst>
+                          </p:cTn>
+                        </p:par>
+                      </p:childTnLst>
+                    </p:cTn>
+                  </p:par>
+                  <p:par>
+                    <p:cTn id="15" fill="hold">
+                      <p:stCondLst>
+                        <p:cond delay="indefinite"/>
+                      </p:stCondLst>
+                      <p:childTnLst>
+                        <p:par>
+                          <p:cTn id="16" fill="hold">
+                            <p:stCondLst>
+                              <p:cond delay="0"/>
+                            </p:stCondLst>
+                            <p:childTnLst>
+                              <p:par>
+                                <p:cTn id="17" presetID="1" presetClass="entr" presetSubtype="0" fill="hold" nodeType="clickEffect">
+                                  <p:stCondLst>
+                                    <p:cond delay="0"/>
+                                  </p:stCondLst>
+                                  <p:childTnLst>
+                                    <p:set>
+                                      <p:cBhvr>
+                                        <p:cTn id="18" dur="1" fill="hold">
+                                          <p:stCondLst>
+                                            <p:cond delay="0"/>
+                                          </p:stCondLst>
+                                        </p:cTn>
+                                        <p:tgtEl>
+                                          <p:spTgt spid="3">
+                                            <p:txEl>
+                                              <p:pRg st="3" end="3"/>
+                                            </p:txEl>
+                                          </p:spTgt>
+                                        </p:tgtEl>
+                                        <p:attrNameLst>
+                                          <p:attrName>style.visibility</p:attrName>
+                                        </p:attrNameLst>
+                                      </p:cBhvr>
+                                      <p:to>
+                                        <p:strVal val="visible"/>
+                                      </p:to>
+                                    </p:set>
+                                  </p:childTnLst>
+                                  <p:subTnLst>
+                                    <p:animClr clrSpc="rgb" dir="cw">
+                                      <p:cBhvr override="childStyle">
+                                        <p:cTn dur="1" fill="hold" display="0" masterRel="nextClick" afterEffect="1"/>
+                                        <p:tgtEl>
+                                          <p:spTgt spid="3">
+                                            <p:txEl>
+                                              <p:pRg st="3" end="3"/>
+                                            </p:txEl>
+                                          </p:spTgt>
+                                        </p:tgtEl>
+                                        <p:attrNameLst>
+                                          <p:attrName>ppt_c</p:attrName>
+                                        </p:attrNameLst>
+                                      </p:cBhvr>
+                                      <p:to>
+                                        <a:schemeClr val="tx2"/>
+                                      </p:to>
+                                    </p:animClr>
+                                  </p:subTnLst>
+                                </p:cTn>
+                              </p:par>
+                            </p:childTnLst>
+                          </p:cTn>
+                        </p:par>
+                      </p:childTnLst>
+                    </p:cTn>
+                  </p:par>
+                  <p:par>
+                    <p:cTn id="19" fill="hold">
+                      <p:stCondLst>
+                        <p:cond delay="indefinite"/>
+                      </p:stCondLst>
+                      <p:childTnLst>
+                        <p:par>
+                          <p:cTn id="20" fill="hold">
+                            <p:stCondLst>
+                              <p:cond delay="0"/>
+                            </p:stCondLst>
+                            <p:childTnLst>
+                              <p:par>
+                                <p:cTn id="21" presetID="1" presetClass="entr" presetSubtype="0" fill="hold" nodeType="clickEffect">
+                                  <p:stCondLst>
+                                    <p:cond delay="0"/>
+                                  </p:stCondLst>
+                                  <p:childTnLst>
+                                    <p:set>
+                                      <p:cBhvr>
+                                        <p:cTn id="22" dur="1" fill="hold">
+                                          <p:stCondLst>
+                                            <p:cond delay="0"/>
+                                          </p:stCondLst>
+                                        </p:cTn>
+                                        <p:tgtEl>
+                                          <p:spTgt spid="3">
+                                            <p:txEl>
+                                              <p:pRg st="4" end="4"/>
+                                            </p:txEl>
+                                          </p:spTgt>
+                                        </p:tgtEl>
+                                        <p:attrNameLst>
+                                          <p:attrName>style.visibility</p:attrName>
+                                        </p:attrNameLst>
+                                      </p:cBhvr>
+                                      <p:to>
+                                        <p:strVal val="visible"/>
+                                      </p:to>
+                                    </p:set>
+                                  </p:childTnLst>
+                                  <p:subTnLst>
+                                    <p:animClr clrSpc="rgb" dir="cw">
+                                      <p:cBhvr override="childStyle">
+                                        <p:cTn dur="1" fill="hold" display="0" masterRel="nextClick" afterEffect="1"/>
+                                        <p:tgtEl>
+                                          <p:spTgt spid="3">
+                                            <p:txEl>
+                                              <p:pRg st="4" end="4"/>
+                                            </p:txEl>
+                                          </p:spTgt>
+                                        </p:tgtEl>
+                                        <p:attrNameLst>
+                                          <p:attrName>ppt_c</p:attrName>
+                                        </p:attrNameLst>
+                                      </p:cBhvr>
+                                      <p:to>
+                                        <a:schemeClr val="tx2"/>
+                                      </p:to>
+                                    </p:animClr>
+                                  </p:subTnLst>
+                                </p:cTn>
+                              </p:par>
+                            </p:childTnLst>
+                          </p:cTn>
+                        </p:par>
+                      </p:childTnLst>
+                    </p:cTn>
+                  </p:par>
+                  <p:par>
+                    <p:cTn id="23" fill="hold">
+                      <p:stCondLst>
+                        <p:cond delay="indefinite"/>
+                      </p:stCondLst>
+                      <p:childTnLst>
+                        <p:par>
+                          <p:cTn id="24" fill="hold">
+                            <p:stCondLst>
+                              <p:cond delay="0"/>
+                            </p:stCondLst>
+                            <p:childTnLst>
+                              <p:par>
+                                <p:cTn id="25" presetID="1" presetClass="entr" presetSubtype="0" fill="hold" nodeType="clickEffect">
+                                  <p:stCondLst>
+                                    <p:cond delay="0"/>
+                                  </p:stCondLst>
+                                  <p:childTnLst>
+                                    <p:set>
+                                      <p:cBhvr>
+                                        <p:cTn id="26" dur="1" fill="hold">
+                                          <p:stCondLst>
+                                            <p:cond delay="0"/>
+                                          </p:stCondLst>
+                                        </p:cTn>
+                                        <p:tgtEl>
+                                          <p:spTgt spid="3">
+                                            <p:txEl>
+                                              <p:pRg st="5" end="5"/>
+                                            </p:txEl>
+                                          </p:spTgt>
+                                        </p:tgtEl>
+                                        <p:attrNameLst>
+                                          <p:attrName>style.visibility</p:attrName>
+                                        </p:attrNameLst>
+                                      </p:cBhvr>
+                                      <p:to>
+                                        <p:strVal val="visible"/>
+                                      </p:to>
+                                    </p:set>
+                                  </p:childTnLst>
+                                  <p:subTnLst>
+                                    <p:animClr clrSpc="rgb" dir="cw">
+                                      <p:cBhvr override="childStyle">
+                                        <p:cTn dur="1" fill="hold" display="0" masterRel="nextClick" afterEffect="1"/>
+                                        <p:tgtEl>
+                                          <p:spTgt spid="3">
+                                            <p:txEl>
+                                              <p:pRg st="5" end="5"/>
+                                            </p:txEl>
+                                          </p:spTgt>
+                                        </p:tgtEl>
+                                        <p:attrNameLst>
+                                          <p:attrName>ppt_c</p:attrName>
+                                        </p:attrNameLst>
+                                      </p:cBhvr>
+                                      <p:to>
+                                        <a:schemeClr val="tx2"/>
+                                      </p:to>
+                                    </p:animClr>
+                                  </p:subTnLst>
                                 </p:cTn>
                               </p:par>
                             </p:childTnLst>
@@ -12972,81 +13165,252 @@
           <a:p>
             <a:r>
               <a:rPr lang="en-US" dirty="0"/>
-              <a:t>Prospect theory</a:t>
+              <a:t>Fourfold Pattern of Risk Preferences</a:t>
             </a:r>
           </a:p>
         </p:txBody>
       </p:sp>
-      <p:sp>
-        <p:nvSpPr>
-          <p:cNvPr id="3" name="Content Placeholder 2"/>
-          <p:cNvSpPr>
-            <a:spLocks noGrp="1"/>
-          </p:cNvSpPr>
+      <p:graphicFrame>
+        <p:nvGraphicFramePr>
+          <p:cNvPr id="4" name="Content Placeholder 4"/>
+          <p:cNvGraphicFramePr>
+            <a:graphicFrameLocks/>
+          </p:cNvGraphicFramePr>
           <p:nvPr>
-            <p:ph idx="1"/>
+            <p:extLst/>
           </p:nvPr>
-        </p:nvSpPr>
-        <p:spPr/>
-        <p:txBody>
-          <a:bodyPr/>
-          <a:lstStyle/>
-          <a:p>
-            <a:r>
-              <a:rPr lang="en-US" dirty="0" err="1"/>
-              <a:t>Kahneman</a:t>
-            </a:r>
-            <a:r>
-              <a:rPr lang="en-US" dirty="0"/>
-              <a:t> &amp; </a:t>
-            </a:r>
-            <a:r>
-              <a:rPr lang="en-US" dirty="0" err="1"/>
-              <a:t>Tversky</a:t>
-            </a:r>
-            <a:r>
-              <a:rPr lang="en-US" dirty="0"/>
-              <a:t> 1979; 1992</a:t>
-            </a:r>
-          </a:p>
-          <a:p>
-            <a:r>
-              <a:rPr lang="en-US" dirty="0"/>
-              <a:t>Won the Nobel prize in Economics (2002)</a:t>
-            </a:r>
-          </a:p>
-          <a:p>
-            <a:r>
-              <a:rPr lang="en-US" dirty="0"/>
-              <a:t>Mathematical Descriptive Model of Human Choice</a:t>
-            </a:r>
-          </a:p>
-          <a:p>
-            <a:r>
-              <a:rPr lang="en-US" dirty="0"/>
-              <a:t>Contributions:</a:t>
-            </a:r>
-          </a:p>
-          <a:p>
-            <a:pPr lvl="1"/>
-            <a:r>
-              <a:rPr lang="en-US" dirty="0"/>
-              <a:t>Shape of Utility Function (Framing)</a:t>
-            </a:r>
-          </a:p>
-          <a:p>
-            <a:pPr lvl="1"/>
-            <a:r>
-              <a:rPr lang="en-US" dirty="0"/>
-              <a:t>Probability weighting</a:t>
-            </a:r>
-          </a:p>
-        </p:txBody>
-      </p:sp>
+        </p:nvGraphicFramePr>
+        <p:xfrm>
+          <a:off x="1213338" y="1846262"/>
+          <a:ext cx="10037253" cy="4026999"/>
+        </p:xfrm>
+        <a:graphic>
+          <a:graphicData uri="http://schemas.openxmlformats.org/drawingml/2006/table">
+            <a:tbl>
+              <a:tblPr firstRow="1" firstCol="1" bandRow="1">
+                <a:tableStyleId>{5C22544A-7EE6-4342-B048-85BDC9FD1C3A}</a:tableStyleId>
+              </a:tblPr>
+              <a:tblGrid>
+                <a:gridCol w="3345751">
+                  <a:extLst>
+                    <a:ext uri="{9D8B030D-6E8A-4147-A177-3AD203B41FA5}">
+                      <a16:colId xmlns:a16="http://schemas.microsoft.com/office/drawing/2014/main" val="20000"/>
+                    </a:ext>
+                  </a:extLst>
+                </a:gridCol>
+                <a:gridCol w="3345751">
+                  <a:extLst>
+                    <a:ext uri="{9D8B030D-6E8A-4147-A177-3AD203B41FA5}">
+                      <a16:colId xmlns:a16="http://schemas.microsoft.com/office/drawing/2014/main" val="20001"/>
+                    </a:ext>
+                  </a:extLst>
+                </a:gridCol>
+                <a:gridCol w="3345751">
+                  <a:extLst>
+                    <a:ext uri="{9D8B030D-6E8A-4147-A177-3AD203B41FA5}">
+                      <a16:colId xmlns:a16="http://schemas.microsoft.com/office/drawing/2014/main" val="20002"/>
+                    </a:ext>
+                  </a:extLst>
+                </a:gridCol>
+              </a:tblGrid>
+              <a:tr h="1342333">
+                <a:tc>
+                  <a:txBody>
+                    <a:bodyPr/>
+                    <a:lstStyle/>
+                    <a:p>
+                      <a:pPr algn="l"/>
+                      <a:endParaRPr lang="en-US" sz="2800" dirty="0"/>
+                    </a:p>
+                  </a:txBody>
+                  <a:tcPr anchor="ctr">
+                    <a:solidFill>
+                      <a:srgbClr val="FFB7D1"/>
+                    </a:solidFill>
+                  </a:tcPr>
+                </a:tc>
+                <a:tc>
+                  <a:txBody>
+                    <a:bodyPr/>
+                    <a:lstStyle/>
+                    <a:p>
+                      <a:pPr algn="ctr"/>
+                      <a:r>
+                        <a:rPr lang="en-US" sz="2800" dirty="0"/>
+                        <a:t>Losses</a:t>
+                      </a:r>
+                    </a:p>
+                  </a:txBody>
+                  <a:tcPr anchor="ctr">
+                    <a:solidFill>
+                      <a:srgbClr val="FFB7D1"/>
+                    </a:solidFill>
+                  </a:tcPr>
+                </a:tc>
+                <a:tc>
+                  <a:txBody>
+                    <a:bodyPr/>
+                    <a:lstStyle/>
+                    <a:p>
+                      <a:pPr algn="ctr"/>
+                      <a:r>
+                        <a:rPr lang="en-US" sz="2800" dirty="0"/>
+                        <a:t>Gains</a:t>
+                      </a:r>
+                    </a:p>
+                  </a:txBody>
+                  <a:tcPr anchor="ctr">
+                    <a:solidFill>
+                      <a:srgbClr val="FFB7D1"/>
+                    </a:solidFill>
+                  </a:tcPr>
+                </a:tc>
+                <a:extLst>
+                  <a:ext uri="{0D108BD9-81ED-4DB2-BD59-A6C34878D82A}">
+                    <a16:rowId xmlns:a16="http://schemas.microsoft.com/office/drawing/2014/main" val="10000"/>
+                  </a:ext>
+                </a:extLst>
+              </a:tr>
+              <a:tr h="1342333">
+                <a:tc>
+                  <a:txBody>
+                    <a:bodyPr/>
+                    <a:lstStyle/>
+                    <a:p>
+                      <a:pPr algn="l"/>
+                      <a:r>
+                        <a:rPr lang="en-US" sz="2800" dirty="0"/>
+                        <a:t>High Probability</a:t>
+                      </a:r>
+                    </a:p>
+                  </a:txBody>
+                  <a:tcPr anchor="ctr">
+                    <a:solidFill>
+                      <a:srgbClr val="FFB7D1"/>
+                    </a:solidFill>
+                  </a:tcPr>
+                </a:tc>
+                <a:tc>
+                  <a:txBody>
+                    <a:bodyPr/>
+                    <a:lstStyle/>
+                    <a:p>
+                      <a:pPr algn="ctr"/>
+                      <a:r>
+                        <a:rPr lang="en-US" sz="2800" dirty="0"/>
+                        <a:t>Risk Seeking</a:t>
+                      </a:r>
+                      <a:endParaRPr lang="en-US" sz="2800" dirty="0">
+                        <a:solidFill>
+                          <a:schemeClr val="bg1"/>
+                        </a:solidFill>
+                      </a:endParaRPr>
+                    </a:p>
+                  </a:txBody>
+                  <a:tcPr anchor="ctr">
+                    <a:solidFill>
+                      <a:srgbClr val="FFE5EF"/>
+                    </a:solidFill>
+                  </a:tcPr>
+                </a:tc>
+                <a:tc>
+                  <a:txBody>
+                    <a:bodyPr/>
+                    <a:lstStyle/>
+                    <a:p>
+                      <a:pPr algn="ctr"/>
+                      <a:r>
+                        <a:rPr lang="en-US" sz="2800" dirty="0"/>
+                        <a:t>Risk Averse</a:t>
+                      </a:r>
+                    </a:p>
+                  </a:txBody>
+                  <a:tcPr anchor="ctr">
+                    <a:solidFill>
+                      <a:srgbClr val="FFD4E0"/>
+                    </a:solidFill>
+                  </a:tcPr>
+                </a:tc>
+                <a:extLst>
+                  <a:ext uri="{0D108BD9-81ED-4DB2-BD59-A6C34878D82A}">
+                    <a16:rowId xmlns:a16="http://schemas.microsoft.com/office/drawing/2014/main" val="10001"/>
+                  </a:ext>
+                </a:extLst>
+              </a:tr>
+              <a:tr h="1342333">
+                <a:tc>
+                  <a:txBody>
+                    <a:bodyPr/>
+                    <a:lstStyle/>
+                    <a:p>
+                      <a:pPr algn="l"/>
+                      <a:r>
+                        <a:rPr lang="en-US" sz="2800" dirty="0"/>
+                        <a:t>Low Probability</a:t>
+                      </a:r>
+                    </a:p>
+                  </a:txBody>
+                  <a:tcPr anchor="ctr">
+                    <a:solidFill>
+                      <a:srgbClr val="FFB7D1"/>
+                    </a:solidFill>
+                  </a:tcPr>
+                </a:tc>
+                <a:tc>
+                  <a:txBody>
+                    <a:bodyPr/>
+                    <a:lstStyle/>
+                    <a:p>
+                      <a:pPr algn="ctr"/>
+                      <a:r>
+                        <a:rPr lang="en-US" sz="2800" dirty="0"/>
+                        <a:t>Risk Averse</a:t>
+                      </a:r>
+                    </a:p>
+                  </a:txBody>
+                  <a:tcPr anchor="ctr">
+                    <a:solidFill>
+                      <a:srgbClr val="FFD4E0"/>
+                    </a:solidFill>
+                  </a:tcPr>
+                </a:tc>
+                <a:tc>
+                  <a:txBody>
+                    <a:bodyPr/>
+                    <a:lstStyle/>
+                    <a:p>
+                      <a:pPr algn="ctr"/>
+                      <a:r>
+                        <a:rPr lang="en-US" sz="2800" dirty="0"/>
+                        <a:t>Risk Seeking</a:t>
+                      </a:r>
+                      <a:endParaRPr lang="en-US" sz="2800" dirty="0">
+                        <a:solidFill>
+                          <a:schemeClr val="bg1"/>
+                        </a:solidFill>
+                      </a:endParaRPr>
+                    </a:p>
+                  </a:txBody>
+                  <a:tcPr anchor="ctr">
+                    <a:solidFill>
+                      <a:srgbClr val="FFE5EF"/>
+                    </a:solidFill>
+                  </a:tcPr>
+                </a:tc>
+                <a:extLst>
+                  <a:ext uri="{0D108BD9-81ED-4DB2-BD59-A6C34878D82A}">
+                    <a16:rowId xmlns:a16="http://schemas.microsoft.com/office/drawing/2014/main" val="10002"/>
+                  </a:ext>
+                </a:extLst>
+              </a:tr>
+            </a:tbl>
+          </a:graphicData>
+        </a:graphic>
+      </p:graphicFrame>
     </p:spTree>
     <p:extLst>
       <p:ext uri="{BB962C8B-B14F-4D97-AF65-F5344CB8AC3E}">
-        <p14:creationId xmlns:p14="http://schemas.microsoft.com/office/powerpoint/2010/main" val="2130344328"/>
+        <p14:creationId xmlns:p14="http://schemas.microsoft.com/office/powerpoint/2010/main" val="1990791336"/>
       </p:ext>
     </p:extLst>
   </p:cSld>
@@ -13087,11 +13451,7 @@
                                           </p:stCondLst>
                                         </p:cTn>
                                         <p:tgtEl>
-                                          <p:spTgt spid="3">
-                                            <p:txEl>
-                                              <p:pRg st="0" end="0"/>
-                                            </p:txEl>
-                                          </p:spTgt>
+                                          <p:spTgt spid="4"/>
                                         </p:tgtEl>
                                         <p:attrNameLst>
                                           <p:attrName>style.visibility</p:attrName>
@@ -13102,371 +13462,6 @@
                                       </p:to>
                                     </p:set>
                                   </p:childTnLst>
-                                  <p:subTnLst>
-                                    <p:animClr clrSpc="rgb" dir="cw">
-                                      <p:cBhvr override="childStyle">
-                                        <p:cTn dur="1" fill="hold" display="0" masterRel="nextClick" afterEffect="1"/>
-                                        <p:tgtEl>
-                                          <p:spTgt spid="3">
-                                            <p:txEl>
-                                              <p:pRg st="0" end="0"/>
-                                            </p:txEl>
-                                          </p:spTgt>
-                                        </p:tgtEl>
-                                        <p:attrNameLst>
-                                          <p:attrName>ppt_c</p:attrName>
-                                        </p:attrNameLst>
-                                      </p:cBhvr>
-                                      <p:to>
-                                        <a:schemeClr val="tx2"/>
-                                      </p:to>
-                                    </p:animClr>
-                                  </p:subTnLst>
-                                </p:cTn>
-                              </p:par>
-                            </p:childTnLst>
-                          </p:cTn>
-                        </p:par>
-                      </p:childTnLst>
-                    </p:cTn>
-                  </p:par>
-                  <p:par>
-                    <p:cTn id="7" fill="hold">
-                      <p:stCondLst>
-                        <p:cond delay="indefinite"/>
-                      </p:stCondLst>
-                      <p:childTnLst>
-                        <p:par>
-                          <p:cTn id="8" fill="hold">
-                            <p:stCondLst>
-                              <p:cond delay="0"/>
-                            </p:stCondLst>
-                            <p:childTnLst>
-                              <p:par>
-                                <p:cTn id="9" presetID="1" presetClass="entr" presetSubtype="0" fill="hold" nodeType="clickEffect">
-                                  <p:stCondLst>
-                                    <p:cond delay="0"/>
-                                  </p:stCondLst>
-                                  <p:childTnLst>
-                                    <p:set>
-                                      <p:cBhvr>
-                                        <p:cTn id="10" dur="1" fill="hold">
-                                          <p:stCondLst>
-                                            <p:cond delay="0"/>
-                                          </p:stCondLst>
-                                        </p:cTn>
-                                        <p:tgtEl>
-                                          <p:spTgt spid="3">
-                                            <p:txEl>
-                                              <p:pRg st="1" end="1"/>
-                                            </p:txEl>
-                                          </p:spTgt>
-                                        </p:tgtEl>
-                                        <p:attrNameLst>
-                                          <p:attrName>style.visibility</p:attrName>
-                                        </p:attrNameLst>
-                                      </p:cBhvr>
-                                      <p:to>
-                                        <p:strVal val="visible"/>
-                                      </p:to>
-                                    </p:set>
-                                  </p:childTnLst>
-                                  <p:subTnLst>
-                                    <p:animClr clrSpc="rgb" dir="cw">
-                                      <p:cBhvr override="childStyle">
-                                        <p:cTn dur="1" fill="hold" display="0" masterRel="nextClick" afterEffect="1"/>
-                                        <p:tgtEl>
-                                          <p:spTgt spid="3">
-                                            <p:txEl>
-                                              <p:pRg st="1" end="1"/>
-                                            </p:txEl>
-                                          </p:spTgt>
-                                        </p:tgtEl>
-                                        <p:attrNameLst>
-                                          <p:attrName>ppt_c</p:attrName>
-                                        </p:attrNameLst>
-                                      </p:cBhvr>
-                                      <p:to>
-                                        <a:schemeClr val="tx2"/>
-                                      </p:to>
-                                    </p:animClr>
-                                  </p:subTnLst>
-                                </p:cTn>
-                              </p:par>
-                            </p:childTnLst>
-                          </p:cTn>
-                        </p:par>
-                      </p:childTnLst>
-                    </p:cTn>
-                  </p:par>
-                  <p:par>
-                    <p:cTn id="11" fill="hold">
-                      <p:stCondLst>
-                        <p:cond delay="indefinite"/>
-                      </p:stCondLst>
-                      <p:childTnLst>
-                        <p:par>
-                          <p:cTn id="12" fill="hold">
-                            <p:stCondLst>
-                              <p:cond delay="0"/>
-                            </p:stCondLst>
-                            <p:childTnLst>
-                              <p:par>
-                                <p:cTn id="13" presetID="1" presetClass="entr" presetSubtype="0" fill="hold" nodeType="clickEffect">
-                                  <p:stCondLst>
-                                    <p:cond delay="0"/>
-                                  </p:stCondLst>
-                                  <p:childTnLst>
-                                    <p:set>
-                                      <p:cBhvr>
-                                        <p:cTn id="14" dur="1" fill="hold">
-                                          <p:stCondLst>
-                                            <p:cond delay="0"/>
-                                          </p:stCondLst>
-                                        </p:cTn>
-                                        <p:tgtEl>
-                                          <p:spTgt spid="3">
-                                            <p:txEl>
-                                              <p:pRg st="2" end="2"/>
-                                            </p:txEl>
-                                          </p:spTgt>
-                                        </p:tgtEl>
-                                        <p:attrNameLst>
-                                          <p:attrName>style.visibility</p:attrName>
-                                        </p:attrNameLst>
-                                      </p:cBhvr>
-                                      <p:to>
-                                        <p:strVal val="visible"/>
-                                      </p:to>
-                                    </p:set>
-                                  </p:childTnLst>
-                                  <p:subTnLst>
-                                    <p:animClr clrSpc="rgb" dir="cw">
-                                      <p:cBhvr override="childStyle">
-                                        <p:cTn dur="1" fill="hold" display="0" masterRel="nextClick" afterEffect="1"/>
-                                        <p:tgtEl>
-                                          <p:spTgt spid="3">
-                                            <p:txEl>
-                                              <p:pRg st="2" end="2"/>
-                                            </p:txEl>
-                                          </p:spTgt>
-                                        </p:tgtEl>
-                                        <p:attrNameLst>
-                                          <p:attrName>ppt_c</p:attrName>
-                                        </p:attrNameLst>
-                                      </p:cBhvr>
-                                      <p:to>
-                                        <a:schemeClr val="tx2"/>
-                                      </p:to>
-                                    </p:animClr>
-                                  </p:subTnLst>
-                                </p:cTn>
-                              </p:par>
-                            </p:childTnLst>
-                          </p:cTn>
-                        </p:par>
-                      </p:childTnLst>
-                    </p:cTn>
-                  </p:par>
-                  <p:par>
-                    <p:cTn id="15" fill="hold">
-                      <p:stCondLst>
-                        <p:cond delay="indefinite"/>
-                      </p:stCondLst>
-                      <p:childTnLst>
-                        <p:par>
-                          <p:cTn id="16" fill="hold">
-                            <p:stCondLst>
-                              <p:cond delay="0"/>
-                            </p:stCondLst>
-                            <p:childTnLst>
-                              <p:par>
-                                <p:cTn id="17" presetID="1" presetClass="entr" presetSubtype="0" fill="hold" nodeType="clickEffect">
-                                  <p:stCondLst>
-                                    <p:cond delay="0"/>
-                                  </p:stCondLst>
-                                  <p:childTnLst>
-                                    <p:set>
-                                      <p:cBhvr>
-                                        <p:cTn id="18" dur="1" fill="hold">
-                                          <p:stCondLst>
-                                            <p:cond delay="0"/>
-                                          </p:stCondLst>
-                                        </p:cTn>
-                                        <p:tgtEl>
-                                          <p:spTgt spid="3">
-                                            <p:txEl>
-                                              <p:pRg st="3" end="3"/>
-                                            </p:txEl>
-                                          </p:spTgt>
-                                        </p:tgtEl>
-                                        <p:attrNameLst>
-                                          <p:attrName>style.visibility</p:attrName>
-                                        </p:attrNameLst>
-                                      </p:cBhvr>
-                                      <p:to>
-                                        <p:strVal val="visible"/>
-                                      </p:to>
-                                    </p:set>
-                                  </p:childTnLst>
-                                  <p:subTnLst>
-                                    <p:animClr clrSpc="rgb" dir="cw">
-                                      <p:cBhvr override="childStyle">
-                                        <p:cTn dur="1" fill="hold" display="0" masterRel="nextClick" afterEffect="1"/>
-                                        <p:tgtEl>
-                                          <p:spTgt spid="3">
-                                            <p:txEl>
-                                              <p:pRg st="3" end="3"/>
-                                            </p:txEl>
-                                          </p:spTgt>
-                                        </p:tgtEl>
-                                        <p:attrNameLst>
-                                          <p:attrName>ppt_c</p:attrName>
-                                        </p:attrNameLst>
-                                      </p:cBhvr>
-                                      <p:to>
-                                        <a:schemeClr val="tx2"/>
-                                      </p:to>
-                                    </p:animClr>
-                                  </p:subTnLst>
-                                </p:cTn>
-                              </p:par>
-                            </p:childTnLst>
-                          </p:cTn>
-                        </p:par>
-                      </p:childTnLst>
-                    </p:cTn>
-                  </p:par>
-                  <p:par>
-                    <p:cTn id="19" fill="hold">
-                      <p:stCondLst>
-                        <p:cond delay="indefinite"/>
-                      </p:stCondLst>
-                      <p:childTnLst>
-                        <p:par>
-                          <p:cTn id="20" fill="hold">
-                            <p:stCondLst>
-                              <p:cond delay="0"/>
-                            </p:stCondLst>
-                            <p:childTnLst>
-                              <p:par>
-                                <p:cTn id="21" presetID="1" presetClass="entr" presetSubtype="0" fill="hold" nodeType="clickEffect">
-                                  <p:stCondLst>
-                                    <p:cond delay="0"/>
-                                  </p:stCondLst>
-                                  <p:childTnLst>
-                                    <p:set>
-                                      <p:cBhvr>
-                                        <p:cTn id="22" dur="1" fill="hold">
-                                          <p:stCondLst>
-                                            <p:cond delay="0"/>
-                                          </p:stCondLst>
-                                        </p:cTn>
-                                        <p:tgtEl>
-                                          <p:spTgt spid="3">
-                                            <p:txEl>
-                                              <p:pRg st="4" end="4"/>
-                                            </p:txEl>
-                                          </p:spTgt>
-                                        </p:tgtEl>
-                                        <p:attrNameLst>
-                                          <p:attrName>style.visibility</p:attrName>
-                                        </p:attrNameLst>
-                                      </p:cBhvr>
-                                      <p:to>
-                                        <p:strVal val="visible"/>
-                                      </p:to>
-                                    </p:set>
-                                  </p:childTnLst>
-                                  <p:subTnLst>
-                                    <p:animClr clrSpc="rgb" dir="cw">
-                                      <p:cBhvr override="childStyle">
-                                        <p:cTn dur="1" fill="hold" display="0" masterRel="nextClick" afterEffect="1"/>
-                                        <p:tgtEl>
-                                          <p:spTgt spid="3">
-                                            <p:txEl>
-                                              <p:pRg st="4" end="4"/>
-                                            </p:txEl>
-                                          </p:spTgt>
-                                        </p:tgtEl>
-                                        <p:attrNameLst>
-                                          <p:attrName>ppt_c</p:attrName>
-                                        </p:attrNameLst>
-                                      </p:cBhvr>
-                                      <p:to>
-                                        <a:schemeClr val="tx2"/>
-                                      </p:to>
-                                    </p:animClr>
-                                  </p:subTnLst>
-                                </p:cTn>
-                              </p:par>
-                            </p:childTnLst>
-                          </p:cTn>
-                        </p:par>
-                      </p:childTnLst>
-                    </p:cTn>
-                  </p:par>
-                  <p:par>
-                    <p:cTn id="23" fill="hold">
-                      <p:stCondLst>
-                        <p:cond delay="indefinite"/>
-                      </p:stCondLst>
-                      <p:childTnLst>
-                        <p:par>
-                          <p:cTn id="24" fill="hold">
-                            <p:stCondLst>
-                              <p:cond delay="0"/>
-                            </p:stCondLst>
-                            <p:childTnLst>
-                              <p:par>
-                                <p:cTn id="25" presetID="1" presetClass="entr" presetSubtype="0" fill="hold" nodeType="clickEffect">
-                                  <p:stCondLst>
-                                    <p:cond delay="0"/>
-                                  </p:stCondLst>
-                                  <p:childTnLst>
-                                    <p:set>
-                                      <p:cBhvr>
-                                        <p:cTn id="26" dur="1" fill="hold">
-                                          <p:stCondLst>
-                                            <p:cond delay="0"/>
-                                          </p:stCondLst>
-                                        </p:cTn>
-                                        <p:tgtEl>
-                                          <p:spTgt spid="3">
-                                            <p:txEl>
-                                              <p:pRg st="5" end="5"/>
-                                            </p:txEl>
-                                          </p:spTgt>
-                                        </p:tgtEl>
-                                        <p:attrNameLst>
-                                          <p:attrName>style.visibility</p:attrName>
-                                        </p:attrNameLst>
-                                      </p:cBhvr>
-                                      <p:to>
-                                        <p:strVal val="visible"/>
-                                      </p:to>
-                                    </p:set>
-                                  </p:childTnLst>
-                                  <p:subTnLst>
-                                    <p:animClr clrSpc="rgb" dir="cw">
-                                      <p:cBhvr override="childStyle">
-                                        <p:cTn dur="1" fill="hold" display="0" masterRel="nextClick" afterEffect="1"/>
-                                        <p:tgtEl>
-                                          <p:spTgt spid="3">
-                                            <p:txEl>
-                                              <p:pRg st="5" end="5"/>
-                                            </p:txEl>
-                                          </p:spTgt>
-                                        </p:tgtEl>
-                                        <p:attrNameLst>
-                                          <p:attrName>ppt_c</p:attrName>
-                                        </p:attrNameLst>
-                                      </p:cBhvr>
-                                      <p:to>
-                                        <a:schemeClr val="tx2"/>
-                                      </p:to>
-                                    </p:animClr>
-                                  </p:subTnLst>
                                 </p:cTn>
                               </p:par>
                             </p:childTnLst>
@@ -15310,14 +15305,21 @@
         <p:spPr/>
         <p:txBody>
           <a:bodyPr>
-            <a:normAutofit fontScale="92500" lnSpcReduction="10000"/>
+            <a:normAutofit fontScale="92500" lnSpcReduction="20000"/>
           </a:bodyPr>
           <a:lstStyle/>
           <a:p>
             <a:r>
               <a:rPr lang="en-US" dirty="0"/>
-              <a:t>Probabilities are not treated objectively</a:t>
+              <a:t>Probabilities are not treated objectively </a:t>
             </a:r>
+            <a:r>
+              <a:rPr lang="en-US" dirty="0">
+                <a:sym typeface="Wingdings" pitchFamily="2" charset="2"/>
+              </a:rPr>
+              <a:t> weighted according to extremity</a:t>
+            </a:r>
+            <a:endParaRPr lang="en-US" dirty="0"/>
           </a:p>
           <a:p>
             <a:r>

--- a/Modelling Tutorial.pptx
+++ b/Modelling Tutorial.pptx
@@ -5,7 +5,7 @@
     <p:sldMasterId id="2147483648" r:id="rId1"/>
   </p:sldMasterIdLst>
   <p:notesMasterIdLst>
-    <p:notesMasterId r:id="rId34"/>
+    <p:notesMasterId r:id="rId36"/>
   </p:notesMasterIdLst>
   <p:sldIdLst>
     <p:sldId id="257" r:id="rId2"/>
@@ -34,12 +34,14 @@
     <p:sldId id="284" r:id="rId25"/>
     <p:sldId id="282" r:id="rId26"/>
     <p:sldId id="283" r:id="rId27"/>
-    <p:sldId id="285" r:id="rId28"/>
-    <p:sldId id="289" r:id="rId29"/>
-    <p:sldId id="292" r:id="rId30"/>
-    <p:sldId id="291" r:id="rId31"/>
-    <p:sldId id="290" r:id="rId32"/>
-    <p:sldId id="288" r:id="rId33"/>
+    <p:sldId id="294" r:id="rId28"/>
+    <p:sldId id="285" r:id="rId29"/>
+    <p:sldId id="289" r:id="rId30"/>
+    <p:sldId id="292" r:id="rId31"/>
+    <p:sldId id="291" r:id="rId32"/>
+    <p:sldId id="290" r:id="rId33"/>
+    <p:sldId id="293" r:id="rId34"/>
+    <p:sldId id="288" r:id="rId35"/>
   </p:sldIdLst>
   <p:sldSz cx="12192000" cy="6858000"/>
   <p:notesSz cx="6858000" cy="9144000"/>
@@ -9405,160 +9407,6 @@
           </p:graphicFrame>
         </mc:Fallback>
       </mc:AlternateContent>
-      <p:sp>
-        <p:nvSpPr>
-          <p:cNvPr id="10" name="Rounded Rectangular Callout 9"/>
-          <p:cNvSpPr/>
-          <p:nvPr/>
-        </p:nvSpPr>
-        <p:spPr>
-          <a:xfrm flipH="1">
-            <a:off x="7016259" y="1947892"/>
-            <a:ext cx="1793631" cy="1576052"/>
-          </a:xfrm>
-          <a:prstGeom prst="wedgeRoundRectCallout">
-            <a:avLst/>
-          </a:prstGeom>
-          <a:solidFill>
-            <a:schemeClr val="bg1"/>
-          </a:solidFill>
-          <a:ln w="28575">
-            <a:solidFill>
-              <a:schemeClr val="tx1"/>
-            </a:solidFill>
-          </a:ln>
-        </p:spPr>
-        <p:style>
-          <a:lnRef idx="2">
-            <a:schemeClr val="accent1">
-              <a:shade val="50000"/>
-            </a:schemeClr>
-          </a:lnRef>
-          <a:fillRef idx="1">
-            <a:schemeClr val="accent1"/>
-          </a:fillRef>
-          <a:effectRef idx="0">
-            <a:schemeClr val="accent1"/>
-          </a:effectRef>
-          <a:fontRef idx="minor">
-            <a:schemeClr val="lt1"/>
-          </a:fontRef>
-        </p:style>
-        <p:txBody>
-          <a:bodyPr rtlCol="0" anchor="ctr"/>
-          <a:lstStyle/>
-          <a:p>
-            <a:pPr algn="ctr"/>
-            <a:endParaRPr lang="en-US"/>
-          </a:p>
-        </p:txBody>
-      </p:sp>
-      <p:sp>
-        <p:nvSpPr>
-          <p:cNvPr id="11" name="TextBox 10"/>
-          <p:cNvSpPr txBox="1"/>
-          <p:nvPr/>
-        </p:nvSpPr>
-        <p:spPr>
-          <a:xfrm>
-            <a:off x="7165730" y="2046616"/>
-            <a:ext cx="1494692" cy="1477328"/>
-          </a:xfrm>
-          <a:prstGeom prst="rect">
-            <a:avLst/>
-          </a:prstGeom>
-          <a:noFill/>
-        </p:spPr>
-        <p:txBody>
-          <a:bodyPr wrap="square" rtlCol="0">
-            <a:spAutoFit/>
-          </a:bodyPr>
-          <a:lstStyle/>
-          <a:p>
-            <a:r>
-              <a:rPr lang="en-US" dirty="0"/>
-              <a:t>WOW! You’re on a roll, Cady! How much did you win?</a:t>
-            </a:r>
-          </a:p>
-        </p:txBody>
-      </p:sp>
-      <p:sp>
-        <p:nvSpPr>
-          <p:cNvPr id="12" name="Rounded Rectangular Callout 11"/>
-          <p:cNvSpPr/>
-          <p:nvPr/>
-        </p:nvSpPr>
-        <p:spPr>
-          <a:xfrm>
-            <a:off x="9806349" y="2205098"/>
-            <a:ext cx="1793631" cy="1318846"/>
-          </a:xfrm>
-          <a:prstGeom prst="wedgeRoundRectCallout">
-            <a:avLst/>
-          </a:prstGeom>
-          <a:solidFill>
-            <a:schemeClr val="bg1"/>
-          </a:solidFill>
-          <a:ln w="28575">
-            <a:solidFill>
-              <a:schemeClr val="tx1"/>
-            </a:solidFill>
-          </a:ln>
-        </p:spPr>
-        <p:style>
-          <a:lnRef idx="2">
-            <a:schemeClr val="accent1">
-              <a:shade val="50000"/>
-            </a:schemeClr>
-          </a:lnRef>
-          <a:fillRef idx="1">
-            <a:schemeClr val="accent1"/>
-          </a:fillRef>
-          <a:effectRef idx="0">
-            <a:schemeClr val="accent1"/>
-          </a:effectRef>
-          <a:fontRef idx="minor">
-            <a:schemeClr val="lt1"/>
-          </a:fontRef>
-        </p:style>
-        <p:txBody>
-          <a:bodyPr rtlCol="0" anchor="ctr"/>
-          <a:lstStyle/>
-          <a:p>
-            <a:pPr algn="ctr"/>
-            <a:endParaRPr lang="en-US"/>
-          </a:p>
-        </p:txBody>
-      </p:sp>
-      <p:sp>
-        <p:nvSpPr>
-          <p:cNvPr id="13" name="TextBox 12"/>
-          <p:cNvSpPr txBox="1"/>
-          <p:nvPr/>
-        </p:nvSpPr>
-        <p:spPr>
-          <a:xfrm>
-            <a:off x="10075985" y="2444262"/>
-            <a:ext cx="1136731" cy="923330"/>
-          </a:xfrm>
-          <a:prstGeom prst="rect">
-            <a:avLst/>
-          </a:prstGeom>
-          <a:noFill/>
-        </p:spPr>
-        <p:txBody>
-          <a:bodyPr wrap="square" rtlCol="0">
-            <a:spAutoFit/>
-          </a:bodyPr>
-          <a:lstStyle/>
-          <a:p>
-            <a:r>
-              <a:rPr lang="en-US" dirty="0"/>
-              <a:t>The limit does not exist!!</a:t>
-            </a:r>
-          </a:p>
-        </p:txBody>
-      </p:sp>
     </p:spTree>
     <p:extLst>
       <p:ext uri="{BB962C8B-B14F-4D97-AF65-F5344CB8AC3E}">
@@ -9760,132 +9608,6 @@
                       </p:childTnLst>
                     </p:cTn>
                   </p:par>
-                  <p:par>
-                    <p:cTn id="15" fill="hold">
-                      <p:stCondLst>
-                        <p:cond delay="indefinite"/>
-                      </p:stCondLst>
-                      <p:childTnLst>
-                        <p:par>
-                          <p:cTn id="16" fill="hold">
-                            <p:stCondLst>
-                              <p:cond delay="0"/>
-                            </p:stCondLst>
-                            <p:childTnLst>
-                              <p:par>
-                                <p:cTn id="17" presetID="1" presetClass="entr" presetSubtype="0" fill="hold" grpId="0" nodeType="clickEffect">
-                                  <p:stCondLst>
-                                    <p:cond delay="0"/>
-                                  </p:stCondLst>
-                                  <p:childTnLst>
-                                    <p:set>
-                                      <p:cBhvr>
-                                        <p:cTn id="18" dur="1" fill="hold">
-                                          <p:stCondLst>
-                                            <p:cond delay="0"/>
-                                          </p:stCondLst>
-                                        </p:cTn>
-                                        <p:tgtEl>
-                                          <p:spTgt spid="11"/>
-                                        </p:tgtEl>
-                                        <p:attrNameLst>
-                                          <p:attrName>style.visibility</p:attrName>
-                                        </p:attrNameLst>
-                                      </p:cBhvr>
-                                      <p:to>
-                                        <p:strVal val="visible"/>
-                                      </p:to>
-                                    </p:set>
-                                  </p:childTnLst>
-                                </p:cTn>
-                              </p:par>
-                              <p:par>
-                                <p:cTn id="19" presetID="1" presetClass="entr" presetSubtype="0" fill="hold" grpId="0" nodeType="withEffect">
-                                  <p:stCondLst>
-                                    <p:cond delay="0"/>
-                                  </p:stCondLst>
-                                  <p:childTnLst>
-                                    <p:set>
-                                      <p:cBhvr>
-                                        <p:cTn id="20" dur="1" fill="hold">
-                                          <p:stCondLst>
-                                            <p:cond delay="0"/>
-                                          </p:stCondLst>
-                                        </p:cTn>
-                                        <p:tgtEl>
-                                          <p:spTgt spid="10"/>
-                                        </p:tgtEl>
-                                        <p:attrNameLst>
-                                          <p:attrName>style.visibility</p:attrName>
-                                        </p:attrNameLst>
-                                      </p:cBhvr>
-                                      <p:to>
-                                        <p:strVal val="visible"/>
-                                      </p:to>
-                                    </p:set>
-                                  </p:childTnLst>
-                                </p:cTn>
-                              </p:par>
-                              <p:par>
-                                <p:cTn id="21" presetID="1" presetClass="entr" presetSubtype="0" fill="hold" grpId="0" nodeType="withEffect">
-                                  <p:stCondLst>
-                                    <p:cond delay="0"/>
-                                  </p:stCondLst>
-                                  <p:childTnLst>
-                                    <p:set>
-                                      <p:cBhvr>
-                                        <p:cTn id="22" dur="1" fill="hold">
-                                          <p:stCondLst>
-                                            <p:cond delay="0"/>
-                                          </p:stCondLst>
-                                        </p:cTn>
-                                        <p:tgtEl>
-                                          <p:spTgt spid="13"/>
-                                        </p:tgtEl>
-                                        <p:attrNameLst>
-                                          <p:attrName>style.visibility</p:attrName>
-                                        </p:attrNameLst>
-                                      </p:cBhvr>
-                                      <p:to>
-                                        <p:strVal val="visible"/>
-                                      </p:to>
-                                    </p:set>
-                                  </p:childTnLst>
-                                </p:cTn>
-                              </p:par>
-                              <p:par>
-                                <p:cTn id="23" presetID="1" presetClass="entr" presetSubtype="0" fill="hold" grpId="0" nodeType="withEffect">
-                                  <p:stCondLst>
-                                    <p:cond delay="0"/>
-                                  </p:stCondLst>
-                                  <p:childTnLst>
-                                    <p:set>
-                                      <p:cBhvr>
-                                        <p:cTn id="24" dur="1" fill="hold">
-                                          <p:stCondLst>
-                                            <p:cond delay="0"/>
-                                          </p:stCondLst>
-                                        </p:cTn>
-                                        <p:tgtEl>
-                                          <p:spTgt spid="12"/>
-                                        </p:tgtEl>
-                                        <p:attrNameLst>
-                                          <p:attrName>style.visibility</p:attrName>
-                                        </p:attrNameLst>
-                                      </p:cBhvr>
-                                      <p:to>
-                                        <p:strVal val="visible"/>
-                                      </p:to>
-                                    </p:set>
-                                  </p:childTnLst>
-                                </p:cTn>
-                              </p:par>
-                            </p:childTnLst>
-                          </p:cTn>
-                        </p:par>
-                      </p:childTnLst>
-                    </p:cTn>
-                  </p:par>
                 </p:childTnLst>
               </p:cTn>
               <p:prevCondLst>
@@ -9907,12 +9629,6 @@
         </p:cTn>
       </p:par>
     </p:tnLst>
-    <p:bldLst>
-      <p:bldP spid="10" grpId="0" animBg="1"/>
-      <p:bldP spid="11" grpId="0"/>
-      <p:bldP spid="12" grpId="0" animBg="1"/>
-      <p:bldP spid="13" grpId="0"/>
-    </p:bldLst>
   </p:timing>
 </p:sld>
 </file>
@@ -10019,6 +9735,184 @@
           </a:xfrm>
         </p:spPr>
       </p:pic>
+      <p:sp>
+        <p:nvSpPr>
+          <p:cNvPr id="5" name="Rounded Rectangular Callout 4">
+            <a:extLst>
+              <a:ext uri="{FF2B5EF4-FFF2-40B4-BE49-F238E27FC236}">
+                <a16:creationId xmlns:a16="http://schemas.microsoft.com/office/drawing/2014/main" id="{C8DFEC0D-A9EB-C247-B8E8-00BECF56789A}"/>
+              </a:ext>
+            </a:extLst>
+          </p:cNvPr>
+          <p:cNvSpPr/>
+          <p:nvPr/>
+        </p:nvSpPr>
+        <p:spPr>
+          <a:xfrm flipH="1">
+            <a:off x="7016259" y="1947892"/>
+            <a:ext cx="1793631" cy="1576052"/>
+          </a:xfrm>
+          <a:prstGeom prst="wedgeRoundRectCallout">
+            <a:avLst/>
+          </a:prstGeom>
+          <a:solidFill>
+            <a:schemeClr val="bg1"/>
+          </a:solidFill>
+          <a:ln w="28575">
+            <a:solidFill>
+              <a:schemeClr val="tx1"/>
+            </a:solidFill>
+          </a:ln>
+        </p:spPr>
+        <p:style>
+          <a:lnRef idx="2">
+            <a:schemeClr val="accent1">
+              <a:shade val="50000"/>
+            </a:schemeClr>
+          </a:lnRef>
+          <a:fillRef idx="1">
+            <a:schemeClr val="accent1"/>
+          </a:fillRef>
+          <a:effectRef idx="0">
+            <a:schemeClr val="accent1"/>
+          </a:effectRef>
+          <a:fontRef idx="minor">
+            <a:schemeClr val="lt1"/>
+          </a:fontRef>
+        </p:style>
+        <p:txBody>
+          <a:bodyPr rtlCol="0" anchor="ctr"/>
+          <a:lstStyle/>
+          <a:p>
+            <a:pPr algn="ctr"/>
+            <a:endParaRPr lang="en-US"/>
+          </a:p>
+        </p:txBody>
+      </p:sp>
+      <p:sp>
+        <p:nvSpPr>
+          <p:cNvPr id="7" name="TextBox 6">
+            <a:extLst>
+              <a:ext uri="{FF2B5EF4-FFF2-40B4-BE49-F238E27FC236}">
+                <a16:creationId xmlns:a16="http://schemas.microsoft.com/office/drawing/2014/main" id="{74BD3C7B-9EE2-5540-BC54-8F5F8D2838DD}"/>
+              </a:ext>
+            </a:extLst>
+          </p:cNvPr>
+          <p:cNvSpPr txBox="1"/>
+          <p:nvPr/>
+        </p:nvSpPr>
+        <p:spPr>
+          <a:xfrm>
+            <a:off x="7165730" y="2046616"/>
+            <a:ext cx="1494692" cy="1477328"/>
+          </a:xfrm>
+          <a:prstGeom prst="rect">
+            <a:avLst/>
+          </a:prstGeom>
+          <a:noFill/>
+        </p:spPr>
+        <p:txBody>
+          <a:bodyPr wrap="square" rtlCol="0">
+            <a:spAutoFit/>
+          </a:bodyPr>
+          <a:lstStyle/>
+          <a:p>
+            <a:r>
+              <a:rPr lang="en-US" dirty="0"/>
+              <a:t>WOW! You’re on a roll, Cady! How much did you win?</a:t>
+            </a:r>
+          </a:p>
+        </p:txBody>
+      </p:sp>
+      <p:sp>
+        <p:nvSpPr>
+          <p:cNvPr id="9" name="Rounded Rectangular Callout 8">
+            <a:extLst>
+              <a:ext uri="{FF2B5EF4-FFF2-40B4-BE49-F238E27FC236}">
+                <a16:creationId xmlns:a16="http://schemas.microsoft.com/office/drawing/2014/main" id="{6B1DB1E5-B370-2946-B3AA-D5922F772A40}"/>
+              </a:ext>
+            </a:extLst>
+          </p:cNvPr>
+          <p:cNvSpPr/>
+          <p:nvPr/>
+        </p:nvSpPr>
+        <p:spPr>
+          <a:xfrm>
+            <a:off x="9806349" y="2205098"/>
+            <a:ext cx="1793631" cy="1318846"/>
+          </a:xfrm>
+          <a:prstGeom prst="wedgeRoundRectCallout">
+            <a:avLst/>
+          </a:prstGeom>
+          <a:solidFill>
+            <a:schemeClr val="bg1"/>
+          </a:solidFill>
+          <a:ln w="28575">
+            <a:solidFill>
+              <a:schemeClr val="tx1"/>
+            </a:solidFill>
+          </a:ln>
+        </p:spPr>
+        <p:style>
+          <a:lnRef idx="2">
+            <a:schemeClr val="accent1">
+              <a:shade val="50000"/>
+            </a:schemeClr>
+          </a:lnRef>
+          <a:fillRef idx="1">
+            <a:schemeClr val="accent1"/>
+          </a:fillRef>
+          <a:effectRef idx="0">
+            <a:schemeClr val="accent1"/>
+          </a:effectRef>
+          <a:fontRef idx="minor">
+            <a:schemeClr val="lt1"/>
+          </a:fontRef>
+        </p:style>
+        <p:txBody>
+          <a:bodyPr rtlCol="0" anchor="ctr"/>
+          <a:lstStyle/>
+          <a:p>
+            <a:pPr algn="ctr"/>
+            <a:endParaRPr lang="en-US"/>
+          </a:p>
+        </p:txBody>
+      </p:sp>
+      <p:sp>
+        <p:nvSpPr>
+          <p:cNvPr id="10" name="TextBox 9">
+            <a:extLst>
+              <a:ext uri="{FF2B5EF4-FFF2-40B4-BE49-F238E27FC236}">
+                <a16:creationId xmlns:a16="http://schemas.microsoft.com/office/drawing/2014/main" id="{ABA17F3D-18CB-9F4A-9FFC-E8A8551D0FC6}"/>
+              </a:ext>
+            </a:extLst>
+          </p:cNvPr>
+          <p:cNvSpPr txBox="1"/>
+          <p:nvPr/>
+        </p:nvSpPr>
+        <p:spPr>
+          <a:xfrm>
+            <a:off x="10075985" y="2444262"/>
+            <a:ext cx="1136731" cy="923330"/>
+          </a:xfrm>
+          <a:prstGeom prst="rect">
+            <a:avLst/>
+          </a:prstGeom>
+          <a:noFill/>
+        </p:spPr>
+        <p:txBody>
+          <a:bodyPr wrap="square" rtlCol="0">
+            <a:spAutoFit/>
+          </a:bodyPr>
+          <a:lstStyle/>
+          <a:p>
+            <a:r>
+              <a:rPr lang="en-US" dirty="0"/>
+              <a:t>The limit does not exist!!</a:t>
+            </a:r>
+          </a:p>
+        </p:txBody>
+      </p:sp>
     </p:spTree>
     <p:extLst>
       <p:ext uri="{BB962C8B-B14F-4D97-AF65-F5344CB8AC3E}">
@@ -10119,7 +10013,7 @@
                             </p:stCondLst>
                             <p:childTnLst>
                               <p:par>
-                                <p:cTn id="9" presetID="1" presetClass="entr" presetSubtype="0" fill="hold" nodeType="clickEffect">
+                                <p:cTn id="9" presetID="1" presetClass="entr" presetSubtype="0" fill="hold" grpId="0" nodeType="clickEffect">
                                   <p:stCondLst>
                                     <p:cond delay="0"/>
                                   </p:stCondLst>
@@ -10127,6 +10021,132 @@
                                     <p:set>
                                       <p:cBhvr>
                                         <p:cTn id="10" dur="1" fill="hold">
+                                          <p:stCondLst>
+                                            <p:cond delay="0"/>
+                                          </p:stCondLst>
+                                        </p:cTn>
+                                        <p:tgtEl>
+                                          <p:spTgt spid="7"/>
+                                        </p:tgtEl>
+                                        <p:attrNameLst>
+                                          <p:attrName>style.visibility</p:attrName>
+                                        </p:attrNameLst>
+                                      </p:cBhvr>
+                                      <p:to>
+                                        <p:strVal val="visible"/>
+                                      </p:to>
+                                    </p:set>
+                                  </p:childTnLst>
+                                </p:cTn>
+                              </p:par>
+                              <p:par>
+                                <p:cTn id="11" presetID="1" presetClass="entr" presetSubtype="0" fill="hold" grpId="0" nodeType="withEffect">
+                                  <p:stCondLst>
+                                    <p:cond delay="0"/>
+                                  </p:stCondLst>
+                                  <p:childTnLst>
+                                    <p:set>
+                                      <p:cBhvr>
+                                        <p:cTn id="12" dur="1" fill="hold">
+                                          <p:stCondLst>
+                                            <p:cond delay="0"/>
+                                          </p:stCondLst>
+                                        </p:cTn>
+                                        <p:tgtEl>
+                                          <p:spTgt spid="5"/>
+                                        </p:tgtEl>
+                                        <p:attrNameLst>
+                                          <p:attrName>style.visibility</p:attrName>
+                                        </p:attrNameLst>
+                                      </p:cBhvr>
+                                      <p:to>
+                                        <p:strVal val="visible"/>
+                                      </p:to>
+                                    </p:set>
+                                  </p:childTnLst>
+                                </p:cTn>
+                              </p:par>
+                              <p:par>
+                                <p:cTn id="13" presetID="1" presetClass="entr" presetSubtype="0" fill="hold" grpId="0" nodeType="withEffect">
+                                  <p:stCondLst>
+                                    <p:cond delay="0"/>
+                                  </p:stCondLst>
+                                  <p:childTnLst>
+                                    <p:set>
+                                      <p:cBhvr>
+                                        <p:cTn id="14" dur="1" fill="hold">
+                                          <p:stCondLst>
+                                            <p:cond delay="0"/>
+                                          </p:stCondLst>
+                                        </p:cTn>
+                                        <p:tgtEl>
+                                          <p:spTgt spid="10"/>
+                                        </p:tgtEl>
+                                        <p:attrNameLst>
+                                          <p:attrName>style.visibility</p:attrName>
+                                        </p:attrNameLst>
+                                      </p:cBhvr>
+                                      <p:to>
+                                        <p:strVal val="visible"/>
+                                      </p:to>
+                                    </p:set>
+                                  </p:childTnLst>
+                                </p:cTn>
+                              </p:par>
+                              <p:par>
+                                <p:cTn id="15" presetID="1" presetClass="entr" presetSubtype="0" fill="hold" grpId="0" nodeType="withEffect">
+                                  <p:stCondLst>
+                                    <p:cond delay="0"/>
+                                  </p:stCondLst>
+                                  <p:childTnLst>
+                                    <p:set>
+                                      <p:cBhvr>
+                                        <p:cTn id="16" dur="1" fill="hold">
+                                          <p:stCondLst>
+                                            <p:cond delay="0"/>
+                                          </p:stCondLst>
+                                        </p:cTn>
+                                        <p:tgtEl>
+                                          <p:spTgt spid="9"/>
+                                        </p:tgtEl>
+                                        <p:attrNameLst>
+                                          <p:attrName>style.visibility</p:attrName>
+                                        </p:attrNameLst>
+                                      </p:cBhvr>
+                                      <p:to>
+                                        <p:strVal val="visible"/>
+                                      </p:to>
+                                    </p:set>
+                                  </p:childTnLst>
+                                </p:cTn>
+                              </p:par>
+                            </p:childTnLst>
+                          </p:cTn>
+                        </p:par>
+                      </p:childTnLst>
+                    </p:cTn>
+                  </p:par>
+                  <p:par>
+                    <p:cTn id="17" fill="hold">
+                      <p:stCondLst>
+                        <p:cond delay="indefinite"/>
+                      </p:stCondLst>
+                      <p:childTnLst>
+                        <p:par>
+                          <p:cTn id="18" fill="hold">
+                            <p:stCondLst>
+                              <p:cond delay="0"/>
+                            </p:stCondLst>
+                            <p:childTnLst>
+                              <p:par>
+                                <p:cTn id="19" presetID="1" presetClass="entr" presetSubtype="0" fill="hold" nodeType="clickEffect">
+                                  <p:stCondLst>
+                                    <p:cond delay="0"/>
+                                  </p:stCondLst>
+                                  <p:childTnLst>
+                                    <p:set>
+                                      <p:cBhvr>
+                                        <p:cTn id="20" dur="1" fill="hold">
                                           <p:stCondLst>
                                             <p:cond delay="0"/>
                                           </p:stCondLst>
@@ -10176,26 +10196,26 @@
                     </p:cTn>
                   </p:par>
                   <p:par>
-                    <p:cTn id="11" fill="hold">
+                    <p:cTn id="21" fill="hold">
                       <p:stCondLst>
                         <p:cond delay="indefinite"/>
                       </p:stCondLst>
                       <p:childTnLst>
                         <p:par>
-                          <p:cTn id="12" fill="hold">
+                          <p:cTn id="22" fill="hold">
                             <p:stCondLst>
                               <p:cond delay="0"/>
                             </p:stCondLst>
                             <p:childTnLst>
                               <p:par>
-                                <p:cTn id="13" presetID="1" presetClass="entr" presetSubtype="0" fill="hold" nodeType="clickEffect">
+                                <p:cTn id="23" presetID="1" presetClass="entr" presetSubtype="0" fill="hold" nodeType="clickEffect">
                                   <p:stCondLst>
                                     <p:cond delay="0"/>
                                   </p:stCondLst>
                                   <p:childTnLst>
                                     <p:set>
                                       <p:cBhvr>
-                                        <p:cTn id="14" dur="1" fill="hold">
+                                        <p:cTn id="24" dur="1" fill="hold">
                                           <p:stCondLst>
                                             <p:cond delay="0"/>
                                           </p:stCondLst>
@@ -10265,6 +10285,12 @@
         </p:cTn>
       </p:par>
     </p:tnLst>
+    <p:bldLst>
+      <p:bldP spid="5" grpId="0" animBg="1"/>
+      <p:bldP spid="7" grpId="0"/>
+      <p:bldP spid="9" grpId="0" animBg="1"/>
+      <p:bldP spid="10" grpId="0"/>
+    </p:bldLst>
   </p:timing>
 </p:sld>
 </file>
@@ -17539,6 +17565,243 @@
   <p:clrMapOvr>
     <a:masterClrMapping/>
   </p:clrMapOvr>
+  <p:timing>
+    <p:tnLst>
+      <p:par>
+        <p:cTn id="1" dur="indefinite" restart="never" nodeType="tmRoot">
+          <p:childTnLst>
+            <p:seq concurrent="1" nextAc="seek">
+              <p:cTn id="2" dur="indefinite" nodeType="mainSeq">
+                <p:childTnLst>
+                  <p:par>
+                    <p:cTn id="3" fill="hold">
+                      <p:stCondLst>
+                        <p:cond delay="indefinite"/>
+                      </p:stCondLst>
+                      <p:childTnLst>
+                        <p:par>
+                          <p:cTn id="4" fill="hold">
+                            <p:stCondLst>
+                              <p:cond delay="0"/>
+                            </p:stCondLst>
+                            <p:childTnLst>
+                              <p:par>
+                                <p:cTn id="5" presetID="1" presetClass="entr" presetSubtype="0" fill="hold" nodeType="clickEffect">
+                                  <p:stCondLst>
+                                    <p:cond delay="0"/>
+                                  </p:stCondLst>
+                                  <p:childTnLst>
+                                    <p:set>
+                                      <p:cBhvr>
+                                        <p:cTn id="6" dur="1" fill="hold">
+                                          <p:stCondLst>
+                                            <p:cond delay="0"/>
+                                          </p:stCondLst>
+                                        </p:cTn>
+                                        <p:tgtEl>
+                                          <p:spTgt spid="3">
+                                            <p:txEl>
+                                              <p:pRg st="0" end="0"/>
+                                            </p:txEl>
+                                          </p:spTgt>
+                                        </p:tgtEl>
+                                        <p:attrNameLst>
+                                          <p:attrName>style.visibility</p:attrName>
+                                        </p:attrNameLst>
+                                      </p:cBhvr>
+                                      <p:to>
+                                        <p:strVal val="visible"/>
+                                      </p:to>
+                                    </p:set>
+                                  </p:childTnLst>
+                                  <p:subTnLst>
+                                    <p:animClr clrSpc="rgb" dir="cw">
+                                      <p:cBhvr override="childStyle">
+                                        <p:cTn dur="1" fill="hold" display="0" masterRel="nextClick" afterEffect="1"/>
+                                        <p:tgtEl>
+                                          <p:spTgt spid="3">
+                                            <p:txEl>
+                                              <p:pRg st="0" end="0"/>
+                                            </p:txEl>
+                                          </p:spTgt>
+                                        </p:tgtEl>
+                                        <p:attrNameLst>
+                                          <p:attrName>ppt_c</p:attrName>
+                                        </p:attrNameLst>
+                                      </p:cBhvr>
+                                      <p:to>
+                                        <a:schemeClr val="tx2"/>
+                                      </p:to>
+                                    </p:animClr>
+                                  </p:subTnLst>
+                                </p:cTn>
+                              </p:par>
+                            </p:childTnLst>
+                          </p:cTn>
+                        </p:par>
+                      </p:childTnLst>
+                    </p:cTn>
+                  </p:par>
+                  <p:par>
+                    <p:cTn id="7" fill="hold">
+                      <p:stCondLst>
+                        <p:cond delay="indefinite"/>
+                      </p:stCondLst>
+                      <p:childTnLst>
+                        <p:par>
+                          <p:cTn id="8" fill="hold">
+                            <p:stCondLst>
+                              <p:cond delay="0"/>
+                            </p:stCondLst>
+                            <p:childTnLst>
+                              <p:par>
+                                <p:cTn id="9" presetID="1" presetClass="entr" presetSubtype="0" fill="hold" nodeType="clickEffect">
+                                  <p:stCondLst>
+                                    <p:cond delay="0"/>
+                                  </p:stCondLst>
+                                  <p:childTnLst>
+                                    <p:set>
+                                      <p:cBhvr>
+                                        <p:cTn id="10" dur="1" fill="hold">
+                                          <p:stCondLst>
+                                            <p:cond delay="0"/>
+                                          </p:stCondLst>
+                                        </p:cTn>
+                                        <p:tgtEl>
+                                          <p:spTgt spid="3">
+                                            <p:txEl>
+                                              <p:pRg st="1" end="1"/>
+                                            </p:txEl>
+                                          </p:spTgt>
+                                        </p:tgtEl>
+                                        <p:attrNameLst>
+                                          <p:attrName>style.visibility</p:attrName>
+                                        </p:attrNameLst>
+                                      </p:cBhvr>
+                                      <p:to>
+                                        <p:strVal val="visible"/>
+                                      </p:to>
+                                    </p:set>
+                                  </p:childTnLst>
+                                  <p:subTnLst>
+                                    <p:animClr clrSpc="rgb" dir="cw">
+                                      <p:cBhvr override="childStyle">
+                                        <p:cTn dur="1" fill="hold" display="0" masterRel="nextClick" afterEffect="1"/>
+                                        <p:tgtEl>
+                                          <p:spTgt spid="3">
+                                            <p:txEl>
+                                              <p:pRg st="1" end="1"/>
+                                            </p:txEl>
+                                          </p:spTgt>
+                                        </p:tgtEl>
+                                        <p:attrNameLst>
+                                          <p:attrName>ppt_c</p:attrName>
+                                        </p:attrNameLst>
+                                      </p:cBhvr>
+                                      <p:to>
+                                        <a:schemeClr val="tx2"/>
+                                      </p:to>
+                                    </p:animClr>
+                                  </p:subTnLst>
+                                </p:cTn>
+                              </p:par>
+                            </p:childTnLst>
+                          </p:cTn>
+                        </p:par>
+                      </p:childTnLst>
+                    </p:cTn>
+                  </p:par>
+                  <p:par>
+                    <p:cTn id="11" fill="hold">
+                      <p:stCondLst>
+                        <p:cond delay="indefinite"/>
+                      </p:stCondLst>
+                      <p:childTnLst>
+                        <p:par>
+                          <p:cTn id="12" fill="hold">
+                            <p:stCondLst>
+                              <p:cond delay="0"/>
+                            </p:stCondLst>
+                            <p:childTnLst>
+                              <p:par>
+                                <p:cTn id="13" presetID="1" presetClass="entr" presetSubtype="0" fill="hold" nodeType="clickEffect">
+                                  <p:stCondLst>
+                                    <p:cond delay="0"/>
+                                  </p:stCondLst>
+                                  <p:childTnLst>
+                                    <p:set>
+                                      <p:cBhvr>
+                                        <p:cTn id="14" dur="1" fill="hold">
+                                          <p:stCondLst>
+                                            <p:cond delay="0"/>
+                                          </p:stCondLst>
+                                        </p:cTn>
+                                        <p:tgtEl>
+                                          <p:spTgt spid="3">
+                                            <p:txEl>
+                                              <p:pRg st="2" end="2"/>
+                                            </p:txEl>
+                                          </p:spTgt>
+                                        </p:tgtEl>
+                                        <p:attrNameLst>
+                                          <p:attrName>style.visibility</p:attrName>
+                                        </p:attrNameLst>
+                                      </p:cBhvr>
+                                      <p:to>
+                                        <p:strVal val="visible"/>
+                                      </p:to>
+                                    </p:set>
+                                  </p:childTnLst>
+                                  <p:subTnLst>
+                                    <p:animClr clrSpc="rgb" dir="cw">
+                                      <p:cBhvr override="childStyle">
+                                        <p:cTn dur="1" fill="hold" display="0" masterRel="nextClick" afterEffect="1"/>
+                                        <p:tgtEl>
+                                          <p:spTgt spid="3">
+                                            <p:txEl>
+                                              <p:pRg st="2" end="2"/>
+                                            </p:txEl>
+                                          </p:spTgt>
+                                        </p:tgtEl>
+                                        <p:attrNameLst>
+                                          <p:attrName>ppt_c</p:attrName>
+                                        </p:attrNameLst>
+                                      </p:cBhvr>
+                                      <p:to>
+                                        <a:schemeClr val="tx2"/>
+                                      </p:to>
+                                    </p:animClr>
+                                  </p:subTnLst>
+                                </p:cTn>
+                              </p:par>
+                            </p:childTnLst>
+                          </p:cTn>
+                        </p:par>
+                      </p:childTnLst>
+                    </p:cTn>
+                  </p:par>
+                </p:childTnLst>
+              </p:cTn>
+              <p:prevCondLst>
+                <p:cond evt="onPrev" delay="0">
+                  <p:tgtEl>
+                    <p:sldTgt/>
+                  </p:tgtEl>
+                </p:cond>
+              </p:prevCondLst>
+              <p:nextCondLst>
+                <p:cond evt="onNext" delay="0">
+                  <p:tgtEl>
+                    <p:sldTgt/>
+                  </p:tgtEl>
+                </p:cond>
+              </p:nextCondLst>
+            </p:seq>
+          </p:childTnLst>
+        </p:cTn>
+      </p:par>
+    </p:tnLst>
+  </p:timing>
 </p:sld>
 </file>
 
@@ -17664,7 +17927,9 @@
         </p:nvSpPr>
         <p:spPr/>
         <p:txBody>
-          <a:bodyPr/>
+          <a:bodyPr>
+            <a:normAutofit/>
+          </a:bodyPr>
           <a:lstStyle/>
           <a:p>
             <a:r>
@@ -17687,7 +17952,13 @@
           <a:p>
             <a:r>
               <a:rPr lang="en-US" dirty="0"/>
-              <a:t>Likelihood would be the product of the model’s predicted probability of every event  </a:t>
+              <a:t>Since the probability of two independent events happing it equal to their product</a:t>
+            </a:r>
+          </a:p>
+          <a:p>
+            <a:r>
+              <a:rPr lang="en-US" dirty="0"/>
+              <a:t>Likelihood would be the product of the model’s predicted probability of every event (choice) </a:t>
             </a:r>
           </a:p>
         </p:txBody>
@@ -17702,10 +17973,1177 @@
   <p:clrMapOvr>
     <a:masterClrMapping/>
   </p:clrMapOvr>
+  <p:timing>
+    <p:tnLst>
+      <p:par>
+        <p:cTn id="1" dur="indefinite" restart="never" nodeType="tmRoot">
+          <p:childTnLst>
+            <p:seq concurrent="1" nextAc="seek">
+              <p:cTn id="2" dur="indefinite" nodeType="mainSeq">
+                <p:childTnLst>
+                  <p:par>
+                    <p:cTn id="3" fill="hold">
+                      <p:stCondLst>
+                        <p:cond delay="indefinite"/>
+                      </p:stCondLst>
+                      <p:childTnLst>
+                        <p:par>
+                          <p:cTn id="4" fill="hold">
+                            <p:stCondLst>
+                              <p:cond delay="0"/>
+                            </p:stCondLst>
+                            <p:childTnLst>
+                              <p:par>
+                                <p:cTn id="5" presetID="1" presetClass="entr" presetSubtype="0" fill="hold" nodeType="clickEffect">
+                                  <p:stCondLst>
+                                    <p:cond delay="0"/>
+                                  </p:stCondLst>
+                                  <p:childTnLst>
+                                    <p:set>
+                                      <p:cBhvr>
+                                        <p:cTn id="6" dur="1" fill="hold">
+                                          <p:stCondLst>
+                                            <p:cond delay="0"/>
+                                          </p:stCondLst>
+                                        </p:cTn>
+                                        <p:tgtEl>
+                                          <p:spTgt spid="5">
+                                            <p:txEl>
+                                              <p:pRg st="0" end="0"/>
+                                            </p:txEl>
+                                          </p:spTgt>
+                                        </p:tgtEl>
+                                        <p:attrNameLst>
+                                          <p:attrName>style.visibility</p:attrName>
+                                        </p:attrNameLst>
+                                      </p:cBhvr>
+                                      <p:to>
+                                        <p:strVal val="visible"/>
+                                      </p:to>
+                                    </p:set>
+                                  </p:childTnLst>
+                                  <p:subTnLst>
+                                    <p:animClr clrSpc="rgb" dir="cw">
+                                      <p:cBhvr override="childStyle">
+                                        <p:cTn dur="1" fill="hold" display="0" masterRel="nextClick" afterEffect="1"/>
+                                        <p:tgtEl>
+                                          <p:spTgt spid="5">
+                                            <p:txEl>
+                                              <p:pRg st="0" end="0"/>
+                                            </p:txEl>
+                                          </p:spTgt>
+                                        </p:tgtEl>
+                                        <p:attrNameLst>
+                                          <p:attrName>ppt_c</p:attrName>
+                                        </p:attrNameLst>
+                                      </p:cBhvr>
+                                      <p:to>
+                                        <a:schemeClr val="tx2"/>
+                                      </p:to>
+                                    </p:animClr>
+                                  </p:subTnLst>
+                                </p:cTn>
+                              </p:par>
+                            </p:childTnLst>
+                          </p:cTn>
+                        </p:par>
+                      </p:childTnLst>
+                    </p:cTn>
+                  </p:par>
+                  <p:par>
+                    <p:cTn id="7" fill="hold">
+                      <p:stCondLst>
+                        <p:cond delay="indefinite"/>
+                      </p:stCondLst>
+                      <p:childTnLst>
+                        <p:par>
+                          <p:cTn id="8" fill="hold">
+                            <p:stCondLst>
+                              <p:cond delay="0"/>
+                            </p:stCondLst>
+                            <p:childTnLst>
+                              <p:par>
+                                <p:cTn id="9" presetID="1" presetClass="entr" presetSubtype="0" fill="hold" nodeType="clickEffect">
+                                  <p:stCondLst>
+                                    <p:cond delay="0"/>
+                                  </p:stCondLst>
+                                  <p:childTnLst>
+                                    <p:set>
+                                      <p:cBhvr>
+                                        <p:cTn id="10" dur="1" fill="hold">
+                                          <p:stCondLst>
+                                            <p:cond delay="0"/>
+                                          </p:stCondLst>
+                                        </p:cTn>
+                                        <p:tgtEl>
+                                          <p:spTgt spid="5">
+                                            <p:txEl>
+                                              <p:pRg st="1" end="1"/>
+                                            </p:txEl>
+                                          </p:spTgt>
+                                        </p:tgtEl>
+                                        <p:attrNameLst>
+                                          <p:attrName>style.visibility</p:attrName>
+                                        </p:attrNameLst>
+                                      </p:cBhvr>
+                                      <p:to>
+                                        <p:strVal val="visible"/>
+                                      </p:to>
+                                    </p:set>
+                                  </p:childTnLst>
+                                  <p:subTnLst>
+                                    <p:animClr clrSpc="rgb" dir="cw">
+                                      <p:cBhvr override="childStyle">
+                                        <p:cTn dur="1" fill="hold" display="0" masterRel="nextClick" afterEffect="1"/>
+                                        <p:tgtEl>
+                                          <p:spTgt spid="5">
+                                            <p:txEl>
+                                              <p:pRg st="1" end="1"/>
+                                            </p:txEl>
+                                          </p:spTgt>
+                                        </p:tgtEl>
+                                        <p:attrNameLst>
+                                          <p:attrName>ppt_c</p:attrName>
+                                        </p:attrNameLst>
+                                      </p:cBhvr>
+                                      <p:to>
+                                        <a:schemeClr val="tx2"/>
+                                      </p:to>
+                                    </p:animClr>
+                                  </p:subTnLst>
+                                </p:cTn>
+                              </p:par>
+                            </p:childTnLst>
+                          </p:cTn>
+                        </p:par>
+                      </p:childTnLst>
+                    </p:cTn>
+                  </p:par>
+                  <p:par>
+                    <p:cTn id="11" fill="hold">
+                      <p:stCondLst>
+                        <p:cond delay="indefinite"/>
+                      </p:stCondLst>
+                      <p:childTnLst>
+                        <p:par>
+                          <p:cTn id="12" fill="hold">
+                            <p:stCondLst>
+                              <p:cond delay="0"/>
+                            </p:stCondLst>
+                            <p:childTnLst>
+                              <p:par>
+                                <p:cTn id="13" presetID="1" presetClass="entr" presetSubtype="0" fill="hold" nodeType="clickEffect">
+                                  <p:stCondLst>
+                                    <p:cond delay="0"/>
+                                  </p:stCondLst>
+                                  <p:childTnLst>
+                                    <p:set>
+                                      <p:cBhvr>
+                                        <p:cTn id="14" dur="1" fill="hold">
+                                          <p:stCondLst>
+                                            <p:cond delay="0"/>
+                                          </p:stCondLst>
+                                        </p:cTn>
+                                        <p:tgtEl>
+                                          <p:spTgt spid="5">
+                                            <p:txEl>
+                                              <p:pRg st="2" end="2"/>
+                                            </p:txEl>
+                                          </p:spTgt>
+                                        </p:tgtEl>
+                                        <p:attrNameLst>
+                                          <p:attrName>style.visibility</p:attrName>
+                                        </p:attrNameLst>
+                                      </p:cBhvr>
+                                      <p:to>
+                                        <p:strVal val="visible"/>
+                                      </p:to>
+                                    </p:set>
+                                  </p:childTnLst>
+                                  <p:subTnLst>
+                                    <p:animClr clrSpc="rgb" dir="cw">
+                                      <p:cBhvr override="childStyle">
+                                        <p:cTn dur="1" fill="hold" display="0" masterRel="nextClick" afterEffect="1"/>
+                                        <p:tgtEl>
+                                          <p:spTgt spid="5">
+                                            <p:txEl>
+                                              <p:pRg st="2" end="2"/>
+                                            </p:txEl>
+                                          </p:spTgt>
+                                        </p:tgtEl>
+                                        <p:attrNameLst>
+                                          <p:attrName>ppt_c</p:attrName>
+                                        </p:attrNameLst>
+                                      </p:cBhvr>
+                                      <p:to>
+                                        <a:schemeClr val="tx2"/>
+                                      </p:to>
+                                    </p:animClr>
+                                  </p:subTnLst>
+                                </p:cTn>
+                              </p:par>
+                            </p:childTnLst>
+                          </p:cTn>
+                        </p:par>
+                      </p:childTnLst>
+                    </p:cTn>
+                  </p:par>
+                  <p:par>
+                    <p:cTn id="15" fill="hold">
+                      <p:stCondLst>
+                        <p:cond delay="indefinite"/>
+                      </p:stCondLst>
+                      <p:childTnLst>
+                        <p:par>
+                          <p:cTn id="16" fill="hold">
+                            <p:stCondLst>
+                              <p:cond delay="0"/>
+                            </p:stCondLst>
+                            <p:childTnLst>
+                              <p:par>
+                                <p:cTn id="17" presetID="1" presetClass="entr" presetSubtype="0" fill="hold" nodeType="clickEffect">
+                                  <p:stCondLst>
+                                    <p:cond delay="0"/>
+                                  </p:stCondLst>
+                                  <p:childTnLst>
+                                    <p:set>
+                                      <p:cBhvr>
+                                        <p:cTn id="18" dur="1" fill="hold">
+                                          <p:stCondLst>
+                                            <p:cond delay="0"/>
+                                          </p:stCondLst>
+                                        </p:cTn>
+                                        <p:tgtEl>
+                                          <p:spTgt spid="5">
+                                            <p:txEl>
+                                              <p:pRg st="3" end="3"/>
+                                            </p:txEl>
+                                          </p:spTgt>
+                                        </p:tgtEl>
+                                        <p:attrNameLst>
+                                          <p:attrName>style.visibility</p:attrName>
+                                        </p:attrNameLst>
+                                      </p:cBhvr>
+                                      <p:to>
+                                        <p:strVal val="visible"/>
+                                      </p:to>
+                                    </p:set>
+                                  </p:childTnLst>
+                                  <p:subTnLst>
+                                    <p:animClr clrSpc="rgb" dir="cw">
+                                      <p:cBhvr override="childStyle">
+                                        <p:cTn dur="1" fill="hold" display="0" masterRel="nextClick" afterEffect="1"/>
+                                        <p:tgtEl>
+                                          <p:spTgt spid="5">
+                                            <p:txEl>
+                                              <p:pRg st="3" end="3"/>
+                                            </p:txEl>
+                                          </p:spTgt>
+                                        </p:tgtEl>
+                                        <p:attrNameLst>
+                                          <p:attrName>ppt_c</p:attrName>
+                                        </p:attrNameLst>
+                                      </p:cBhvr>
+                                      <p:to>
+                                        <a:schemeClr val="tx2"/>
+                                      </p:to>
+                                    </p:animClr>
+                                  </p:subTnLst>
+                                </p:cTn>
+                              </p:par>
+                            </p:childTnLst>
+                          </p:cTn>
+                        </p:par>
+                      </p:childTnLst>
+                    </p:cTn>
+                  </p:par>
+                  <p:par>
+                    <p:cTn id="19" fill="hold">
+                      <p:stCondLst>
+                        <p:cond delay="indefinite"/>
+                      </p:stCondLst>
+                      <p:childTnLst>
+                        <p:par>
+                          <p:cTn id="20" fill="hold">
+                            <p:stCondLst>
+                              <p:cond delay="0"/>
+                            </p:stCondLst>
+                            <p:childTnLst>
+                              <p:par>
+                                <p:cTn id="21" presetID="1" presetClass="entr" presetSubtype="0" fill="hold" nodeType="clickEffect">
+                                  <p:stCondLst>
+                                    <p:cond delay="0"/>
+                                  </p:stCondLst>
+                                  <p:childTnLst>
+                                    <p:set>
+                                      <p:cBhvr>
+                                        <p:cTn id="22" dur="1" fill="hold">
+                                          <p:stCondLst>
+                                            <p:cond delay="0"/>
+                                          </p:stCondLst>
+                                        </p:cTn>
+                                        <p:tgtEl>
+                                          <p:spTgt spid="5">
+                                            <p:txEl>
+                                              <p:pRg st="4" end="4"/>
+                                            </p:txEl>
+                                          </p:spTgt>
+                                        </p:tgtEl>
+                                        <p:attrNameLst>
+                                          <p:attrName>style.visibility</p:attrName>
+                                        </p:attrNameLst>
+                                      </p:cBhvr>
+                                      <p:to>
+                                        <p:strVal val="visible"/>
+                                      </p:to>
+                                    </p:set>
+                                  </p:childTnLst>
+                                  <p:subTnLst>
+                                    <p:animClr clrSpc="rgb" dir="cw">
+                                      <p:cBhvr override="childStyle">
+                                        <p:cTn dur="1" fill="hold" display="0" masterRel="nextClick" afterEffect="1"/>
+                                        <p:tgtEl>
+                                          <p:spTgt spid="5">
+                                            <p:txEl>
+                                              <p:pRg st="4" end="4"/>
+                                            </p:txEl>
+                                          </p:spTgt>
+                                        </p:tgtEl>
+                                        <p:attrNameLst>
+                                          <p:attrName>ppt_c</p:attrName>
+                                        </p:attrNameLst>
+                                      </p:cBhvr>
+                                      <p:to>
+                                        <a:schemeClr val="tx2"/>
+                                      </p:to>
+                                    </p:animClr>
+                                  </p:subTnLst>
+                                </p:cTn>
+                              </p:par>
+                            </p:childTnLst>
+                          </p:cTn>
+                        </p:par>
+                      </p:childTnLst>
+                    </p:cTn>
+                  </p:par>
+                </p:childTnLst>
+              </p:cTn>
+              <p:prevCondLst>
+                <p:cond evt="onPrev" delay="0">
+                  <p:tgtEl>
+                    <p:sldTgt/>
+                  </p:tgtEl>
+                </p:cond>
+              </p:prevCondLst>
+              <p:nextCondLst>
+                <p:cond evt="onNext" delay="0">
+                  <p:tgtEl>
+                    <p:sldTgt/>
+                  </p:tgtEl>
+                </p:cond>
+              </p:nextCondLst>
+            </p:seq>
+          </p:childTnLst>
+        </p:cTn>
+      </p:par>
+    </p:tnLst>
+  </p:timing>
 </p:sld>
 </file>
 
 <file path=ppt/slides/slide27.xml><?xml version="1.0" encoding="utf-8"?>
+<p:sld xmlns:a="http://schemas.openxmlformats.org/drawingml/2006/main" xmlns:r="http://schemas.openxmlformats.org/officeDocument/2006/relationships" xmlns:p="http://schemas.openxmlformats.org/presentationml/2006/main">
+  <p:cSld>
+    <p:spTree>
+      <p:nvGrpSpPr>
+        <p:cNvPr id="1" name=""/>
+        <p:cNvGrpSpPr/>
+        <p:nvPr/>
+      </p:nvGrpSpPr>
+      <p:grpSpPr>
+        <a:xfrm>
+          <a:off x="0" y="0"/>
+          <a:ext cx="0" cy="0"/>
+          <a:chOff x="0" y="0"/>
+          <a:chExt cx="0" cy="0"/>
+        </a:xfrm>
+      </p:grpSpPr>
+      <p:sp>
+        <p:nvSpPr>
+          <p:cNvPr id="4" name="Title 3"/>
+          <p:cNvSpPr>
+            <a:spLocks noGrp="1"/>
+          </p:cNvSpPr>
+          <p:nvPr>
+            <p:ph type="title"/>
+          </p:nvPr>
+        </p:nvSpPr>
+        <p:spPr/>
+        <p:txBody>
+          <a:bodyPr/>
+          <a:lstStyle/>
+          <a:p>
+            <a:r>
+              <a:rPr lang="en-US" dirty="0"/>
+              <a:t>Likelihood</a:t>
+            </a:r>
+          </a:p>
+        </p:txBody>
+      </p:sp>
+      <p:sp>
+        <p:nvSpPr>
+          <p:cNvPr id="5" name="Content Placeholder 4"/>
+          <p:cNvSpPr>
+            <a:spLocks noGrp="1"/>
+          </p:cNvSpPr>
+          <p:nvPr>
+            <p:ph idx="1"/>
+          </p:nvPr>
+        </p:nvSpPr>
+        <p:spPr/>
+        <p:txBody>
+          <a:bodyPr>
+            <a:normAutofit fontScale="92500" lnSpcReduction="10000"/>
+          </a:bodyPr>
+          <a:lstStyle/>
+          <a:p>
+            <a:r>
+              <a:rPr lang="en-US" dirty="0"/>
+              <a:t>For example: if the model predicts for a certain parameterization, p(Risky) is 0.7 for a given stimulus seen 10 times</a:t>
+            </a:r>
+          </a:p>
+          <a:p>
+            <a:r>
+              <a:rPr lang="en-US" dirty="0"/>
+              <a:t>And their choices are R, C, R, R, C, R, C, R, R, R,</a:t>
+            </a:r>
+          </a:p>
+          <a:p>
+            <a:r>
+              <a:rPr lang="en-US" dirty="0"/>
+              <a:t>Then the probability the model was right in predicting the behavior is:</a:t>
+            </a:r>
+          </a:p>
+          <a:p>
+            <a:pPr lvl="1"/>
+            <a:r>
+              <a:rPr lang="en-US" dirty="0"/>
+              <a:t>0.7* (1 - 0.7) * 0.7 * 0.7 * (1 - 0.7) * 0.7 * (1 - 0.7) * 0.7 * 0.7 *0.7</a:t>
+            </a:r>
+          </a:p>
+          <a:p>
+            <a:r>
+              <a:rPr lang="en-US" dirty="0"/>
+              <a:t>The BIGGER this number is, the more likely it is that your parameter estimates are right</a:t>
+            </a:r>
+          </a:p>
+          <a:p>
+            <a:pPr lvl="1"/>
+            <a:r>
+              <a:rPr lang="en-US" dirty="0"/>
+              <a:t>0.0004782969 (predicted p(Risky) = 0.9)</a:t>
+            </a:r>
+          </a:p>
+          <a:p>
+            <a:pPr lvl="1"/>
+            <a:r>
+              <a:rPr lang="en-US" dirty="0"/>
+              <a:t>0.002223566 (predicted p(Risky) = 0.7)</a:t>
+            </a:r>
+          </a:p>
+          <a:p>
+            <a:pPr lvl="1"/>
+            <a:r>
+              <a:rPr lang="en-US" dirty="0"/>
+              <a:t>0.0009765625 (predicted p(Risky) = 0.5)</a:t>
+            </a:r>
+          </a:p>
+          <a:p>
+            <a:pPr lvl="1"/>
+            <a:r>
+              <a:rPr lang="en-US" dirty="0"/>
+              <a:t>7.29e-08 (predicted p(Risky) = 0.1)</a:t>
+            </a:r>
+          </a:p>
+          <a:p>
+            <a:pPr marL="457200" lvl="1" indent="0">
+              <a:buNone/>
+            </a:pPr>
+            <a:endParaRPr lang="en-US" dirty="0"/>
+          </a:p>
+          <a:p>
+            <a:pPr marL="0" indent="0">
+              <a:buNone/>
+            </a:pPr>
+            <a:endParaRPr lang="en-US" dirty="0"/>
+          </a:p>
+        </p:txBody>
+      </p:sp>
+    </p:spTree>
+    <p:extLst>
+      <p:ext uri="{BB962C8B-B14F-4D97-AF65-F5344CB8AC3E}">
+        <p14:creationId xmlns:p14="http://schemas.microsoft.com/office/powerpoint/2010/main" val="3598679678"/>
+      </p:ext>
+    </p:extLst>
+  </p:cSld>
+  <p:clrMapOvr>
+    <a:masterClrMapping/>
+  </p:clrMapOvr>
+  <p:timing>
+    <p:tnLst>
+      <p:par>
+        <p:cTn id="1" dur="indefinite" restart="never" nodeType="tmRoot">
+          <p:childTnLst>
+            <p:seq concurrent="1" nextAc="seek">
+              <p:cTn id="2" dur="indefinite" nodeType="mainSeq">
+                <p:childTnLst>
+                  <p:par>
+                    <p:cTn id="3" fill="hold">
+                      <p:stCondLst>
+                        <p:cond delay="indefinite"/>
+                      </p:stCondLst>
+                      <p:childTnLst>
+                        <p:par>
+                          <p:cTn id="4" fill="hold">
+                            <p:stCondLst>
+                              <p:cond delay="0"/>
+                            </p:stCondLst>
+                            <p:childTnLst>
+                              <p:par>
+                                <p:cTn id="5" presetID="1" presetClass="entr" presetSubtype="0" fill="hold" nodeType="clickEffect">
+                                  <p:stCondLst>
+                                    <p:cond delay="0"/>
+                                  </p:stCondLst>
+                                  <p:childTnLst>
+                                    <p:set>
+                                      <p:cBhvr>
+                                        <p:cTn id="6" dur="1" fill="hold">
+                                          <p:stCondLst>
+                                            <p:cond delay="0"/>
+                                          </p:stCondLst>
+                                        </p:cTn>
+                                        <p:tgtEl>
+                                          <p:spTgt spid="5">
+                                            <p:txEl>
+                                              <p:pRg st="0" end="0"/>
+                                            </p:txEl>
+                                          </p:spTgt>
+                                        </p:tgtEl>
+                                        <p:attrNameLst>
+                                          <p:attrName>style.visibility</p:attrName>
+                                        </p:attrNameLst>
+                                      </p:cBhvr>
+                                      <p:to>
+                                        <p:strVal val="visible"/>
+                                      </p:to>
+                                    </p:set>
+                                  </p:childTnLst>
+                                  <p:subTnLst>
+                                    <p:animClr clrSpc="rgb" dir="cw">
+                                      <p:cBhvr override="childStyle">
+                                        <p:cTn dur="1" fill="hold" display="0" masterRel="nextClick" afterEffect="1"/>
+                                        <p:tgtEl>
+                                          <p:spTgt spid="5">
+                                            <p:txEl>
+                                              <p:pRg st="0" end="0"/>
+                                            </p:txEl>
+                                          </p:spTgt>
+                                        </p:tgtEl>
+                                        <p:attrNameLst>
+                                          <p:attrName>ppt_c</p:attrName>
+                                        </p:attrNameLst>
+                                      </p:cBhvr>
+                                      <p:to>
+                                        <a:schemeClr val="tx2"/>
+                                      </p:to>
+                                    </p:animClr>
+                                  </p:subTnLst>
+                                </p:cTn>
+                              </p:par>
+                            </p:childTnLst>
+                          </p:cTn>
+                        </p:par>
+                      </p:childTnLst>
+                    </p:cTn>
+                  </p:par>
+                  <p:par>
+                    <p:cTn id="7" fill="hold">
+                      <p:stCondLst>
+                        <p:cond delay="indefinite"/>
+                      </p:stCondLst>
+                      <p:childTnLst>
+                        <p:par>
+                          <p:cTn id="8" fill="hold">
+                            <p:stCondLst>
+                              <p:cond delay="0"/>
+                            </p:stCondLst>
+                            <p:childTnLst>
+                              <p:par>
+                                <p:cTn id="9" presetID="1" presetClass="entr" presetSubtype="0" fill="hold" nodeType="clickEffect">
+                                  <p:stCondLst>
+                                    <p:cond delay="0"/>
+                                  </p:stCondLst>
+                                  <p:childTnLst>
+                                    <p:set>
+                                      <p:cBhvr>
+                                        <p:cTn id="10" dur="1" fill="hold">
+                                          <p:stCondLst>
+                                            <p:cond delay="0"/>
+                                          </p:stCondLst>
+                                        </p:cTn>
+                                        <p:tgtEl>
+                                          <p:spTgt spid="5">
+                                            <p:txEl>
+                                              <p:pRg st="1" end="1"/>
+                                            </p:txEl>
+                                          </p:spTgt>
+                                        </p:tgtEl>
+                                        <p:attrNameLst>
+                                          <p:attrName>style.visibility</p:attrName>
+                                        </p:attrNameLst>
+                                      </p:cBhvr>
+                                      <p:to>
+                                        <p:strVal val="visible"/>
+                                      </p:to>
+                                    </p:set>
+                                  </p:childTnLst>
+                                  <p:subTnLst>
+                                    <p:animClr clrSpc="rgb" dir="cw">
+                                      <p:cBhvr override="childStyle">
+                                        <p:cTn dur="1" fill="hold" display="0" masterRel="nextClick" afterEffect="1"/>
+                                        <p:tgtEl>
+                                          <p:spTgt spid="5">
+                                            <p:txEl>
+                                              <p:pRg st="1" end="1"/>
+                                            </p:txEl>
+                                          </p:spTgt>
+                                        </p:tgtEl>
+                                        <p:attrNameLst>
+                                          <p:attrName>ppt_c</p:attrName>
+                                        </p:attrNameLst>
+                                      </p:cBhvr>
+                                      <p:to>
+                                        <a:schemeClr val="tx2"/>
+                                      </p:to>
+                                    </p:animClr>
+                                  </p:subTnLst>
+                                </p:cTn>
+                              </p:par>
+                            </p:childTnLst>
+                          </p:cTn>
+                        </p:par>
+                      </p:childTnLst>
+                    </p:cTn>
+                  </p:par>
+                  <p:par>
+                    <p:cTn id="11" fill="hold">
+                      <p:stCondLst>
+                        <p:cond delay="indefinite"/>
+                      </p:stCondLst>
+                      <p:childTnLst>
+                        <p:par>
+                          <p:cTn id="12" fill="hold">
+                            <p:stCondLst>
+                              <p:cond delay="0"/>
+                            </p:stCondLst>
+                            <p:childTnLst>
+                              <p:par>
+                                <p:cTn id="13" presetID="1" presetClass="entr" presetSubtype="0" fill="hold" nodeType="clickEffect">
+                                  <p:stCondLst>
+                                    <p:cond delay="0"/>
+                                  </p:stCondLst>
+                                  <p:childTnLst>
+                                    <p:set>
+                                      <p:cBhvr>
+                                        <p:cTn id="14" dur="1" fill="hold">
+                                          <p:stCondLst>
+                                            <p:cond delay="0"/>
+                                          </p:stCondLst>
+                                        </p:cTn>
+                                        <p:tgtEl>
+                                          <p:spTgt spid="5">
+                                            <p:txEl>
+                                              <p:pRg st="2" end="2"/>
+                                            </p:txEl>
+                                          </p:spTgt>
+                                        </p:tgtEl>
+                                        <p:attrNameLst>
+                                          <p:attrName>style.visibility</p:attrName>
+                                        </p:attrNameLst>
+                                      </p:cBhvr>
+                                      <p:to>
+                                        <p:strVal val="visible"/>
+                                      </p:to>
+                                    </p:set>
+                                  </p:childTnLst>
+                                  <p:subTnLst>
+                                    <p:animClr clrSpc="rgb" dir="cw">
+                                      <p:cBhvr override="childStyle">
+                                        <p:cTn dur="1" fill="hold" display="0" masterRel="nextClick" afterEffect="1"/>
+                                        <p:tgtEl>
+                                          <p:spTgt spid="5">
+                                            <p:txEl>
+                                              <p:pRg st="2" end="2"/>
+                                            </p:txEl>
+                                          </p:spTgt>
+                                        </p:tgtEl>
+                                        <p:attrNameLst>
+                                          <p:attrName>ppt_c</p:attrName>
+                                        </p:attrNameLst>
+                                      </p:cBhvr>
+                                      <p:to>
+                                        <a:schemeClr val="tx2"/>
+                                      </p:to>
+                                    </p:animClr>
+                                  </p:subTnLst>
+                                </p:cTn>
+                              </p:par>
+                            </p:childTnLst>
+                          </p:cTn>
+                        </p:par>
+                      </p:childTnLst>
+                    </p:cTn>
+                  </p:par>
+                  <p:par>
+                    <p:cTn id="15" fill="hold">
+                      <p:stCondLst>
+                        <p:cond delay="indefinite"/>
+                      </p:stCondLst>
+                      <p:childTnLst>
+                        <p:par>
+                          <p:cTn id="16" fill="hold">
+                            <p:stCondLst>
+                              <p:cond delay="0"/>
+                            </p:stCondLst>
+                            <p:childTnLst>
+                              <p:par>
+                                <p:cTn id="17" presetID="1" presetClass="entr" presetSubtype="0" fill="hold" nodeType="clickEffect">
+                                  <p:stCondLst>
+                                    <p:cond delay="0"/>
+                                  </p:stCondLst>
+                                  <p:childTnLst>
+                                    <p:set>
+                                      <p:cBhvr>
+                                        <p:cTn id="18" dur="1" fill="hold">
+                                          <p:stCondLst>
+                                            <p:cond delay="0"/>
+                                          </p:stCondLst>
+                                        </p:cTn>
+                                        <p:tgtEl>
+                                          <p:spTgt spid="5">
+                                            <p:txEl>
+                                              <p:pRg st="3" end="3"/>
+                                            </p:txEl>
+                                          </p:spTgt>
+                                        </p:tgtEl>
+                                        <p:attrNameLst>
+                                          <p:attrName>style.visibility</p:attrName>
+                                        </p:attrNameLst>
+                                      </p:cBhvr>
+                                      <p:to>
+                                        <p:strVal val="visible"/>
+                                      </p:to>
+                                    </p:set>
+                                  </p:childTnLst>
+                                  <p:subTnLst>
+                                    <p:animClr clrSpc="rgb" dir="cw">
+                                      <p:cBhvr override="childStyle">
+                                        <p:cTn dur="1" fill="hold" display="0" masterRel="nextClick" afterEffect="1"/>
+                                        <p:tgtEl>
+                                          <p:spTgt spid="5">
+                                            <p:txEl>
+                                              <p:pRg st="3" end="3"/>
+                                            </p:txEl>
+                                          </p:spTgt>
+                                        </p:tgtEl>
+                                        <p:attrNameLst>
+                                          <p:attrName>ppt_c</p:attrName>
+                                        </p:attrNameLst>
+                                      </p:cBhvr>
+                                      <p:to>
+                                        <a:schemeClr val="tx2"/>
+                                      </p:to>
+                                    </p:animClr>
+                                  </p:subTnLst>
+                                </p:cTn>
+                              </p:par>
+                            </p:childTnLst>
+                          </p:cTn>
+                        </p:par>
+                      </p:childTnLst>
+                    </p:cTn>
+                  </p:par>
+                  <p:par>
+                    <p:cTn id="19" fill="hold">
+                      <p:stCondLst>
+                        <p:cond delay="indefinite"/>
+                      </p:stCondLst>
+                      <p:childTnLst>
+                        <p:par>
+                          <p:cTn id="20" fill="hold">
+                            <p:stCondLst>
+                              <p:cond delay="0"/>
+                            </p:stCondLst>
+                            <p:childTnLst>
+                              <p:par>
+                                <p:cTn id="21" presetID="1" presetClass="entr" presetSubtype="0" fill="hold" nodeType="clickEffect">
+                                  <p:stCondLst>
+                                    <p:cond delay="0"/>
+                                  </p:stCondLst>
+                                  <p:childTnLst>
+                                    <p:set>
+                                      <p:cBhvr>
+                                        <p:cTn id="22" dur="1" fill="hold">
+                                          <p:stCondLst>
+                                            <p:cond delay="0"/>
+                                          </p:stCondLst>
+                                        </p:cTn>
+                                        <p:tgtEl>
+                                          <p:spTgt spid="5">
+                                            <p:txEl>
+                                              <p:pRg st="4" end="4"/>
+                                            </p:txEl>
+                                          </p:spTgt>
+                                        </p:tgtEl>
+                                        <p:attrNameLst>
+                                          <p:attrName>style.visibility</p:attrName>
+                                        </p:attrNameLst>
+                                      </p:cBhvr>
+                                      <p:to>
+                                        <p:strVal val="visible"/>
+                                      </p:to>
+                                    </p:set>
+                                  </p:childTnLst>
+                                  <p:subTnLst>
+                                    <p:animClr clrSpc="rgb" dir="cw">
+                                      <p:cBhvr override="childStyle">
+                                        <p:cTn dur="1" fill="hold" display="0" masterRel="nextClick" afterEffect="1"/>
+                                        <p:tgtEl>
+                                          <p:spTgt spid="5">
+                                            <p:txEl>
+                                              <p:pRg st="4" end="4"/>
+                                            </p:txEl>
+                                          </p:spTgt>
+                                        </p:tgtEl>
+                                        <p:attrNameLst>
+                                          <p:attrName>ppt_c</p:attrName>
+                                        </p:attrNameLst>
+                                      </p:cBhvr>
+                                      <p:to>
+                                        <a:schemeClr val="tx2"/>
+                                      </p:to>
+                                    </p:animClr>
+                                  </p:subTnLst>
+                                </p:cTn>
+                              </p:par>
+                            </p:childTnLst>
+                          </p:cTn>
+                        </p:par>
+                      </p:childTnLst>
+                    </p:cTn>
+                  </p:par>
+                  <p:par>
+                    <p:cTn id="23" fill="hold">
+                      <p:stCondLst>
+                        <p:cond delay="indefinite"/>
+                      </p:stCondLst>
+                      <p:childTnLst>
+                        <p:par>
+                          <p:cTn id="24" fill="hold">
+                            <p:stCondLst>
+                              <p:cond delay="0"/>
+                            </p:stCondLst>
+                            <p:childTnLst>
+                              <p:par>
+                                <p:cTn id="25" presetID="1" presetClass="entr" presetSubtype="0" fill="hold" nodeType="clickEffect">
+                                  <p:stCondLst>
+                                    <p:cond delay="0"/>
+                                  </p:stCondLst>
+                                  <p:childTnLst>
+                                    <p:set>
+                                      <p:cBhvr>
+                                        <p:cTn id="26" dur="1" fill="hold">
+                                          <p:stCondLst>
+                                            <p:cond delay="0"/>
+                                          </p:stCondLst>
+                                        </p:cTn>
+                                        <p:tgtEl>
+                                          <p:spTgt spid="5">
+                                            <p:txEl>
+                                              <p:pRg st="5" end="5"/>
+                                            </p:txEl>
+                                          </p:spTgt>
+                                        </p:tgtEl>
+                                        <p:attrNameLst>
+                                          <p:attrName>style.visibility</p:attrName>
+                                        </p:attrNameLst>
+                                      </p:cBhvr>
+                                      <p:to>
+                                        <p:strVal val="visible"/>
+                                      </p:to>
+                                    </p:set>
+                                  </p:childTnLst>
+                                  <p:subTnLst>
+                                    <p:animClr clrSpc="rgb" dir="cw">
+                                      <p:cBhvr override="childStyle">
+                                        <p:cTn dur="1" fill="hold" display="0" masterRel="nextClick" afterEffect="1"/>
+                                        <p:tgtEl>
+                                          <p:spTgt spid="5">
+                                            <p:txEl>
+                                              <p:pRg st="5" end="5"/>
+                                            </p:txEl>
+                                          </p:spTgt>
+                                        </p:tgtEl>
+                                        <p:attrNameLst>
+                                          <p:attrName>ppt_c</p:attrName>
+                                        </p:attrNameLst>
+                                      </p:cBhvr>
+                                      <p:to>
+                                        <a:schemeClr val="tx2"/>
+                                      </p:to>
+                                    </p:animClr>
+                                  </p:subTnLst>
+                                </p:cTn>
+                              </p:par>
+                            </p:childTnLst>
+                          </p:cTn>
+                        </p:par>
+                      </p:childTnLst>
+                    </p:cTn>
+                  </p:par>
+                  <p:par>
+                    <p:cTn id="27" fill="hold">
+                      <p:stCondLst>
+                        <p:cond delay="indefinite"/>
+                      </p:stCondLst>
+                      <p:childTnLst>
+                        <p:par>
+                          <p:cTn id="28" fill="hold">
+                            <p:stCondLst>
+                              <p:cond delay="0"/>
+                            </p:stCondLst>
+                            <p:childTnLst>
+                              <p:par>
+                                <p:cTn id="29" presetID="1" presetClass="entr" presetSubtype="0" fill="hold" nodeType="clickEffect">
+                                  <p:stCondLst>
+                                    <p:cond delay="0"/>
+                                  </p:stCondLst>
+                                  <p:childTnLst>
+                                    <p:set>
+                                      <p:cBhvr>
+                                        <p:cTn id="30" dur="1" fill="hold">
+                                          <p:stCondLst>
+                                            <p:cond delay="0"/>
+                                          </p:stCondLst>
+                                        </p:cTn>
+                                        <p:tgtEl>
+                                          <p:spTgt spid="5">
+                                            <p:txEl>
+                                              <p:pRg st="6" end="6"/>
+                                            </p:txEl>
+                                          </p:spTgt>
+                                        </p:tgtEl>
+                                        <p:attrNameLst>
+                                          <p:attrName>style.visibility</p:attrName>
+                                        </p:attrNameLst>
+                                      </p:cBhvr>
+                                      <p:to>
+                                        <p:strVal val="visible"/>
+                                      </p:to>
+                                    </p:set>
+                                  </p:childTnLst>
+                                  <p:subTnLst>
+                                    <p:animClr clrSpc="rgb" dir="cw">
+                                      <p:cBhvr override="childStyle">
+                                        <p:cTn dur="1" fill="hold" display="0" masterRel="nextClick" afterEffect="1"/>
+                                        <p:tgtEl>
+                                          <p:spTgt spid="5">
+                                            <p:txEl>
+                                              <p:pRg st="6" end="6"/>
+                                            </p:txEl>
+                                          </p:spTgt>
+                                        </p:tgtEl>
+                                        <p:attrNameLst>
+                                          <p:attrName>ppt_c</p:attrName>
+                                        </p:attrNameLst>
+                                      </p:cBhvr>
+                                      <p:to>
+                                        <a:schemeClr val="tx2"/>
+                                      </p:to>
+                                    </p:animClr>
+                                  </p:subTnLst>
+                                </p:cTn>
+                              </p:par>
+                            </p:childTnLst>
+                          </p:cTn>
+                        </p:par>
+                      </p:childTnLst>
+                    </p:cTn>
+                  </p:par>
+                  <p:par>
+                    <p:cTn id="31" fill="hold">
+                      <p:stCondLst>
+                        <p:cond delay="indefinite"/>
+                      </p:stCondLst>
+                      <p:childTnLst>
+                        <p:par>
+                          <p:cTn id="32" fill="hold">
+                            <p:stCondLst>
+                              <p:cond delay="0"/>
+                            </p:stCondLst>
+                            <p:childTnLst>
+                              <p:par>
+                                <p:cTn id="33" presetID="1" presetClass="entr" presetSubtype="0" fill="hold" nodeType="clickEffect">
+                                  <p:stCondLst>
+                                    <p:cond delay="0"/>
+                                  </p:stCondLst>
+                                  <p:childTnLst>
+                                    <p:set>
+                                      <p:cBhvr>
+                                        <p:cTn id="34" dur="1" fill="hold">
+                                          <p:stCondLst>
+                                            <p:cond delay="0"/>
+                                          </p:stCondLst>
+                                        </p:cTn>
+                                        <p:tgtEl>
+                                          <p:spTgt spid="5">
+                                            <p:txEl>
+                                              <p:pRg st="7" end="7"/>
+                                            </p:txEl>
+                                          </p:spTgt>
+                                        </p:tgtEl>
+                                        <p:attrNameLst>
+                                          <p:attrName>style.visibility</p:attrName>
+                                        </p:attrNameLst>
+                                      </p:cBhvr>
+                                      <p:to>
+                                        <p:strVal val="visible"/>
+                                      </p:to>
+                                    </p:set>
+                                  </p:childTnLst>
+                                  <p:subTnLst>
+                                    <p:animClr clrSpc="rgb" dir="cw">
+                                      <p:cBhvr override="childStyle">
+                                        <p:cTn dur="1" fill="hold" display="0" masterRel="nextClick" afterEffect="1"/>
+                                        <p:tgtEl>
+                                          <p:spTgt spid="5">
+                                            <p:txEl>
+                                              <p:pRg st="7" end="7"/>
+                                            </p:txEl>
+                                          </p:spTgt>
+                                        </p:tgtEl>
+                                        <p:attrNameLst>
+                                          <p:attrName>ppt_c</p:attrName>
+                                        </p:attrNameLst>
+                                      </p:cBhvr>
+                                      <p:to>
+                                        <a:schemeClr val="tx2"/>
+                                      </p:to>
+                                    </p:animClr>
+                                  </p:subTnLst>
+                                </p:cTn>
+                              </p:par>
+                            </p:childTnLst>
+                          </p:cTn>
+                        </p:par>
+                      </p:childTnLst>
+                    </p:cTn>
+                  </p:par>
+                  <p:par>
+                    <p:cTn id="35" fill="hold">
+                      <p:stCondLst>
+                        <p:cond delay="indefinite"/>
+                      </p:stCondLst>
+                      <p:childTnLst>
+                        <p:par>
+                          <p:cTn id="36" fill="hold">
+                            <p:stCondLst>
+                              <p:cond delay="0"/>
+                            </p:stCondLst>
+                            <p:childTnLst>
+                              <p:par>
+                                <p:cTn id="37" presetID="1" presetClass="entr" presetSubtype="0" fill="hold" nodeType="clickEffect">
+                                  <p:stCondLst>
+                                    <p:cond delay="0"/>
+                                  </p:stCondLst>
+                                  <p:childTnLst>
+                                    <p:set>
+                                      <p:cBhvr>
+                                        <p:cTn id="38" dur="1" fill="hold">
+                                          <p:stCondLst>
+                                            <p:cond delay="0"/>
+                                          </p:stCondLst>
+                                        </p:cTn>
+                                        <p:tgtEl>
+                                          <p:spTgt spid="5">
+                                            <p:txEl>
+                                              <p:pRg st="8" end="8"/>
+                                            </p:txEl>
+                                          </p:spTgt>
+                                        </p:tgtEl>
+                                        <p:attrNameLst>
+                                          <p:attrName>style.visibility</p:attrName>
+                                        </p:attrNameLst>
+                                      </p:cBhvr>
+                                      <p:to>
+                                        <p:strVal val="visible"/>
+                                      </p:to>
+                                    </p:set>
+                                  </p:childTnLst>
+                                  <p:subTnLst>
+                                    <p:animClr clrSpc="rgb" dir="cw">
+                                      <p:cBhvr override="childStyle">
+                                        <p:cTn dur="1" fill="hold" display="0" masterRel="nextClick" afterEffect="1"/>
+                                        <p:tgtEl>
+                                          <p:spTgt spid="5">
+                                            <p:txEl>
+                                              <p:pRg st="8" end="8"/>
+                                            </p:txEl>
+                                          </p:spTgt>
+                                        </p:tgtEl>
+                                        <p:attrNameLst>
+                                          <p:attrName>ppt_c</p:attrName>
+                                        </p:attrNameLst>
+                                      </p:cBhvr>
+                                      <p:to>
+                                        <a:schemeClr val="tx2"/>
+                                      </p:to>
+                                    </p:animClr>
+                                  </p:subTnLst>
+                                </p:cTn>
+                              </p:par>
+                            </p:childTnLst>
+                          </p:cTn>
+                        </p:par>
+                      </p:childTnLst>
+                    </p:cTn>
+                  </p:par>
+                </p:childTnLst>
+              </p:cTn>
+              <p:prevCondLst>
+                <p:cond evt="onPrev" delay="0">
+                  <p:tgtEl>
+                    <p:sldTgt/>
+                  </p:tgtEl>
+                </p:cond>
+              </p:prevCondLst>
+              <p:nextCondLst>
+                <p:cond evt="onNext" delay="0">
+                  <p:tgtEl>
+                    <p:sldTgt/>
+                  </p:tgtEl>
+                </p:cond>
+              </p:nextCondLst>
+            </p:seq>
+          </p:childTnLst>
+        </p:cTn>
+      </p:par>
+    </p:tnLst>
+  </p:timing>
+</p:sld>
+</file>
+
+<file path=ppt/slides/slide28.xml><?xml version="1.0" encoding="utf-8"?>
 <p:sld xmlns:a="http://schemas.openxmlformats.org/drawingml/2006/main" xmlns:r="http://schemas.openxmlformats.org/officeDocument/2006/relationships" xmlns:p="http://schemas.openxmlformats.org/presentationml/2006/main">
   <p:cSld>
     <p:spTree>
@@ -17744,8 +19182,8 @@
           </a:p>
         </p:txBody>
       </p:sp>
-      <mc:AlternateContent xmlns:mc="http://schemas.openxmlformats.org/markup-compatibility/2006" xmlns:a14="http://schemas.microsoft.com/office/drawing/2010/main">
-        <mc:Choice Requires="a14">
+      <mc:AlternateContent xmlns:mc="http://schemas.openxmlformats.org/markup-compatibility/2006">
+        <mc:Choice xmlns:a14="http://schemas.microsoft.com/office/drawing/2010/main" Requires="a14">
           <p:sp>
             <p:nvSpPr>
               <p:cNvPr id="3" name="Content Placeholder 2"/>
@@ -18035,7 +19473,7 @@
               <a:p>
                 <a:r>
                   <a:rPr lang="en-US" dirty="0"/>
-                  <a:t>Also here probabilities take the values [0, 1],  which means higher values will get you closer to 0! (and the values are all negative)</a:t>
+                  <a:t>Also, here probabilities take the values [0, 1],  which means the log all values are negative and values closer to 1 will be closer to 0</a:t>
                 </a:r>
               </a:p>
               <a:p>
@@ -18050,7 +19488,7 @@
             </p:txBody>
           </p:sp>
         </mc:Choice>
-        <mc:Fallback xmlns="">
+        <mc:Fallback>
           <p:sp>
             <p:nvSpPr>
               <p:cNvPr id="3" name="Content Placeholder 2"/>
@@ -18065,7 +19503,7 @@
               <a:blipFill>
                 <a:blip r:embed="rId2"/>
                 <a:stretch>
-                  <a:fillRect l="-965" t="-2632"/>
+                  <a:fillRect l="-965" t="-2632" r="-1206"/>
                 </a:stretch>
               </a:blipFill>
             </p:spPr>
@@ -18094,10 +19532,385 @@
   <p:clrMapOvr>
     <a:masterClrMapping/>
   </p:clrMapOvr>
+  <p:timing>
+    <p:tnLst>
+      <p:par>
+        <p:cTn id="1" dur="indefinite" restart="never" nodeType="tmRoot">
+          <p:childTnLst>
+            <p:seq concurrent="1" nextAc="seek">
+              <p:cTn id="2" dur="indefinite" nodeType="mainSeq">
+                <p:childTnLst>
+                  <p:par>
+                    <p:cTn id="3" fill="hold">
+                      <p:stCondLst>
+                        <p:cond delay="indefinite"/>
+                      </p:stCondLst>
+                      <p:childTnLst>
+                        <p:par>
+                          <p:cTn id="4" fill="hold">
+                            <p:stCondLst>
+                              <p:cond delay="0"/>
+                            </p:stCondLst>
+                            <p:childTnLst>
+                              <p:par>
+                                <p:cTn id="5" presetID="1" presetClass="entr" presetSubtype="0" fill="hold" nodeType="clickEffect">
+                                  <p:stCondLst>
+                                    <p:cond delay="0"/>
+                                  </p:stCondLst>
+                                  <p:childTnLst>
+                                    <p:set>
+                                      <p:cBhvr>
+                                        <p:cTn id="6" dur="1" fill="hold">
+                                          <p:stCondLst>
+                                            <p:cond delay="0"/>
+                                          </p:stCondLst>
+                                        </p:cTn>
+                                        <p:tgtEl>
+                                          <p:spTgt spid="3">
+                                            <p:txEl>
+                                              <p:pRg st="0" end="0"/>
+                                            </p:txEl>
+                                          </p:spTgt>
+                                        </p:tgtEl>
+                                        <p:attrNameLst>
+                                          <p:attrName>style.visibility</p:attrName>
+                                        </p:attrNameLst>
+                                      </p:cBhvr>
+                                      <p:to>
+                                        <p:strVal val="visible"/>
+                                      </p:to>
+                                    </p:set>
+                                  </p:childTnLst>
+                                  <p:subTnLst>
+                                    <p:animClr clrSpc="rgb" dir="cw">
+                                      <p:cBhvr override="childStyle">
+                                        <p:cTn dur="1" fill="hold" display="0" masterRel="nextClick" afterEffect="1"/>
+                                        <p:tgtEl>
+                                          <p:spTgt spid="3">
+                                            <p:txEl>
+                                              <p:pRg st="0" end="0"/>
+                                            </p:txEl>
+                                          </p:spTgt>
+                                        </p:tgtEl>
+                                        <p:attrNameLst>
+                                          <p:attrName>ppt_c</p:attrName>
+                                        </p:attrNameLst>
+                                      </p:cBhvr>
+                                      <p:to>
+                                        <a:schemeClr val="tx2"/>
+                                      </p:to>
+                                    </p:animClr>
+                                  </p:subTnLst>
+                                </p:cTn>
+                              </p:par>
+                            </p:childTnLst>
+                          </p:cTn>
+                        </p:par>
+                      </p:childTnLst>
+                    </p:cTn>
+                  </p:par>
+                  <p:par>
+                    <p:cTn id="7" fill="hold">
+                      <p:stCondLst>
+                        <p:cond delay="indefinite"/>
+                      </p:stCondLst>
+                      <p:childTnLst>
+                        <p:par>
+                          <p:cTn id="8" fill="hold">
+                            <p:stCondLst>
+                              <p:cond delay="0"/>
+                            </p:stCondLst>
+                            <p:childTnLst>
+                              <p:par>
+                                <p:cTn id="9" presetID="1" presetClass="entr" presetSubtype="0" fill="hold" nodeType="clickEffect">
+                                  <p:stCondLst>
+                                    <p:cond delay="0"/>
+                                  </p:stCondLst>
+                                  <p:childTnLst>
+                                    <p:set>
+                                      <p:cBhvr>
+                                        <p:cTn id="10" dur="1" fill="hold">
+                                          <p:stCondLst>
+                                            <p:cond delay="0"/>
+                                          </p:stCondLst>
+                                        </p:cTn>
+                                        <p:tgtEl>
+                                          <p:spTgt spid="3">
+                                            <p:txEl>
+                                              <p:pRg st="1" end="1"/>
+                                            </p:txEl>
+                                          </p:spTgt>
+                                        </p:tgtEl>
+                                        <p:attrNameLst>
+                                          <p:attrName>style.visibility</p:attrName>
+                                        </p:attrNameLst>
+                                      </p:cBhvr>
+                                      <p:to>
+                                        <p:strVal val="visible"/>
+                                      </p:to>
+                                    </p:set>
+                                  </p:childTnLst>
+                                  <p:subTnLst>
+                                    <p:animClr clrSpc="rgb" dir="cw">
+                                      <p:cBhvr override="childStyle">
+                                        <p:cTn dur="1" fill="hold" display="0" masterRel="nextClick" afterEffect="1"/>
+                                        <p:tgtEl>
+                                          <p:spTgt spid="3">
+                                            <p:txEl>
+                                              <p:pRg st="1" end="1"/>
+                                            </p:txEl>
+                                          </p:spTgt>
+                                        </p:tgtEl>
+                                        <p:attrNameLst>
+                                          <p:attrName>ppt_c</p:attrName>
+                                        </p:attrNameLst>
+                                      </p:cBhvr>
+                                      <p:to>
+                                        <a:schemeClr val="tx2"/>
+                                      </p:to>
+                                    </p:animClr>
+                                  </p:subTnLst>
+                                </p:cTn>
+                              </p:par>
+                            </p:childTnLst>
+                          </p:cTn>
+                        </p:par>
+                      </p:childTnLst>
+                    </p:cTn>
+                  </p:par>
+                  <p:par>
+                    <p:cTn id="11" fill="hold">
+                      <p:stCondLst>
+                        <p:cond delay="indefinite"/>
+                      </p:stCondLst>
+                      <p:childTnLst>
+                        <p:par>
+                          <p:cTn id="12" fill="hold">
+                            <p:stCondLst>
+                              <p:cond delay="0"/>
+                            </p:stCondLst>
+                            <p:childTnLst>
+                              <p:par>
+                                <p:cTn id="13" presetID="1" presetClass="entr" presetSubtype="0" fill="hold" nodeType="clickEffect">
+                                  <p:stCondLst>
+                                    <p:cond delay="0"/>
+                                  </p:stCondLst>
+                                  <p:childTnLst>
+                                    <p:set>
+                                      <p:cBhvr>
+                                        <p:cTn id="14" dur="1" fill="hold">
+                                          <p:stCondLst>
+                                            <p:cond delay="0"/>
+                                          </p:stCondLst>
+                                        </p:cTn>
+                                        <p:tgtEl>
+                                          <p:spTgt spid="3">
+                                            <p:txEl>
+                                              <p:pRg st="2" end="2"/>
+                                            </p:txEl>
+                                          </p:spTgt>
+                                        </p:tgtEl>
+                                        <p:attrNameLst>
+                                          <p:attrName>style.visibility</p:attrName>
+                                        </p:attrNameLst>
+                                      </p:cBhvr>
+                                      <p:to>
+                                        <p:strVal val="visible"/>
+                                      </p:to>
+                                    </p:set>
+                                  </p:childTnLst>
+                                  <p:subTnLst>
+                                    <p:animClr clrSpc="rgb" dir="cw">
+                                      <p:cBhvr override="childStyle">
+                                        <p:cTn dur="1" fill="hold" display="0" masterRel="nextClick" afterEffect="1"/>
+                                        <p:tgtEl>
+                                          <p:spTgt spid="3">
+                                            <p:txEl>
+                                              <p:pRg st="2" end="2"/>
+                                            </p:txEl>
+                                          </p:spTgt>
+                                        </p:tgtEl>
+                                        <p:attrNameLst>
+                                          <p:attrName>ppt_c</p:attrName>
+                                        </p:attrNameLst>
+                                      </p:cBhvr>
+                                      <p:to>
+                                        <a:schemeClr val="tx2"/>
+                                      </p:to>
+                                    </p:animClr>
+                                  </p:subTnLst>
+                                </p:cTn>
+                              </p:par>
+                            </p:childTnLst>
+                          </p:cTn>
+                        </p:par>
+                      </p:childTnLst>
+                    </p:cTn>
+                  </p:par>
+                  <p:par>
+                    <p:cTn id="15" fill="hold">
+                      <p:stCondLst>
+                        <p:cond delay="indefinite"/>
+                      </p:stCondLst>
+                      <p:childTnLst>
+                        <p:par>
+                          <p:cTn id="16" fill="hold">
+                            <p:stCondLst>
+                              <p:cond delay="0"/>
+                            </p:stCondLst>
+                            <p:childTnLst>
+                              <p:par>
+                                <p:cTn id="17" presetID="1" presetClass="entr" presetSubtype="0" fill="hold" nodeType="clickEffect">
+                                  <p:stCondLst>
+                                    <p:cond delay="0"/>
+                                  </p:stCondLst>
+                                  <p:childTnLst>
+                                    <p:set>
+                                      <p:cBhvr>
+                                        <p:cTn id="18" dur="1" fill="hold">
+                                          <p:stCondLst>
+                                            <p:cond delay="0"/>
+                                          </p:stCondLst>
+                                        </p:cTn>
+                                        <p:tgtEl>
+                                          <p:spTgt spid="3">
+                                            <p:txEl>
+                                              <p:pRg st="3" end="3"/>
+                                            </p:txEl>
+                                          </p:spTgt>
+                                        </p:tgtEl>
+                                        <p:attrNameLst>
+                                          <p:attrName>style.visibility</p:attrName>
+                                        </p:attrNameLst>
+                                      </p:cBhvr>
+                                      <p:to>
+                                        <p:strVal val="visible"/>
+                                      </p:to>
+                                    </p:set>
+                                  </p:childTnLst>
+                                  <p:subTnLst>
+                                    <p:animClr clrSpc="rgb" dir="cw">
+                                      <p:cBhvr override="childStyle">
+                                        <p:cTn dur="1" fill="hold" display="0" masterRel="nextClick" afterEffect="1"/>
+                                        <p:tgtEl>
+                                          <p:spTgt spid="3">
+                                            <p:txEl>
+                                              <p:pRg st="3" end="3"/>
+                                            </p:txEl>
+                                          </p:spTgt>
+                                        </p:tgtEl>
+                                        <p:attrNameLst>
+                                          <p:attrName>ppt_c</p:attrName>
+                                        </p:attrNameLst>
+                                      </p:cBhvr>
+                                      <p:to>
+                                        <a:schemeClr val="tx2"/>
+                                      </p:to>
+                                    </p:animClr>
+                                  </p:subTnLst>
+                                </p:cTn>
+                              </p:par>
+                            </p:childTnLst>
+                          </p:cTn>
+                        </p:par>
+                      </p:childTnLst>
+                    </p:cTn>
+                  </p:par>
+                  <p:par>
+                    <p:cTn id="19" fill="hold">
+                      <p:stCondLst>
+                        <p:cond delay="indefinite"/>
+                      </p:stCondLst>
+                      <p:childTnLst>
+                        <p:par>
+                          <p:cTn id="20" fill="hold">
+                            <p:stCondLst>
+                              <p:cond delay="0"/>
+                            </p:stCondLst>
+                            <p:childTnLst>
+                              <p:par>
+                                <p:cTn id="21" presetID="1" presetClass="entr" presetSubtype="0" fill="hold" nodeType="clickEffect">
+                                  <p:stCondLst>
+                                    <p:cond delay="0"/>
+                                  </p:stCondLst>
+                                  <p:childTnLst>
+                                    <p:set>
+                                      <p:cBhvr>
+                                        <p:cTn id="22" dur="1" fill="hold">
+                                          <p:stCondLst>
+                                            <p:cond delay="0"/>
+                                          </p:stCondLst>
+                                        </p:cTn>
+                                        <p:tgtEl>
+                                          <p:spTgt spid="3">
+                                            <p:txEl>
+                                              <p:pRg st="4" end="4"/>
+                                            </p:txEl>
+                                          </p:spTgt>
+                                        </p:tgtEl>
+                                        <p:attrNameLst>
+                                          <p:attrName>style.visibility</p:attrName>
+                                        </p:attrNameLst>
+                                      </p:cBhvr>
+                                      <p:to>
+                                        <p:strVal val="visible"/>
+                                      </p:to>
+                                    </p:set>
+                                  </p:childTnLst>
+                                  <p:subTnLst>
+                                    <p:animClr clrSpc="rgb" dir="cw">
+                                      <p:cBhvr override="childStyle">
+                                        <p:cTn dur="1" fill="hold" display="0" masterRel="nextClick" afterEffect="1"/>
+                                        <p:tgtEl>
+                                          <p:spTgt spid="3">
+                                            <p:txEl>
+                                              <p:pRg st="4" end="4"/>
+                                            </p:txEl>
+                                          </p:spTgt>
+                                        </p:tgtEl>
+                                        <p:attrNameLst>
+                                          <p:attrName>ppt_c</p:attrName>
+                                        </p:attrNameLst>
+                                      </p:cBhvr>
+                                      <p:to>
+                                        <a:schemeClr val="tx2"/>
+                                      </p:to>
+                                    </p:animClr>
+                                  </p:subTnLst>
+                                </p:cTn>
+                              </p:par>
+                            </p:childTnLst>
+                          </p:cTn>
+                        </p:par>
+                      </p:childTnLst>
+                    </p:cTn>
+                  </p:par>
+                </p:childTnLst>
+              </p:cTn>
+              <p:prevCondLst>
+                <p:cond evt="onPrev" delay="0">
+                  <p:tgtEl>
+                    <p:sldTgt/>
+                  </p:tgtEl>
+                </p:cond>
+              </p:prevCondLst>
+              <p:nextCondLst>
+                <p:cond evt="onNext" delay="0">
+                  <p:tgtEl>
+                    <p:sldTgt/>
+                  </p:tgtEl>
+                </p:cond>
+              </p:nextCondLst>
+            </p:seq>
+          </p:childTnLst>
+        </p:cTn>
+      </p:par>
+    </p:tnLst>
+  </p:timing>
 </p:sld>
 </file>
 
-<file path=ppt/slides/slide28.xml><?xml version="1.0" encoding="utf-8"?>
+<file path=ppt/slides/slide29.xml><?xml version="1.0" encoding="utf-8"?>
 <p:sld xmlns:a="http://schemas.openxmlformats.org/drawingml/2006/main" xmlns:r="http://schemas.openxmlformats.org/officeDocument/2006/relationships" xmlns:p="http://schemas.openxmlformats.org/presentationml/2006/main">
   <p:cSld>
     <p:spTree>
@@ -18171,226 +19984,6 @@
     <p:extLst>
       <p:ext uri="{BB962C8B-B14F-4D97-AF65-F5344CB8AC3E}">
         <p14:creationId xmlns:p14="http://schemas.microsoft.com/office/powerpoint/2010/main" val="2071689826"/>
-      </p:ext>
-    </p:extLst>
-  </p:cSld>
-  <p:clrMapOvr>
-    <a:masterClrMapping/>
-  </p:clrMapOvr>
-</p:sld>
-</file>
-
-<file path=ppt/slides/slide29.xml><?xml version="1.0" encoding="utf-8"?>
-<p:sld xmlns:a="http://schemas.openxmlformats.org/drawingml/2006/main" xmlns:r="http://schemas.openxmlformats.org/officeDocument/2006/relationships" xmlns:p="http://schemas.openxmlformats.org/presentationml/2006/main">
-  <p:cSld>
-    <p:spTree>
-      <p:nvGrpSpPr>
-        <p:cNvPr id="1" name=""/>
-        <p:cNvGrpSpPr/>
-        <p:nvPr/>
-      </p:nvGrpSpPr>
-      <p:grpSpPr>
-        <a:xfrm>
-          <a:off x="0" y="0"/>
-          <a:ext cx="0" cy="0"/>
-          <a:chOff x="0" y="0"/>
-          <a:chExt cx="0" cy="0"/>
-        </a:xfrm>
-      </p:grpSpPr>
-      <p:sp>
-        <p:nvSpPr>
-          <p:cNvPr id="4" name="Title 3">
-            <a:extLst>
-              <a:ext uri="{FF2B5EF4-FFF2-40B4-BE49-F238E27FC236}">
-                <a16:creationId xmlns:a16="http://schemas.microsoft.com/office/drawing/2014/main" id="{712D5AA8-932F-B143-AAC9-660061FA55A1}"/>
-              </a:ext>
-            </a:extLst>
-          </p:cNvPr>
-          <p:cNvSpPr>
-            <a:spLocks noGrp="1"/>
-          </p:cNvSpPr>
-          <p:nvPr>
-            <p:ph type="title"/>
-          </p:nvPr>
-        </p:nvSpPr>
-        <p:spPr/>
-        <p:txBody>
-          <a:bodyPr/>
-          <a:lstStyle/>
-          <a:p>
-            <a:r>
-              <a:rPr lang="en-US" dirty="0"/>
-              <a:t>Hypothesis</a:t>
-            </a:r>
-          </a:p>
-        </p:txBody>
-      </p:sp>
-      <p:sp>
-        <p:nvSpPr>
-          <p:cNvPr id="5" name="Content Placeholder 4">
-            <a:extLst>
-              <a:ext uri="{FF2B5EF4-FFF2-40B4-BE49-F238E27FC236}">
-                <a16:creationId xmlns:a16="http://schemas.microsoft.com/office/drawing/2014/main" id="{1ADE9924-0497-BE4F-9614-91DC461B29E6}"/>
-              </a:ext>
-            </a:extLst>
-          </p:cNvPr>
-          <p:cNvSpPr>
-            <a:spLocks noGrp="1"/>
-          </p:cNvSpPr>
-          <p:nvPr>
-            <p:ph sz="half" idx="1"/>
-          </p:nvPr>
-        </p:nvSpPr>
-        <p:spPr/>
-        <p:txBody>
-          <a:bodyPr/>
-          <a:lstStyle/>
-          <a:p>
-            <a:r>
-              <a:rPr lang="en-US" dirty="0"/>
-              <a:t>Does wearing Designer shirts makes you place more utility on larger sums of money?</a:t>
-            </a:r>
-          </a:p>
-          <a:p>
-            <a:r>
-              <a:rPr lang="en-US" dirty="0"/>
-              <a:t>Condition 1: Designer Shirt</a:t>
-            </a:r>
-          </a:p>
-          <a:p>
-            <a:r>
-              <a:rPr lang="en-US" dirty="0"/>
-              <a:t>Condition 2: Cheap Shirt</a:t>
-            </a:r>
-          </a:p>
-        </p:txBody>
-      </p:sp>
-      <p:pic>
-        <p:nvPicPr>
-          <p:cNvPr id="10" name="Picture 9">
-            <a:extLst>
-              <a:ext uri="{FF2B5EF4-FFF2-40B4-BE49-F238E27FC236}">
-                <a16:creationId xmlns:a16="http://schemas.microsoft.com/office/drawing/2014/main" id="{425799A7-F6C1-CF43-A4ED-179AF6CDBF67}"/>
-              </a:ext>
-            </a:extLst>
-          </p:cNvPr>
-          <p:cNvPicPr>
-            <a:picLocks noChangeAspect="1"/>
-          </p:cNvPicPr>
-          <p:nvPr/>
-        </p:nvPicPr>
-        <p:blipFill rotWithShape="1">
-          <a:blip r:embed="rId2">
-            <a:clrChange>
-              <a:clrFrom>
-                <a:srgbClr val="FFFFFF"/>
-              </a:clrFrom>
-              <a:clrTo>
-                <a:srgbClr val="FFFFFF">
-                  <a:alpha val="0"/>
-                </a:srgbClr>
-              </a:clrTo>
-            </a:clrChange>
-          </a:blip>
-          <a:srcRect l="13438" t="12472" r="13708" b="17078"/>
-          <a:stretch/>
-        </p:blipFill>
-        <p:spPr>
-          <a:xfrm>
-            <a:off x="9050694" y="1272748"/>
-            <a:ext cx="2875454" cy="2780522"/>
-          </a:xfrm>
-          <a:prstGeom prst="rect">
-            <a:avLst/>
-          </a:prstGeom>
-        </p:spPr>
-      </p:pic>
-      <p:pic>
-        <p:nvPicPr>
-          <p:cNvPr id="8" name="Picture 7">
-            <a:extLst>
-              <a:ext uri="{FF2B5EF4-FFF2-40B4-BE49-F238E27FC236}">
-                <a16:creationId xmlns:a16="http://schemas.microsoft.com/office/drawing/2014/main" id="{C15814F6-69F1-834A-8CA0-FE6BFBE842F7}"/>
-              </a:ext>
-            </a:extLst>
-          </p:cNvPr>
-          <p:cNvPicPr>
-            <a:picLocks noChangeAspect="1"/>
-          </p:cNvPicPr>
-          <p:nvPr/>
-        </p:nvPicPr>
-        <p:blipFill>
-          <a:blip r:embed="rId3">
-            <a:clrChange>
-              <a:clrFrom>
-                <a:srgbClr val="FFFFFF"/>
-              </a:clrFrom>
-              <a:clrTo>
-                <a:srgbClr val="FFFFFF">
-                  <a:alpha val="0"/>
-                </a:srgbClr>
-              </a:clrTo>
-            </a:clrChange>
-          </a:blip>
-          <a:stretch>
-            <a:fillRect/>
-          </a:stretch>
-        </p:blipFill>
-        <p:spPr>
-          <a:xfrm>
-            <a:off x="7564535" y="3884177"/>
-            <a:ext cx="2929215" cy="2659224"/>
-          </a:xfrm>
-          <a:prstGeom prst="rect">
-            <a:avLst/>
-          </a:prstGeom>
-        </p:spPr>
-      </p:pic>
-      <p:pic>
-        <p:nvPicPr>
-          <p:cNvPr id="12" name="Picture 11">
-            <a:extLst>
-              <a:ext uri="{FF2B5EF4-FFF2-40B4-BE49-F238E27FC236}">
-                <a16:creationId xmlns:a16="http://schemas.microsoft.com/office/drawing/2014/main" id="{D9064407-59B3-D445-8E5F-055D4F744453}"/>
-              </a:ext>
-            </a:extLst>
-          </p:cNvPr>
-          <p:cNvPicPr>
-            <a:picLocks noChangeAspect="1"/>
-          </p:cNvPicPr>
-          <p:nvPr/>
-        </p:nvPicPr>
-        <p:blipFill>
-          <a:blip r:embed="rId4">
-            <a:clrChange>
-              <a:clrFrom>
-                <a:srgbClr val="FFFFFF"/>
-              </a:clrFrom>
-              <a:clrTo>
-                <a:srgbClr val="FFFFFF">
-                  <a:alpha val="0"/>
-                </a:srgbClr>
-              </a:clrTo>
-            </a:clrChange>
-          </a:blip>
-          <a:stretch>
-            <a:fillRect/>
-          </a:stretch>
-        </p:blipFill>
-        <p:spPr>
-          <a:xfrm>
-            <a:off x="6744548" y="1441842"/>
-            <a:ext cx="2442335" cy="2442335"/>
-          </a:xfrm>
-          <a:prstGeom prst="rect">
-            <a:avLst/>
-          </a:prstGeom>
-        </p:spPr>
-      </p:pic>
-    </p:spTree>
-    <p:extLst>
-      <p:ext uri="{BB962C8B-B14F-4D97-AF65-F5344CB8AC3E}">
-        <p14:creationId xmlns:p14="http://schemas.microsoft.com/office/powerpoint/2010/main" val="598082717"/>
       </p:ext>
     </p:extLst>
   </p:cSld>
@@ -19083,6 +20676,226 @@
           <p:cNvPr id="4" name="Title 3">
             <a:extLst>
               <a:ext uri="{FF2B5EF4-FFF2-40B4-BE49-F238E27FC236}">
+                <a16:creationId xmlns:a16="http://schemas.microsoft.com/office/drawing/2014/main" id="{712D5AA8-932F-B143-AAC9-660061FA55A1}"/>
+              </a:ext>
+            </a:extLst>
+          </p:cNvPr>
+          <p:cNvSpPr>
+            <a:spLocks noGrp="1"/>
+          </p:cNvSpPr>
+          <p:nvPr>
+            <p:ph type="title"/>
+          </p:nvPr>
+        </p:nvSpPr>
+        <p:spPr/>
+        <p:txBody>
+          <a:bodyPr/>
+          <a:lstStyle/>
+          <a:p>
+            <a:r>
+              <a:rPr lang="en-US" dirty="0"/>
+              <a:t>Hypothesis</a:t>
+            </a:r>
+          </a:p>
+        </p:txBody>
+      </p:sp>
+      <p:sp>
+        <p:nvSpPr>
+          <p:cNvPr id="5" name="Content Placeholder 4">
+            <a:extLst>
+              <a:ext uri="{FF2B5EF4-FFF2-40B4-BE49-F238E27FC236}">
+                <a16:creationId xmlns:a16="http://schemas.microsoft.com/office/drawing/2014/main" id="{1ADE9924-0497-BE4F-9614-91DC461B29E6}"/>
+              </a:ext>
+            </a:extLst>
+          </p:cNvPr>
+          <p:cNvSpPr>
+            <a:spLocks noGrp="1"/>
+          </p:cNvSpPr>
+          <p:nvPr>
+            <p:ph sz="half" idx="1"/>
+          </p:nvPr>
+        </p:nvSpPr>
+        <p:spPr/>
+        <p:txBody>
+          <a:bodyPr/>
+          <a:lstStyle/>
+          <a:p>
+            <a:r>
+              <a:rPr lang="en-US" dirty="0"/>
+              <a:t>Does wearing Designer shirts makes you place more utility on larger sums of money?</a:t>
+            </a:r>
+          </a:p>
+          <a:p>
+            <a:r>
+              <a:rPr lang="en-US" dirty="0"/>
+              <a:t>Condition 1: Designer Shirt</a:t>
+            </a:r>
+          </a:p>
+          <a:p>
+            <a:r>
+              <a:rPr lang="en-US" dirty="0"/>
+              <a:t>Condition 2: Cheap Shirt</a:t>
+            </a:r>
+          </a:p>
+        </p:txBody>
+      </p:sp>
+      <p:pic>
+        <p:nvPicPr>
+          <p:cNvPr id="10" name="Picture 9">
+            <a:extLst>
+              <a:ext uri="{FF2B5EF4-FFF2-40B4-BE49-F238E27FC236}">
+                <a16:creationId xmlns:a16="http://schemas.microsoft.com/office/drawing/2014/main" id="{425799A7-F6C1-CF43-A4ED-179AF6CDBF67}"/>
+              </a:ext>
+            </a:extLst>
+          </p:cNvPr>
+          <p:cNvPicPr>
+            <a:picLocks noChangeAspect="1"/>
+          </p:cNvPicPr>
+          <p:nvPr/>
+        </p:nvPicPr>
+        <p:blipFill rotWithShape="1">
+          <a:blip r:embed="rId2">
+            <a:clrChange>
+              <a:clrFrom>
+                <a:srgbClr val="FFFFFF"/>
+              </a:clrFrom>
+              <a:clrTo>
+                <a:srgbClr val="FFFFFF">
+                  <a:alpha val="0"/>
+                </a:srgbClr>
+              </a:clrTo>
+            </a:clrChange>
+          </a:blip>
+          <a:srcRect l="13438" t="12472" r="13708" b="17078"/>
+          <a:stretch/>
+        </p:blipFill>
+        <p:spPr>
+          <a:xfrm>
+            <a:off x="9050694" y="1272748"/>
+            <a:ext cx="2875454" cy="2780522"/>
+          </a:xfrm>
+          <a:prstGeom prst="rect">
+            <a:avLst/>
+          </a:prstGeom>
+        </p:spPr>
+      </p:pic>
+      <p:pic>
+        <p:nvPicPr>
+          <p:cNvPr id="8" name="Picture 7">
+            <a:extLst>
+              <a:ext uri="{FF2B5EF4-FFF2-40B4-BE49-F238E27FC236}">
+                <a16:creationId xmlns:a16="http://schemas.microsoft.com/office/drawing/2014/main" id="{C15814F6-69F1-834A-8CA0-FE6BFBE842F7}"/>
+              </a:ext>
+            </a:extLst>
+          </p:cNvPr>
+          <p:cNvPicPr>
+            <a:picLocks noChangeAspect="1"/>
+          </p:cNvPicPr>
+          <p:nvPr/>
+        </p:nvPicPr>
+        <p:blipFill>
+          <a:blip r:embed="rId3">
+            <a:clrChange>
+              <a:clrFrom>
+                <a:srgbClr val="FFFFFF"/>
+              </a:clrFrom>
+              <a:clrTo>
+                <a:srgbClr val="FFFFFF">
+                  <a:alpha val="0"/>
+                </a:srgbClr>
+              </a:clrTo>
+            </a:clrChange>
+          </a:blip>
+          <a:stretch>
+            <a:fillRect/>
+          </a:stretch>
+        </p:blipFill>
+        <p:spPr>
+          <a:xfrm>
+            <a:off x="7564535" y="3884177"/>
+            <a:ext cx="2929215" cy="2659224"/>
+          </a:xfrm>
+          <a:prstGeom prst="rect">
+            <a:avLst/>
+          </a:prstGeom>
+        </p:spPr>
+      </p:pic>
+      <p:pic>
+        <p:nvPicPr>
+          <p:cNvPr id="12" name="Picture 11">
+            <a:extLst>
+              <a:ext uri="{FF2B5EF4-FFF2-40B4-BE49-F238E27FC236}">
+                <a16:creationId xmlns:a16="http://schemas.microsoft.com/office/drawing/2014/main" id="{D9064407-59B3-D445-8E5F-055D4F744453}"/>
+              </a:ext>
+            </a:extLst>
+          </p:cNvPr>
+          <p:cNvPicPr>
+            <a:picLocks noChangeAspect="1"/>
+          </p:cNvPicPr>
+          <p:nvPr/>
+        </p:nvPicPr>
+        <p:blipFill>
+          <a:blip r:embed="rId4">
+            <a:clrChange>
+              <a:clrFrom>
+                <a:srgbClr val="FFFFFF"/>
+              </a:clrFrom>
+              <a:clrTo>
+                <a:srgbClr val="FFFFFF">
+                  <a:alpha val="0"/>
+                </a:srgbClr>
+              </a:clrTo>
+            </a:clrChange>
+          </a:blip>
+          <a:stretch>
+            <a:fillRect/>
+          </a:stretch>
+        </p:blipFill>
+        <p:spPr>
+          <a:xfrm>
+            <a:off x="6744548" y="1441842"/>
+            <a:ext cx="2442335" cy="2442335"/>
+          </a:xfrm>
+          <a:prstGeom prst="rect">
+            <a:avLst/>
+          </a:prstGeom>
+        </p:spPr>
+      </p:pic>
+    </p:spTree>
+    <p:extLst>
+      <p:ext uri="{BB962C8B-B14F-4D97-AF65-F5344CB8AC3E}">
+        <p14:creationId xmlns:p14="http://schemas.microsoft.com/office/powerpoint/2010/main" val="598082717"/>
+      </p:ext>
+    </p:extLst>
+  </p:cSld>
+  <p:clrMapOvr>
+    <a:masterClrMapping/>
+  </p:clrMapOvr>
+</p:sld>
+</file>
+
+<file path=ppt/slides/slide31.xml><?xml version="1.0" encoding="utf-8"?>
+<p:sld xmlns:a="http://schemas.openxmlformats.org/drawingml/2006/main" xmlns:r="http://schemas.openxmlformats.org/officeDocument/2006/relationships" xmlns:p="http://schemas.openxmlformats.org/presentationml/2006/main">
+  <p:cSld>
+    <p:spTree>
+      <p:nvGrpSpPr>
+        <p:cNvPr id="1" name=""/>
+        <p:cNvGrpSpPr/>
+        <p:nvPr/>
+      </p:nvGrpSpPr>
+      <p:grpSpPr>
+        <a:xfrm>
+          <a:off x="0" y="0"/>
+          <a:ext cx="0" cy="0"/>
+          <a:chOff x="0" y="0"/>
+          <a:chExt cx="0" cy="0"/>
+        </a:xfrm>
+      </p:grpSpPr>
+      <p:sp>
+        <p:nvSpPr>
+          <p:cNvPr id="4" name="Title 3">
+            <a:extLst>
+              <a:ext uri="{FF2B5EF4-FFF2-40B4-BE49-F238E27FC236}">
                 <a16:creationId xmlns:a16="http://schemas.microsoft.com/office/drawing/2014/main" id="{714C402D-C875-314E-985D-4D3740CA6E7B}"/>
               </a:ext>
             </a:extLst>
@@ -19153,7 +20966,7 @@
 </p:sld>
 </file>
 
-<file path=ppt/slides/slide31.xml><?xml version="1.0" encoding="utf-8"?>
+<file path=ppt/slides/slide32.xml><?xml version="1.0" encoding="utf-8"?>
 <p:sld xmlns:a="http://schemas.openxmlformats.org/drawingml/2006/main" xmlns:r="http://schemas.openxmlformats.org/officeDocument/2006/relationships" xmlns:p="http://schemas.openxmlformats.org/presentationml/2006/main">
   <p:cSld>
     <p:spTree>
@@ -19304,7 +21117,651 @@
 </p:sld>
 </file>
 
-<file path=ppt/slides/slide32.xml><?xml version="1.0" encoding="utf-8"?>
+<file path=ppt/slides/slide33.xml><?xml version="1.0" encoding="utf-8"?>
+<p:sld xmlns:a="http://schemas.openxmlformats.org/drawingml/2006/main" xmlns:r="http://schemas.openxmlformats.org/officeDocument/2006/relationships" xmlns:p="http://schemas.openxmlformats.org/presentationml/2006/main">
+  <p:cSld>
+    <p:spTree>
+      <p:nvGrpSpPr>
+        <p:cNvPr id="1" name=""/>
+        <p:cNvGrpSpPr/>
+        <p:nvPr/>
+      </p:nvGrpSpPr>
+      <p:grpSpPr>
+        <a:xfrm>
+          <a:off x="0" y="0"/>
+          <a:ext cx="0" cy="0"/>
+          <a:chOff x="0" y="0"/>
+          <a:chExt cx="0" cy="0"/>
+        </a:xfrm>
+      </p:grpSpPr>
+      <p:sp>
+        <p:nvSpPr>
+          <p:cNvPr id="5" name="Title 4">
+            <a:extLst>
+              <a:ext uri="{FF2B5EF4-FFF2-40B4-BE49-F238E27FC236}">
+                <a16:creationId xmlns:a16="http://schemas.microsoft.com/office/drawing/2014/main" id="{1DEE00B0-74C5-1245-B893-13FF3B7D7693}"/>
+              </a:ext>
+            </a:extLst>
+          </p:cNvPr>
+          <p:cNvSpPr>
+            <a:spLocks noGrp="1"/>
+          </p:cNvSpPr>
+          <p:nvPr>
+            <p:ph type="title"/>
+          </p:nvPr>
+        </p:nvSpPr>
+        <p:spPr/>
+        <p:txBody>
+          <a:bodyPr/>
+          <a:lstStyle/>
+          <a:p>
+            <a:r>
+              <a:rPr lang="en-US" dirty="0"/>
+              <a:t>Prospect Theory Model (equations)</a:t>
+            </a:r>
+          </a:p>
+        </p:txBody>
+      </p:sp>
+      <mc:AlternateContent xmlns:mc="http://schemas.openxmlformats.org/markup-compatibility/2006">
+        <mc:Choice xmlns:a14="http://schemas.microsoft.com/office/drawing/2010/main" Requires="a14">
+          <p:sp>
+            <p:nvSpPr>
+              <p:cNvPr id="6" name="Content Placeholder 5">
+                <a:extLst>
+                  <a:ext uri="{FF2B5EF4-FFF2-40B4-BE49-F238E27FC236}">
+                    <a16:creationId xmlns:a16="http://schemas.microsoft.com/office/drawing/2014/main" id="{BE26C395-69E3-6540-AC67-E780578F4273}"/>
+                  </a:ext>
+                </a:extLst>
+              </p:cNvPr>
+              <p:cNvSpPr>
+                <a:spLocks noGrp="1"/>
+              </p:cNvSpPr>
+              <p:nvPr>
+                <p:ph idx="1"/>
+              </p:nvPr>
+            </p:nvSpPr>
+            <p:spPr/>
+            <p:txBody>
+              <a:bodyPr/>
+              <a:lstStyle/>
+              <a:p>
+                <a14:m>
+                  <m:oMath xmlns:m="http://schemas.openxmlformats.org/officeDocument/2006/math">
+                    <m:r>
+                      <a:rPr lang="en-US" b="0" i="1" smtClean="0">
+                        <a:latin typeface="Cambria Math" panose="02040503050406030204" pitchFamily="18" charset="0"/>
+                      </a:rPr>
+                      <m:t>𝑈</m:t>
+                    </m:r>
+                    <m:d>
+                      <m:dPr>
+                        <m:ctrlPr>
+                          <a:rPr lang="en-US" b="0" i="1" smtClean="0">
+                            <a:latin typeface="Cambria Math" panose="02040503050406030204" pitchFamily="18" charset="0"/>
+                          </a:rPr>
+                        </m:ctrlPr>
+                      </m:dPr>
+                      <m:e>
+                        <m:r>
+                          <a:rPr lang="en-US" b="0" i="1" smtClean="0">
+                            <a:latin typeface="Cambria Math" panose="02040503050406030204" pitchFamily="18" charset="0"/>
+                          </a:rPr>
+                          <m:t>𝑥</m:t>
+                        </m:r>
+                      </m:e>
+                    </m:d>
+                    <m:r>
+                      <a:rPr lang="en-US" b="0" i="1" smtClean="0">
+                        <a:latin typeface="Cambria Math" panose="02040503050406030204" pitchFamily="18" charset="0"/>
+                      </a:rPr>
+                      <m:t>=</m:t>
+                    </m:r>
+                    <m:r>
+                      <a:rPr lang="en-US" b="0" i="1" smtClean="0">
+                        <a:latin typeface="Cambria Math" panose="02040503050406030204" pitchFamily="18" charset="0"/>
+                        <a:ea typeface="Cambria Math" panose="02040503050406030204" pitchFamily="18" charset="0"/>
+                      </a:rPr>
+                      <m:t>𝜋</m:t>
+                    </m:r>
+                    <m:d>
+                      <m:dPr>
+                        <m:ctrlPr>
+                          <a:rPr lang="en-US" b="0" i="1" smtClean="0">
+                            <a:latin typeface="Cambria Math" panose="02040503050406030204" pitchFamily="18" charset="0"/>
+                            <a:ea typeface="Cambria Math" panose="02040503050406030204" pitchFamily="18" charset="0"/>
+                          </a:rPr>
+                        </m:ctrlPr>
+                      </m:dPr>
+                      <m:e>
+                        <m:r>
+                          <a:rPr lang="en-US" b="0" i="1" smtClean="0">
+                            <a:latin typeface="Cambria Math" panose="02040503050406030204" pitchFamily="18" charset="0"/>
+                          </a:rPr>
+                          <m:t>𝑝</m:t>
+                        </m:r>
+                      </m:e>
+                    </m:d>
+                    <m:sSup>
+                      <m:sSupPr>
+                        <m:ctrlPr>
+                          <a:rPr lang="en-US" b="0" i="1" smtClean="0">
+                            <a:latin typeface="Cambria Math" panose="02040503050406030204" pitchFamily="18" charset="0"/>
+                          </a:rPr>
+                        </m:ctrlPr>
+                      </m:sSupPr>
+                      <m:e>
+                        <m:d>
+                          <m:dPr>
+                            <m:begChr m:val="|"/>
+                            <m:endChr m:val="|"/>
+                            <m:ctrlPr>
+                              <a:rPr lang="en-US" b="0" i="1" smtClean="0">
+                                <a:latin typeface="Cambria Math" panose="02040503050406030204" pitchFamily="18" charset="0"/>
+                              </a:rPr>
+                            </m:ctrlPr>
+                          </m:dPr>
+                          <m:e>
+                            <m:r>
+                              <a:rPr lang="en-US" b="0" i="1" smtClean="0">
+                                <a:latin typeface="Cambria Math" panose="02040503050406030204" pitchFamily="18" charset="0"/>
+                              </a:rPr>
+                              <m:t>𝑥</m:t>
+                            </m:r>
+                          </m:e>
+                        </m:d>
+                      </m:e>
+                      <m:sup>
+                        <m:r>
+                          <a:rPr lang="en-US" b="0" i="1" smtClean="0">
+                            <a:latin typeface="Cambria Math" panose="02040503050406030204" pitchFamily="18" charset="0"/>
+                            <a:ea typeface="Cambria Math" panose="02040503050406030204" pitchFamily="18" charset="0"/>
+                          </a:rPr>
+                          <m:t>𝛼</m:t>
+                        </m:r>
+                      </m:sup>
+                    </m:sSup>
+                  </m:oMath>
+                </a14:m>
+                <a:endParaRPr lang="en-US" b="0" dirty="0"/>
+              </a:p>
+              <a:p>
+                <a14:m>
+                  <m:oMath xmlns:m="http://schemas.openxmlformats.org/officeDocument/2006/math">
+                    <m:r>
+                      <a:rPr lang="en-US" i="1" smtClean="0">
+                        <a:latin typeface="Cambria Math" panose="02040503050406030204" pitchFamily="18" charset="0"/>
+                        <a:ea typeface="Cambria Math" panose="02040503050406030204" pitchFamily="18" charset="0"/>
+                      </a:rPr>
+                      <m:t>𝜋</m:t>
+                    </m:r>
+                    <m:d>
+                      <m:dPr>
+                        <m:ctrlPr>
+                          <a:rPr lang="en-US" b="0" i="1" smtClean="0">
+                            <a:latin typeface="Cambria Math" panose="02040503050406030204" pitchFamily="18" charset="0"/>
+                            <a:ea typeface="Cambria Math" panose="02040503050406030204" pitchFamily="18" charset="0"/>
+                          </a:rPr>
+                        </m:ctrlPr>
+                      </m:dPr>
+                      <m:e>
+                        <m:r>
+                          <a:rPr lang="en-US" b="0" i="1" smtClean="0">
+                            <a:latin typeface="Cambria Math" panose="02040503050406030204" pitchFamily="18" charset="0"/>
+                            <a:ea typeface="Cambria Math" panose="02040503050406030204" pitchFamily="18" charset="0"/>
+                          </a:rPr>
+                          <m:t>𝑝</m:t>
+                        </m:r>
+                      </m:e>
+                    </m:d>
+                    <m:r>
+                      <a:rPr lang="en-US" b="0" i="1" smtClean="0">
+                        <a:latin typeface="Cambria Math" panose="02040503050406030204" pitchFamily="18" charset="0"/>
+                        <a:ea typeface="Cambria Math" panose="02040503050406030204" pitchFamily="18" charset="0"/>
+                      </a:rPr>
+                      <m:t>= </m:t>
+                    </m:r>
+                    <m:f>
+                      <m:fPr>
+                        <m:ctrlPr>
+                          <a:rPr lang="en-US" b="0" i="1" smtClean="0">
+                            <a:latin typeface="Cambria Math" panose="02040503050406030204" pitchFamily="18" charset="0"/>
+                            <a:ea typeface="Cambria Math" panose="02040503050406030204" pitchFamily="18" charset="0"/>
+                          </a:rPr>
+                        </m:ctrlPr>
+                      </m:fPr>
+                      <m:num>
+                        <m:sSup>
+                          <m:sSupPr>
+                            <m:ctrlPr>
+                              <a:rPr lang="en-US" b="0" i="1" smtClean="0">
+                                <a:latin typeface="Cambria Math" panose="02040503050406030204" pitchFamily="18" charset="0"/>
+                                <a:ea typeface="Cambria Math" panose="02040503050406030204" pitchFamily="18" charset="0"/>
+                              </a:rPr>
+                            </m:ctrlPr>
+                          </m:sSupPr>
+                          <m:e>
+                            <m:r>
+                              <a:rPr lang="en-US" b="0" i="1" smtClean="0">
+                                <a:latin typeface="Cambria Math" panose="02040503050406030204" pitchFamily="18" charset="0"/>
+                                <a:ea typeface="Cambria Math" panose="02040503050406030204" pitchFamily="18" charset="0"/>
+                              </a:rPr>
+                              <m:t>𝑝</m:t>
+                            </m:r>
+                          </m:e>
+                          <m:sup>
+                            <m:r>
+                              <a:rPr lang="en-US" b="0" i="1" smtClean="0">
+                                <a:latin typeface="Cambria Math" panose="02040503050406030204" pitchFamily="18" charset="0"/>
+                                <a:ea typeface="Cambria Math" panose="02040503050406030204" pitchFamily="18" charset="0"/>
+                              </a:rPr>
+                              <m:t>𝛽</m:t>
+                            </m:r>
+                          </m:sup>
+                        </m:sSup>
+                      </m:num>
+                      <m:den>
+                        <m:sSup>
+                          <m:sSupPr>
+                            <m:ctrlPr>
+                              <a:rPr lang="en-US" b="0" i="1" smtClean="0">
+                                <a:latin typeface="Cambria Math" panose="02040503050406030204" pitchFamily="18" charset="0"/>
+                                <a:ea typeface="Cambria Math" panose="02040503050406030204" pitchFamily="18" charset="0"/>
+                              </a:rPr>
+                            </m:ctrlPr>
+                          </m:sSupPr>
+                          <m:e>
+                            <m:r>
+                              <a:rPr lang="en-US" b="0" i="1" smtClean="0">
+                                <a:latin typeface="Cambria Math" panose="02040503050406030204" pitchFamily="18" charset="0"/>
+                                <a:ea typeface="Cambria Math" panose="02040503050406030204" pitchFamily="18" charset="0"/>
+                              </a:rPr>
+                              <m:t>(</m:t>
+                            </m:r>
+                            <m:sSup>
+                              <m:sSupPr>
+                                <m:ctrlPr>
+                                  <a:rPr lang="en-US" b="0" i="1" smtClean="0">
+                                    <a:latin typeface="Cambria Math" panose="02040503050406030204" pitchFamily="18" charset="0"/>
+                                    <a:ea typeface="Cambria Math" panose="02040503050406030204" pitchFamily="18" charset="0"/>
+                                  </a:rPr>
+                                </m:ctrlPr>
+                              </m:sSupPr>
+                              <m:e>
+                                <m:r>
+                                  <a:rPr lang="en-US" b="0" i="1" smtClean="0">
+                                    <a:latin typeface="Cambria Math" panose="02040503050406030204" pitchFamily="18" charset="0"/>
+                                    <a:ea typeface="Cambria Math" panose="02040503050406030204" pitchFamily="18" charset="0"/>
+                                  </a:rPr>
+                                  <m:t>𝑝</m:t>
+                                </m:r>
+                              </m:e>
+                              <m:sup>
+                                <m:r>
+                                  <a:rPr lang="en-US" b="0" i="1" smtClean="0">
+                                    <a:latin typeface="Cambria Math" panose="02040503050406030204" pitchFamily="18" charset="0"/>
+                                    <a:ea typeface="Cambria Math" panose="02040503050406030204" pitchFamily="18" charset="0"/>
+                                  </a:rPr>
+                                  <m:t>𝛽</m:t>
+                                </m:r>
+                              </m:sup>
+                            </m:sSup>
+                            <m:r>
+                              <a:rPr lang="en-US" b="0" i="1" smtClean="0">
+                                <a:latin typeface="Cambria Math" panose="02040503050406030204" pitchFamily="18" charset="0"/>
+                                <a:ea typeface="Cambria Math" panose="02040503050406030204" pitchFamily="18" charset="0"/>
+                              </a:rPr>
+                              <m:t>+</m:t>
+                            </m:r>
+                            <m:sSup>
+                              <m:sSupPr>
+                                <m:ctrlPr>
+                                  <a:rPr lang="en-US" b="0" i="1" smtClean="0">
+                                    <a:latin typeface="Cambria Math" panose="02040503050406030204" pitchFamily="18" charset="0"/>
+                                    <a:ea typeface="Cambria Math" panose="02040503050406030204" pitchFamily="18" charset="0"/>
+                                  </a:rPr>
+                                </m:ctrlPr>
+                              </m:sSupPr>
+                              <m:e>
+                                <m:r>
+                                  <a:rPr lang="en-US" b="0" i="1" smtClean="0">
+                                    <a:latin typeface="Cambria Math" panose="02040503050406030204" pitchFamily="18" charset="0"/>
+                                    <a:ea typeface="Cambria Math" panose="02040503050406030204" pitchFamily="18" charset="0"/>
+                                  </a:rPr>
+                                  <m:t> </m:t>
+                                </m:r>
+                                <m:d>
+                                  <m:dPr>
+                                    <m:ctrlPr>
+                                      <a:rPr lang="en-US" i="1">
+                                        <a:latin typeface="Cambria Math" panose="02040503050406030204" pitchFamily="18" charset="0"/>
+                                        <a:ea typeface="Cambria Math" panose="02040503050406030204" pitchFamily="18" charset="0"/>
+                                      </a:rPr>
+                                    </m:ctrlPr>
+                                  </m:dPr>
+                                  <m:e>
+                                    <m:r>
+                                      <a:rPr lang="en-US" i="1">
+                                        <a:latin typeface="Cambria Math" panose="02040503050406030204" pitchFamily="18" charset="0"/>
+                                        <a:ea typeface="Cambria Math" panose="02040503050406030204" pitchFamily="18" charset="0"/>
+                                      </a:rPr>
+                                      <m:t>1 −</m:t>
+                                    </m:r>
+                                    <m:r>
+                                      <a:rPr lang="en-US" i="1">
+                                        <a:latin typeface="Cambria Math" panose="02040503050406030204" pitchFamily="18" charset="0"/>
+                                        <a:ea typeface="Cambria Math" panose="02040503050406030204" pitchFamily="18" charset="0"/>
+                                      </a:rPr>
+                                      <m:t>𝑝</m:t>
+                                    </m:r>
+                                  </m:e>
+                                </m:d>
+                              </m:e>
+                              <m:sup>
+                                <m:r>
+                                  <a:rPr lang="en-US" b="0" i="1" smtClean="0">
+                                    <a:latin typeface="Cambria Math" panose="02040503050406030204" pitchFamily="18" charset="0"/>
+                                    <a:ea typeface="Cambria Math" panose="02040503050406030204" pitchFamily="18" charset="0"/>
+                                  </a:rPr>
+                                  <m:t>𝛽</m:t>
+                                </m:r>
+                              </m:sup>
+                            </m:sSup>
+                            <m:r>
+                              <a:rPr lang="en-US" b="0" i="1" smtClean="0">
+                                <a:latin typeface="Cambria Math" panose="02040503050406030204" pitchFamily="18" charset="0"/>
+                                <a:ea typeface="Cambria Math" panose="02040503050406030204" pitchFamily="18" charset="0"/>
+                              </a:rPr>
+                              <m:t>)</m:t>
+                            </m:r>
+                          </m:e>
+                          <m:sup>
+                            <m:r>
+                              <a:rPr lang="en-US" b="0" i="1" smtClean="0">
+                                <a:latin typeface="Cambria Math" panose="02040503050406030204" pitchFamily="18" charset="0"/>
+                                <a:ea typeface="Cambria Math" panose="02040503050406030204" pitchFamily="18" charset="0"/>
+                              </a:rPr>
+                              <m:t>1/</m:t>
+                            </m:r>
+                            <m:r>
+                              <a:rPr lang="en-US" b="0" i="1" smtClean="0">
+                                <a:latin typeface="Cambria Math" panose="02040503050406030204" pitchFamily="18" charset="0"/>
+                                <a:ea typeface="Cambria Math" panose="02040503050406030204" pitchFamily="18" charset="0"/>
+                              </a:rPr>
+                              <m:t>𝛽</m:t>
+                            </m:r>
+                          </m:sup>
+                        </m:sSup>
+                      </m:den>
+                    </m:f>
+                  </m:oMath>
+                </a14:m>
+                <a:endParaRPr lang="en-US" dirty="0"/>
+              </a:p>
+              <a:p>
+                <a14:m>
+                  <m:oMath xmlns:m="http://schemas.openxmlformats.org/officeDocument/2006/math">
+                    <m:r>
+                      <a:rPr lang="en-US" i="1" smtClean="0">
+                        <a:latin typeface="Cambria Math" panose="02040503050406030204" pitchFamily="18" charset="0"/>
+                        <a:ea typeface="Cambria Math" panose="02040503050406030204" pitchFamily="18" charset="0"/>
+                      </a:rPr>
+                      <m:t>∆</m:t>
+                    </m:r>
+                    <m:r>
+                      <a:rPr lang="en-US" b="0" i="1" smtClean="0">
+                        <a:latin typeface="Cambria Math" panose="02040503050406030204" pitchFamily="18" charset="0"/>
+                        <a:ea typeface="Cambria Math" panose="02040503050406030204" pitchFamily="18" charset="0"/>
+                      </a:rPr>
+                      <m:t>𝑈</m:t>
+                    </m:r>
+                    <m:r>
+                      <a:rPr lang="en-US" b="0" i="1" smtClean="0">
+                        <a:latin typeface="Cambria Math" panose="02040503050406030204" pitchFamily="18" charset="0"/>
+                        <a:ea typeface="Cambria Math" panose="02040503050406030204" pitchFamily="18" charset="0"/>
+                      </a:rPr>
+                      <m:t>= </m:t>
+                    </m:r>
+                    <m:sSub>
+                      <m:sSubPr>
+                        <m:ctrlPr>
+                          <a:rPr lang="en-US" b="0" i="1" smtClean="0">
+                            <a:latin typeface="Cambria Math" panose="02040503050406030204" pitchFamily="18" charset="0"/>
+                            <a:ea typeface="Cambria Math" panose="02040503050406030204" pitchFamily="18" charset="0"/>
+                          </a:rPr>
+                        </m:ctrlPr>
+                      </m:sSubPr>
+                      <m:e>
+                        <m:r>
+                          <a:rPr lang="en-US" b="0" i="1" smtClean="0">
+                            <a:latin typeface="Cambria Math" panose="02040503050406030204" pitchFamily="18" charset="0"/>
+                            <a:ea typeface="Cambria Math" panose="02040503050406030204" pitchFamily="18" charset="0"/>
+                          </a:rPr>
+                          <m:t>𝑈</m:t>
+                        </m:r>
+                      </m:e>
+                      <m:sub>
+                        <m:r>
+                          <a:rPr lang="en-US" b="0" i="1" smtClean="0">
+                            <a:latin typeface="Cambria Math" panose="02040503050406030204" pitchFamily="18" charset="0"/>
+                            <a:ea typeface="Cambria Math" panose="02040503050406030204" pitchFamily="18" charset="0"/>
+                          </a:rPr>
+                          <m:t>𝑅𝑖𝑠𝑘𝑦</m:t>
+                        </m:r>
+                      </m:sub>
+                    </m:sSub>
+                    <m:r>
+                      <a:rPr lang="en-US" b="0" i="1" smtClean="0">
+                        <a:latin typeface="Cambria Math" panose="02040503050406030204" pitchFamily="18" charset="0"/>
+                        <a:ea typeface="Cambria Math" panose="02040503050406030204" pitchFamily="18" charset="0"/>
+                      </a:rPr>
+                      <m:t>−</m:t>
+                    </m:r>
+                    <m:sSub>
+                      <m:sSubPr>
+                        <m:ctrlPr>
+                          <a:rPr lang="en-US" b="0" i="1" smtClean="0">
+                            <a:latin typeface="Cambria Math" panose="02040503050406030204" pitchFamily="18" charset="0"/>
+                            <a:ea typeface="Cambria Math" panose="02040503050406030204" pitchFamily="18" charset="0"/>
+                          </a:rPr>
+                        </m:ctrlPr>
+                      </m:sSubPr>
+                      <m:e>
+                        <m:r>
+                          <a:rPr lang="en-US" b="0" i="1" smtClean="0">
+                            <a:latin typeface="Cambria Math" panose="02040503050406030204" pitchFamily="18" charset="0"/>
+                            <a:ea typeface="Cambria Math" panose="02040503050406030204" pitchFamily="18" charset="0"/>
+                          </a:rPr>
+                          <m:t>𝑈</m:t>
+                        </m:r>
+                      </m:e>
+                      <m:sub>
+                        <m:r>
+                          <a:rPr lang="en-US" b="0" i="1" smtClean="0">
+                            <a:latin typeface="Cambria Math" panose="02040503050406030204" pitchFamily="18" charset="0"/>
+                            <a:ea typeface="Cambria Math" panose="02040503050406030204" pitchFamily="18" charset="0"/>
+                          </a:rPr>
+                          <m:t>𝐶𝑒𝑟𝑡𝑎𝑖𝑛</m:t>
+                        </m:r>
+                      </m:sub>
+                    </m:sSub>
+                  </m:oMath>
+                </a14:m>
+                <a:endParaRPr lang="en-US" dirty="0"/>
+              </a:p>
+              <a:p>
+                <a14:m>
+                  <m:oMath xmlns:m="http://schemas.openxmlformats.org/officeDocument/2006/math">
+                    <m:r>
+                      <a:rPr lang="en-US" b="0" i="1" smtClean="0">
+                        <a:latin typeface="Cambria Math" panose="02040503050406030204" pitchFamily="18" charset="0"/>
+                      </a:rPr>
+                      <m:t>𝑝</m:t>
+                    </m:r>
+                    <m:d>
+                      <m:dPr>
+                        <m:ctrlPr>
+                          <a:rPr lang="en-US" b="0" i="1" smtClean="0">
+                            <a:latin typeface="Cambria Math" panose="02040503050406030204" pitchFamily="18" charset="0"/>
+                          </a:rPr>
+                        </m:ctrlPr>
+                      </m:dPr>
+                      <m:e>
+                        <m:r>
+                          <a:rPr lang="en-US" b="0" i="1" smtClean="0">
+                            <a:latin typeface="Cambria Math" panose="02040503050406030204" pitchFamily="18" charset="0"/>
+                          </a:rPr>
+                          <m:t>𝑅𝑖𝑠𝑘𝑦</m:t>
+                        </m:r>
+                      </m:e>
+                    </m:d>
+                    <m:r>
+                      <a:rPr lang="en-US" b="0" i="1" smtClean="0">
+                        <a:latin typeface="Cambria Math" panose="02040503050406030204" pitchFamily="18" charset="0"/>
+                      </a:rPr>
+                      <m:t>= </m:t>
+                    </m:r>
+                    <m:f>
+                      <m:fPr>
+                        <m:ctrlPr>
+                          <a:rPr lang="en-US" b="0" i="1" smtClean="0">
+                            <a:latin typeface="Cambria Math" panose="02040503050406030204" pitchFamily="18" charset="0"/>
+                          </a:rPr>
+                        </m:ctrlPr>
+                      </m:fPr>
+                      <m:num>
+                        <m:r>
+                          <a:rPr lang="en-US" b="0" i="1" smtClean="0">
+                            <a:latin typeface="Cambria Math" panose="02040503050406030204" pitchFamily="18" charset="0"/>
+                          </a:rPr>
+                          <m:t>1</m:t>
+                        </m:r>
+                      </m:num>
+                      <m:den>
+                        <m:r>
+                          <a:rPr lang="en-US" b="0" i="1" smtClean="0">
+                            <a:latin typeface="Cambria Math" panose="02040503050406030204" pitchFamily="18" charset="0"/>
+                          </a:rPr>
+                          <m:t>1+ </m:t>
+                        </m:r>
+                        <m:sSup>
+                          <m:sSupPr>
+                            <m:ctrlPr>
+                              <a:rPr lang="en-US" b="0" i="1" smtClean="0">
+                                <a:latin typeface="Cambria Math" panose="02040503050406030204" pitchFamily="18" charset="0"/>
+                              </a:rPr>
+                            </m:ctrlPr>
+                          </m:sSupPr>
+                          <m:e>
+                            <m:r>
+                              <a:rPr lang="en-US" b="0" i="1" smtClean="0">
+                                <a:latin typeface="Cambria Math" panose="02040503050406030204" pitchFamily="18" charset="0"/>
+                              </a:rPr>
+                              <m:t>𝑒</m:t>
+                            </m:r>
+                          </m:e>
+                          <m:sup>
+                            <m:r>
+                              <a:rPr lang="en-US" b="0" i="1" smtClean="0">
+                                <a:latin typeface="Cambria Math" panose="02040503050406030204" pitchFamily="18" charset="0"/>
+                              </a:rPr>
+                              <m:t>−</m:t>
+                            </m:r>
+                            <m:r>
+                              <a:rPr lang="en-US" b="0" i="1" smtClean="0">
+                                <a:latin typeface="Cambria Math" panose="02040503050406030204" pitchFamily="18" charset="0"/>
+                                <a:ea typeface="Cambria Math" panose="02040503050406030204" pitchFamily="18" charset="0"/>
+                              </a:rPr>
+                              <m:t>𝜇</m:t>
+                            </m:r>
+                            <m:r>
+                              <a:rPr lang="en-US" b="0" i="1" smtClean="0">
+                                <a:latin typeface="Cambria Math" panose="02040503050406030204" pitchFamily="18" charset="0"/>
+                                <a:ea typeface="Cambria Math" panose="02040503050406030204" pitchFamily="18" charset="0"/>
+                              </a:rPr>
+                              <m:t>∗</m:t>
+                            </m:r>
+                            <m:r>
+                              <m:rPr>
+                                <m:sty m:val="p"/>
+                              </m:rPr>
+                              <a:rPr lang="el-GR" b="0" i="1" smtClean="0">
+                                <a:latin typeface="Cambria Math" panose="02040503050406030204" pitchFamily="18" charset="0"/>
+                                <a:ea typeface="Cambria Math" panose="02040503050406030204" pitchFamily="18" charset="0"/>
+                              </a:rPr>
+                              <m:t>Δ</m:t>
+                            </m:r>
+                            <m:r>
+                              <a:rPr lang="en-US" b="0" i="1" smtClean="0">
+                                <a:latin typeface="Cambria Math" panose="02040503050406030204" pitchFamily="18" charset="0"/>
+                                <a:ea typeface="Cambria Math" panose="02040503050406030204" pitchFamily="18" charset="0"/>
+                              </a:rPr>
+                              <m:t>𝑈</m:t>
+                            </m:r>
+                          </m:sup>
+                        </m:sSup>
+                      </m:den>
+                    </m:f>
+                  </m:oMath>
+                </a14:m>
+                <a:endParaRPr lang="en-US" dirty="0"/>
+              </a:p>
+            </p:txBody>
+          </p:sp>
+        </mc:Choice>
+        <mc:Fallback>
+          <p:sp>
+            <p:nvSpPr>
+              <p:cNvPr id="6" name="Content Placeholder 5">
+                <a:extLst>
+                  <a:ext uri="{FF2B5EF4-FFF2-40B4-BE49-F238E27FC236}">
+                    <a16:creationId xmlns:a16="http://schemas.microsoft.com/office/drawing/2014/main" id="{BE26C395-69E3-6540-AC67-E780578F4273}"/>
+                  </a:ext>
+                </a:extLst>
+              </p:cNvPr>
+              <p:cNvSpPr>
+                <a:spLocks noGrp="1" noRot="1" noChangeAspect="1" noMove="1" noResize="1" noEditPoints="1" noAdjustHandles="1" noChangeArrowheads="1" noChangeShapeType="1" noTextEdit="1"/>
+              </p:cNvSpPr>
+              <p:nvPr>
+                <p:ph idx="1"/>
+              </p:nvPr>
+            </p:nvSpPr>
+            <p:spPr>
+              <a:blipFill>
+                <a:blip r:embed="rId2"/>
+                <a:stretch>
+                  <a:fillRect l="-965" t="-2047"/>
+                </a:stretch>
+              </a:blipFill>
+            </p:spPr>
+            <p:txBody>
+              <a:bodyPr/>
+              <a:lstStyle/>
+              <a:p>
+                <a:r>
+                  <a:rPr lang="en-US">
+                    <a:noFill/>
+                  </a:rPr>
+                  <a:t> </a:t>
+                </a:r>
+              </a:p>
+            </p:txBody>
+          </p:sp>
+        </mc:Fallback>
+      </mc:AlternateContent>
+    </p:spTree>
+    <p:extLst>
+      <p:ext uri="{BB962C8B-B14F-4D97-AF65-F5344CB8AC3E}">
+        <p14:creationId xmlns:p14="http://schemas.microsoft.com/office/powerpoint/2010/main" val="3890167200"/>
+      </p:ext>
+    </p:extLst>
+  </p:cSld>
+  <p:clrMapOvr>
+    <a:masterClrMapping/>
+  </p:clrMapOvr>
+</p:sld>
+</file>
+
+<file path=ppt/slides/slide34.xml><?xml version="1.0" encoding="utf-8"?>
 <p:sld xmlns:a="http://schemas.openxmlformats.org/drawingml/2006/main" xmlns:r="http://schemas.openxmlformats.org/officeDocument/2006/relationships" xmlns:p="http://schemas.openxmlformats.org/presentationml/2006/main">
   <p:cSld>
     <p:spTree>
@@ -19463,9 +21920,21 @@
         <p:spPr/>
         <p:txBody>
           <a:bodyPr>
-            <a:normAutofit/>
+            <a:normAutofit fontScale="92500" lnSpcReduction="10000"/>
           </a:bodyPr>
           <a:lstStyle/>
+          <a:p>
+            <a:r>
+              <a:rPr lang="en-US" dirty="0"/>
+              <a:t>BUT we don’t have these blueprints!</a:t>
+            </a:r>
+          </a:p>
+          <a:p>
+            <a:r>
+              <a:rPr lang="en-US" dirty="0"/>
+              <a:t>The best we can do is construct models of how we think this machine works</a:t>
+            </a:r>
+          </a:p>
           <a:p>
             <a:r>
               <a:rPr lang="en-US" dirty="0"/>
@@ -19508,7 +21977,7 @@
         <p:spPr/>
         <p:txBody>
           <a:bodyPr>
-            <a:normAutofit/>
+            <a:normAutofit fontScale="92500" lnSpcReduction="10000"/>
           </a:bodyPr>
           <a:lstStyle/>
           <a:p>
@@ -19820,6 +22289,144 @@
                                           <p:spTgt spid="3">
                                             <p:txEl>
                                               <p:pRg st="3" end="3"/>
+                                            </p:txEl>
+                                          </p:spTgt>
+                                        </p:tgtEl>
+                                        <p:attrNameLst>
+                                          <p:attrName>ppt_c</p:attrName>
+                                        </p:attrNameLst>
+                                      </p:cBhvr>
+                                      <p:to>
+                                        <a:schemeClr val="tx2"/>
+                                      </p:to>
+                                    </p:animClr>
+                                  </p:subTnLst>
+                                </p:cTn>
+                              </p:par>
+                            </p:childTnLst>
+                          </p:cTn>
+                        </p:par>
+                      </p:childTnLst>
+                    </p:cTn>
+                  </p:par>
+                  <p:par>
+                    <p:cTn id="19" fill="hold">
+                      <p:stCondLst>
+                        <p:cond delay="indefinite"/>
+                      </p:stCondLst>
+                      <p:childTnLst>
+                        <p:par>
+                          <p:cTn id="20" fill="hold">
+                            <p:stCondLst>
+                              <p:cond delay="0"/>
+                            </p:stCondLst>
+                            <p:childTnLst>
+                              <p:par>
+                                <p:cTn id="21" presetID="1" presetClass="entr" presetSubtype="0" fill="hold" nodeType="clickEffect">
+                                  <p:stCondLst>
+                                    <p:cond delay="0"/>
+                                  </p:stCondLst>
+                                  <p:childTnLst>
+                                    <p:set>
+                                      <p:cBhvr>
+                                        <p:cTn id="22" dur="1" fill="hold">
+                                          <p:stCondLst>
+                                            <p:cond delay="0"/>
+                                          </p:stCondLst>
+                                        </p:cTn>
+                                        <p:tgtEl>
+                                          <p:spTgt spid="3">
+                                            <p:txEl>
+                                              <p:pRg st="4" end="4"/>
+                                            </p:txEl>
+                                          </p:spTgt>
+                                        </p:tgtEl>
+                                        <p:attrNameLst>
+                                          <p:attrName>style.visibility</p:attrName>
+                                        </p:attrNameLst>
+                                      </p:cBhvr>
+                                      <p:to>
+                                        <p:strVal val="visible"/>
+                                      </p:to>
+                                    </p:set>
+                                  </p:childTnLst>
+                                  <p:subTnLst>
+                                    <p:animClr clrSpc="rgb" dir="cw">
+                                      <p:cBhvr override="childStyle">
+                                        <p:cTn dur="1" fill="hold" display="0" masterRel="nextClick" afterEffect="1"/>
+                                        <p:tgtEl>
+                                          <p:spTgt spid="3">
+                                            <p:txEl>
+                                              <p:pRg st="4" end="4"/>
+                                            </p:txEl>
+                                          </p:spTgt>
+                                        </p:tgtEl>
+                                        <p:attrNameLst>
+                                          <p:attrName>ppt_c</p:attrName>
+                                        </p:attrNameLst>
+                                      </p:cBhvr>
+                                      <p:to>
+                                        <a:schemeClr val="tx2"/>
+                                      </p:to>
+                                    </p:animClr>
+                                  </p:subTnLst>
+                                </p:cTn>
+                              </p:par>
+                            </p:childTnLst>
+                          </p:cTn>
+                        </p:par>
+                      </p:childTnLst>
+                    </p:cTn>
+                  </p:par>
+                  <p:par>
+                    <p:cTn id="23" fill="hold">
+                      <p:stCondLst>
+                        <p:cond delay="indefinite"/>
+                      </p:stCondLst>
+                      <p:childTnLst>
+                        <p:par>
+                          <p:cTn id="24" fill="hold">
+                            <p:stCondLst>
+                              <p:cond delay="0"/>
+                            </p:stCondLst>
+                            <p:childTnLst>
+                              <p:par>
+                                <p:cTn id="25" presetID="1" presetClass="entr" presetSubtype="0" fill="hold" nodeType="clickEffect">
+                                  <p:stCondLst>
+                                    <p:cond delay="0"/>
+                                  </p:stCondLst>
+                                  <p:childTnLst>
+                                    <p:set>
+                                      <p:cBhvr>
+                                        <p:cTn id="26" dur="1" fill="hold">
+                                          <p:stCondLst>
+                                            <p:cond delay="0"/>
+                                          </p:stCondLst>
+                                        </p:cTn>
+                                        <p:tgtEl>
+                                          <p:spTgt spid="3">
+                                            <p:txEl>
+                                              <p:pRg st="5" end="5"/>
+                                            </p:txEl>
+                                          </p:spTgt>
+                                        </p:tgtEl>
+                                        <p:attrNameLst>
+                                          <p:attrName>style.visibility</p:attrName>
+                                        </p:attrNameLst>
+                                      </p:cBhvr>
+                                      <p:to>
+                                        <p:strVal val="visible"/>
+                                      </p:to>
+                                    </p:set>
+                                  </p:childTnLst>
+                                  <p:subTnLst>
+                                    <p:animClr clrSpc="rgb" dir="cw">
+                                      <p:cBhvr override="childStyle">
+                                        <p:cTn dur="1" fill="hold" display="0" masterRel="nextClick" afterEffect="1"/>
+                                        <p:tgtEl>
+                                          <p:spTgt spid="3">
+                                            <p:txEl>
+                                              <p:pRg st="5" end="5"/>
                                             </p:txEl>
                                           </p:spTgt>
                                         </p:tgtEl>
@@ -20555,8 +23162,8 @@
         </p:nvSpPr>
         <p:spPr>
           <a:xfrm>
-            <a:off x="11587397" y="1825625"/>
-            <a:ext cx="1663907" cy="369332"/>
+            <a:off x="3293533" y="6176963"/>
+            <a:ext cx="8898467" cy="646331"/>
           </a:xfrm>
           <a:prstGeom prst="rect">
             <a:avLst/>
@@ -20570,9 +23177,14 @@
           <a:lstStyle/>
           <a:p>
             <a:r>
-              <a:rPr lang="en-US" dirty="0" err="1"/>
-              <a:t>Busemeyer</a:t>
+              <a:rPr lang="en-CA" dirty="0">
+                <a:hlinkClick r:id="rId3"/>
+              </a:rPr>
+              <a:t>http://facweb.cti.depaul.edu/mobasher/classes/HON207/Readings/cognitive-modeling.pdf</a:t>
             </a:r>
+            <a:endParaRPr lang="en-US" dirty="0"/>
+          </a:p>
+          <a:p>
             <a:endParaRPr lang="en-US" dirty="0"/>
           </a:p>
         </p:txBody>
@@ -21073,8 +23685,8 @@
           </a:p>
         </p:txBody>
       </p:sp>
-      <mc:AlternateContent xmlns:mc="http://schemas.openxmlformats.org/markup-compatibility/2006" xmlns:a14="http://schemas.microsoft.com/office/drawing/2010/main">
-        <mc:Choice Requires="a14">
+      <mc:AlternateContent xmlns:mc="http://schemas.openxmlformats.org/markup-compatibility/2006">
+        <mc:Choice xmlns:a14="http://schemas.microsoft.com/office/drawing/2010/main" Requires="a14">
           <p:sp>
             <p:nvSpPr>
               <p:cNvPr id="3" name="Content Placeholder 2"/>
@@ -21087,7 +23699,9 @@
             </p:nvSpPr>
             <p:spPr/>
             <p:txBody>
-              <a:bodyPr/>
+              <a:bodyPr>
+                <a:normAutofit fontScale="92500" lnSpcReduction="10000"/>
+              </a:bodyPr>
               <a:lstStyle/>
               <a:p>
                 <a:r>
@@ -21179,10 +23793,16 @@
                   <a:t>b the slope </a:t>
                 </a:r>
               </a:p>
+              <a:p>
+                <a:r>
+                  <a:rPr lang="en-US" dirty="0"/>
+                  <a:t>The more you add the more “flexible” this line becomes</a:t>
+                </a:r>
+              </a:p>
             </p:txBody>
           </p:sp>
         </mc:Choice>
-        <mc:Fallback xmlns="">
+        <mc:Fallback>
           <p:sp>
             <p:nvSpPr>
               <p:cNvPr id="3" name="Content Placeholder 2"/>
@@ -21194,10 +23814,10 @@
               </p:nvPr>
             </p:nvSpPr>
             <p:spPr>
-              <a:blipFill rotWithShape="0">
+              <a:blipFill>
                 <a:blip r:embed="rId2"/>
                 <a:stretch>
-                  <a:fillRect l="-2118" t="-2241" r="-2235"/>
+                  <a:fillRect l="-1711" t="-2924" r="-2934"/>
                 </a:stretch>
               </a:blipFill>
             </p:spPr>
@@ -21245,6 +23865,275 @@
           </a:xfrm>
         </p:spPr>
       </p:pic>
+      <p:sp>
+        <p:nvSpPr>
+          <p:cNvPr id="5" name="Freeform 4">
+            <a:extLst>
+              <a:ext uri="{FF2B5EF4-FFF2-40B4-BE49-F238E27FC236}">
+                <a16:creationId xmlns:a16="http://schemas.microsoft.com/office/drawing/2014/main" id="{85D7A5FF-3304-5345-9151-84052D2C1298}"/>
+              </a:ext>
+            </a:extLst>
+          </p:cNvPr>
+          <p:cNvSpPr/>
+          <p:nvPr/>
+        </p:nvSpPr>
+        <p:spPr>
+          <a:xfrm>
+            <a:off x="7103534" y="2399902"/>
+            <a:ext cx="3530600" cy="1528631"/>
+          </a:xfrm>
+          <a:custGeom>
+            <a:avLst/>
+            <a:gdLst>
+              <a:gd name="connsiteX0" fmla="*/ 0 w 3996266"/>
+              <a:gd name="connsiteY0" fmla="*/ 0 h 1778013"/>
+              <a:gd name="connsiteX1" fmla="*/ 1921933 w 3996266"/>
+              <a:gd name="connsiteY1" fmla="*/ 1778000 h 1778013"/>
+              <a:gd name="connsiteX2" fmla="*/ 3996266 w 3996266"/>
+              <a:gd name="connsiteY2" fmla="*/ 33866 h 1778013"/>
+            </a:gdLst>
+            <a:ahLst/>
+            <a:cxnLst>
+              <a:cxn ang="0">
+                <a:pos x="connsiteX0" y="connsiteY0"/>
+              </a:cxn>
+              <a:cxn ang="0">
+                <a:pos x="connsiteX1" y="connsiteY1"/>
+              </a:cxn>
+              <a:cxn ang="0">
+                <a:pos x="connsiteX2" y="connsiteY2"/>
+              </a:cxn>
+            </a:cxnLst>
+            <a:rect l="l" t="t" r="r" b="b"/>
+            <a:pathLst>
+              <a:path w="3996266" h="1778013">
+                <a:moveTo>
+                  <a:pt x="0" y="0"/>
+                </a:moveTo>
+                <a:cubicBezTo>
+                  <a:pt x="627944" y="886178"/>
+                  <a:pt x="1255889" y="1772356"/>
+                  <a:pt x="1921933" y="1778000"/>
+                </a:cubicBezTo>
+                <a:cubicBezTo>
+                  <a:pt x="2587977" y="1783644"/>
+                  <a:pt x="3996266" y="33866"/>
+                  <a:pt x="3996266" y="33866"/>
+                </a:cubicBezTo>
+              </a:path>
+            </a:pathLst>
+          </a:custGeom>
+          <a:noFill/>
+          <a:ln w="38100">
+            <a:solidFill>
+              <a:srgbClr val="7030A0"/>
+            </a:solidFill>
+          </a:ln>
+        </p:spPr>
+        <p:style>
+          <a:lnRef idx="2">
+            <a:schemeClr val="accent1">
+              <a:shade val="50000"/>
+            </a:schemeClr>
+          </a:lnRef>
+          <a:fillRef idx="1">
+            <a:schemeClr val="accent1"/>
+          </a:fillRef>
+          <a:effectRef idx="0">
+            <a:schemeClr val="accent1"/>
+          </a:effectRef>
+          <a:fontRef idx="minor">
+            <a:schemeClr val="lt1"/>
+          </a:fontRef>
+        </p:style>
+        <p:txBody>
+          <a:bodyPr rtlCol="0" anchor="ctr"/>
+          <a:lstStyle/>
+          <a:p>
+            <a:pPr algn="ctr"/>
+            <a:endParaRPr lang="en-US"/>
+          </a:p>
+        </p:txBody>
+      </p:sp>
+      <mc:AlternateContent xmlns:mc="http://schemas.openxmlformats.org/markup-compatibility/2006">
+        <mc:Choice xmlns:a14="http://schemas.microsoft.com/office/drawing/2010/main" Requires="a14">
+          <p:sp>
+            <p:nvSpPr>
+              <p:cNvPr id="6" name="TextBox 5">
+                <a:extLst>
+                  <a:ext uri="{FF2B5EF4-FFF2-40B4-BE49-F238E27FC236}">
+                    <a16:creationId xmlns:a16="http://schemas.microsoft.com/office/drawing/2014/main" id="{66B71576-7214-024C-98AA-446C62AFC3E3}"/>
+                  </a:ext>
+                </a:extLst>
+              </p:cNvPr>
+              <p:cNvSpPr txBox="1"/>
+              <p:nvPr/>
+            </p:nvSpPr>
+            <p:spPr>
+              <a:xfrm>
+                <a:off x="7103534" y="1105913"/>
+                <a:ext cx="3659993" cy="584775"/>
+              </a:xfrm>
+              <a:prstGeom prst="rect">
+                <a:avLst/>
+              </a:prstGeom>
+              <a:noFill/>
+            </p:spPr>
+            <p:txBody>
+              <a:bodyPr wrap="square" rtlCol="0">
+                <a:spAutoFit/>
+              </a:bodyPr>
+              <a:lstStyle/>
+              <a:p>
+                <a:pPr/>
+                <a14:m>
+                  <m:oMathPara xmlns:m="http://schemas.openxmlformats.org/officeDocument/2006/math">
+                    <m:oMathParaPr>
+                      <m:jc m:val="centerGroup"/>
+                    </m:oMathParaPr>
+                    <m:oMath xmlns:m="http://schemas.openxmlformats.org/officeDocument/2006/math">
+                      <m:r>
+                        <a:rPr lang="en-US" sz="3200" b="0" i="1" smtClean="0">
+                          <a:latin typeface="Cambria Math" charset="0"/>
+                        </a:rPr>
+                        <m:t>𝑌</m:t>
+                      </m:r>
+                      <m:r>
+                        <a:rPr lang="en-US" sz="3200" b="0" i="1" smtClean="0">
+                          <a:latin typeface="Cambria Math" charset="0"/>
+                        </a:rPr>
+                        <m:t>=</m:t>
+                      </m:r>
+                      <m:r>
+                        <a:rPr lang="en-US" sz="3200" b="0" i="1" smtClean="0">
+                          <a:latin typeface="Cambria Math" panose="02040503050406030204" pitchFamily="18" charset="0"/>
+                        </a:rPr>
+                        <m:t>𝑐</m:t>
+                      </m:r>
+                      <m:sSup>
+                        <m:sSupPr>
+                          <m:ctrlPr>
+                            <a:rPr lang="en-US" sz="3200" b="0" i="1" smtClean="0">
+                              <a:latin typeface="Cambria Math" panose="02040503050406030204" pitchFamily="18" charset="0"/>
+                              <a:ea typeface="Cambria Math" charset="0"/>
+                              <a:cs typeface="Cambria Math" charset="0"/>
+                            </a:rPr>
+                          </m:ctrlPr>
+                        </m:sSupPr>
+                        <m:e>
+                          <m:r>
+                            <a:rPr lang="en-US" sz="3200" b="0" i="1" smtClean="0">
+                              <a:latin typeface="Cambria Math" charset="0"/>
+                              <a:ea typeface="Cambria Math" charset="0"/>
+                              <a:cs typeface="Cambria Math" charset="0"/>
+                            </a:rPr>
+                            <m:t>𝑋</m:t>
+                          </m:r>
+                        </m:e>
+                        <m:sup>
+                          <m:r>
+                            <a:rPr lang="en-US" sz="3200" b="0" i="1" smtClean="0">
+                              <a:latin typeface="Cambria Math" charset="0"/>
+                              <a:ea typeface="Cambria Math" charset="0"/>
+                              <a:cs typeface="Cambria Math" charset="0"/>
+                            </a:rPr>
+                            <m:t>2</m:t>
+                          </m:r>
+                        </m:sup>
+                      </m:sSup>
+                      <m:r>
+                        <a:rPr lang="en-US" sz="3200" b="0" i="1" smtClean="0">
+                          <a:latin typeface="Cambria Math" charset="0"/>
+                          <a:ea typeface="Cambria Math" charset="0"/>
+                          <a:cs typeface="Cambria Math" charset="0"/>
+                        </a:rPr>
+                        <m:t>+</m:t>
+                      </m:r>
+                      <m:r>
+                        <a:rPr lang="en-US" sz="3200" b="0" i="1" smtClean="0">
+                          <a:latin typeface="Cambria Math" panose="02040503050406030204" pitchFamily="18" charset="0"/>
+                          <a:ea typeface="Cambria Math" charset="0"/>
+                          <a:cs typeface="Cambria Math" charset="0"/>
+                        </a:rPr>
+                        <m:t>𝑎</m:t>
+                      </m:r>
+                      <m:r>
+                        <a:rPr lang="en-US" sz="3200" b="0" i="1" smtClean="0">
+                          <a:latin typeface="Cambria Math" charset="0"/>
+                          <a:ea typeface="Cambria Math" charset="0"/>
+                          <a:cs typeface="Cambria Math" charset="0"/>
+                        </a:rPr>
+                        <m:t>𝑋</m:t>
+                      </m:r>
+                      <m:r>
+                        <a:rPr lang="en-US" sz="3200" b="0" i="1" smtClean="0">
+                          <a:latin typeface="Cambria Math" charset="0"/>
+                          <a:ea typeface="Cambria Math" charset="0"/>
+                          <a:cs typeface="Cambria Math" charset="0"/>
+                        </a:rPr>
+                        <m:t>+</m:t>
+                      </m:r>
+                      <m:r>
+                        <a:rPr lang="en-US" sz="3200" b="0" i="1" smtClean="0">
+                          <a:latin typeface="Cambria Math" panose="02040503050406030204" pitchFamily="18" charset="0"/>
+                          <a:ea typeface="Cambria Math" charset="0"/>
+                          <a:cs typeface="Cambria Math" charset="0"/>
+                        </a:rPr>
+                        <m:t>𝑏</m:t>
+                      </m:r>
+                    </m:oMath>
+                  </m:oMathPara>
+                </a14:m>
+                <a:endParaRPr lang="en-US" sz="3200" dirty="0"/>
+              </a:p>
+            </p:txBody>
+          </p:sp>
+        </mc:Choice>
+        <mc:Fallback>
+          <p:sp>
+            <p:nvSpPr>
+              <p:cNvPr id="6" name="TextBox 5">
+                <a:extLst>
+                  <a:ext uri="{FF2B5EF4-FFF2-40B4-BE49-F238E27FC236}">
+                    <a16:creationId xmlns:a16="http://schemas.microsoft.com/office/drawing/2014/main" id="{66B71576-7214-024C-98AA-446C62AFC3E3}"/>
+                  </a:ext>
+                </a:extLst>
+              </p:cNvPr>
+              <p:cNvSpPr txBox="1">
+                <a:spLocks noRot="1" noChangeAspect="1" noMove="1" noResize="1" noEditPoints="1" noAdjustHandles="1" noChangeArrowheads="1" noChangeShapeType="1" noTextEdit="1"/>
+              </p:cNvSpPr>
+              <p:nvPr/>
+            </p:nvSpPr>
+            <p:spPr>
+              <a:xfrm>
+                <a:off x="7103534" y="1105913"/>
+                <a:ext cx="3659993" cy="584775"/>
+              </a:xfrm>
+              <a:prstGeom prst="rect">
+                <a:avLst/>
+              </a:prstGeom>
+              <a:blipFill>
+                <a:blip r:embed="rId4"/>
+                <a:stretch>
+                  <a:fillRect/>
+                </a:stretch>
+              </a:blipFill>
+            </p:spPr>
+            <p:txBody>
+              <a:bodyPr/>
+              <a:lstStyle/>
+              <a:p>
+                <a:r>
+                  <a:rPr lang="en-US">
+                    <a:noFill/>
+                  </a:rPr>
+                  <a:t> </a:t>
+                </a:r>
+              </a:p>
+            </p:txBody>
+          </p:sp>
+        </mc:Fallback>
+      </mc:AlternateContent>
     </p:spTree>
     <p:extLst>
       <p:ext uri="{BB962C8B-B14F-4D97-AF65-F5344CB8AC3E}">
@@ -21255,6 +24144,526 @@
   <p:clrMapOvr>
     <a:masterClrMapping/>
   </p:clrMapOvr>
+  <p:timing>
+    <p:tnLst>
+      <p:par>
+        <p:cTn id="1" dur="indefinite" restart="never" nodeType="tmRoot">
+          <p:childTnLst>
+            <p:seq concurrent="1" nextAc="seek">
+              <p:cTn id="2" dur="indefinite" nodeType="mainSeq">
+                <p:childTnLst>
+                  <p:par>
+                    <p:cTn id="3" fill="hold">
+                      <p:stCondLst>
+                        <p:cond delay="indefinite"/>
+                      </p:stCondLst>
+                      <p:childTnLst>
+                        <p:par>
+                          <p:cTn id="4" fill="hold">
+                            <p:stCondLst>
+                              <p:cond delay="0"/>
+                            </p:stCondLst>
+                            <p:childTnLst>
+                              <p:par>
+                                <p:cTn id="5" presetID="1" presetClass="entr" presetSubtype="0" fill="hold" nodeType="clickEffect">
+                                  <p:stCondLst>
+                                    <p:cond delay="0"/>
+                                  </p:stCondLst>
+                                  <p:childTnLst>
+                                    <p:set>
+                                      <p:cBhvr>
+                                        <p:cTn id="6" dur="1" fill="hold">
+                                          <p:stCondLst>
+                                            <p:cond delay="0"/>
+                                          </p:stCondLst>
+                                        </p:cTn>
+                                        <p:tgtEl>
+                                          <p:spTgt spid="3">
+                                            <p:txEl>
+                                              <p:pRg st="0" end="0"/>
+                                            </p:txEl>
+                                          </p:spTgt>
+                                        </p:tgtEl>
+                                        <p:attrNameLst>
+                                          <p:attrName>style.visibility</p:attrName>
+                                        </p:attrNameLst>
+                                      </p:cBhvr>
+                                      <p:to>
+                                        <p:strVal val="visible"/>
+                                      </p:to>
+                                    </p:set>
+                                  </p:childTnLst>
+                                  <p:subTnLst>
+                                    <p:animClr clrSpc="rgb" dir="cw">
+                                      <p:cBhvr override="childStyle">
+                                        <p:cTn dur="1" fill="hold" display="0" masterRel="nextClick" afterEffect="1"/>
+                                        <p:tgtEl>
+                                          <p:spTgt spid="3">
+                                            <p:txEl>
+                                              <p:pRg st="0" end="0"/>
+                                            </p:txEl>
+                                          </p:spTgt>
+                                        </p:tgtEl>
+                                        <p:attrNameLst>
+                                          <p:attrName>ppt_c</p:attrName>
+                                        </p:attrNameLst>
+                                      </p:cBhvr>
+                                      <p:to>
+                                        <a:schemeClr val="tx2"/>
+                                      </p:to>
+                                    </p:animClr>
+                                  </p:subTnLst>
+                                </p:cTn>
+                              </p:par>
+                            </p:childTnLst>
+                          </p:cTn>
+                        </p:par>
+                      </p:childTnLst>
+                    </p:cTn>
+                  </p:par>
+                  <p:par>
+                    <p:cTn id="7" fill="hold">
+                      <p:stCondLst>
+                        <p:cond delay="indefinite"/>
+                      </p:stCondLst>
+                      <p:childTnLst>
+                        <p:par>
+                          <p:cTn id="8" fill="hold">
+                            <p:stCondLst>
+                              <p:cond delay="0"/>
+                            </p:stCondLst>
+                            <p:childTnLst>
+                              <p:par>
+                                <p:cTn id="9" presetID="1" presetClass="entr" presetSubtype="0" fill="hold" nodeType="clickEffect">
+                                  <p:stCondLst>
+                                    <p:cond delay="0"/>
+                                  </p:stCondLst>
+                                  <p:childTnLst>
+                                    <p:set>
+                                      <p:cBhvr>
+                                        <p:cTn id="10" dur="1" fill="hold">
+                                          <p:stCondLst>
+                                            <p:cond delay="0"/>
+                                          </p:stCondLst>
+                                        </p:cTn>
+                                        <p:tgtEl>
+                                          <p:spTgt spid="3">
+                                            <p:txEl>
+                                              <p:pRg st="1" end="1"/>
+                                            </p:txEl>
+                                          </p:spTgt>
+                                        </p:tgtEl>
+                                        <p:attrNameLst>
+                                          <p:attrName>style.visibility</p:attrName>
+                                        </p:attrNameLst>
+                                      </p:cBhvr>
+                                      <p:to>
+                                        <p:strVal val="visible"/>
+                                      </p:to>
+                                    </p:set>
+                                  </p:childTnLst>
+                                  <p:subTnLst>
+                                    <p:animClr clrSpc="rgb" dir="cw">
+                                      <p:cBhvr override="childStyle">
+                                        <p:cTn dur="1" fill="hold" display="0" masterRel="nextClick" afterEffect="1"/>
+                                        <p:tgtEl>
+                                          <p:spTgt spid="3">
+                                            <p:txEl>
+                                              <p:pRg st="1" end="1"/>
+                                            </p:txEl>
+                                          </p:spTgt>
+                                        </p:tgtEl>
+                                        <p:attrNameLst>
+                                          <p:attrName>ppt_c</p:attrName>
+                                        </p:attrNameLst>
+                                      </p:cBhvr>
+                                      <p:to>
+                                        <a:schemeClr val="tx2"/>
+                                      </p:to>
+                                    </p:animClr>
+                                  </p:subTnLst>
+                                </p:cTn>
+                              </p:par>
+                            </p:childTnLst>
+                          </p:cTn>
+                        </p:par>
+                      </p:childTnLst>
+                    </p:cTn>
+                  </p:par>
+                  <p:par>
+                    <p:cTn id="11" fill="hold">
+                      <p:stCondLst>
+                        <p:cond delay="indefinite"/>
+                      </p:stCondLst>
+                      <p:childTnLst>
+                        <p:par>
+                          <p:cTn id="12" fill="hold">
+                            <p:stCondLst>
+                              <p:cond delay="0"/>
+                            </p:stCondLst>
+                            <p:childTnLst>
+                              <p:par>
+                                <p:cTn id="13" presetID="1" presetClass="entr" presetSubtype="0" fill="hold" nodeType="clickEffect">
+                                  <p:stCondLst>
+                                    <p:cond delay="0"/>
+                                  </p:stCondLst>
+                                  <p:childTnLst>
+                                    <p:set>
+                                      <p:cBhvr>
+                                        <p:cTn id="14" dur="1" fill="hold">
+                                          <p:stCondLst>
+                                            <p:cond delay="0"/>
+                                          </p:stCondLst>
+                                        </p:cTn>
+                                        <p:tgtEl>
+                                          <p:spTgt spid="3">
+                                            <p:txEl>
+                                              <p:pRg st="2" end="2"/>
+                                            </p:txEl>
+                                          </p:spTgt>
+                                        </p:tgtEl>
+                                        <p:attrNameLst>
+                                          <p:attrName>style.visibility</p:attrName>
+                                        </p:attrNameLst>
+                                      </p:cBhvr>
+                                      <p:to>
+                                        <p:strVal val="visible"/>
+                                      </p:to>
+                                    </p:set>
+                                  </p:childTnLst>
+                                  <p:subTnLst>
+                                    <p:animClr clrSpc="rgb" dir="cw">
+                                      <p:cBhvr override="childStyle">
+                                        <p:cTn dur="1" fill="hold" display="0" masterRel="nextClick" afterEffect="1"/>
+                                        <p:tgtEl>
+                                          <p:spTgt spid="3">
+                                            <p:txEl>
+                                              <p:pRg st="2" end="2"/>
+                                            </p:txEl>
+                                          </p:spTgt>
+                                        </p:tgtEl>
+                                        <p:attrNameLst>
+                                          <p:attrName>ppt_c</p:attrName>
+                                        </p:attrNameLst>
+                                      </p:cBhvr>
+                                      <p:to>
+                                        <a:schemeClr val="tx2"/>
+                                      </p:to>
+                                    </p:animClr>
+                                  </p:subTnLst>
+                                </p:cTn>
+                              </p:par>
+                            </p:childTnLst>
+                          </p:cTn>
+                        </p:par>
+                      </p:childTnLst>
+                    </p:cTn>
+                  </p:par>
+                  <p:par>
+                    <p:cTn id="15" fill="hold">
+                      <p:stCondLst>
+                        <p:cond delay="indefinite"/>
+                      </p:stCondLst>
+                      <p:childTnLst>
+                        <p:par>
+                          <p:cTn id="16" fill="hold">
+                            <p:stCondLst>
+                              <p:cond delay="0"/>
+                            </p:stCondLst>
+                            <p:childTnLst>
+                              <p:par>
+                                <p:cTn id="17" presetID="1" presetClass="entr" presetSubtype="0" fill="hold" nodeType="clickEffect">
+                                  <p:stCondLst>
+                                    <p:cond delay="0"/>
+                                  </p:stCondLst>
+                                  <p:childTnLst>
+                                    <p:set>
+                                      <p:cBhvr>
+                                        <p:cTn id="18" dur="1" fill="hold">
+                                          <p:stCondLst>
+                                            <p:cond delay="0"/>
+                                          </p:stCondLst>
+                                        </p:cTn>
+                                        <p:tgtEl>
+                                          <p:spTgt spid="3">
+                                            <p:txEl>
+                                              <p:pRg st="3" end="3"/>
+                                            </p:txEl>
+                                          </p:spTgt>
+                                        </p:tgtEl>
+                                        <p:attrNameLst>
+                                          <p:attrName>style.visibility</p:attrName>
+                                        </p:attrNameLst>
+                                      </p:cBhvr>
+                                      <p:to>
+                                        <p:strVal val="visible"/>
+                                      </p:to>
+                                    </p:set>
+                                  </p:childTnLst>
+                                  <p:subTnLst>
+                                    <p:animClr clrSpc="rgb" dir="cw">
+                                      <p:cBhvr override="childStyle">
+                                        <p:cTn dur="1" fill="hold" display="0" masterRel="nextClick" afterEffect="1"/>
+                                        <p:tgtEl>
+                                          <p:spTgt spid="3">
+                                            <p:txEl>
+                                              <p:pRg st="3" end="3"/>
+                                            </p:txEl>
+                                          </p:spTgt>
+                                        </p:tgtEl>
+                                        <p:attrNameLst>
+                                          <p:attrName>ppt_c</p:attrName>
+                                        </p:attrNameLst>
+                                      </p:cBhvr>
+                                      <p:to>
+                                        <a:schemeClr val="tx2"/>
+                                      </p:to>
+                                    </p:animClr>
+                                  </p:subTnLst>
+                                </p:cTn>
+                              </p:par>
+                            </p:childTnLst>
+                          </p:cTn>
+                        </p:par>
+                      </p:childTnLst>
+                    </p:cTn>
+                  </p:par>
+                  <p:par>
+                    <p:cTn id="19" fill="hold">
+                      <p:stCondLst>
+                        <p:cond delay="indefinite"/>
+                      </p:stCondLst>
+                      <p:childTnLst>
+                        <p:par>
+                          <p:cTn id="20" fill="hold">
+                            <p:stCondLst>
+                              <p:cond delay="0"/>
+                            </p:stCondLst>
+                            <p:childTnLst>
+                              <p:par>
+                                <p:cTn id="21" presetID="1" presetClass="entr" presetSubtype="0" fill="hold" nodeType="clickEffect">
+                                  <p:stCondLst>
+                                    <p:cond delay="0"/>
+                                  </p:stCondLst>
+                                  <p:childTnLst>
+                                    <p:set>
+                                      <p:cBhvr>
+                                        <p:cTn id="22" dur="1" fill="hold">
+                                          <p:stCondLst>
+                                            <p:cond delay="0"/>
+                                          </p:stCondLst>
+                                        </p:cTn>
+                                        <p:tgtEl>
+                                          <p:spTgt spid="3">
+                                            <p:txEl>
+                                              <p:pRg st="4" end="4"/>
+                                            </p:txEl>
+                                          </p:spTgt>
+                                        </p:tgtEl>
+                                        <p:attrNameLst>
+                                          <p:attrName>style.visibility</p:attrName>
+                                        </p:attrNameLst>
+                                      </p:cBhvr>
+                                      <p:to>
+                                        <p:strVal val="visible"/>
+                                      </p:to>
+                                    </p:set>
+                                  </p:childTnLst>
+                                  <p:subTnLst>
+                                    <p:animClr clrSpc="rgb" dir="cw">
+                                      <p:cBhvr override="childStyle">
+                                        <p:cTn dur="1" fill="hold" display="0" masterRel="nextClick" afterEffect="1"/>
+                                        <p:tgtEl>
+                                          <p:spTgt spid="3">
+                                            <p:txEl>
+                                              <p:pRg st="4" end="4"/>
+                                            </p:txEl>
+                                          </p:spTgt>
+                                        </p:tgtEl>
+                                        <p:attrNameLst>
+                                          <p:attrName>ppt_c</p:attrName>
+                                        </p:attrNameLst>
+                                      </p:cBhvr>
+                                      <p:to>
+                                        <a:schemeClr val="tx2"/>
+                                      </p:to>
+                                    </p:animClr>
+                                  </p:subTnLst>
+                                </p:cTn>
+                              </p:par>
+                            </p:childTnLst>
+                          </p:cTn>
+                        </p:par>
+                      </p:childTnLst>
+                    </p:cTn>
+                  </p:par>
+                  <p:par>
+                    <p:cTn id="23" fill="hold">
+                      <p:stCondLst>
+                        <p:cond delay="indefinite"/>
+                      </p:stCondLst>
+                      <p:childTnLst>
+                        <p:par>
+                          <p:cTn id="24" fill="hold">
+                            <p:stCondLst>
+                              <p:cond delay="0"/>
+                            </p:stCondLst>
+                            <p:childTnLst>
+                              <p:par>
+                                <p:cTn id="25" presetID="1" presetClass="entr" presetSubtype="0" fill="hold" nodeType="clickEffect">
+                                  <p:stCondLst>
+                                    <p:cond delay="0"/>
+                                  </p:stCondLst>
+                                  <p:childTnLst>
+                                    <p:set>
+                                      <p:cBhvr>
+                                        <p:cTn id="26" dur="1" fill="hold">
+                                          <p:stCondLst>
+                                            <p:cond delay="0"/>
+                                          </p:stCondLst>
+                                        </p:cTn>
+                                        <p:tgtEl>
+                                          <p:spTgt spid="3">
+                                            <p:txEl>
+                                              <p:pRg st="5" end="5"/>
+                                            </p:txEl>
+                                          </p:spTgt>
+                                        </p:tgtEl>
+                                        <p:attrNameLst>
+                                          <p:attrName>style.visibility</p:attrName>
+                                        </p:attrNameLst>
+                                      </p:cBhvr>
+                                      <p:to>
+                                        <p:strVal val="visible"/>
+                                      </p:to>
+                                    </p:set>
+                                  </p:childTnLst>
+                                  <p:subTnLst>
+                                    <p:animClr clrSpc="rgb" dir="cw">
+                                      <p:cBhvr override="childStyle">
+                                        <p:cTn dur="1" fill="hold" display="0" masterRel="nextClick" afterEffect="1"/>
+                                        <p:tgtEl>
+                                          <p:spTgt spid="3">
+                                            <p:txEl>
+                                              <p:pRg st="5" end="5"/>
+                                            </p:txEl>
+                                          </p:spTgt>
+                                        </p:tgtEl>
+                                        <p:attrNameLst>
+                                          <p:attrName>ppt_c</p:attrName>
+                                        </p:attrNameLst>
+                                      </p:cBhvr>
+                                      <p:to>
+                                        <a:schemeClr val="tx2"/>
+                                      </p:to>
+                                    </p:animClr>
+                                  </p:subTnLst>
+                                </p:cTn>
+                              </p:par>
+                            </p:childTnLst>
+                          </p:cTn>
+                        </p:par>
+                      </p:childTnLst>
+                    </p:cTn>
+                  </p:par>
+                  <p:par>
+                    <p:cTn id="27" fill="hold">
+                      <p:stCondLst>
+                        <p:cond delay="indefinite"/>
+                      </p:stCondLst>
+                      <p:childTnLst>
+                        <p:par>
+                          <p:cTn id="28" fill="hold">
+                            <p:stCondLst>
+                              <p:cond delay="0"/>
+                            </p:stCondLst>
+                            <p:childTnLst>
+                              <p:par>
+                                <p:cTn id="29" presetID="1" presetClass="entr" presetSubtype="0" fill="hold" grpId="2" nodeType="clickEffect">
+                                  <p:stCondLst>
+                                    <p:cond delay="0"/>
+                                  </p:stCondLst>
+                                  <p:childTnLst>
+                                    <p:set>
+                                      <p:cBhvr>
+                                        <p:cTn id="30" dur="1" fill="hold">
+                                          <p:stCondLst>
+                                            <p:cond delay="0"/>
+                                          </p:stCondLst>
+                                        </p:cTn>
+                                        <p:tgtEl>
+                                          <p:spTgt spid="6"/>
+                                        </p:tgtEl>
+                                        <p:attrNameLst>
+                                          <p:attrName>style.visibility</p:attrName>
+                                        </p:attrNameLst>
+                                      </p:cBhvr>
+                                      <p:to>
+                                        <p:strVal val="visible"/>
+                                      </p:to>
+                                    </p:set>
+                                  </p:childTnLst>
+                                </p:cTn>
+                              </p:par>
+                              <p:par>
+                                <p:cTn id="31" presetID="1" presetClass="entr" presetSubtype="0" fill="hold" grpId="0" nodeType="withEffect">
+                                  <p:stCondLst>
+                                    <p:cond delay="0"/>
+                                  </p:stCondLst>
+                                  <p:childTnLst>
+                                    <p:set>
+                                      <p:cBhvr>
+                                        <p:cTn id="32" dur="1" fill="hold">
+                                          <p:stCondLst>
+                                            <p:cond delay="0"/>
+                                          </p:stCondLst>
+                                        </p:cTn>
+                                        <p:tgtEl>
+                                          <p:spTgt spid="5"/>
+                                        </p:tgtEl>
+                                        <p:attrNameLst>
+                                          <p:attrName>style.visibility</p:attrName>
+                                        </p:attrNameLst>
+                                      </p:cBhvr>
+                                      <p:to>
+                                        <p:strVal val="visible"/>
+                                      </p:to>
+                                    </p:set>
+                                  </p:childTnLst>
+                                </p:cTn>
+                              </p:par>
+                            </p:childTnLst>
+                          </p:cTn>
+                        </p:par>
+                      </p:childTnLst>
+                    </p:cTn>
+                  </p:par>
+                </p:childTnLst>
+              </p:cTn>
+              <p:prevCondLst>
+                <p:cond evt="onPrev" delay="0">
+                  <p:tgtEl>
+                    <p:sldTgt/>
+                  </p:tgtEl>
+                </p:cond>
+              </p:prevCondLst>
+              <p:nextCondLst>
+                <p:cond evt="onNext" delay="0">
+                  <p:tgtEl>
+                    <p:sldTgt/>
+                  </p:tgtEl>
+                </p:cond>
+              </p:nextCondLst>
+            </p:seq>
+          </p:childTnLst>
+        </p:cTn>
+      </p:par>
+    </p:tnLst>
+    <p:bldLst>
+      <p:bldP spid="5" grpId="0" animBg="1"/>
+      <p:bldP spid="6" grpId="2"/>
+    </p:bldLst>
+  </p:timing>
 </p:sld>
 </file>
 
